--- a/presentation.pptx
+++ b/presentation.pptx
@@ -11,6 +11,8 @@
     <p:sldId id="259" r:id="rId5"/>
     <p:sldId id="260" r:id="rId6"/>
     <p:sldId id="261" r:id="rId7"/>
+    <p:sldId id="262" r:id="rId8"/>
+    <p:sldId id="263" r:id="rId9"/>
   </p:sldIdLst>
   <p:sldSz cx="12192000" cy="6858000"/>
   <p:notesSz cx="6858000" cy="9144000"/>
@@ -264,7 +266,7 @@
           <a:p>
             <a:fld id="{2D33603C-5355-4424-862B-2C955D3F174E}" type="datetimeFigureOut">
               <a:rPr lang="ru-RU" smtClean="0"/>
-              <a:t>09.12.2021</a:t>
+              <a:t>10.12.2021</a:t>
             </a:fld>
             <a:endParaRPr lang="ru-RU"/>
           </a:p>
@@ -462,7 +464,7 @@
           <a:p>
             <a:fld id="{2D33603C-5355-4424-862B-2C955D3F174E}" type="datetimeFigureOut">
               <a:rPr lang="ru-RU" smtClean="0"/>
-              <a:t>09.12.2021</a:t>
+              <a:t>10.12.2021</a:t>
             </a:fld>
             <a:endParaRPr lang="ru-RU"/>
           </a:p>
@@ -670,7 +672,7 @@
           <a:p>
             <a:fld id="{2D33603C-5355-4424-862B-2C955D3F174E}" type="datetimeFigureOut">
               <a:rPr lang="ru-RU" smtClean="0"/>
-              <a:t>09.12.2021</a:t>
+              <a:t>10.12.2021</a:t>
             </a:fld>
             <a:endParaRPr lang="ru-RU"/>
           </a:p>
@@ -868,7 +870,7 @@
           <a:p>
             <a:fld id="{2D33603C-5355-4424-862B-2C955D3F174E}" type="datetimeFigureOut">
               <a:rPr lang="ru-RU" smtClean="0"/>
-              <a:t>09.12.2021</a:t>
+              <a:t>10.12.2021</a:t>
             </a:fld>
             <a:endParaRPr lang="ru-RU"/>
           </a:p>
@@ -1143,7 +1145,7 @@
           <a:p>
             <a:fld id="{2D33603C-5355-4424-862B-2C955D3F174E}" type="datetimeFigureOut">
               <a:rPr lang="ru-RU" smtClean="0"/>
-              <a:t>09.12.2021</a:t>
+              <a:t>10.12.2021</a:t>
             </a:fld>
             <a:endParaRPr lang="ru-RU"/>
           </a:p>
@@ -1408,7 +1410,7 @@
           <a:p>
             <a:fld id="{2D33603C-5355-4424-862B-2C955D3F174E}" type="datetimeFigureOut">
               <a:rPr lang="ru-RU" smtClean="0"/>
-              <a:t>09.12.2021</a:t>
+              <a:t>10.12.2021</a:t>
             </a:fld>
             <a:endParaRPr lang="ru-RU"/>
           </a:p>
@@ -1820,7 +1822,7 @@
           <a:p>
             <a:fld id="{2D33603C-5355-4424-862B-2C955D3F174E}" type="datetimeFigureOut">
               <a:rPr lang="ru-RU" smtClean="0"/>
-              <a:t>09.12.2021</a:t>
+              <a:t>10.12.2021</a:t>
             </a:fld>
             <a:endParaRPr lang="ru-RU"/>
           </a:p>
@@ -1961,7 +1963,7 @@
           <a:p>
             <a:fld id="{2D33603C-5355-4424-862B-2C955D3F174E}" type="datetimeFigureOut">
               <a:rPr lang="ru-RU" smtClean="0"/>
-              <a:t>09.12.2021</a:t>
+              <a:t>10.12.2021</a:t>
             </a:fld>
             <a:endParaRPr lang="ru-RU"/>
           </a:p>
@@ -2074,7 +2076,7 @@
           <a:p>
             <a:fld id="{2D33603C-5355-4424-862B-2C955D3F174E}" type="datetimeFigureOut">
               <a:rPr lang="ru-RU" smtClean="0"/>
-              <a:t>09.12.2021</a:t>
+              <a:t>10.12.2021</a:t>
             </a:fld>
             <a:endParaRPr lang="ru-RU"/>
           </a:p>
@@ -2385,7 +2387,7 @@
           <a:p>
             <a:fld id="{2D33603C-5355-4424-862B-2C955D3F174E}" type="datetimeFigureOut">
               <a:rPr lang="ru-RU" smtClean="0"/>
-              <a:t>09.12.2021</a:t>
+              <a:t>10.12.2021</a:t>
             </a:fld>
             <a:endParaRPr lang="ru-RU"/>
           </a:p>
@@ -2673,7 +2675,7 @@
           <a:p>
             <a:fld id="{2D33603C-5355-4424-862B-2C955D3F174E}" type="datetimeFigureOut">
               <a:rPr lang="ru-RU" smtClean="0"/>
-              <a:t>09.12.2021</a:t>
+              <a:t>10.12.2021</a:t>
             </a:fld>
             <a:endParaRPr lang="ru-RU"/>
           </a:p>
@@ -2914,7 +2916,7 @@
           <a:p>
             <a:fld id="{2D33603C-5355-4424-862B-2C955D3F174E}" type="datetimeFigureOut">
               <a:rPr lang="ru-RU" smtClean="0"/>
-              <a:t>09.12.2021</a:t>
+              <a:t>10.12.2021</a:t>
             </a:fld>
             <a:endParaRPr lang="ru-RU"/>
           </a:p>
@@ -4108,6 +4110,2183 @@
 </p:sld>
 </file>
 
+<file path=ppt/slides/slide7.xml><?xml version="1.0" encoding="utf-8"?>
+<p:sld xmlns:a="http://schemas.openxmlformats.org/drawingml/2006/main" xmlns:r="http://schemas.openxmlformats.org/officeDocument/2006/relationships" xmlns:p="http://schemas.openxmlformats.org/presentationml/2006/main">
+  <p:cSld>
+    <p:spTree>
+      <p:nvGrpSpPr>
+        <p:cNvPr id="1" name=""/>
+        <p:cNvGrpSpPr/>
+        <p:nvPr/>
+      </p:nvGrpSpPr>
+      <p:grpSpPr>
+        <a:xfrm>
+          <a:off x="0" y="0"/>
+          <a:ext cx="0" cy="0"/>
+          <a:chOff x="0" y="0"/>
+          <a:chExt cx="0" cy="0"/>
+        </a:xfrm>
+      </p:grpSpPr>
+      <p:sp>
+        <p:nvSpPr>
+          <p:cNvPr id="2" name="Заголовок 1">
+            <a:extLst>
+              <a:ext uri="{FF2B5EF4-FFF2-40B4-BE49-F238E27FC236}">
+                <a16:creationId xmlns:a16="http://schemas.microsoft.com/office/drawing/2014/main" id="{605CDDFD-8AC7-483D-A0A4-E3A64B12C06A}"/>
+              </a:ext>
+            </a:extLst>
+          </p:cNvPr>
+          <p:cNvSpPr>
+            <a:spLocks noGrp="1"/>
+          </p:cNvSpPr>
+          <p:nvPr>
+            <p:ph type="title"/>
+          </p:nvPr>
+        </p:nvSpPr>
+        <p:spPr/>
+        <p:txBody>
+          <a:bodyPr/>
+          <a:lstStyle/>
+          <a:p>
+            <a:r>
+              <a:rPr lang="ru-RU" dirty="0"/>
+              <a:t>Математическая формализация</a:t>
+            </a:r>
+          </a:p>
+        </p:txBody>
+      </p:sp>
+      <mc:AlternateContent xmlns:mc="http://schemas.openxmlformats.org/markup-compatibility/2006">
+        <mc:Choice xmlns:a14="http://schemas.microsoft.com/office/drawing/2010/main" Requires="a14">
+          <p:sp>
+            <p:nvSpPr>
+              <p:cNvPr id="3" name="Объект 2">
+                <a:extLst>
+                  <a:ext uri="{FF2B5EF4-FFF2-40B4-BE49-F238E27FC236}">
+                    <a16:creationId xmlns:a16="http://schemas.microsoft.com/office/drawing/2014/main" id="{083E4820-30C1-455B-8872-DA0931F91228}"/>
+                  </a:ext>
+                </a:extLst>
+              </p:cNvPr>
+              <p:cNvSpPr>
+                <a:spLocks noGrp="1"/>
+              </p:cNvSpPr>
+              <p:nvPr>
+                <p:ph idx="1"/>
+              </p:nvPr>
+            </p:nvSpPr>
+            <p:spPr/>
+            <p:txBody>
+              <a:bodyPr>
+                <a:normAutofit fontScale="92500" lnSpcReduction="10000"/>
+              </a:bodyPr>
+              <a:lstStyle/>
+              <a:p>
+                <a:pPr>
+                  <a:lnSpc>
+                    <a:spcPct val="100000"/>
+                  </a:lnSpc>
+                </a:pPr>
+                <a:r>
+                  <a:rPr lang="ru-RU" dirty="0"/>
+                  <a:t>Ограничения</a:t>
+                </a:r>
+              </a:p>
+              <a:p>
+                <a:pPr lvl="1">
+                  <a:lnSpc>
+                    <a:spcPct val="100000"/>
+                  </a:lnSpc>
+                </a:pPr>
+                <a:r>
+                  <a:rPr lang="ru-RU" dirty="0"/>
+                  <a:t>Вместимость транспорта </a:t>
+                </a:r>
+                <a14:m>
+                  <m:oMath xmlns:m="http://schemas.openxmlformats.org/officeDocument/2006/math">
+                    <m:sSub>
+                      <m:sSubPr>
+                        <m:ctrlPr>
+                          <a:rPr lang="en-US" sz="2000" b="1" i="1" smtClean="0">
+                            <a:latin typeface="Cambria Math" panose="02040503050406030204" pitchFamily="18" charset="0"/>
+                          </a:rPr>
+                        </m:ctrlPr>
+                      </m:sSubPr>
+                      <m:e>
+                        <m:r>
+                          <a:rPr lang="en-US" sz="2000" b="1" i="1">
+                            <a:latin typeface="Cambria Math" panose="02040503050406030204" pitchFamily="18" charset="0"/>
+                          </a:rPr>
+                          <m:t>𝒗</m:t>
+                        </m:r>
+                      </m:e>
+                      <m:sub>
+                        <m:d>
+                          <m:dPr>
+                            <m:begChr m:val="{"/>
+                            <m:endChr m:val="}"/>
+                            <m:ctrlPr>
+                              <a:rPr lang="en-US" sz="2000" b="1" i="1">
+                                <a:latin typeface="Cambria Math" panose="02040503050406030204" pitchFamily="18" charset="0"/>
+                              </a:rPr>
+                            </m:ctrlPr>
+                          </m:dPr>
+                          <m:e>
+                            <m:r>
+                              <a:rPr lang="en-US" sz="2000" b="1" i="1">
+                                <a:latin typeface="Cambria Math" panose="02040503050406030204" pitchFamily="18" charset="0"/>
+                              </a:rPr>
+                              <m:t>𝒊𝒋𝒌</m:t>
+                            </m:r>
+                          </m:e>
+                        </m:d>
+                      </m:sub>
+                    </m:sSub>
+                    <m:r>
+                      <a:rPr lang="en-US" sz="2000" b="1" i="1">
+                        <a:latin typeface="Cambria Math" panose="02040503050406030204" pitchFamily="18" charset="0"/>
+                      </a:rPr>
+                      <m:t>⋅</m:t>
+                    </m:r>
+                    <m:r>
+                      <a:rPr lang="en-US" sz="2000" b="1" i="1">
+                        <a:latin typeface="Cambria Math" panose="02040503050406030204" pitchFamily="18" charset="0"/>
+                      </a:rPr>
+                      <m:t>𝑽𝒐𝒍</m:t>
+                    </m:r>
+                    <m:r>
+                      <a:rPr lang="en-US" sz="2000" b="1" i="1">
+                        <a:latin typeface="Cambria Math" panose="02040503050406030204" pitchFamily="18" charset="0"/>
+                      </a:rPr>
+                      <m:t> ≤</m:t>
+                    </m:r>
+                    <m:sSub>
+                      <m:sSubPr>
+                        <m:ctrlPr>
+                          <a:rPr lang="en-US" sz="2000" b="1" i="1">
+                            <a:latin typeface="Cambria Math" panose="02040503050406030204" pitchFamily="18" charset="0"/>
+                          </a:rPr>
+                        </m:ctrlPr>
+                      </m:sSubPr>
+                      <m:e>
+                        <m:r>
+                          <a:rPr lang="en-US" sz="2000" b="1" i="1">
+                            <a:latin typeface="Cambria Math" panose="02040503050406030204" pitchFamily="18" charset="0"/>
+                          </a:rPr>
+                          <m:t>𝒄</m:t>
+                        </m:r>
+                      </m:e>
+                      <m:sub>
+                        <m:r>
+                          <a:rPr lang="en-US" sz="2000" b="1" i="1">
+                            <a:latin typeface="Cambria Math" panose="02040503050406030204" pitchFamily="18" charset="0"/>
+                          </a:rPr>
+                          <m:t>𝒌</m:t>
+                        </m:r>
+                      </m:sub>
+                    </m:sSub>
+                    <m:r>
+                      <a:rPr lang="en-US" sz="2000" b="1" i="1">
+                        <a:latin typeface="Cambria Math" panose="02040503050406030204" pitchFamily="18" charset="0"/>
+                      </a:rPr>
+                      <m:t>, ∀</m:t>
+                    </m:r>
+                    <m:r>
+                      <a:rPr lang="en-US" sz="2000" b="1" i="1">
+                        <a:latin typeface="Cambria Math" panose="02040503050406030204" pitchFamily="18" charset="0"/>
+                      </a:rPr>
+                      <m:t>𝒊</m:t>
+                    </m:r>
+                    <m:r>
+                      <a:rPr lang="en-US" sz="2000" b="1" i="1">
+                        <a:latin typeface="Cambria Math" panose="02040503050406030204" pitchFamily="18" charset="0"/>
+                      </a:rPr>
+                      <m:t>, </m:t>
+                    </m:r>
+                    <m:r>
+                      <a:rPr lang="en-US" sz="2000" b="1" i="1">
+                        <a:latin typeface="Cambria Math" panose="02040503050406030204" pitchFamily="18" charset="0"/>
+                      </a:rPr>
+                      <m:t>𝒋</m:t>
+                    </m:r>
+                    <m:r>
+                      <a:rPr lang="en-US" sz="2000" b="1" i="1">
+                        <a:latin typeface="Cambria Math" panose="02040503050406030204" pitchFamily="18" charset="0"/>
+                      </a:rPr>
+                      <m:t> ∈</m:t>
+                    </m:r>
+                    <m:bar>
+                      <m:barPr>
+                        <m:pos m:val="top"/>
+                        <m:ctrlPr>
+                          <a:rPr lang="en-US" sz="2000" b="1" i="1">
+                            <a:latin typeface="Cambria Math" panose="02040503050406030204" pitchFamily="18" charset="0"/>
+                          </a:rPr>
+                        </m:ctrlPr>
+                      </m:barPr>
+                      <m:e>
+                        <m:d>
+                          <m:dPr>
+                            <m:begChr m:val="{"/>
+                            <m:endChr m:val="}"/>
+                            <m:ctrlPr>
+                              <a:rPr lang="en-US" sz="2000" b="1" i="1">
+                                <a:latin typeface="Cambria Math" panose="02040503050406030204" pitchFamily="18" charset="0"/>
+                              </a:rPr>
+                            </m:ctrlPr>
+                          </m:dPr>
+                          <m:e>
+                            <m:r>
+                              <a:rPr lang="en-US" sz="2000" b="1" i="1">
+                                <a:latin typeface="Cambria Math" panose="02040503050406030204" pitchFamily="18" charset="0"/>
+                              </a:rPr>
+                              <m:t>𝟏</m:t>
+                            </m:r>
+                            <m:r>
+                              <a:rPr lang="en-US" sz="2000" b="1" i="1">
+                                <a:latin typeface="Cambria Math" panose="02040503050406030204" pitchFamily="18" charset="0"/>
+                              </a:rPr>
+                              <m:t>, </m:t>
+                            </m:r>
+                            <m:sSub>
+                              <m:sSubPr>
+                                <m:ctrlPr>
+                                  <a:rPr lang="en-US" sz="2000" b="1" i="1">
+                                    <a:latin typeface="Cambria Math" panose="02040503050406030204" pitchFamily="18" charset="0"/>
+                                  </a:rPr>
+                                </m:ctrlPr>
+                              </m:sSubPr>
+                              <m:e>
+                                <m:r>
+                                  <a:rPr lang="en-US" sz="2000" b="1" i="1">
+                                    <a:latin typeface="Cambria Math" panose="02040503050406030204" pitchFamily="18" charset="0"/>
+                                  </a:rPr>
+                                  <m:t>𝑵</m:t>
+                                </m:r>
+                              </m:e>
+                              <m:sub>
+                                <m:r>
+                                  <a:rPr lang="en-US" sz="2000" b="1" i="1">
+                                    <a:latin typeface="Cambria Math" panose="02040503050406030204" pitchFamily="18" charset="0"/>
+                                  </a:rPr>
+                                  <m:t>𝒃</m:t>
+                                </m:r>
+                              </m:sub>
+                            </m:sSub>
+                            <m:r>
+                              <a:rPr lang="en-US" sz="2000" b="1" i="1">
+                                <a:latin typeface="Cambria Math" panose="02040503050406030204" pitchFamily="18" charset="0"/>
+                              </a:rPr>
+                              <m:t>+</m:t>
+                            </m:r>
+                            <m:sSub>
+                              <m:sSubPr>
+                                <m:ctrlPr>
+                                  <a:rPr lang="en-US" sz="2000" b="1" i="1">
+                                    <a:latin typeface="Cambria Math" panose="02040503050406030204" pitchFamily="18" charset="0"/>
+                                  </a:rPr>
+                                </m:ctrlPr>
+                              </m:sSubPr>
+                              <m:e>
+                                <m:r>
+                                  <a:rPr lang="en-US" sz="2000" b="1" i="1">
+                                    <a:latin typeface="Cambria Math" panose="02040503050406030204" pitchFamily="18" charset="0"/>
+                                  </a:rPr>
+                                  <m:t>𝑵</m:t>
+                                </m:r>
+                              </m:e>
+                              <m:sub>
+                                <m:r>
+                                  <a:rPr lang="en-US" sz="2000" b="1" i="1">
+                                    <a:latin typeface="Cambria Math" panose="02040503050406030204" pitchFamily="18" charset="0"/>
+                                  </a:rPr>
+                                  <m:t>𝒂</m:t>
+                                </m:r>
+                              </m:sub>
+                            </m:sSub>
+                          </m:e>
+                        </m:d>
+                      </m:e>
+                    </m:bar>
+                    <m:r>
+                      <a:rPr lang="en-US" sz="2000" b="1" i="1">
+                        <a:latin typeface="Cambria Math" panose="02040503050406030204" pitchFamily="18" charset="0"/>
+                      </a:rPr>
+                      <m:t>, </m:t>
+                    </m:r>
+                    <m:r>
+                      <a:rPr lang="ru-RU" sz="2000" b="1" i="1" smtClean="0">
+                        <a:latin typeface="Cambria Math" panose="02040503050406030204" pitchFamily="18" charset="0"/>
+                      </a:rPr>
+                      <m:t> </m:t>
+                    </m:r>
+                    <m:r>
+                      <a:rPr lang="en-US" sz="2000" b="1" i="1">
+                        <a:latin typeface="Cambria Math" panose="02040503050406030204" pitchFamily="18" charset="0"/>
+                      </a:rPr>
+                      <m:t>𝒌</m:t>
+                    </m:r>
+                    <m:r>
+                      <a:rPr lang="en-US" sz="2000" b="1" i="1">
+                        <a:latin typeface="Cambria Math" panose="02040503050406030204" pitchFamily="18" charset="0"/>
+                      </a:rPr>
+                      <m:t> ∈</m:t>
+                    </m:r>
+                    <m:bar>
+                      <m:barPr>
+                        <m:pos m:val="top"/>
+                        <m:ctrlPr>
+                          <a:rPr lang="en-US" sz="2000" b="1" i="1">
+                            <a:latin typeface="Cambria Math" panose="02040503050406030204" pitchFamily="18" charset="0"/>
+                          </a:rPr>
+                        </m:ctrlPr>
+                      </m:barPr>
+                      <m:e>
+                        <m:d>
+                          <m:dPr>
+                            <m:begChr m:val="{"/>
+                            <m:endChr m:val="}"/>
+                            <m:ctrlPr>
+                              <a:rPr lang="en-US" sz="2000" b="1" i="1">
+                                <a:latin typeface="Cambria Math" panose="02040503050406030204" pitchFamily="18" charset="0"/>
+                              </a:rPr>
+                            </m:ctrlPr>
+                          </m:dPr>
+                          <m:e>
+                            <m:r>
+                              <a:rPr lang="en-US" sz="2000" b="1" i="1">
+                                <a:latin typeface="Cambria Math" panose="02040503050406030204" pitchFamily="18" charset="0"/>
+                              </a:rPr>
+                              <m:t>𝟏</m:t>
+                            </m:r>
+                            <m:r>
+                              <a:rPr lang="en-US" sz="2000" b="1" i="1">
+                                <a:latin typeface="Cambria Math" panose="02040503050406030204" pitchFamily="18" charset="0"/>
+                              </a:rPr>
+                              <m:t>, </m:t>
+                            </m:r>
+                            <m:sSub>
+                              <m:sSubPr>
+                                <m:ctrlPr>
+                                  <a:rPr lang="en-US" sz="2000" b="1" i="1">
+                                    <a:latin typeface="Cambria Math" panose="02040503050406030204" pitchFamily="18" charset="0"/>
+                                  </a:rPr>
+                                </m:ctrlPr>
+                              </m:sSubPr>
+                              <m:e>
+                                <m:r>
+                                  <a:rPr lang="en-US" sz="2000" b="1" i="1">
+                                    <a:latin typeface="Cambria Math" panose="02040503050406030204" pitchFamily="18" charset="0"/>
+                                  </a:rPr>
+                                  <m:t>𝑵</m:t>
+                                </m:r>
+                              </m:e>
+                              <m:sub>
+                                <m:r>
+                                  <a:rPr lang="en-US" sz="2000" b="1" i="1">
+                                    <a:latin typeface="Cambria Math" panose="02040503050406030204" pitchFamily="18" charset="0"/>
+                                  </a:rPr>
+                                  <m:t>𝒕</m:t>
+                                </m:r>
+                              </m:sub>
+                            </m:sSub>
+                          </m:e>
+                        </m:d>
+                      </m:e>
+                    </m:bar>
+                  </m:oMath>
+                </a14:m>
+                <a:endParaRPr lang="ru-RU" sz="2000" b="1" dirty="0"/>
+              </a:p>
+              <a:p>
+                <a:pPr lvl="1">
+                  <a:lnSpc>
+                    <a:spcPct val="100000"/>
+                  </a:lnSpc>
+                </a:pPr>
+                <a:r>
+                  <a:rPr lang="ru-RU" dirty="0" err="1"/>
+                  <a:t>Однонаправленность</a:t>
+                </a:r>
+                <a:r>
+                  <a:rPr lang="ru-RU" dirty="0"/>
+                  <a:t> перемещений </a:t>
+                </a:r>
+                <a14:m>
+                  <m:oMath xmlns:m="http://schemas.openxmlformats.org/officeDocument/2006/math">
+                    <m:sSub>
+                      <m:sSubPr>
+                        <m:ctrlPr>
+                          <a:rPr lang="en-US" sz="2000" b="1" i="1" smtClean="0">
+                            <a:latin typeface="Cambria Math" panose="02040503050406030204" pitchFamily="18" charset="0"/>
+                          </a:rPr>
+                        </m:ctrlPr>
+                      </m:sSubPr>
+                      <m:e>
+                        <m:r>
+                          <a:rPr lang="en-US" sz="2000" b="1" i="1">
+                            <a:latin typeface="Cambria Math" panose="02040503050406030204" pitchFamily="18" charset="0"/>
+                          </a:rPr>
+                          <m:t>𝒗</m:t>
+                        </m:r>
+                      </m:e>
+                      <m:sub>
+                        <m:d>
+                          <m:dPr>
+                            <m:begChr m:val="{"/>
+                            <m:endChr m:val="}"/>
+                            <m:ctrlPr>
+                              <a:rPr lang="en-US" sz="2000" b="1" i="1">
+                                <a:latin typeface="Cambria Math" panose="02040503050406030204" pitchFamily="18" charset="0"/>
+                              </a:rPr>
+                            </m:ctrlPr>
+                          </m:dPr>
+                          <m:e>
+                            <m:r>
+                              <a:rPr lang="en-US" sz="2000" b="1" i="1">
+                                <a:latin typeface="Cambria Math" panose="02040503050406030204" pitchFamily="18" charset="0"/>
+                              </a:rPr>
+                              <m:t>𝒊𝒋𝒌</m:t>
+                            </m:r>
+                          </m:e>
+                        </m:d>
+                      </m:sub>
+                    </m:sSub>
+                    <m:r>
+                      <a:rPr lang="en-US" sz="2000" b="1" i="1">
+                        <a:latin typeface="Cambria Math" panose="02040503050406030204" pitchFamily="18" charset="0"/>
+                      </a:rPr>
+                      <m:t>&gt; </m:t>
+                    </m:r>
+                    <m:r>
+                      <a:rPr lang="en-US" sz="2000" b="1" i="1">
+                        <a:latin typeface="Cambria Math" panose="02040503050406030204" pitchFamily="18" charset="0"/>
+                      </a:rPr>
+                      <m:t>𝟎</m:t>
+                    </m:r>
+                    <m:r>
+                      <a:rPr lang="en-US" sz="2000" b="1" i="1">
+                        <a:latin typeface="Cambria Math" panose="02040503050406030204" pitchFamily="18" charset="0"/>
+                      </a:rPr>
+                      <m:t> ⇒ </m:t>
+                    </m:r>
+                    <m:sSub>
+                      <m:sSubPr>
+                        <m:ctrlPr>
+                          <a:rPr lang="en-US" sz="2000" b="1" i="1">
+                            <a:latin typeface="Cambria Math" panose="02040503050406030204" pitchFamily="18" charset="0"/>
+                          </a:rPr>
+                        </m:ctrlPr>
+                      </m:sSubPr>
+                      <m:e>
+                        <m:r>
+                          <a:rPr lang="en-US" sz="2000" b="1" i="1">
+                            <a:latin typeface="Cambria Math" panose="02040503050406030204" pitchFamily="18" charset="0"/>
+                          </a:rPr>
+                          <m:t>𝒗</m:t>
+                        </m:r>
+                      </m:e>
+                      <m:sub>
+                        <m:d>
+                          <m:dPr>
+                            <m:begChr m:val="{"/>
+                            <m:endChr m:val="}"/>
+                            <m:ctrlPr>
+                              <a:rPr lang="en-US" sz="2000" b="1" i="1">
+                                <a:latin typeface="Cambria Math" panose="02040503050406030204" pitchFamily="18" charset="0"/>
+                              </a:rPr>
+                            </m:ctrlPr>
+                          </m:dPr>
+                          <m:e>
+                            <m:r>
+                              <a:rPr lang="en-US" sz="2000" b="1" i="1">
+                                <a:latin typeface="Cambria Math" panose="02040503050406030204" pitchFamily="18" charset="0"/>
+                              </a:rPr>
+                              <m:t>𝒋𝒊𝒌</m:t>
+                            </m:r>
+                          </m:e>
+                        </m:d>
+                      </m:sub>
+                    </m:sSub>
+                    <m:r>
+                      <a:rPr lang="en-US" sz="2000" b="1" i="1">
+                        <a:latin typeface="Cambria Math" panose="02040503050406030204" pitchFamily="18" charset="0"/>
+                      </a:rPr>
+                      <m:t>= </m:t>
+                    </m:r>
+                    <m:r>
+                      <a:rPr lang="en-US" sz="2000" b="1" i="1">
+                        <a:latin typeface="Cambria Math" panose="02040503050406030204" pitchFamily="18" charset="0"/>
+                      </a:rPr>
+                      <m:t>𝟎</m:t>
+                    </m:r>
+                  </m:oMath>
+                </a14:m>
+                <a:endParaRPr lang="ru-RU" sz="2000" b="1" dirty="0"/>
+              </a:p>
+              <a:p>
+                <a:pPr lvl="1">
+                  <a:lnSpc>
+                    <a:spcPct val="100000"/>
+                  </a:lnSpc>
+                </a:pPr>
+                <a:r>
+                  <a:rPr lang="ru-RU" dirty="0"/>
+                  <a:t>Удовлетворение запросов </a:t>
+                </a:r>
+                <a14:m>
+                  <m:oMath xmlns:m="http://schemas.openxmlformats.org/officeDocument/2006/math">
+                    <m:sSub>
+                      <m:sSubPr>
+                        <m:ctrlPr>
+                          <a:rPr lang="en-US" sz="2000" b="1" i="1" smtClean="0">
+                            <a:latin typeface="Cambria Math" panose="02040503050406030204" pitchFamily="18" charset="0"/>
+                          </a:rPr>
+                        </m:ctrlPr>
+                      </m:sSubPr>
+                      <m:e>
+                        <m:r>
+                          <a:rPr lang="en-US" sz="2000" b="1" i="1">
+                            <a:latin typeface="Cambria Math" panose="02040503050406030204" pitchFamily="18" charset="0"/>
+                          </a:rPr>
+                          <m:t>𝒂</m:t>
+                        </m:r>
+                      </m:e>
+                      <m:sub>
+                        <m:r>
+                          <a:rPr lang="en-US" sz="2000" b="1" i="1">
+                            <a:latin typeface="Cambria Math" panose="02040503050406030204" pitchFamily="18" charset="0"/>
+                          </a:rPr>
+                          <m:t>𝒊</m:t>
+                        </m:r>
+                      </m:sub>
+                    </m:sSub>
+                    <m:r>
+                      <a:rPr lang="en-US" sz="2000" b="1" i="1">
+                        <a:latin typeface="Cambria Math" panose="02040503050406030204" pitchFamily="18" charset="0"/>
+                      </a:rPr>
+                      <m:t>+ </m:t>
+                    </m:r>
+                    <m:nary>
+                      <m:naryPr>
+                        <m:chr m:val="∑"/>
+                        <m:ctrlPr>
+                          <a:rPr lang="en-US" sz="2000" b="1" i="1">
+                            <a:latin typeface="Cambria Math" panose="02040503050406030204" pitchFamily="18" charset="0"/>
+                          </a:rPr>
+                        </m:ctrlPr>
+                      </m:naryPr>
+                      <m:sub>
+                        <m:d>
+                          <m:dPr>
+                            <m:begChr m:val="{"/>
+                            <m:endChr m:val="}"/>
+                            <m:ctrlPr>
+                              <a:rPr lang="en-US" sz="2000" b="1" i="1">
+                                <a:latin typeface="Cambria Math" panose="02040503050406030204" pitchFamily="18" charset="0"/>
+                              </a:rPr>
+                            </m:ctrlPr>
+                          </m:dPr>
+                          <m:e>
+                            <m:r>
+                              <a:rPr lang="en-US" sz="2000" b="1" i="1">
+                                <a:latin typeface="Cambria Math" panose="02040503050406030204" pitchFamily="18" charset="0"/>
+                              </a:rPr>
+                              <m:t>𝒋</m:t>
+                            </m:r>
+                            <m:r>
+                              <a:rPr lang="en-US" sz="2000" b="1" i="1">
+                                <a:latin typeface="Cambria Math" panose="02040503050406030204" pitchFamily="18" charset="0"/>
+                              </a:rPr>
+                              <m:t>=</m:t>
+                            </m:r>
+                            <m:r>
+                              <a:rPr lang="en-US" sz="2000" b="1" i="1">
+                                <a:latin typeface="Cambria Math" panose="02040503050406030204" pitchFamily="18" charset="0"/>
+                              </a:rPr>
+                              <m:t>𝟏</m:t>
+                            </m:r>
+                          </m:e>
+                        </m:d>
+                      </m:sub>
+                      <m:sup>
+                        <m:sSub>
+                          <m:sSubPr>
+                            <m:ctrlPr>
+                              <a:rPr lang="en-US" sz="2000" b="1" i="1">
+                                <a:latin typeface="Cambria Math" panose="02040503050406030204" pitchFamily="18" charset="0"/>
+                              </a:rPr>
+                            </m:ctrlPr>
+                          </m:sSubPr>
+                          <m:e>
+                            <m:r>
+                              <a:rPr lang="en-US" sz="2000" b="1" i="1">
+                                <a:latin typeface="Cambria Math" panose="02040503050406030204" pitchFamily="18" charset="0"/>
+                              </a:rPr>
+                              <m:t>𝑵</m:t>
+                            </m:r>
+                          </m:e>
+                          <m:sub>
+                            <m:r>
+                              <a:rPr lang="en-US" sz="2000" b="1" i="1">
+                                <a:latin typeface="Cambria Math" panose="02040503050406030204" pitchFamily="18" charset="0"/>
+                              </a:rPr>
+                              <m:t>𝒃</m:t>
+                            </m:r>
+                          </m:sub>
+                        </m:sSub>
+                        <m:r>
+                          <a:rPr lang="en-US" sz="2000" b="1" i="1">
+                            <a:latin typeface="Cambria Math" panose="02040503050406030204" pitchFamily="18" charset="0"/>
+                          </a:rPr>
+                          <m:t>+</m:t>
+                        </m:r>
+                        <m:sSub>
+                          <m:sSubPr>
+                            <m:ctrlPr>
+                              <a:rPr lang="en-US" sz="2000" b="1" i="1">
+                                <a:latin typeface="Cambria Math" panose="02040503050406030204" pitchFamily="18" charset="0"/>
+                              </a:rPr>
+                            </m:ctrlPr>
+                          </m:sSubPr>
+                          <m:e>
+                            <m:r>
+                              <a:rPr lang="en-US" sz="2000" b="1" i="1">
+                                <a:latin typeface="Cambria Math" panose="02040503050406030204" pitchFamily="18" charset="0"/>
+                              </a:rPr>
+                              <m:t>𝑵</m:t>
+                            </m:r>
+                          </m:e>
+                          <m:sub>
+                            <m:r>
+                              <a:rPr lang="en-US" sz="2000" b="1" i="1">
+                                <a:latin typeface="Cambria Math" panose="02040503050406030204" pitchFamily="18" charset="0"/>
+                              </a:rPr>
+                              <m:t>𝒂</m:t>
+                            </m:r>
+                          </m:sub>
+                        </m:sSub>
+                      </m:sup>
+                      <m:e>
+                        <m:nary>
+                          <m:naryPr>
+                            <m:chr m:val="∑"/>
+                            <m:ctrlPr>
+                              <a:rPr lang="en-US" sz="2000" b="1" i="1">
+                                <a:latin typeface="Cambria Math" panose="02040503050406030204" pitchFamily="18" charset="0"/>
+                              </a:rPr>
+                            </m:ctrlPr>
+                          </m:naryPr>
+                          <m:sub>
+                            <m:d>
+                              <m:dPr>
+                                <m:begChr m:val="{"/>
+                                <m:endChr m:val="}"/>
+                                <m:ctrlPr>
+                                  <a:rPr lang="en-US" sz="2000" b="1" i="1">
+                                    <a:latin typeface="Cambria Math" panose="02040503050406030204" pitchFamily="18" charset="0"/>
+                                  </a:rPr>
+                                </m:ctrlPr>
+                              </m:dPr>
+                              <m:e>
+                                <m:r>
+                                  <a:rPr lang="en-US" sz="2000" b="1" i="1">
+                                    <a:latin typeface="Cambria Math" panose="02040503050406030204" pitchFamily="18" charset="0"/>
+                                  </a:rPr>
+                                  <m:t>𝒌</m:t>
+                                </m:r>
+                                <m:r>
+                                  <a:rPr lang="en-US" sz="2000" b="1" i="1">
+                                    <a:latin typeface="Cambria Math" panose="02040503050406030204" pitchFamily="18" charset="0"/>
+                                  </a:rPr>
+                                  <m:t>=</m:t>
+                                </m:r>
+                                <m:r>
+                                  <a:rPr lang="en-US" sz="2000" b="1" i="1">
+                                    <a:latin typeface="Cambria Math" panose="02040503050406030204" pitchFamily="18" charset="0"/>
+                                  </a:rPr>
+                                  <m:t>𝟏</m:t>
+                                </m:r>
+                              </m:e>
+                            </m:d>
+                          </m:sub>
+                          <m:sup>
+                            <m:sSub>
+                              <m:sSubPr>
+                                <m:ctrlPr>
+                                  <a:rPr lang="en-US" sz="2000" b="1" i="1">
+                                    <a:latin typeface="Cambria Math" panose="02040503050406030204" pitchFamily="18" charset="0"/>
+                                  </a:rPr>
+                                </m:ctrlPr>
+                              </m:sSubPr>
+                              <m:e>
+                                <m:r>
+                                  <a:rPr lang="en-US" sz="2000" b="1" i="1">
+                                    <a:latin typeface="Cambria Math" panose="02040503050406030204" pitchFamily="18" charset="0"/>
+                                  </a:rPr>
+                                  <m:t>𝑵</m:t>
+                                </m:r>
+                              </m:e>
+                              <m:sub>
+                                <m:r>
+                                  <a:rPr lang="en-US" sz="2000" b="1" i="1">
+                                    <a:latin typeface="Cambria Math" panose="02040503050406030204" pitchFamily="18" charset="0"/>
+                                  </a:rPr>
+                                  <m:t>𝒕</m:t>
+                                </m:r>
+                              </m:sub>
+                            </m:sSub>
+                          </m:sup>
+                          <m:e>
+                            <m:r>
+                              <a:rPr lang="en-US" sz="2000" b="1" i="1" smtClean="0">
+                                <a:latin typeface="Cambria Math" panose="02040503050406030204" pitchFamily="18" charset="0"/>
+                              </a:rPr>
+                              <m:t>(</m:t>
+                            </m:r>
+                            <m:sSub>
+                              <m:sSubPr>
+                                <m:ctrlPr>
+                                  <a:rPr lang="en-US" sz="2000" b="1" i="1">
+                                    <a:latin typeface="Cambria Math" panose="02040503050406030204" pitchFamily="18" charset="0"/>
+                                  </a:rPr>
+                                </m:ctrlPr>
+                              </m:sSubPr>
+                              <m:e>
+                                <m:r>
+                                  <a:rPr lang="en-US" sz="2000" b="1" i="1">
+                                    <a:latin typeface="Cambria Math" panose="02040503050406030204" pitchFamily="18" charset="0"/>
+                                  </a:rPr>
+                                  <m:t>𝒗</m:t>
+                                </m:r>
+                              </m:e>
+                              <m:sub>
+                                <m:r>
+                                  <a:rPr lang="en-US" sz="2000" b="1" i="1">
+                                    <a:latin typeface="Cambria Math" panose="02040503050406030204" pitchFamily="18" charset="0"/>
+                                  </a:rPr>
+                                  <m:t>𝒋𝒊𝒌</m:t>
+                                </m:r>
+                              </m:sub>
+                            </m:sSub>
+                            <m:r>
+                              <a:rPr lang="en-US" sz="2000" b="1" i="1">
+                                <a:latin typeface="Cambria Math" panose="02040503050406030204" pitchFamily="18" charset="0"/>
+                              </a:rPr>
+                              <m:t>− </m:t>
+                            </m:r>
+                            <m:sSub>
+                              <m:sSubPr>
+                                <m:ctrlPr>
+                                  <a:rPr lang="en-US" sz="2000" b="1" i="1">
+                                    <a:latin typeface="Cambria Math" panose="02040503050406030204" pitchFamily="18" charset="0"/>
+                                  </a:rPr>
+                                </m:ctrlPr>
+                              </m:sSubPr>
+                              <m:e>
+                                <m:r>
+                                  <a:rPr lang="en-US" sz="2000" b="1" i="1">
+                                    <a:latin typeface="Cambria Math" panose="02040503050406030204" pitchFamily="18" charset="0"/>
+                                  </a:rPr>
+                                  <m:t>𝒗</m:t>
+                                </m:r>
+                              </m:e>
+                              <m:sub>
+                                <m:d>
+                                  <m:dPr>
+                                    <m:begChr m:val="{"/>
+                                    <m:endChr m:val="}"/>
+                                    <m:ctrlPr>
+                                      <a:rPr lang="en-US" sz="2000" b="1" i="1">
+                                        <a:latin typeface="Cambria Math" panose="02040503050406030204" pitchFamily="18" charset="0"/>
+                                      </a:rPr>
+                                    </m:ctrlPr>
+                                  </m:dPr>
+                                  <m:e>
+                                    <m:r>
+                                      <a:rPr lang="en-US" sz="2000" b="1" i="1">
+                                        <a:latin typeface="Cambria Math" panose="02040503050406030204" pitchFamily="18" charset="0"/>
+                                      </a:rPr>
+                                      <m:t>𝒊𝒋𝒌</m:t>
+                                    </m:r>
+                                  </m:e>
+                                </m:d>
+                              </m:sub>
+                            </m:sSub>
+                            <m:r>
+                              <a:rPr lang="en-US" sz="2000" b="1" i="1" smtClean="0">
+                                <a:latin typeface="Cambria Math" panose="02040503050406030204" pitchFamily="18" charset="0"/>
+                              </a:rPr>
+                              <m:t>)</m:t>
+                            </m:r>
+                          </m:e>
+                        </m:nary>
+                      </m:e>
+                    </m:nary>
+                    <m:r>
+                      <a:rPr lang="en-US" sz="2000" b="1" i="1">
+                        <a:latin typeface="Cambria Math" panose="02040503050406030204" pitchFamily="18" charset="0"/>
+                      </a:rPr>
+                      <m:t>≥</m:t>
+                    </m:r>
+                    <m:r>
+                      <a:rPr lang="en-US" sz="2000" b="1" i="1">
+                        <a:latin typeface="Cambria Math" panose="02040503050406030204" pitchFamily="18" charset="0"/>
+                      </a:rPr>
+                      <m:t>𝟎</m:t>
+                    </m:r>
+                  </m:oMath>
+                </a14:m>
+                <a:endParaRPr lang="ru-RU" sz="2000" b="1" dirty="0"/>
+              </a:p>
+              <a:p>
+                <a:pPr lvl="1">
+                  <a:lnSpc>
+                    <a:spcPct val="100000"/>
+                  </a:lnSpc>
+                </a:pPr>
+                <a:r>
+                  <a:rPr lang="ru-RU" dirty="0"/>
+                  <a:t>Транспорт может въехать и выехать из пункта только одним путём </a:t>
+                </a:r>
+                <a:r>
+                  <a:rPr lang="en-US" dirty="0"/>
+                  <a:t> </a:t>
+                </a:r>
+              </a:p>
+              <a:p>
+                <a:pPr marL="457200" lvl="1" indent="0">
+                  <a:lnSpc>
+                    <a:spcPct val="100000"/>
+                  </a:lnSpc>
+                  <a:buNone/>
+                </a:pPr>
+                <a14:m>
+                  <m:oMathPara xmlns:m="http://schemas.openxmlformats.org/officeDocument/2006/math">
+                    <m:oMathParaPr>
+                      <m:jc m:val="centerGroup"/>
+                    </m:oMathParaPr>
+                    <m:oMath xmlns:m="http://schemas.openxmlformats.org/officeDocument/2006/math">
+                      <m:d>
+                        <m:dPr>
+                          <m:begChr m:val="{"/>
+                          <m:endChr m:val=""/>
+                          <m:ctrlPr>
+                            <a:rPr lang="ru-RU" i="1" smtClean="0">
+                              <a:latin typeface="Cambria Math" panose="02040503050406030204" pitchFamily="18" charset="0"/>
+                            </a:rPr>
+                          </m:ctrlPr>
+                        </m:dPr>
+                        <m:e>
+                          <m:eqArr>
+                            <m:eqArrPr>
+                              <m:ctrlPr>
+                                <a:rPr lang="ru-RU" i="1" smtClean="0">
+                                  <a:latin typeface="Cambria Math" panose="02040503050406030204" pitchFamily="18" charset="0"/>
+                                </a:rPr>
+                              </m:ctrlPr>
+                            </m:eqArrPr>
+                            <m:e>
+                              <m:r>
+                                <a:rPr lang="ru-RU" i="1" smtClean="0">
+                                  <a:latin typeface="Cambria Math" panose="02040503050406030204" pitchFamily="18" charset="0"/>
+                                  <a:ea typeface="Cambria Math" panose="02040503050406030204" pitchFamily="18" charset="0"/>
+                                </a:rPr>
+                                <m:t>∄</m:t>
+                              </m:r>
+                              <m:r>
+                                <a:rPr lang="pl-PL" i="1">
+                                  <a:latin typeface="Cambria Math" panose="02040503050406030204" pitchFamily="18" charset="0"/>
+                                  <a:ea typeface="Cambria Math" panose="02040503050406030204" pitchFamily="18" charset="0"/>
+                                </a:rPr>
+                                <m:t>𝑖</m:t>
+                              </m:r>
+                              <m:r>
+                                <a:rPr lang="pl-PL" i="1">
+                                  <a:latin typeface="Cambria Math" panose="02040503050406030204" pitchFamily="18" charset="0"/>
+                                  <a:ea typeface="Cambria Math" panose="02040503050406030204" pitchFamily="18" charset="0"/>
+                                </a:rPr>
+                                <m:t>, </m:t>
+                              </m:r>
+                              <m:r>
+                                <a:rPr lang="pl-PL" i="1">
+                                  <a:latin typeface="Cambria Math" panose="02040503050406030204" pitchFamily="18" charset="0"/>
+                                  <a:ea typeface="Cambria Math" panose="02040503050406030204" pitchFamily="18" charset="0"/>
+                                </a:rPr>
+                                <m:t>𝑘</m:t>
+                              </m:r>
+                              <m:r>
+                                <a:rPr lang="pl-PL" i="1">
+                                  <a:latin typeface="Cambria Math" panose="02040503050406030204" pitchFamily="18" charset="0"/>
+                                  <a:ea typeface="Cambria Math" panose="02040503050406030204" pitchFamily="18" charset="0"/>
+                                </a:rPr>
+                                <m:t>, </m:t>
+                              </m:r>
+                              <m:sSub>
+                                <m:sSubPr>
+                                  <m:ctrlPr>
+                                    <a:rPr lang="pl-PL" i="1">
+                                      <a:latin typeface="Cambria Math" panose="02040503050406030204" pitchFamily="18" charset="0"/>
+                                      <a:ea typeface="Cambria Math" panose="02040503050406030204" pitchFamily="18" charset="0"/>
+                                    </a:rPr>
+                                  </m:ctrlPr>
+                                </m:sSubPr>
+                                <m:e>
+                                  <m:r>
+                                    <a:rPr lang="pl-PL" i="1">
+                                      <a:latin typeface="Cambria Math" panose="02040503050406030204" pitchFamily="18" charset="0"/>
+                                      <a:ea typeface="Cambria Math" panose="02040503050406030204" pitchFamily="18" charset="0"/>
+                                    </a:rPr>
+                                    <m:t>𝑗</m:t>
+                                  </m:r>
+                                </m:e>
+                                <m:sub>
+                                  <m:r>
+                                    <a:rPr lang="pl-PL" i="1">
+                                      <a:latin typeface="Cambria Math" panose="02040503050406030204" pitchFamily="18" charset="0"/>
+                                      <a:ea typeface="Cambria Math" panose="02040503050406030204" pitchFamily="18" charset="0"/>
+                                    </a:rPr>
+                                    <m:t>1</m:t>
+                                  </m:r>
+                                </m:sub>
+                              </m:sSub>
+                              <m:r>
+                                <a:rPr lang="pl-PL" i="1">
+                                  <a:latin typeface="Cambria Math" panose="02040503050406030204" pitchFamily="18" charset="0"/>
+                                  <a:ea typeface="Cambria Math" panose="02040503050406030204" pitchFamily="18" charset="0"/>
+                                </a:rPr>
+                                <m:t>, </m:t>
+                              </m:r>
+                              <m:sSub>
+                                <m:sSubPr>
+                                  <m:ctrlPr>
+                                    <a:rPr lang="pl-PL" i="1">
+                                      <a:latin typeface="Cambria Math" panose="02040503050406030204" pitchFamily="18" charset="0"/>
+                                      <a:ea typeface="Cambria Math" panose="02040503050406030204" pitchFamily="18" charset="0"/>
+                                    </a:rPr>
+                                  </m:ctrlPr>
+                                </m:sSubPr>
+                                <m:e>
+                                  <m:r>
+                                    <a:rPr lang="pl-PL" i="1">
+                                      <a:latin typeface="Cambria Math" panose="02040503050406030204" pitchFamily="18" charset="0"/>
+                                      <a:ea typeface="Cambria Math" panose="02040503050406030204" pitchFamily="18" charset="0"/>
+                                    </a:rPr>
+                                    <m:t>𝑗</m:t>
+                                  </m:r>
+                                </m:e>
+                                <m:sub>
+                                  <m:r>
+                                    <a:rPr lang="pl-PL" i="1">
+                                      <a:latin typeface="Cambria Math" panose="02040503050406030204" pitchFamily="18" charset="0"/>
+                                      <a:ea typeface="Cambria Math" panose="02040503050406030204" pitchFamily="18" charset="0"/>
+                                    </a:rPr>
+                                    <m:t>2</m:t>
+                                  </m:r>
+                                </m:sub>
+                              </m:sSub>
+                              <m:r>
+                                <a:rPr lang="pl-PL" i="1">
+                                  <a:latin typeface="Cambria Math" panose="02040503050406030204" pitchFamily="18" charset="0"/>
+                                  <a:ea typeface="Cambria Math" panose="02040503050406030204" pitchFamily="18" charset="0"/>
+                                </a:rPr>
+                                <m:t>:</m:t>
+                              </m:r>
+                              <m:r>
+                                <a:rPr lang="en-US" b="0" i="1" smtClean="0">
+                                  <a:latin typeface="Cambria Math" panose="02040503050406030204" pitchFamily="18" charset="0"/>
+                                  <a:ea typeface="Cambria Math" panose="02040503050406030204" pitchFamily="18" charset="0"/>
+                                </a:rPr>
+                                <m:t>  </m:t>
+                              </m:r>
+                              <m:sSub>
+                                <m:sSubPr>
+                                  <m:ctrlPr>
+                                    <a:rPr lang="en-US" i="1">
+                                      <a:latin typeface="Cambria Math" panose="02040503050406030204" pitchFamily="18" charset="0"/>
+                                      <a:ea typeface="Cambria Math" panose="02040503050406030204" pitchFamily="18" charset="0"/>
+                                    </a:rPr>
+                                  </m:ctrlPr>
+                                </m:sSubPr>
+                                <m:e>
+                                  <m:r>
+                                    <a:rPr lang="en-US" i="1">
+                                      <a:latin typeface="Cambria Math" panose="02040503050406030204" pitchFamily="18" charset="0"/>
+                                      <a:ea typeface="Cambria Math" panose="02040503050406030204" pitchFamily="18" charset="0"/>
+                                    </a:rPr>
+                                    <m:t>𝑗</m:t>
+                                  </m:r>
+                                </m:e>
+                                <m:sub>
+                                  <m:r>
+                                    <a:rPr lang="en-US" i="1">
+                                      <a:latin typeface="Cambria Math" panose="02040503050406030204" pitchFamily="18" charset="0"/>
+                                      <a:ea typeface="Cambria Math" panose="02040503050406030204" pitchFamily="18" charset="0"/>
+                                    </a:rPr>
+                                    <m:t>1</m:t>
+                                  </m:r>
+                                </m:sub>
+                              </m:sSub>
+                              <m:r>
+                                <a:rPr lang="en-US" i="1" smtClean="0">
+                                  <a:latin typeface="Cambria Math" panose="02040503050406030204" pitchFamily="18" charset="0"/>
+                                  <a:ea typeface="Cambria Math" panose="02040503050406030204" pitchFamily="18" charset="0"/>
+                                </a:rPr>
+                                <m:t>≠</m:t>
+                              </m:r>
+                              <m:r>
+                                <a:rPr lang="en-US" i="1">
+                                  <a:latin typeface="Cambria Math" panose="02040503050406030204" pitchFamily="18" charset="0"/>
+                                  <a:ea typeface="Cambria Math" panose="02040503050406030204" pitchFamily="18" charset="0"/>
+                                </a:rPr>
+                                <m:t> </m:t>
+                              </m:r>
+                              <m:sSub>
+                                <m:sSubPr>
+                                  <m:ctrlPr>
+                                    <a:rPr lang="en-US" i="1">
+                                      <a:latin typeface="Cambria Math" panose="02040503050406030204" pitchFamily="18" charset="0"/>
+                                      <a:ea typeface="Cambria Math" panose="02040503050406030204" pitchFamily="18" charset="0"/>
+                                    </a:rPr>
+                                  </m:ctrlPr>
+                                </m:sSubPr>
+                                <m:e>
+                                  <m:r>
+                                    <a:rPr lang="en-US" i="1">
+                                      <a:latin typeface="Cambria Math" panose="02040503050406030204" pitchFamily="18" charset="0"/>
+                                      <a:ea typeface="Cambria Math" panose="02040503050406030204" pitchFamily="18" charset="0"/>
+                                    </a:rPr>
+                                    <m:t>𝑗</m:t>
+                                  </m:r>
+                                </m:e>
+                                <m:sub>
+                                  <m:r>
+                                    <a:rPr lang="en-US" i="1">
+                                      <a:latin typeface="Cambria Math" panose="02040503050406030204" pitchFamily="18" charset="0"/>
+                                      <a:ea typeface="Cambria Math" panose="02040503050406030204" pitchFamily="18" charset="0"/>
+                                    </a:rPr>
+                                    <m:t>2</m:t>
+                                  </m:r>
+                                </m:sub>
+                              </m:sSub>
+                              <m:r>
+                                <a:rPr lang="en-US" i="1">
+                                  <a:latin typeface="Cambria Math" panose="02040503050406030204" pitchFamily="18" charset="0"/>
+                                  <a:ea typeface="Cambria Math" panose="02040503050406030204" pitchFamily="18" charset="0"/>
+                                </a:rPr>
+                                <m:t>, </m:t>
+                              </m:r>
+                              <m:sSub>
+                                <m:sSubPr>
+                                  <m:ctrlPr>
+                                    <a:rPr lang="en-US" i="1">
+                                      <a:latin typeface="Cambria Math" panose="02040503050406030204" pitchFamily="18" charset="0"/>
+                                      <a:ea typeface="Cambria Math" panose="02040503050406030204" pitchFamily="18" charset="0"/>
+                                    </a:rPr>
+                                  </m:ctrlPr>
+                                </m:sSubPr>
+                                <m:e>
+                                  <m:r>
+                                    <a:rPr lang="en-US" i="1">
+                                      <a:latin typeface="Cambria Math" panose="02040503050406030204" pitchFamily="18" charset="0"/>
+                                      <a:ea typeface="Cambria Math" panose="02040503050406030204" pitchFamily="18" charset="0"/>
+                                    </a:rPr>
+                                    <m:t>𝑣</m:t>
+                                  </m:r>
+                                </m:e>
+                                <m:sub>
+                                  <m:r>
+                                    <a:rPr lang="en-US" i="1">
+                                      <a:latin typeface="Cambria Math" panose="02040503050406030204" pitchFamily="18" charset="0"/>
+                                      <a:ea typeface="Cambria Math" panose="02040503050406030204" pitchFamily="18" charset="0"/>
+                                    </a:rPr>
+                                    <m:t>𝑖</m:t>
+                                  </m:r>
+                                  <m:sSub>
+                                    <m:sSubPr>
+                                      <m:ctrlPr>
+                                        <a:rPr lang="en-US" i="1">
+                                          <a:latin typeface="Cambria Math" panose="02040503050406030204" pitchFamily="18" charset="0"/>
+                                          <a:ea typeface="Cambria Math" panose="02040503050406030204" pitchFamily="18" charset="0"/>
+                                        </a:rPr>
+                                      </m:ctrlPr>
+                                    </m:sSubPr>
+                                    <m:e>
+                                      <m:r>
+                                        <a:rPr lang="en-US" i="1">
+                                          <a:latin typeface="Cambria Math" panose="02040503050406030204" pitchFamily="18" charset="0"/>
+                                          <a:ea typeface="Cambria Math" panose="02040503050406030204" pitchFamily="18" charset="0"/>
+                                        </a:rPr>
+                                        <m:t>𝑗</m:t>
+                                      </m:r>
+                                    </m:e>
+                                    <m:sub>
+                                      <m:r>
+                                        <a:rPr lang="en-US" i="1">
+                                          <a:latin typeface="Cambria Math" panose="02040503050406030204" pitchFamily="18" charset="0"/>
+                                          <a:ea typeface="Cambria Math" panose="02040503050406030204" pitchFamily="18" charset="0"/>
+                                        </a:rPr>
+                                        <m:t>1</m:t>
+                                      </m:r>
+                                    </m:sub>
+                                  </m:sSub>
+                                  <m:r>
+                                    <a:rPr lang="en-US" b="0" i="1" smtClean="0">
+                                      <a:latin typeface="Cambria Math" panose="02040503050406030204" pitchFamily="18" charset="0"/>
+                                      <a:ea typeface="Cambria Math" panose="02040503050406030204" pitchFamily="18" charset="0"/>
+                                    </a:rPr>
+                                    <m:t>𝑘</m:t>
+                                  </m:r>
+                                </m:sub>
+                              </m:sSub>
+                              <m:r>
+                                <a:rPr lang="en-US" i="1">
+                                  <a:latin typeface="Cambria Math" panose="02040503050406030204" pitchFamily="18" charset="0"/>
+                                  <a:ea typeface="Cambria Math" panose="02040503050406030204" pitchFamily="18" charset="0"/>
+                                </a:rPr>
+                                <m:t>&gt; 0, </m:t>
+                              </m:r>
+                              <m:sSub>
+                                <m:sSubPr>
+                                  <m:ctrlPr>
+                                    <a:rPr lang="en-US" i="1">
+                                      <a:latin typeface="Cambria Math" panose="02040503050406030204" pitchFamily="18" charset="0"/>
+                                      <a:ea typeface="Cambria Math" panose="02040503050406030204" pitchFamily="18" charset="0"/>
+                                    </a:rPr>
+                                  </m:ctrlPr>
+                                </m:sSubPr>
+                                <m:e>
+                                  <m:r>
+                                    <a:rPr lang="en-US" i="1">
+                                      <a:latin typeface="Cambria Math" panose="02040503050406030204" pitchFamily="18" charset="0"/>
+                                      <a:ea typeface="Cambria Math" panose="02040503050406030204" pitchFamily="18" charset="0"/>
+                                    </a:rPr>
+                                    <m:t>𝑣</m:t>
+                                  </m:r>
+                                </m:e>
+                                <m:sub>
+                                  <m:r>
+                                    <a:rPr lang="en-US" i="1">
+                                      <a:latin typeface="Cambria Math" panose="02040503050406030204" pitchFamily="18" charset="0"/>
+                                      <a:ea typeface="Cambria Math" panose="02040503050406030204" pitchFamily="18" charset="0"/>
+                                    </a:rPr>
+                                    <m:t>𝑖</m:t>
+                                  </m:r>
+                                  <m:sSub>
+                                    <m:sSubPr>
+                                      <m:ctrlPr>
+                                        <a:rPr lang="en-US" i="1">
+                                          <a:latin typeface="Cambria Math" panose="02040503050406030204" pitchFamily="18" charset="0"/>
+                                          <a:ea typeface="Cambria Math" panose="02040503050406030204" pitchFamily="18" charset="0"/>
+                                        </a:rPr>
+                                      </m:ctrlPr>
+                                    </m:sSubPr>
+                                    <m:e>
+                                      <m:r>
+                                        <a:rPr lang="en-US" i="1">
+                                          <a:latin typeface="Cambria Math" panose="02040503050406030204" pitchFamily="18" charset="0"/>
+                                          <a:ea typeface="Cambria Math" panose="02040503050406030204" pitchFamily="18" charset="0"/>
+                                        </a:rPr>
+                                        <m:t>𝑗</m:t>
+                                      </m:r>
+                                    </m:e>
+                                    <m:sub>
+                                      <m:r>
+                                        <a:rPr lang="en-US" i="1">
+                                          <a:latin typeface="Cambria Math" panose="02040503050406030204" pitchFamily="18" charset="0"/>
+                                          <a:ea typeface="Cambria Math" panose="02040503050406030204" pitchFamily="18" charset="0"/>
+                                        </a:rPr>
+                                        <m:t>2</m:t>
+                                      </m:r>
+                                    </m:sub>
+                                  </m:sSub>
+                                  <m:r>
+                                    <a:rPr lang="en-US" b="0" i="1" smtClean="0">
+                                      <a:latin typeface="Cambria Math" panose="02040503050406030204" pitchFamily="18" charset="0"/>
+                                      <a:ea typeface="Cambria Math" panose="02040503050406030204" pitchFamily="18" charset="0"/>
+                                    </a:rPr>
+                                    <m:t>𝑘</m:t>
+                                  </m:r>
+                                </m:sub>
+                              </m:sSub>
+                              <m:r>
+                                <a:rPr lang="en-US" i="1">
+                                  <a:latin typeface="Cambria Math" panose="02040503050406030204" pitchFamily="18" charset="0"/>
+                                  <a:ea typeface="Cambria Math" panose="02040503050406030204" pitchFamily="18" charset="0"/>
+                                </a:rPr>
+                                <m:t>&gt; 0</m:t>
+                              </m:r>
+                            </m:e>
+                            <m:e>
+                              <m:r>
+                                <a:rPr lang="ru-RU" i="1">
+                                  <a:latin typeface="Cambria Math" panose="02040503050406030204" pitchFamily="18" charset="0"/>
+                                  <a:ea typeface="Cambria Math" panose="02040503050406030204" pitchFamily="18" charset="0"/>
+                                </a:rPr>
+                                <m:t>∄</m:t>
+                              </m:r>
+                              <m:r>
+                                <a:rPr lang="en-US" b="0" i="1" smtClean="0">
+                                  <a:latin typeface="Cambria Math" panose="02040503050406030204" pitchFamily="18" charset="0"/>
+                                  <a:ea typeface="Cambria Math" panose="02040503050406030204" pitchFamily="18" charset="0"/>
+                                </a:rPr>
+                                <m:t>𝑗</m:t>
+                              </m:r>
+                              <m:r>
+                                <a:rPr lang="pl-PL" i="1">
+                                  <a:latin typeface="Cambria Math" panose="02040503050406030204" pitchFamily="18" charset="0"/>
+                                  <a:ea typeface="Cambria Math" panose="02040503050406030204" pitchFamily="18" charset="0"/>
+                                </a:rPr>
+                                <m:t>, </m:t>
+                              </m:r>
+                              <m:r>
+                                <a:rPr lang="pl-PL" i="1">
+                                  <a:latin typeface="Cambria Math" panose="02040503050406030204" pitchFamily="18" charset="0"/>
+                                  <a:ea typeface="Cambria Math" panose="02040503050406030204" pitchFamily="18" charset="0"/>
+                                </a:rPr>
+                                <m:t>𝑘</m:t>
+                              </m:r>
+                              <m:r>
+                                <a:rPr lang="pl-PL" i="1">
+                                  <a:latin typeface="Cambria Math" panose="02040503050406030204" pitchFamily="18" charset="0"/>
+                                  <a:ea typeface="Cambria Math" panose="02040503050406030204" pitchFamily="18" charset="0"/>
+                                </a:rPr>
+                                <m:t>, </m:t>
+                              </m:r>
+                              <m:sSub>
+                                <m:sSubPr>
+                                  <m:ctrlPr>
+                                    <a:rPr lang="pl-PL" i="1">
+                                      <a:latin typeface="Cambria Math" panose="02040503050406030204" pitchFamily="18" charset="0"/>
+                                      <a:ea typeface="Cambria Math" panose="02040503050406030204" pitchFamily="18" charset="0"/>
+                                    </a:rPr>
+                                  </m:ctrlPr>
+                                </m:sSubPr>
+                                <m:e>
+                                  <m:r>
+                                    <a:rPr lang="en-US" b="0" i="1" smtClean="0">
+                                      <a:latin typeface="Cambria Math" panose="02040503050406030204" pitchFamily="18" charset="0"/>
+                                      <a:ea typeface="Cambria Math" panose="02040503050406030204" pitchFamily="18" charset="0"/>
+                                    </a:rPr>
+                                    <m:t>𝑖</m:t>
+                                  </m:r>
+                                </m:e>
+                                <m:sub>
+                                  <m:r>
+                                    <a:rPr lang="pl-PL" i="1">
+                                      <a:latin typeface="Cambria Math" panose="02040503050406030204" pitchFamily="18" charset="0"/>
+                                      <a:ea typeface="Cambria Math" panose="02040503050406030204" pitchFamily="18" charset="0"/>
+                                    </a:rPr>
+                                    <m:t>1</m:t>
+                                  </m:r>
+                                </m:sub>
+                              </m:sSub>
+                              <m:r>
+                                <a:rPr lang="pl-PL" i="1">
+                                  <a:latin typeface="Cambria Math" panose="02040503050406030204" pitchFamily="18" charset="0"/>
+                                  <a:ea typeface="Cambria Math" panose="02040503050406030204" pitchFamily="18" charset="0"/>
+                                </a:rPr>
+                                <m:t>, </m:t>
+                              </m:r>
+                              <m:sSub>
+                                <m:sSubPr>
+                                  <m:ctrlPr>
+                                    <a:rPr lang="pl-PL" i="1">
+                                      <a:latin typeface="Cambria Math" panose="02040503050406030204" pitchFamily="18" charset="0"/>
+                                      <a:ea typeface="Cambria Math" panose="02040503050406030204" pitchFamily="18" charset="0"/>
+                                    </a:rPr>
+                                  </m:ctrlPr>
+                                </m:sSubPr>
+                                <m:e>
+                                  <m:r>
+                                    <a:rPr lang="en-US" b="0" i="1" smtClean="0">
+                                      <a:latin typeface="Cambria Math" panose="02040503050406030204" pitchFamily="18" charset="0"/>
+                                      <a:ea typeface="Cambria Math" panose="02040503050406030204" pitchFamily="18" charset="0"/>
+                                    </a:rPr>
+                                    <m:t>𝑖</m:t>
+                                  </m:r>
+                                </m:e>
+                                <m:sub>
+                                  <m:r>
+                                    <a:rPr lang="pl-PL" i="1">
+                                      <a:latin typeface="Cambria Math" panose="02040503050406030204" pitchFamily="18" charset="0"/>
+                                      <a:ea typeface="Cambria Math" panose="02040503050406030204" pitchFamily="18" charset="0"/>
+                                    </a:rPr>
+                                    <m:t>2</m:t>
+                                  </m:r>
+                                </m:sub>
+                              </m:sSub>
+                              <m:r>
+                                <a:rPr lang="pl-PL" i="1">
+                                  <a:latin typeface="Cambria Math" panose="02040503050406030204" pitchFamily="18" charset="0"/>
+                                  <a:ea typeface="Cambria Math" panose="02040503050406030204" pitchFamily="18" charset="0"/>
+                                </a:rPr>
+                                <m:t>:</m:t>
+                              </m:r>
+                              <m:r>
+                                <a:rPr lang="en-US" b="0" i="1" smtClean="0">
+                                  <a:latin typeface="Cambria Math" panose="02040503050406030204" pitchFamily="18" charset="0"/>
+                                  <a:ea typeface="Cambria Math" panose="02040503050406030204" pitchFamily="18" charset="0"/>
+                                </a:rPr>
+                                <m:t>  </m:t>
+                              </m:r>
+                              <m:sSub>
+                                <m:sSubPr>
+                                  <m:ctrlPr>
+                                    <a:rPr lang="en-US" i="1">
+                                      <a:latin typeface="Cambria Math" panose="02040503050406030204" pitchFamily="18" charset="0"/>
+                                      <a:ea typeface="Cambria Math" panose="02040503050406030204" pitchFamily="18" charset="0"/>
+                                    </a:rPr>
+                                  </m:ctrlPr>
+                                </m:sSubPr>
+                                <m:e>
+                                  <m:r>
+                                    <a:rPr lang="en-US" b="0" i="1" smtClean="0">
+                                      <a:latin typeface="Cambria Math" panose="02040503050406030204" pitchFamily="18" charset="0"/>
+                                      <a:ea typeface="Cambria Math" panose="02040503050406030204" pitchFamily="18" charset="0"/>
+                                    </a:rPr>
+                                    <m:t>𝑖</m:t>
+                                  </m:r>
+                                </m:e>
+                                <m:sub>
+                                  <m:r>
+                                    <a:rPr lang="en-US" i="1">
+                                      <a:latin typeface="Cambria Math" panose="02040503050406030204" pitchFamily="18" charset="0"/>
+                                      <a:ea typeface="Cambria Math" panose="02040503050406030204" pitchFamily="18" charset="0"/>
+                                    </a:rPr>
+                                    <m:t>1</m:t>
+                                  </m:r>
+                                </m:sub>
+                              </m:sSub>
+                              <m:r>
+                                <a:rPr lang="en-US" i="1">
+                                  <a:latin typeface="Cambria Math" panose="02040503050406030204" pitchFamily="18" charset="0"/>
+                                  <a:ea typeface="Cambria Math" panose="02040503050406030204" pitchFamily="18" charset="0"/>
+                                </a:rPr>
+                                <m:t>≠</m:t>
+                              </m:r>
+                              <m:r>
+                                <a:rPr lang="en-US" i="1">
+                                  <a:latin typeface="Cambria Math" panose="02040503050406030204" pitchFamily="18" charset="0"/>
+                                  <a:ea typeface="Cambria Math" panose="02040503050406030204" pitchFamily="18" charset="0"/>
+                                </a:rPr>
+                                <m:t> </m:t>
+                              </m:r>
+                              <m:sSub>
+                                <m:sSubPr>
+                                  <m:ctrlPr>
+                                    <a:rPr lang="en-US" i="1">
+                                      <a:latin typeface="Cambria Math" panose="02040503050406030204" pitchFamily="18" charset="0"/>
+                                      <a:ea typeface="Cambria Math" panose="02040503050406030204" pitchFamily="18" charset="0"/>
+                                    </a:rPr>
+                                  </m:ctrlPr>
+                                </m:sSubPr>
+                                <m:e>
+                                  <m:r>
+                                    <a:rPr lang="en-US" b="0" i="1" smtClean="0">
+                                      <a:latin typeface="Cambria Math" panose="02040503050406030204" pitchFamily="18" charset="0"/>
+                                      <a:ea typeface="Cambria Math" panose="02040503050406030204" pitchFamily="18" charset="0"/>
+                                    </a:rPr>
+                                    <m:t>𝑖</m:t>
+                                  </m:r>
+                                </m:e>
+                                <m:sub>
+                                  <m:r>
+                                    <a:rPr lang="en-US" i="1">
+                                      <a:latin typeface="Cambria Math" panose="02040503050406030204" pitchFamily="18" charset="0"/>
+                                      <a:ea typeface="Cambria Math" panose="02040503050406030204" pitchFamily="18" charset="0"/>
+                                    </a:rPr>
+                                    <m:t>2</m:t>
+                                  </m:r>
+                                </m:sub>
+                              </m:sSub>
+                              <m:r>
+                                <a:rPr lang="en-US" i="1">
+                                  <a:latin typeface="Cambria Math" panose="02040503050406030204" pitchFamily="18" charset="0"/>
+                                  <a:ea typeface="Cambria Math" panose="02040503050406030204" pitchFamily="18" charset="0"/>
+                                </a:rPr>
+                                <m:t>, </m:t>
+                              </m:r>
+                              <m:sSub>
+                                <m:sSubPr>
+                                  <m:ctrlPr>
+                                    <a:rPr lang="en-US" i="1">
+                                      <a:latin typeface="Cambria Math" panose="02040503050406030204" pitchFamily="18" charset="0"/>
+                                      <a:ea typeface="Cambria Math" panose="02040503050406030204" pitchFamily="18" charset="0"/>
+                                    </a:rPr>
+                                  </m:ctrlPr>
+                                </m:sSubPr>
+                                <m:e>
+                                  <m:r>
+                                    <a:rPr lang="en-US" i="1">
+                                      <a:latin typeface="Cambria Math" panose="02040503050406030204" pitchFamily="18" charset="0"/>
+                                      <a:ea typeface="Cambria Math" panose="02040503050406030204" pitchFamily="18" charset="0"/>
+                                    </a:rPr>
+                                    <m:t>𝑣</m:t>
+                                  </m:r>
+                                </m:e>
+                                <m:sub>
+                                  <m:sSub>
+                                    <m:sSubPr>
+                                      <m:ctrlPr>
+                                        <a:rPr lang="en-US" i="1">
+                                          <a:latin typeface="Cambria Math" panose="02040503050406030204" pitchFamily="18" charset="0"/>
+                                          <a:ea typeface="Cambria Math" panose="02040503050406030204" pitchFamily="18" charset="0"/>
+                                        </a:rPr>
+                                      </m:ctrlPr>
+                                    </m:sSubPr>
+                                    <m:e>
+                                      <m:r>
+                                        <a:rPr lang="en-US" b="0" i="1" smtClean="0">
+                                          <a:latin typeface="Cambria Math" panose="02040503050406030204" pitchFamily="18" charset="0"/>
+                                          <a:ea typeface="Cambria Math" panose="02040503050406030204" pitchFamily="18" charset="0"/>
+                                        </a:rPr>
+                                        <m:t>𝑖</m:t>
+                                      </m:r>
+                                    </m:e>
+                                    <m:sub>
+                                      <m:r>
+                                        <a:rPr lang="en-US" i="1">
+                                          <a:latin typeface="Cambria Math" panose="02040503050406030204" pitchFamily="18" charset="0"/>
+                                          <a:ea typeface="Cambria Math" panose="02040503050406030204" pitchFamily="18" charset="0"/>
+                                        </a:rPr>
+                                        <m:t>1</m:t>
+                                      </m:r>
+                                    </m:sub>
+                                  </m:sSub>
+                                  <m:r>
+                                    <a:rPr lang="en-US" b="0" i="1" smtClean="0">
+                                      <a:latin typeface="Cambria Math" panose="02040503050406030204" pitchFamily="18" charset="0"/>
+                                      <a:ea typeface="Cambria Math" panose="02040503050406030204" pitchFamily="18" charset="0"/>
+                                    </a:rPr>
+                                    <m:t>𝑗𝑘</m:t>
+                                  </m:r>
+                                </m:sub>
+                              </m:sSub>
+                              <m:r>
+                                <a:rPr lang="en-US" i="1">
+                                  <a:latin typeface="Cambria Math" panose="02040503050406030204" pitchFamily="18" charset="0"/>
+                                  <a:ea typeface="Cambria Math" panose="02040503050406030204" pitchFamily="18" charset="0"/>
+                                </a:rPr>
+                                <m:t>&gt; 0, </m:t>
+                              </m:r>
+                              <m:sSub>
+                                <m:sSubPr>
+                                  <m:ctrlPr>
+                                    <a:rPr lang="en-US" i="1">
+                                      <a:latin typeface="Cambria Math" panose="02040503050406030204" pitchFamily="18" charset="0"/>
+                                      <a:ea typeface="Cambria Math" panose="02040503050406030204" pitchFamily="18" charset="0"/>
+                                    </a:rPr>
+                                  </m:ctrlPr>
+                                </m:sSubPr>
+                                <m:e>
+                                  <m:r>
+                                    <a:rPr lang="en-US" i="1">
+                                      <a:latin typeface="Cambria Math" panose="02040503050406030204" pitchFamily="18" charset="0"/>
+                                      <a:ea typeface="Cambria Math" panose="02040503050406030204" pitchFamily="18" charset="0"/>
+                                    </a:rPr>
+                                    <m:t>𝑣</m:t>
+                                  </m:r>
+                                </m:e>
+                                <m:sub>
+                                  <m:sSub>
+                                    <m:sSubPr>
+                                      <m:ctrlPr>
+                                        <a:rPr lang="en-US" i="1">
+                                          <a:latin typeface="Cambria Math" panose="02040503050406030204" pitchFamily="18" charset="0"/>
+                                          <a:ea typeface="Cambria Math" panose="02040503050406030204" pitchFamily="18" charset="0"/>
+                                        </a:rPr>
+                                      </m:ctrlPr>
+                                    </m:sSubPr>
+                                    <m:e>
+                                      <m:r>
+                                        <a:rPr lang="en-US" i="1">
+                                          <a:latin typeface="Cambria Math" panose="02040503050406030204" pitchFamily="18" charset="0"/>
+                                          <a:ea typeface="Cambria Math" panose="02040503050406030204" pitchFamily="18" charset="0"/>
+                                        </a:rPr>
+                                        <m:t>𝑖</m:t>
+                                      </m:r>
+                                    </m:e>
+                                    <m:sub>
+                                      <m:r>
+                                        <a:rPr lang="en-US" b="0" i="1" smtClean="0">
+                                          <a:latin typeface="Cambria Math" panose="02040503050406030204" pitchFamily="18" charset="0"/>
+                                          <a:ea typeface="Cambria Math" panose="02040503050406030204" pitchFamily="18" charset="0"/>
+                                        </a:rPr>
+                                        <m:t>2</m:t>
+                                      </m:r>
+                                    </m:sub>
+                                  </m:sSub>
+                                  <m:r>
+                                    <a:rPr lang="en-US" i="1">
+                                      <a:latin typeface="Cambria Math" panose="02040503050406030204" pitchFamily="18" charset="0"/>
+                                      <a:ea typeface="Cambria Math" panose="02040503050406030204" pitchFamily="18" charset="0"/>
+                                    </a:rPr>
+                                    <m:t>𝑗𝑘</m:t>
+                                  </m:r>
+                                </m:sub>
+                              </m:sSub>
+                              <m:r>
+                                <a:rPr lang="en-US" i="1">
+                                  <a:latin typeface="Cambria Math" panose="02040503050406030204" pitchFamily="18" charset="0"/>
+                                  <a:ea typeface="Cambria Math" panose="02040503050406030204" pitchFamily="18" charset="0"/>
+                                </a:rPr>
+                                <m:t>&gt; 0</m:t>
+                              </m:r>
+                            </m:e>
+                          </m:eqArr>
+                        </m:e>
+                      </m:d>
+                    </m:oMath>
+                  </m:oMathPara>
+                </a14:m>
+                <a:endParaRPr lang="ru-RU" dirty="0"/>
+              </a:p>
+              <a:p>
+                <a:pPr>
+                  <a:lnSpc>
+                    <a:spcPct val="100000"/>
+                  </a:lnSpc>
+                </a:pPr>
+                <a:r>
+                  <a:rPr lang="ru-RU" dirty="0"/>
+                  <a:t>Критерий оптимизации</a:t>
+                </a:r>
+                <a:r>
+                  <a:rPr lang="en-US" dirty="0"/>
+                  <a:t> – </a:t>
+                </a:r>
+                <a:r>
+                  <a:rPr lang="ru-RU" dirty="0"/>
+                  <a:t>минимизация стоимости рейсов.</a:t>
+                </a:r>
+                <a:endParaRPr lang="ru-RU" i="1" dirty="0">
+                  <a:latin typeface="Cambria Math" panose="02040503050406030204" pitchFamily="18" charset="0"/>
+                </a:endParaRPr>
+              </a:p>
+              <a:p>
+                <a:pPr marL="0" indent="0">
+                  <a:lnSpc>
+                    <a:spcPct val="100000"/>
+                  </a:lnSpc>
+                  <a:buNone/>
+                </a:pPr>
+                <a14:m>
+                  <m:oMathPara xmlns:m="http://schemas.openxmlformats.org/officeDocument/2006/math">
+                    <m:oMathParaPr>
+                      <m:jc m:val="left"/>
+                    </m:oMathParaPr>
+                    <m:oMath xmlns:m="http://schemas.openxmlformats.org/officeDocument/2006/math">
+                      <m:r>
+                        <a:rPr lang="en-US" sz="2000" b="1" i="1" smtClean="0">
+                          <a:latin typeface="Cambria Math" panose="02040503050406030204" pitchFamily="18" charset="0"/>
+                        </a:rPr>
+                        <m:t>		</m:t>
+                      </m:r>
+                      <m:r>
+                        <a:rPr lang="en-US" sz="2000" b="1" i="1" smtClean="0">
+                          <a:latin typeface="Cambria Math" panose="02040503050406030204" pitchFamily="18" charset="0"/>
+                        </a:rPr>
+                        <m:t>𝑳</m:t>
+                      </m:r>
+                      <m:d>
+                        <m:dPr>
+                          <m:ctrlPr>
+                            <a:rPr lang="en-US" sz="2000" b="1" i="1" smtClean="0">
+                              <a:latin typeface="Cambria Math" panose="02040503050406030204" pitchFamily="18" charset="0"/>
+                            </a:rPr>
+                          </m:ctrlPr>
+                        </m:dPr>
+                        <m:e>
+                          <m:r>
+                            <a:rPr lang="en-US" sz="2000" b="1" i="1" smtClean="0">
+                              <a:latin typeface="Cambria Math" panose="02040503050406030204" pitchFamily="18" charset="0"/>
+                            </a:rPr>
+                            <m:t>𝒗</m:t>
+                          </m:r>
+                        </m:e>
+                      </m:d>
+                      <m:r>
+                        <a:rPr lang="en-US" sz="2000" b="1" i="1" smtClean="0">
+                          <a:latin typeface="Cambria Math" panose="02040503050406030204" pitchFamily="18" charset="0"/>
+                        </a:rPr>
+                        <m:t>= </m:t>
+                      </m:r>
+                      <m:r>
+                        <a:rPr lang="en-US" sz="2000" b="1" i="1" smtClean="0">
+                          <a:latin typeface="Cambria Math" panose="02040503050406030204" pitchFamily="18" charset="0"/>
+                        </a:rPr>
+                        <m:t>𝑪𝒐𝒏</m:t>
+                      </m:r>
+                      <m:r>
+                        <a:rPr lang="en-US" sz="2000" b="1" i="1" smtClean="0">
+                          <a:latin typeface="Cambria Math" panose="02040503050406030204" pitchFamily="18" charset="0"/>
+                        </a:rPr>
+                        <m:t> ⋅</m:t>
+                      </m:r>
+                      <m:nary>
+                        <m:naryPr>
+                          <m:chr m:val="∑"/>
+                          <m:ctrlPr>
+                            <a:rPr lang="en-US" sz="2000" b="1" i="1" smtClean="0">
+                              <a:latin typeface="Cambria Math" panose="02040503050406030204" pitchFamily="18" charset="0"/>
+                            </a:rPr>
+                          </m:ctrlPr>
+                        </m:naryPr>
+                        <m:sub>
+                          <m:r>
+                            <m:rPr>
+                              <m:brk m:alnAt="23"/>
+                            </m:rPr>
+                            <a:rPr lang="en-US" sz="2000" b="1" i="1" smtClean="0">
+                              <a:latin typeface="Cambria Math" panose="02040503050406030204" pitchFamily="18" charset="0"/>
+                            </a:rPr>
+                            <m:t>𝒊</m:t>
+                          </m:r>
+                          <m:r>
+                            <a:rPr lang="en-US" sz="2000" b="1" i="1" smtClean="0">
+                              <a:latin typeface="Cambria Math" panose="02040503050406030204" pitchFamily="18" charset="0"/>
+                            </a:rPr>
+                            <m:t>=</m:t>
+                          </m:r>
+                          <m:r>
+                            <a:rPr lang="en-US" sz="2000" b="1" i="1" smtClean="0">
+                              <a:latin typeface="Cambria Math" panose="02040503050406030204" pitchFamily="18" charset="0"/>
+                            </a:rPr>
+                            <m:t>𝟏</m:t>
+                          </m:r>
+                        </m:sub>
+                        <m:sup>
+                          <m:d>
+                            <m:dPr>
+                              <m:begChr m:val="{"/>
+                              <m:endChr m:val="}"/>
+                              <m:ctrlPr>
+                                <a:rPr lang="en-US" sz="2000" b="1" i="1" smtClean="0">
+                                  <a:latin typeface="Cambria Math" panose="02040503050406030204" pitchFamily="18" charset="0"/>
+                                </a:rPr>
+                              </m:ctrlPr>
+                            </m:dPr>
+                            <m:e>
+                              <m:sSub>
+                                <m:sSubPr>
+                                  <m:ctrlPr>
+                                    <a:rPr lang="en-US" sz="2000" b="1" i="1" smtClean="0">
+                                      <a:latin typeface="Cambria Math" panose="02040503050406030204" pitchFamily="18" charset="0"/>
+                                    </a:rPr>
+                                  </m:ctrlPr>
+                                </m:sSubPr>
+                                <m:e>
+                                  <m:r>
+                                    <a:rPr lang="en-US" sz="2000" b="1" i="1" smtClean="0">
+                                      <a:latin typeface="Cambria Math" panose="02040503050406030204" pitchFamily="18" charset="0"/>
+                                    </a:rPr>
+                                    <m:t>𝑵</m:t>
+                                  </m:r>
+                                </m:e>
+                                <m:sub>
+                                  <m:r>
+                                    <a:rPr lang="en-US" sz="2000" b="1" i="1" smtClean="0">
+                                      <a:latin typeface="Cambria Math" panose="02040503050406030204" pitchFamily="18" charset="0"/>
+                                    </a:rPr>
+                                    <m:t>𝒃</m:t>
+                                  </m:r>
+                                </m:sub>
+                              </m:sSub>
+                              <m:r>
+                                <a:rPr lang="en-US" sz="2000" b="1" i="1" smtClean="0">
+                                  <a:latin typeface="Cambria Math" panose="02040503050406030204" pitchFamily="18" charset="0"/>
+                                </a:rPr>
+                                <m:t>+</m:t>
+                              </m:r>
+                              <m:sSub>
+                                <m:sSubPr>
+                                  <m:ctrlPr>
+                                    <a:rPr lang="en-US" sz="2000" b="1" i="1" smtClean="0">
+                                      <a:latin typeface="Cambria Math" panose="02040503050406030204" pitchFamily="18" charset="0"/>
+                                    </a:rPr>
+                                  </m:ctrlPr>
+                                </m:sSubPr>
+                                <m:e>
+                                  <m:r>
+                                    <a:rPr lang="en-US" sz="2000" b="1" i="1" smtClean="0">
+                                      <a:latin typeface="Cambria Math" panose="02040503050406030204" pitchFamily="18" charset="0"/>
+                                    </a:rPr>
+                                    <m:t>𝑵</m:t>
+                                  </m:r>
+                                </m:e>
+                                <m:sub>
+                                  <m:r>
+                                    <a:rPr lang="en-US" sz="2000" b="1" i="1" smtClean="0">
+                                      <a:latin typeface="Cambria Math" panose="02040503050406030204" pitchFamily="18" charset="0"/>
+                                    </a:rPr>
+                                    <m:t>𝒂</m:t>
+                                  </m:r>
+                                </m:sub>
+                              </m:sSub>
+                            </m:e>
+                          </m:d>
+                        </m:sup>
+                        <m:e>
+                          <m:nary>
+                            <m:naryPr>
+                              <m:chr m:val="∑"/>
+                              <m:ctrlPr>
+                                <a:rPr lang="en-US" sz="2000" b="1" i="1" smtClean="0">
+                                  <a:latin typeface="Cambria Math" panose="02040503050406030204" pitchFamily="18" charset="0"/>
+                                </a:rPr>
+                              </m:ctrlPr>
+                            </m:naryPr>
+                            <m:sub>
+                              <m:r>
+                                <a:rPr lang="en-US" sz="2000" b="1" i="1" smtClean="0">
+                                  <a:latin typeface="Cambria Math" panose="02040503050406030204" pitchFamily="18" charset="0"/>
+                                </a:rPr>
+                                <m:t>𝒋</m:t>
+                              </m:r>
+                              <m:r>
+                                <a:rPr lang="en-US" sz="2000" b="1" i="1" smtClean="0">
+                                  <a:latin typeface="Cambria Math" panose="02040503050406030204" pitchFamily="18" charset="0"/>
+                                </a:rPr>
+                                <m:t>=</m:t>
+                              </m:r>
+                              <m:r>
+                                <a:rPr lang="en-US" sz="2000" b="1" i="1" smtClean="0">
+                                  <a:latin typeface="Cambria Math" panose="02040503050406030204" pitchFamily="18" charset="0"/>
+                                </a:rPr>
+                                <m:t>𝟏</m:t>
+                              </m:r>
+                            </m:sub>
+                            <m:sup>
+                              <m:d>
+                                <m:dPr>
+                                  <m:begChr m:val="{"/>
+                                  <m:endChr m:val="}"/>
+                                  <m:ctrlPr>
+                                    <a:rPr lang="en-US" sz="2000" b="1" i="1">
+                                      <a:latin typeface="Cambria Math" panose="02040503050406030204" pitchFamily="18" charset="0"/>
+                                    </a:rPr>
+                                  </m:ctrlPr>
+                                </m:dPr>
+                                <m:e>
+                                  <m:sSub>
+                                    <m:sSubPr>
+                                      <m:ctrlPr>
+                                        <a:rPr lang="en-US" sz="2000" b="1" i="1">
+                                          <a:latin typeface="Cambria Math" panose="02040503050406030204" pitchFamily="18" charset="0"/>
+                                        </a:rPr>
+                                      </m:ctrlPr>
+                                    </m:sSubPr>
+                                    <m:e>
+                                      <m:r>
+                                        <a:rPr lang="en-US" sz="2000" b="1" i="1">
+                                          <a:latin typeface="Cambria Math" panose="02040503050406030204" pitchFamily="18" charset="0"/>
+                                        </a:rPr>
+                                        <m:t>𝑵</m:t>
+                                      </m:r>
+                                    </m:e>
+                                    <m:sub>
+                                      <m:r>
+                                        <a:rPr lang="en-US" sz="2000" b="1" i="1">
+                                          <a:latin typeface="Cambria Math" panose="02040503050406030204" pitchFamily="18" charset="0"/>
+                                        </a:rPr>
+                                        <m:t>𝒃</m:t>
+                                      </m:r>
+                                    </m:sub>
+                                  </m:sSub>
+                                  <m:r>
+                                    <a:rPr lang="en-US" sz="2000" b="1" i="1">
+                                      <a:latin typeface="Cambria Math" panose="02040503050406030204" pitchFamily="18" charset="0"/>
+                                    </a:rPr>
+                                    <m:t>+</m:t>
+                                  </m:r>
+                                  <m:sSub>
+                                    <m:sSubPr>
+                                      <m:ctrlPr>
+                                        <a:rPr lang="en-US" sz="2000" b="1" i="1">
+                                          <a:latin typeface="Cambria Math" panose="02040503050406030204" pitchFamily="18" charset="0"/>
+                                        </a:rPr>
+                                      </m:ctrlPr>
+                                    </m:sSubPr>
+                                    <m:e>
+                                      <m:r>
+                                        <a:rPr lang="en-US" sz="2000" b="1" i="1">
+                                          <a:latin typeface="Cambria Math" panose="02040503050406030204" pitchFamily="18" charset="0"/>
+                                        </a:rPr>
+                                        <m:t>𝑵</m:t>
+                                      </m:r>
+                                    </m:e>
+                                    <m:sub>
+                                      <m:r>
+                                        <a:rPr lang="en-US" sz="2000" b="1" i="1">
+                                          <a:latin typeface="Cambria Math" panose="02040503050406030204" pitchFamily="18" charset="0"/>
+                                        </a:rPr>
+                                        <m:t>𝒂</m:t>
+                                      </m:r>
+                                    </m:sub>
+                                  </m:sSub>
+                                </m:e>
+                              </m:d>
+                            </m:sup>
+                            <m:e>
+                              <m:sSub>
+                                <m:sSubPr>
+                                  <m:ctrlPr>
+                                    <a:rPr lang="en-US" sz="2000" b="1" i="1" smtClean="0">
+                                      <a:latin typeface="Cambria Math" panose="02040503050406030204" pitchFamily="18" charset="0"/>
+                                    </a:rPr>
+                                  </m:ctrlPr>
+                                </m:sSubPr>
+                                <m:e>
+                                  <m:r>
+                                    <a:rPr lang="en-US" sz="2000" b="1" i="1" smtClean="0">
+                                      <a:latin typeface="Cambria Math" panose="02040503050406030204" pitchFamily="18" charset="0"/>
+                                    </a:rPr>
+                                    <m:t>𝒅</m:t>
+                                  </m:r>
+                                </m:e>
+                                <m:sub>
+                                  <m:r>
+                                    <a:rPr lang="en-US" sz="2000" b="1" i="1" smtClean="0">
+                                      <a:latin typeface="Cambria Math" panose="02040503050406030204" pitchFamily="18" charset="0"/>
+                                    </a:rPr>
+                                    <m:t>𝒊𝒋</m:t>
+                                  </m:r>
+                                </m:sub>
+                              </m:sSub>
+                            </m:e>
+                          </m:nary>
+                        </m:e>
+                      </m:nary>
+                      <m:r>
+                        <a:rPr lang="en-US" sz="2000" b="1" i="1" smtClean="0">
+                          <a:latin typeface="Cambria Math" panose="02040503050406030204" pitchFamily="18" charset="0"/>
+                        </a:rPr>
+                        <m:t>⋅</m:t>
+                      </m:r>
+                      <m:nary>
+                        <m:naryPr>
+                          <m:chr m:val="∑"/>
+                          <m:ctrlPr>
+                            <a:rPr lang="en-US" sz="2000" b="1" i="1" smtClean="0">
+                              <a:latin typeface="Cambria Math" panose="02040503050406030204" pitchFamily="18" charset="0"/>
+                            </a:rPr>
+                          </m:ctrlPr>
+                        </m:naryPr>
+                        <m:sub>
+                          <m:d>
+                            <m:dPr>
+                              <m:begChr m:val="{"/>
+                              <m:endChr m:val="}"/>
+                              <m:ctrlPr>
+                                <a:rPr lang="en-US" sz="2000" b="1" i="1" smtClean="0">
+                                  <a:latin typeface="Cambria Math" panose="02040503050406030204" pitchFamily="18" charset="0"/>
+                                </a:rPr>
+                              </m:ctrlPr>
+                            </m:dPr>
+                            <m:e>
+                              <m:r>
+                                <a:rPr lang="en-US" sz="2000" b="1" i="1" smtClean="0">
+                                  <a:latin typeface="Cambria Math" panose="02040503050406030204" pitchFamily="18" charset="0"/>
+                                </a:rPr>
+                                <m:t>𝒌</m:t>
+                              </m:r>
+                              <m:r>
+                                <a:rPr lang="en-US" sz="2000" b="1" i="1" smtClean="0">
+                                  <a:latin typeface="Cambria Math" panose="02040503050406030204" pitchFamily="18" charset="0"/>
+                                </a:rPr>
+                                <m:t>=</m:t>
+                              </m:r>
+                              <m:r>
+                                <a:rPr lang="en-US" sz="2000" b="1" i="1" smtClean="0">
+                                  <a:latin typeface="Cambria Math" panose="02040503050406030204" pitchFamily="18" charset="0"/>
+                                </a:rPr>
+                                <m:t>𝟏</m:t>
+                              </m:r>
+                            </m:e>
+                          </m:d>
+                        </m:sub>
+                        <m:sup>
+                          <m:sSub>
+                            <m:sSubPr>
+                              <m:ctrlPr>
+                                <a:rPr lang="en-US" sz="2000" b="1" i="1" smtClean="0">
+                                  <a:latin typeface="Cambria Math" panose="02040503050406030204" pitchFamily="18" charset="0"/>
+                                </a:rPr>
+                              </m:ctrlPr>
+                            </m:sSubPr>
+                            <m:e>
+                              <m:r>
+                                <a:rPr lang="en-US" sz="2000" b="1" i="1" smtClean="0">
+                                  <a:latin typeface="Cambria Math" panose="02040503050406030204" pitchFamily="18" charset="0"/>
+                                </a:rPr>
+                                <m:t>𝑵</m:t>
+                              </m:r>
+                            </m:e>
+                            <m:sub>
+                              <m:r>
+                                <a:rPr lang="en-US" sz="2000" b="1" i="1" smtClean="0">
+                                  <a:latin typeface="Cambria Math" panose="02040503050406030204" pitchFamily="18" charset="0"/>
+                                </a:rPr>
+                                <m:t>𝒕</m:t>
+                              </m:r>
+                            </m:sub>
+                          </m:sSub>
+                        </m:sup>
+                        <m:e>
+                          <m:sSub>
+                            <m:sSubPr>
+                              <m:ctrlPr>
+                                <a:rPr lang="en-US" sz="2000" b="1" i="1">
+                                  <a:latin typeface="Cambria Math" panose="02040503050406030204" pitchFamily="18" charset="0"/>
+                                </a:rPr>
+                              </m:ctrlPr>
+                            </m:sSubPr>
+                            <m:e>
+                              <m:r>
+                                <a:rPr lang="en-US" sz="2000" b="1" i="1">
+                                  <a:latin typeface="Cambria Math" panose="02040503050406030204" pitchFamily="18" charset="0"/>
+                                </a:rPr>
+                                <m:t>𝒗</m:t>
+                              </m:r>
+                            </m:e>
+                            <m:sub>
+                              <m:r>
+                                <a:rPr lang="en-US" sz="2000" b="1" i="1">
+                                  <a:latin typeface="Cambria Math" panose="02040503050406030204" pitchFamily="18" charset="0"/>
+                                </a:rPr>
+                                <m:t>𝒊𝒋𝒌</m:t>
+                              </m:r>
+                            </m:sub>
+                          </m:sSub>
+                        </m:e>
+                      </m:nary>
+                      <m:r>
+                        <a:rPr lang="en-US" sz="2000" b="1" i="1" smtClean="0">
+                          <a:latin typeface="Cambria Math" panose="02040503050406030204" pitchFamily="18" charset="0"/>
+                        </a:rPr>
+                        <m:t>→</m:t>
+                      </m:r>
+                      <m:r>
+                        <a:rPr lang="en-US" sz="2000" b="1" i="1" dirty="0" smtClean="0">
+                          <a:latin typeface="Cambria Math" panose="02040503050406030204" pitchFamily="18" charset="0"/>
+                        </a:rPr>
+                        <m:t>𝒎𝒊𝒏</m:t>
+                      </m:r>
+                    </m:oMath>
+                  </m:oMathPara>
+                </a14:m>
+                <a:endParaRPr lang="ru-RU" sz="2000" b="1" dirty="0"/>
+              </a:p>
+              <a:p>
+                <a:pPr marL="0" indent="0">
+                  <a:buNone/>
+                </a:pPr>
+                <a:endParaRPr lang="ru-RU" dirty="0"/>
+              </a:p>
+            </p:txBody>
+          </p:sp>
+        </mc:Choice>
+        <mc:Fallback>
+          <p:sp>
+            <p:nvSpPr>
+              <p:cNvPr id="3" name="Объект 2">
+                <a:extLst>
+                  <a:ext uri="{FF2B5EF4-FFF2-40B4-BE49-F238E27FC236}">
+                    <a16:creationId xmlns:a16="http://schemas.microsoft.com/office/drawing/2014/main" id="{083E4820-30C1-455B-8872-DA0931F91228}"/>
+                  </a:ext>
+                </a:extLst>
+              </p:cNvPr>
+              <p:cNvSpPr>
+                <a:spLocks noGrp="1" noRot="1" noChangeAspect="1" noMove="1" noResize="1" noEditPoints="1" noAdjustHandles="1" noChangeArrowheads="1" noChangeShapeType="1" noTextEdit="1"/>
+              </p:cNvSpPr>
+              <p:nvPr>
+                <p:ph idx="1"/>
+              </p:nvPr>
+            </p:nvSpPr>
+            <p:spPr>
+              <a:blipFill>
+                <a:blip r:embed="rId2"/>
+                <a:stretch>
+                  <a:fillRect l="-928" t="-2101"/>
+                </a:stretch>
+              </a:blipFill>
+            </p:spPr>
+            <p:txBody>
+              <a:bodyPr/>
+              <a:lstStyle/>
+              <a:p>
+                <a:r>
+                  <a:rPr lang="ru-RU">
+                    <a:noFill/>
+                  </a:rPr>
+                  <a:t> </a:t>
+                </a:r>
+              </a:p>
+            </p:txBody>
+          </p:sp>
+        </mc:Fallback>
+      </mc:AlternateContent>
+    </p:spTree>
+    <p:extLst>
+      <p:ext uri="{BB962C8B-B14F-4D97-AF65-F5344CB8AC3E}">
+        <p14:creationId xmlns:p14="http://schemas.microsoft.com/office/powerpoint/2010/main" val="2126049323"/>
+      </p:ext>
+    </p:extLst>
+  </p:cSld>
+  <p:clrMapOvr>
+    <a:masterClrMapping/>
+  </p:clrMapOvr>
+</p:sld>
+</file>
+
+<file path=ppt/slides/slide8.xml><?xml version="1.0" encoding="utf-8"?>
+<p:sld xmlns:a="http://schemas.openxmlformats.org/drawingml/2006/main" xmlns:r="http://schemas.openxmlformats.org/officeDocument/2006/relationships" xmlns:p="http://schemas.openxmlformats.org/presentationml/2006/main">
+  <p:cSld>
+    <p:spTree>
+      <p:nvGrpSpPr>
+        <p:cNvPr id="1" name=""/>
+        <p:cNvGrpSpPr/>
+        <p:nvPr/>
+      </p:nvGrpSpPr>
+      <p:grpSpPr>
+        <a:xfrm>
+          <a:off x="0" y="0"/>
+          <a:ext cx="0" cy="0"/>
+          <a:chOff x="0" y="0"/>
+          <a:chExt cx="0" cy="0"/>
+        </a:xfrm>
+      </p:grpSpPr>
+      <p:sp>
+        <p:nvSpPr>
+          <p:cNvPr id="2" name="Заголовок 1">
+            <a:extLst>
+              <a:ext uri="{FF2B5EF4-FFF2-40B4-BE49-F238E27FC236}">
+                <a16:creationId xmlns:a16="http://schemas.microsoft.com/office/drawing/2014/main" id="{B861179B-5AC0-4064-9585-EEDC5EB58AC3}"/>
+              </a:ext>
+            </a:extLst>
+          </p:cNvPr>
+          <p:cNvSpPr>
+            <a:spLocks noGrp="1"/>
+          </p:cNvSpPr>
+          <p:nvPr>
+            <p:ph type="title"/>
+          </p:nvPr>
+        </p:nvSpPr>
+        <p:spPr/>
+        <p:txBody>
+          <a:bodyPr/>
+          <a:lstStyle/>
+          <a:p>
+            <a:r>
+              <a:rPr lang="ru-RU" dirty="0"/>
+              <a:t>Метода решения</a:t>
+            </a:r>
+          </a:p>
+        </p:txBody>
+      </p:sp>
+      <p:sp>
+        <p:nvSpPr>
+          <p:cNvPr id="3" name="Объект 2">
+            <a:extLst>
+              <a:ext uri="{FF2B5EF4-FFF2-40B4-BE49-F238E27FC236}">
+                <a16:creationId xmlns:a16="http://schemas.microsoft.com/office/drawing/2014/main" id="{65C77B52-4B51-4D90-AC9E-4F5CD97ACB30}"/>
+              </a:ext>
+            </a:extLst>
+          </p:cNvPr>
+          <p:cNvSpPr>
+            <a:spLocks noGrp="1"/>
+          </p:cNvSpPr>
+          <p:nvPr>
+            <p:ph idx="1"/>
+          </p:nvPr>
+        </p:nvSpPr>
+        <p:spPr/>
+        <p:txBody>
+          <a:bodyPr/>
+          <a:lstStyle/>
+          <a:p>
+            <a:r>
+              <a:rPr lang="ru-RU" dirty="0"/>
+              <a:t>Методы решения задачи транспортной задачи</a:t>
+            </a:r>
+            <a:r>
+              <a:rPr lang="en-US" dirty="0"/>
+              <a:t>:</a:t>
+            </a:r>
+            <a:endParaRPr lang="ru-RU" dirty="0"/>
+          </a:p>
+          <a:p>
+            <a:pPr lvl="1"/>
+            <a:r>
+              <a:rPr lang="ru-RU" dirty="0"/>
+              <a:t>Симплекс-метод</a:t>
+            </a:r>
+          </a:p>
+          <a:p>
+            <a:pPr lvl="1"/>
+            <a:r>
+              <a:rPr lang="ru-RU" dirty="0"/>
+              <a:t>Метод потенциалов</a:t>
+            </a:r>
+          </a:p>
+          <a:p>
+            <a:pPr lvl="1"/>
+            <a:r>
+              <a:rPr lang="ru-RU" dirty="0"/>
+              <a:t>…</a:t>
+            </a:r>
+          </a:p>
+          <a:p>
+            <a:pPr lvl="1"/>
+            <a:endParaRPr lang="ru-RU" dirty="0"/>
+          </a:p>
+          <a:p>
+            <a:r>
+              <a:rPr lang="ru-RU" dirty="0"/>
+              <a:t>Выбран метод потенциалов, так как</a:t>
+            </a:r>
+            <a:r>
+              <a:rPr lang="en-US" dirty="0"/>
+              <a:t> </a:t>
+            </a:r>
+            <a:r>
+              <a:rPr lang="ru-RU" dirty="0"/>
+              <a:t>он позволяет</a:t>
+            </a:r>
+            <a:r>
+              <a:rPr lang="en-US" dirty="0"/>
+              <a:t>:</a:t>
+            </a:r>
+            <a:endParaRPr lang="ru-RU" dirty="0"/>
+          </a:p>
+          <a:p>
+            <a:pPr lvl="1"/>
+            <a:r>
+              <a:rPr lang="ru-RU" dirty="0"/>
+              <a:t>Строить транзитные маршруты через пункты потребления</a:t>
+            </a:r>
+          </a:p>
+          <a:p>
+            <a:pPr lvl="1"/>
+            <a:r>
+              <a:rPr lang="ru-RU" dirty="0"/>
+              <a:t>Учитывать ограничения на пропускную способность</a:t>
+            </a:r>
+          </a:p>
+        </p:txBody>
+      </p:sp>
+    </p:spTree>
+    <p:extLst>
+      <p:ext uri="{BB962C8B-B14F-4D97-AF65-F5344CB8AC3E}">
+        <p14:creationId xmlns:p14="http://schemas.microsoft.com/office/powerpoint/2010/main" val="896985544"/>
+      </p:ext>
+    </p:extLst>
+  </p:cSld>
+  <p:clrMapOvr>
+    <a:masterClrMapping/>
+  </p:clrMapOvr>
+</p:sld>
+</file>
+
 <file path=ppt/theme/theme1.xml><?xml version="1.0" encoding="utf-8"?>
 <a:theme xmlns:a="http://schemas.openxmlformats.org/drawingml/2006/main" name="Тема Office">
   <a:themeElements>

--- a/presentation.pptx
+++ b/presentation.pptx
@@ -266,7 +266,7 @@
           <a:p>
             <a:fld id="{2D33603C-5355-4424-862B-2C955D3F174E}" type="datetimeFigureOut">
               <a:rPr lang="ru-RU" smtClean="0"/>
-              <a:t>10.12.2021</a:t>
+              <a:t>11.12.2021</a:t>
             </a:fld>
             <a:endParaRPr lang="ru-RU"/>
           </a:p>
@@ -464,7 +464,7 @@
           <a:p>
             <a:fld id="{2D33603C-5355-4424-862B-2C955D3F174E}" type="datetimeFigureOut">
               <a:rPr lang="ru-RU" smtClean="0"/>
-              <a:t>10.12.2021</a:t>
+              <a:t>11.12.2021</a:t>
             </a:fld>
             <a:endParaRPr lang="ru-RU"/>
           </a:p>
@@ -672,7 +672,7 @@
           <a:p>
             <a:fld id="{2D33603C-5355-4424-862B-2C955D3F174E}" type="datetimeFigureOut">
               <a:rPr lang="ru-RU" smtClean="0"/>
-              <a:t>10.12.2021</a:t>
+              <a:t>11.12.2021</a:t>
             </a:fld>
             <a:endParaRPr lang="ru-RU"/>
           </a:p>
@@ -870,7 +870,7 @@
           <a:p>
             <a:fld id="{2D33603C-5355-4424-862B-2C955D3F174E}" type="datetimeFigureOut">
               <a:rPr lang="ru-RU" smtClean="0"/>
-              <a:t>10.12.2021</a:t>
+              <a:t>11.12.2021</a:t>
             </a:fld>
             <a:endParaRPr lang="ru-RU"/>
           </a:p>
@@ -1145,7 +1145,7 @@
           <a:p>
             <a:fld id="{2D33603C-5355-4424-862B-2C955D3F174E}" type="datetimeFigureOut">
               <a:rPr lang="ru-RU" smtClean="0"/>
-              <a:t>10.12.2021</a:t>
+              <a:t>11.12.2021</a:t>
             </a:fld>
             <a:endParaRPr lang="ru-RU"/>
           </a:p>
@@ -1410,7 +1410,7 @@
           <a:p>
             <a:fld id="{2D33603C-5355-4424-862B-2C955D3F174E}" type="datetimeFigureOut">
               <a:rPr lang="ru-RU" smtClean="0"/>
-              <a:t>10.12.2021</a:t>
+              <a:t>11.12.2021</a:t>
             </a:fld>
             <a:endParaRPr lang="ru-RU"/>
           </a:p>
@@ -1822,7 +1822,7 @@
           <a:p>
             <a:fld id="{2D33603C-5355-4424-862B-2C955D3F174E}" type="datetimeFigureOut">
               <a:rPr lang="ru-RU" smtClean="0"/>
-              <a:t>10.12.2021</a:t>
+              <a:t>11.12.2021</a:t>
             </a:fld>
             <a:endParaRPr lang="ru-RU"/>
           </a:p>
@@ -1963,7 +1963,7 @@
           <a:p>
             <a:fld id="{2D33603C-5355-4424-862B-2C955D3F174E}" type="datetimeFigureOut">
               <a:rPr lang="ru-RU" smtClean="0"/>
-              <a:t>10.12.2021</a:t>
+              <a:t>11.12.2021</a:t>
             </a:fld>
             <a:endParaRPr lang="ru-RU"/>
           </a:p>
@@ -2076,7 +2076,7 @@
           <a:p>
             <a:fld id="{2D33603C-5355-4424-862B-2C955D3F174E}" type="datetimeFigureOut">
               <a:rPr lang="ru-RU" smtClean="0"/>
-              <a:t>10.12.2021</a:t>
+              <a:t>11.12.2021</a:t>
             </a:fld>
             <a:endParaRPr lang="ru-RU"/>
           </a:p>
@@ -2387,7 +2387,7 @@
           <a:p>
             <a:fld id="{2D33603C-5355-4424-862B-2C955D3F174E}" type="datetimeFigureOut">
               <a:rPr lang="ru-RU" smtClean="0"/>
-              <a:t>10.12.2021</a:t>
+              <a:t>11.12.2021</a:t>
             </a:fld>
             <a:endParaRPr lang="ru-RU"/>
           </a:p>
@@ -2675,7 +2675,7 @@
           <a:p>
             <a:fld id="{2D33603C-5355-4424-862B-2C955D3F174E}" type="datetimeFigureOut">
               <a:rPr lang="ru-RU" smtClean="0"/>
-              <a:t>10.12.2021</a:t>
+              <a:t>11.12.2021</a:t>
             </a:fld>
             <a:endParaRPr lang="ru-RU"/>
           </a:p>
@@ -2916,7 +2916,7 @@
           <a:p>
             <a:fld id="{2D33603C-5355-4424-862B-2C955D3F174E}" type="datetimeFigureOut">
               <a:rPr lang="ru-RU" smtClean="0"/>
-              <a:t>10.12.2021</a:t>
+              <a:t>11.12.2021</a:t>
             </a:fld>
             <a:endParaRPr lang="ru-RU"/>
           </a:p>
@@ -3561,7 +3561,7 @@
             </a:r>
             <a:r>
               <a:rPr lang="ru-RU" dirty="0"/>
-              <a:t> данной работы является разработка метода и программного продукта для планирования доставки товаров.</a:t>
+              <a:t> данной работы является разработка метода для планирования доставки товаров.</a:t>
             </a:r>
             <a:endParaRPr lang="en-US" dirty="0"/>
           </a:p>
@@ -4155,8 +4155,8 @@
           </a:p>
         </p:txBody>
       </p:sp>
-      <mc:AlternateContent xmlns:mc="http://schemas.openxmlformats.org/markup-compatibility/2006">
-        <mc:Choice xmlns:a14="http://schemas.microsoft.com/office/drawing/2010/main" Requires="a14">
+      <mc:AlternateContent xmlns:mc="http://schemas.openxmlformats.org/markup-compatibility/2006" xmlns:a14="http://schemas.microsoft.com/office/drawing/2010/main">
+        <mc:Choice Requires="a14">
           <p:sp>
             <p:nvSpPr>
               <p:cNvPr id="3" name="Объект 2">
@@ -5461,14 +5461,7 @@
                                   <a:latin typeface="Cambria Math" panose="02040503050406030204" pitchFamily="18" charset="0"/>
                                   <a:ea typeface="Cambria Math" panose="02040503050406030204" pitchFamily="18" charset="0"/>
                                 </a:rPr>
-                                <m:t>≠</m:t>
-                              </m:r>
-                              <m:r>
-                                <a:rPr lang="en-US" i="1">
-                                  <a:latin typeface="Cambria Math" panose="02040503050406030204" pitchFamily="18" charset="0"/>
-                                  <a:ea typeface="Cambria Math" panose="02040503050406030204" pitchFamily="18" charset="0"/>
-                                </a:rPr>
-                                <m:t> </m:t>
+                                <m:t>≠ </m:t>
                               </m:r>
                               <m:sSub>
                                 <m:sSubPr>
@@ -6085,7 +6078,7 @@
             </p:txBody>
           </p:sp>
         </mc:Choice>
-        <mc:Fallback>
+        <mc:Fallback xmlns="">
           <p:sp>
             <p:nvSpPr>
               <p:cNvPr id="3" name="Объект 2">

--- a/presentation.pptx
+++ b/presentation.pptx
@@ -9,10 +9,10 @@
     <p:sldId id="257" r:id="rId3"/>
     <p:sldId id="258" r:id="rId4"/>
     <p:sldId id="259" r:id="rId5"/>
-    <p:sldId id="260" r:id="rId6"/>
-    <p:sldId id="261" r:id="rId7"/>
-    <p:sldId id="262" r:id="rId8"/>
-    <p:sldId id="263" r:id="rId9"/>
+    <p:sldId id="265" r:id="rId6"/>
+    <p:sldId id="262" r:id="rId7"/>
+    <p:sldId id="263" r:id="rId8"/>
+    <p:sldId id="264" r:id="rId9"/>
   </p:sldIdLst>
   <p:sldSz cx="12192000" cy="6858000"/>
   <p:notesSz cx="6858000" cy="9144000"/>
@@ -3363,7 +3363,7 @@
           <a:p>
             <a:r>
               <a:rPr lang="ru-RU" sz="5400" dirty="0"/>
-              <a:t>Метод оптимизации планирования грузоперевозок в транспортной системе на основе метода потенциалов</a:t>
+              <a:t>Оптимизация планирования грузоперевозок в транспортной системе на основе метода потенциалов</a:t>
             </a:r>
           </a:p>
         </p:txBody>
@@ -3569,12 +3569,6 @@
             <a:pPr marL="0" indent="0">
               <a:buNone/>
             </a:pPr>
-            <a:endParaRPr lang="en-US" dirty="0"/>
-          </a:p>
-          <a:p>
-            <a:pPr marL="0" indent="0">
-              <a:buNone/>
-            </a:pPr>
             <a:r>
               <a:rPr lang="ru-RU" dirty="0"/>
               <a:t>Выделены следующие </a:t>
@@ -3601,9 +3595,8 @@
             <a:pPr lvl="1"/>
             <a:r>
               <a:rPr lang="ru-RU" dirty="0"/>
-              <a:t>формализовать задание, определить необходимый функционал;</a:t>
-            </a:r>
-            <a:endParaRPr lang="en-US" dirty="0"/>
+              <a:t>формализовать задание, определить необходимый функционал программного обеспечения; </a:t>
+            </a:r>
           </a:p>
           <a:p>
             <a:pPr lvl="1"/>
@@ -3689,7 +3682,7 @@
           <a:p>
             <a:r>
               <a:rPr lang="ru-RU" dirty="0"/>
-              <a:t>Введение в предметную область</a:t>
+              <a:t>Актуальность проблемы</a:t>
             </a:r>
           </a:p>
         </p:txBody>
@@ -3717,17 +3710,21 @@
           <a:p>
             <a:r>
               <a:rPr lang="ru-RU" dirty="0"/>
-              <a:t>В данный момент активно развиваются торговые розничные сети и с каждым годом занимают всё большую долю в общем объёме розничной торговли.</a:t>
+              <a:t>Торговые розничные сети занимают всё большую долю в общем объёме торговли.</a:t>
             </a:r>
           </a:p>
           <a:p>
             <a:r>
               <a:rPr lang="ru-RU" dirty="0"/>
-              <a:t>Деятельность любой фирмы, связанной с продажей товаров, зависит от эффективности выполнения задач логистики. В данном случае их можно объединить понятием управления цепочками поставок (</a:t>
+              <a:t>Эффективность их деятельности зависит от грамотности управления цепочками поставок (</a:t>
+            </a:r>
+            <a:r>
+              <a:rPr lang="en-US" b="1" dirty="0"/>
+              <a:t>SCM</a:t>
             </a:r>
             <a:r>
               <a:rPr lang="en-US" dirty="0"/>
-              <a:t>SCM - Supply Chain Management</a:t>
+              <a:t> - Supply Chain Management</a:t>
             </a:r>
             <a:r>
               <a:rPr lang="ru-RU" dirty="0"/>
@@ -3736,7 +3733,7 @@
           </a:p>
           <a:p>
             <a:r>
-              <a:rPr lang="en-US" dirty="0"/>
+              <a:rPr lang="en-US" b="1" dirty="0"/>
               <a:t>SCM</a:t>
             </a:r>
             <a:r>
@@ -3799,8 +3796,13 @@
           <a:p>
             <a:r>
               <a:rPr lang="ru-RU" dirty="0"/>
-              <a:t>Задачи предметной области</a:t>
-            </a:r>
+              <a:t>Этапы </a:t>
+            </a:r>
+            <a:r>
+              <a:rPr lang="en-US" dirty="0"/>
+              <a:t>SCM</a:t>
+            </a:r>
+            <a:endParaRPr lang="ru-RU" dirty="0"/>
           </a:p>
         </p:txBody>
       </p:sp>
@@ -3823,7 +3825,7 @@
         <p:spPr/>
         <p:txBody>
           <a:bodyPr>
-            <a:normAutofit fontScale="92500" lnSpcReduction="10000"/>
+            <a:normAutofit lnSpcReduction="10000"/>
           </a:bodyPr>
           <a:lstStyle/>
           <a:p>
@@ -3833,7 +3835,7 @@
             </a:r>
             <a:r>
               <a:rPr lang="ru-RU" dirty="0"/>
-              <a:t>. Принимается решение об управлении жизненным циклом товаров, объёмах производства и закупок.</a:t>
+              <a:t>. Управление жизненным циклом товаров, объёмах производства и закупок.</a:t>
             </a:r>
           </a:p>
           <a:p>
@@ -3843,7 +3845,7 @@
             </a:r>
             <a:r>
               <a:rPr lang="ru-RU" dirty="0"/>
-              <a:t>. Происходит управление снабжением, оцениваются и выбираются поставщики.</a:t>
+              <a:t>. Управление снабжением, выбор поставщиков.</a:t>
             </a:r>
           </a:p>
           <a:p>
@@ -3853,7 +3855,7 @@
             </a:r>
             <a:r>
               <a:rPr lang="ru-RU" dirty="0"/>
-              <a:t>. Включает в себя процесс производства, контроль технологических изменений, управление качеством и т.д..</a:t>
+              <a:t>. Производство, контроль технологических изменений, управление качеством.</a:t>
             </a:r>
           </a:p>
           <a:p>
@@ -3863,7 +3865,7 @@
             </a:r>
             <a:r>
               <a:rPr lang="ru-RU" dirty="0"/>
-              <a:t>. Состоит из трёх основных процессов: управление заказами, управление складом и транспортировка.</a:t>
+              <a:t>. Управление заказами, складом и транспортировкой.</a:t>
             </a:r>
           </a:p>
           <a:p>
@@ -3873,8 +3875,23 @@
             </a:r>
             <a:r>
               <a:rPr lang="ru-RU" dirty="0"/>
-              <a:t>. На этом этапе определяются элементы возврата товара, составляются графики возврата и направления на уничтожение и переработку.</a:t>
-            </a:r>
+              <a:t>. Составление графиков возврата, уничтожения и переработки.</a:t>
+            </a:r>
+          </a:p>
+          <a:p>
+            <a:pPr marL="0" indent="0">
+              <a:buNone/>
+            </a:pPr>
+            <a:r>
+              <a:rPr lang="ru-RU" dirty="0"/>
+              <a:t>Задачей выбрана разработка систем планирования наиболее оптимальных маршрутов доставок.</a:t>
+            </a:r>
+          </a:p>
+          <a:p>
+            <a:pPr marL="0" indent="0">
+              <a:buNone/>
+            </a:pPr>
+            <a:endParaRPr lang="ru-RU" dirty="0"/>
           </a:p>
         </p:txBody>
       </p:sp>
@@ -3913,7 +3930,7 @@
           <p:cNvPr id="2" name="Заголовок 1">
             <a:extLst>
               <a:ext uri="{FF2B5EF4-FFF2-40B4-BE49-F238E27FC236}">
-                <a16:creationId xmlns:a16="http://schemas.microsoft.com/office/drawing/2014/main" id="{2BEEC9C1-0C39-4CAB-AAC6-88DD28527992}"/>
+                <a16:creationId xmlns:a16="http://schemas.microsoft.com/office/drawing/2014/main" id="{A6D4CDE8-BEAF-4413-AA96-92DF995014BA}"/>
               </a:ext>
             </a:extLst>
           </p:cNvPr>
@@ -3931,55 +3948,766 @@
           <a:p>
             <a:r>
               <a:rPr lang="ru-RU" dirty="0"/>
-              <a:t>Задача транспортировки</a:t>
-            </a:r>
-          </a:p>
-        </p:txBody>
-      </p:sp>
-      <p:sp>
-        <p:nvSpPr>
-          <p:cNvPr id="3" name="Объект 2">
-            <a:extLst>
-              <a:ext uri="{FF2B5EF4-FFF2-40B4-BE49-F238E27FC236}">
-                <a16:creationId xmlns:a16="http://schemas.microsoft.com/office/drawing/2014/main" id="{4909B7D1-AFF0-4D21-98B0-81BAC0F7A385}"/>
-              </a:ext>
-            </a:extLst>
-          </p:cNvPr>
-          <p:cNvSpPr>
-            <a:spLocks noGrp="1"/>
-          </p:cNvSpPr>
-          <p:nvPr>
-            <p:ph idx="1"/>
-          </p:nvPr>
-        </p:nvSpPr>
-        <p:spPr/>
-        <p:txBody>
-          <a:bodyPr/>
-          <a:lstStyle/>
-          <a:p>
-            <a:r>
-              <a:rPr lang="ru-RU" dirty="0"/>
-              <a:t>Среди перечисленных задач особое место занимает транспортная логистика. Предприятия малого бизнеса не могут позволить себе создание собственной цепи поставок, поэтому пользуются услугами сторонних фирм по доставке. </a:t>
-            </a:r>
-          </a:p>
-          <a:p>
-            <a:r>
-              <a:rPr lang="ru-RU" dirty="0"/>
-              <a:t>Целью деятельности транспортной логистики является организация перемещения груза между двумя местами по оптимальному маршруту. Обычно оптимизация проводится по общей стоимости перевозок.</a:t>
-            </a:r>
-          </a:p>
-          <a:p>
-            <a:r>
-              <a:rPr lang="ru-RU" dirty="0"/>
-              <a:t>Актуальной задачей является разработка систем автоматического планирования наиболее оптимальных маршрутов доставок.</a:t>
-            </a:r>
-          </a:p>
-        </p:txBody>
-      </p:sp>
+              <a:t>Математическая формализация</a:t>
+            </a:r>
+          </a:p>
+        </p:txBody>
+      </p:sp>
+      <mc:AlternateContent xmlns:mc="http://schemas.openxmlformats.org/markup-compatibility/2006">
+        <mc:Choice xmlns:a14="http://schemas.microsoft.com/office/drawing/2010/main" Requires="a14">
+          <p:sp>
+            <p:nvSpPr>
+              <p:cNvPr id="3" name="Объект 2">
+                <a:extLst>
+                  <a:ext uri="{FF2B5EF4-FFF2-40B4-BE49-F238E27FC236}">
+                    <a16:creationId xmlns:a16="http://schemas.microsoft.com/office/drawing/2014/main" id="{3F3A5B3D-CA31-4E4D-B1FB-34EC78C3E654}"/>
+                  </a:ext>
+                </a:extLst>
+              </p:cNvPr>
+              <p:cNvSpPr>
+                <a:spLocks noGrp="1"/>
+              </p:cNvSpPr>
+              <p:nvPr>
+                <p:ph idx="1"/>
+              </p:nvPr>
+            </p:nvSpPr>
+            <p:spPr/>
+            <p:txBody>
+              <a:bodyPr>
+                <a:normAutofit lnSpcReduction="10000"/>
+              </a:bodyPr>
+              <a:lstStyle/>
+              <a:p>
+                <a:r>
+                  <a:rPr lang="ru-RU" dirty="0"/>
+                  <a:t>Продукт</a:t>
+                </a:r>
+                <a:r>
+                  <a:rPr lang="en-US" dirty="0"/>
+                  <a:t>: </a:t>
+                </a:r>
+                <a14:m>
+                  <m:oMath xmlns:m="http://schemas.openxmlformats.org/officeDocument/2006/math">
+                    <m:r>
+                      <a:rPr lang="en-US" i="1" dirty="0" smtClean="0">
+                        <a:latin typeface="Cambria Math" panose="02040503050406030204" pitchFamily="18" charset="0"/>
+                      </a:rPr>
+                      <m:t>𝑉𝑜𝑙</m:t>
+                    </m:r>
+                  </m:oMath>
+                </a14:m>
+                <a:r>
+                  <a:rPr lang="en-US" dirty="0"/>
+                  <a:t> - </a:t>
+                </a:r>
+                <a:r>
+                  <a:rPr lang="ru-RU" dirty="0"/>
+                  <a:t>объём тары.</a:t>
+                </a:r>
+                <a:endParaRPr lang="en-US" dirty="0"/>
+              </a:p>
+              <a:p>
+                <a:r>
+                  <a:rPr lang="ru-RU" dirty="0"/>
+                  <a:t>Транспорт</a:t>
+                </a:r>
+                <a:r>
+                  <a:rPr lang="en-US" dirty="0"/>
+                  <a:t> </a:t>
+                </a:r>
+                <a14:m>
+                  <m:oMath xmlns:m="http://schemas.openxmlformats.org/officeDocument/2006/math">
+                    <m:sSub>
+                      <m:sSubPr>
+                        <m:ctrlPr>
+                          <a:rPr lang="en-US" i="1" dirty="0">
+                            <a:latin typeface="Cambria Math" panose="02040503050406030204" pitchFamily="18" charset="0"/>
+                          </a:rPr>
+                        </m:ctrlPr>
+                      </m:sSubPr>
+                      <m:e>
+                        <m:r>
+                          <a:rPr lang="en-US" b="0" i="1" dirty="0" smtClean="0">
+                            <a:latin typeface="Cambria Math" panose="02040503050406030204" pitchFamily="18" charset="0"/>
+                          </a:rPr>
+                          <m:t>𝑇</m:t>
+                        </m:r>
+                      </m:e>
+                      <m:sub>
+                        <m:r>
+                          <a:rPr lang="en-US" b="0" i="1" dirty="0" smtClean="0">
+                            <a:latin typeface="Cambria Math" panose="02040503050406030204" pitchFamily="18" charset="0"/>
+                          </a:rPr>
+                          <m:t>𝑖</m:t>
+                        </m:r>
+                      </m:sub>
+                    </m:sSub>
+                  </m:oMath>
+                </a14:m>
+                <a:r>
+                  <a:rPr lang="en-US" dirty="0"/>
+                  <a:t>: </a:t>
+                </a:r>
+                <a14:m>
+                  <m:oMath xmlns:m="http://schemas.openxmlformats.org/officeDocument/2006/math">
+                    <m:r>
+                      <a:rPr lang="en-US" i="1" dirty="0" smtClean="0">
+                        <a:latin typeface="Cambria Math" panose="02040503050406030204" pitchFamily="18" charset="0"/>
+                      </a:rPr>
+                      <m:t>𝐶𝑜𝑛</m:t>
+                    </m:r>
+                  </m:oMath>
+                </a14:m>
+                <a:r>
+                  <a:rPr lang="en-US" dirty="0"/>
+                  <a:t> - </a:t>
+                </a:r>
+                <a:r>
+                  <a:rPr lang="ru-RU" dirty="0"/>
+                  <a:t>стоимость топлива,</a:t>
+                </a:r>
+                <a:endParaRPr lang="en-US" dirty="0"/>
+              </a:p>
+              <a:p>
+                <a:pPr marL="0" indent="0">
+                  <a:buNone/>
+                </a:pPr>
+                <a:r>
+                  <a:rPr lang="en-US" dirty="0"/>
+                  <a:t>   </a:t>
+                </a:r>
+                <a:r>
+                  <a:rPr lang="ru-RU" dirty="0"/>
+                  <a:t>вместимость </a:t>
+                </a:r>
+                <a14:m>
+                  <m:oMath xmlns:m="http://schemas.openxmlformats.org/officeDocument/2006/math">
+                    <m:sSub>
+                      <m:sSubPr>
+                        <m:ctrlPr>
+                          <a:rPr lang="en-US" i="1" dirty="0">
+                            <a:latin typeface="Cambria Math" panose="02040503050406030204" pitchFamily="18" charset="0"/>
+                          </a:rPr>
+                        </m:ctrlPr>
+                      </m:sSubPr>
+                      <m:e>
+                        <m:r>
+                          <a:rPr lang="en-US" b="0" i="1" dirty="0" smtClean="0">
+                            <a:latin typeface="Cambria Math" panose="02040503050406030204" pitchFamily="18" charset="0"/>
+                          </a:rPr>
+                          <m:t>𝑐</m:t>
+                        </m:r>
+                      </m:e>
+                      <m:sub>
+                        <m:r>
+                          <a:rPr lang="en-US" i="1" dirty="0">
+                            <a:latin typeface="Cambria Math" panose="02040503050406030204" pitchFamily="18" charset="0"/>
+                          </a:rPr>
+                          <m:t>𝑖</m:t>
+                        </m:r>
+                      </m:sub>
+                    </m:sSub>
+                  </m:oMath>
+                </a14:m>
+                <a:r>
+                  <a:rPr lang="en-US" dirty="0"/>
+                  <a:t>, </a:t>
+                </a:r>
+              </a:p>
+              <a:p>
+                <a:pPr marL="0" indent="0">
+                  <a:buNone/>
+                </a:pPr>
+                <a:r>
+                  <a:rPr lang="en-US" dirty="0"/>
+                  <a:t>   </a:t>
+                </a:r>
+                <a:r>
+                  <a:rPr lang="ru-RU" dirty="0"/>
+                  <a:t>затраты топлива </a:t>
+                </a:r>
+                <a14:m>
+                  <m:oMath xmlns:m="http://schemas.openxmlformats.org/officeDocument/2006/math">
+                    <m:sSub>
+                      <m:sSubPr>
+                        <m:ctrlPr>
+                          <a:rPr lang="en-US" i="1" dirty="0">
+                            <a:latin typeface="Cambria Math" panose="02040503050406030204" pitchFamily="18" charset="0"/>
+                          </a:rPr>
+                        </m:ctrlPr>
+                      </m:sSubPr>
+                      <m:e>
+                        <m:r>
+                          <a:rPr lang="en-US" b="0" i="1" dirty="0" smtClean="0">
+                            <a:latin typeface="Cambria Math" panose="02040503050406030204" pitchFamily="18" charset="0"/>
+                          </a:rPr>
+                          <m:t>𝑓</m:t>
+                        </m:r>
+                      </m:e>
+                      <m:sub>
+                        <m:r>
+                          <a:rPr lang="en-US" i="1" dirty="0">
+                            <a:latin typeface="Cambria Math" panose="02040503050406030204" pitchFamily="18" charset="0"/>
+                          </a:rPr>
+                          <m:t>𝑖</m:t>
+                        </m:r>
+                      </m:sub>
+                    </m:sSub>
+                  </m:oMath>
+                </a14:m>
+                <a:r>
+                  <a:rPr lang="ru-RU" dirty="0"/>
+                  <a:t> (л/км).</a:t>
+                </a:r>
+                <a:endParaRPr lang="en-US" dirty="0"/>
+              </a:p>
+              <a:p>
+                <a:r>
+                  <a:rPr lang="ru-RU" dirty="0"/>
+                  <a:t>Рейсы </a:t>
+                </a:r>
+                <a14:m>
+                  <m:oMath xmlns:m="http://schemas.openxmlformats.org/officeDocument/2006/math">
+                    <m:sSub>
+                      <m:sSubPr>
+                        <m:ctrlPr>
+                          <a:rPr lang="en-US" i="1" dirty="0">
+                            <a:latin typeface="Cambria Math" panose="02040503050406030204" pitchFamily="18" charset="0"/>
+                          </a:rPr>
+                        </m:ctrlPr>
+                      </m:sSubPr>
+                      <m:e>
+                        <m:r>
+                          <a:rPr lang="en-US" b="0" i="1" dirty="0" smtClean="0">
+                            <a:latin typeface="Cambria Math" panose="02040503050406030204" pitchFamily="18" charset="0"/>
+                          </a:rPr>
+                          <m:t>𝑅</m:t>
+                        </m:r>
+                      </m:e>
+                      <m:sub>
+                        <m:r>
+                          <a:rPr lang="en-US" i="1" dirty="0">
+                            <a:latin typeface="Cambria Math" panose="02040503050406030204" pitchFamily="18" charset="0"/>
+                          </a:rPr>
+                          <m:t>𝑖</m:t>
+                        </m:r>
+                      </m:sub>
+                    </m:sSub>
+                  </m:oMath>
+                </a14:m>
+                <a:r>
+                  <a:rPr lang="en-US" dirty="0"/>
+                  <a:t>: </a:t>
+                </a:r>
+                <a:r>
+                  <a:rPr lang="ru-RU" dirty="0"/>
+                  <a:t>совершаются </a:t>
+                </a:r>
+                <a14:m>
+                  <m:oMath xmlns:m="http://schemas.openxmlformats.org/officeDocument/2006/math">
+                    <m:sSub>
+                      <m:sSubPr>
+                        <m:ctrlPr>
+                          <a:rPr lang="en-US" i="1" dirty="0">
+                            <a:latin typeface="Cambria Math" panose="02040503050406030204" pitchFamily="18" charset="0"/>
+                          </a:rPr>
+                        </m:ctrlPr>
+                      </m:sSubPr>
+                      <m:e>
+                        <m:r>
+                          <a:rPr lang="en-US" i="1" dirty="0">
+                            <a:latin typeface="Cambria Math" panose="02040503050406030204" pitchFamily="18" charset="0"/>
+                          </a:rPr>
+                          <m:t>𝑇</m:t>
+                        </m:r>
+                      </m:e>
+                      <m:sub>
+                        <m:r>
+                          <a:rPr lang="en-US" i="1" dirty="0">
+                            <a:latin typeface="Cambria Math" panose="02040503050406030204" pitchFamily="18" charset="0"/>
+                          </a:rPr>
+                          <m:t>𝑖</m:t>
+                        </m:r>
+                        <m:r>
+                          <a:rPr lang="en-US" b="0" i="1" dirty="0" smtClean="0">
+                            <a:latin typeface="Cambria Math" panose="02040503050406030204" pitchFamily="18" charset="0"/>
+                          </a:rPr>
+                          <m:t> </m:t>
+                        </m:r>
+                        <m:r>
+                          <a:rPr lang="en-US" b="0" i="1" dirty="0" smtClean="0">
+                            <a:latin typeface="Cambria Math" panose="02040503050406030204" pitchFamily="18" charset="0"/>
+                          </a:rPr>
+                          <m:t>𝑚𝑜𝑑</m:t>
+                        </m:r>
+                        <m:r>
+                          <a:rPr lang="en-US" b="0" i="1" dirty="0" smtClean="0">
+                            <a:latin typeface="Cambria Math" panose="02040503050406030204" pitchFamily="18" charset="0"/>
+                          </a:rPr>
+                          <m:t> </m:t>
+                        </m:r>
+                        <m:sSub>
+                          <m:sSubPr>
+                            <m:ctrlPr>
+                              <a:rPr lang="en-US" b="0" i="1" dirty="0" smtClean="0">
+                                <a:latin typeface="Cambria Math" panose="02040503050406030204" pitchFamily="18" charset="0"/>
+                              </a:rPr>
+                            </m:ctrlPr>
+                          </m:sSubPr>
+                          <m:e>
+                            <m:r>
+                              <a:rPr lang="en-US" b="0" i="1" dirty="0" smtClean="0">
+                                <a:latin typeface="Cambria Math" panose="02040503050406030204" pitchFamily="18" charset="0"/>
+                              </a:rPr>
+                              <m:t>𝑁</m:t>
+                            </m:r>
+                          </m:e>
+                          <m:sub>
+                            <m:r>
+                              <a:rPr lang="en-US" b="0" i="1" dirty="0" smtClean="0">
+                                <a:latin typeface="Cambria Math" panose="02040503050406030204" pitchFamily="18" charset="0"/>
+                              </a:rPr>
+                              <m:t>𝑇</m:t>
+                            </m:r>
+                          </m:sub>
+                        </m:sSub>
+                      </m:sub>
+                    </m:sSub>
+                  </m:oMath>
+                </a14:m>
+                <a:r>
+                  <a:rPr lang="en-US" dirty="0"/>
+                  <a:t>.</a:t>
+                </a:r>
+              </a:p>
+              <a:p>
+                <a:r>
+                  <a:rPr lang="ru-RU" dirty="0"/>
+                  <a:t>Заказы </a:t>
+                </a:r>
+                <a14:m>
+                  <m:oMath xmlns:m="http://schemas.openxmlformats.org/officeDocument/2006/math">
+                    <m:sSub>
+                      <m:sSubPr>
+                        <m:ctrlPr>
+                          <a:rPr lang="en-US" i="1" dirty="0">
+                            <a:latin typeface="Cambria Math" panose="02040503050406030204" pitchFamily="18" charset="0"/>
+                          </a:rPr>
+                        </m:ctrlPr>
+                      </m:sSubPr>
+                      <m:e>
+                        <m:r>
+                          <a:rPr lang="en-US" b="0" i="1" dirty="0" smtClean="0">
+                            <a:latin typeface="Cambria Math" panose="02040503050406030204" pitchFamily="18" charset="0"/>
+                          </a:rPr>
+                          <m:t>𝑂</m:t>
+                        </m:r>
+                      </m:e>
+                      <m:sub>
+                        <m:r>
+                          <a:rPr lang="en-US" b="0" i="1" dirty="0" smtClean="0">
+                            <a:latin typeface="Cambria Math" panose="02040503050406030204" pitchFamily="18" charset="0"/>
+                          </a:rPr>
+                          <m:t>𝑖</m:t>
+                        </m:r>
+                      </m:sub>
+                    </m:sSub>
+                  </m:oMath>
+                </a14:m>
+                <a:r>
+                  <a:rPr lang="en-US" dirty="0"/>
+                  <a:t>.</a:t>
+                </a:r>
+                <a:endParaRPr lang="ru-RU" dirty="0"/>
+              </a:p>
+              <a:p>
+                <a:r>
+                  <a:rPr lang="ru-RU" dirty="0"/>
+                  <a:t>Пункты маршрута</a:t>
+                </a:r>
+                <a:r>
+                  <a:rPr lang="en-US" dirty="0"/>
+                  <a:t> (</a:t>
+                </a:r>
+                <a:r>
+                  <a:rPr lang="ru-RU" dirty="0"/>
+                  <a:t>стоянка, склады, магазины</a:t>
+                </a:r>
+                <a:r>
+                  <a:rPr lang="en-US" dirty="0"/>
+                  <a:t>) </a:t>
+                </a:r>
+                <a14:m>
+                  <m:oMath xmlns:m="http://schemas.openxmlformats.org/officeDocument/2006/math">
+                    <m:sSub>
+                      <m:sSubPr>
+                        <m:ctrlPr>
+                          <a:rPr lang="en-US" i="1" dirty="0" smtClean="0">
+                            <a:latin typeface="Cambria Math" panose="02040503050406030204" pitchFamily="18" charset="0"/>
+                          </a:rPr>
+                        </m:ctrlPr>
+                      </m:sSubPr>
+                      <m:e>
+                        <m:r>
+                          <a:rPr lang="en-US" i="1" dirty="0">
+                            <a:latin typeface="Cambria Math" panose="02040503050406030204" pitchFamily="18" charset="0"/>
+                          </a:rPr>
+                          <m:t>𝑃</m:t>
+                        </m:r>
+                      </m:e>
+                      <m:sub>
+                        <m:r>
+                          <a:rPr lang="en-US" b="0" i="1" dirty="0" smtClean="0">
+                            <a:latin typeface="Cambria Math" panose="02040503050406030204" pitchFamily="18" charset="0"/>
+                          </a:rPr>
+                          <m:t>𝑖</m:t>
+                        </m:r>
+                      </m:sub>
+                    </m:sSub>
+                  </m:oMath>
+                </a14:m>
+                <a:r>
+                  <a:rPr lang="en-US" dirty="0"/>
+                  <a:t>:</a:t>
+                </a:r>
+                <a:r>
+                  <a:rPr lang="ru-RU" dirty="0"/>
+                  <a:t> запас продукции </a:t>
+                </a:r>
+                <a14:m>
+                  <m:oMath xmlns:m="http://schemas.openxmlformats.org/officeDocument/2006/math">
+                    <m:sSub>
+                      <m:sSubPr>
+                        <m:ctrlPr>
+                          <a:rPr lang="en-US" i="1" dirty="0">
+                            <a:latin typeface="Cambria Math" panose="02040503050406030204" pitchFamily="18" charset="0"/>
+                          </a:rPr>
+                        </m:ctrlPr>
+                      </m:sSubPr>
+                      <m:e>
+                        <m:r>
+                          <a:rPr lang="en-US" b="0" i="1" dirty="0" smtClean="0">
+                            <a:latin typeface="Cambria Math" panose="02040503050406030204" pitchFamily="18" charset="0"/>
+                          </a:rPr>
+                          <m:t>𝑎</m:t>
+                        </m:r>
+                      </m:e>
+                      <m:sub>
+                        <m:r>
+                          <a:rPr lang="en-US" i="1" dirty="0">
+                            <a:latin typeface="Cambria Math" panose="02040503050406030204" pitchFamily="18" charset="0"/>
+                          </a:rPr>
+                          <m:t>𝑖</m:t>
+                        </m:r>
+                      </m:sub>
+                    </m:sSub>
+                  </m:oMath>
+                </a14:m>
+                <a:r>
+                  <a:rPr lang="ru-RU" dirty="0"/>
+                  <a:t>. </a:t>
+                </a:r>
+                <a14:m>
+                  <m:oMath xmlns:m="http://schemas.openxmlformats.org/officeDocument/2006/math">
+                    <m:sSub>
+                      <m:sSubPr>
+                        <m:ctrlPr>
+                          <a:rPr lang="en-US" i="1" dirty="0">
+                            <a:latin typeface="Cambria Math" panose="02040503050406030204" pitchFamily="18" charset="0"/>
+                          </a:rPr>
+                        </m:ctrlPr>
+                      </m:sSubPr>
+                      <m:e>
+                        <m:r>
+                          <a:rPr lang="en-US" b="0" i="1" dirty="0" smtClean="0">
+                            <a:latin typeface="Cambria Math" panose="02040503050406030204" pitchFamily="18" charset="0"/>
+                          </a:rPr>
+                          <m:t>𝑡</m:t>
+                        </m:r>
+                      </m:e>
+                      <m:sub>
+                        <m:r>
+                          <a:rPr lang="en-US" i="1" dirty="0">
+                            <a:latin typeface="Cambria Math" panose="02040503050406030204" pitchFamily="18" charset="0"/>
+                          </a:rPr>
+                          <m:t>𝑖</m:t>
+                        </m:r>
+                        <m:r>
+                          <a:rPr lang="en-US" b="0" i="1" dirty="0" smtClean="0">
+                            <a:latin typeface="Cambria Math" panose="02040503050406030204" pitchFamily="18" charset="0"/>
+                          </a:rPr>
+                          <m:t>𝑗</m:t>
+                        </m:r>
+                      </m:sub>
+                    </m:sSub>
+                  </m:oMath>
+                </a14:m>
+                <a:r>
+                  <a:rPr lang="en-US" dirty="0"/>
+                  <a:t>, </a:t>
+                </a:r>
+                <a14:m>
+                  <m:oMath xmlns:m="http://schemas.openxmlformats.org/officeDocument/2006/math">
+                    <m:sSub>
+                      <m:sSubPr>
+                        <m:ctrlPr>
+                          <a:rPr lang="en-US" i="1" dirty="0">
+                            <a:latin typeface="Cambria Math" panose="02040503050406030204" pitchFamily="18" charset="0"/>
+                          </a:rPr>
+                        </m:ctrlPr>
+                      </m:sSubPr>
+                      <m:e>
+                        <m:r>
+                          <a:rPr lang="en-US" b="0" i="1" dirty="0" smtClean="0">
+                            <a:latin typeface="Cambria Math" panose="02040503050406030204" pitchFamily="18" charset="0"/>
+                          </a:rPr>
+                          <m:t>𝑑</m:t>
+                        </m:r>
+                      </m:e>
+                      <m:sub>
+                        <m:r>
+                          <a:rPr lang="en-US" i="1" dirty="0">
+                            <a:latin typeface="Cambria Math" panose="02040503050406030204" pitchFamily="18" charset="0"/>
+                          </a:rPr>
+                          <m:t>𝑖</m:t>
+                        </m:r>
+                        <m:r>
+                          <a:rPr lang="en-US" b="0" i="1" dirty="0" smtClean="0">
+                            <a:latin typeface="Cambria Math" panose="02040503050406030204" pitchFamily="18" charset="0"/>
+                          </a:rPr>
+                          <m:t>𝑗</m:t>
+                        </m:r>
+                      </m:sub>
+                    </m:sSub>
+                  </m:oMath>
+                </a14:m>
+                <a:r>
+                  <a:rPr lang="en-US" dirty="0"/>
+                  <a:t> - </a:t>
+                </a:r>
+                <a:r>
+                  <a:rPr lang="ru-RU" dirty="0"/>
+                  <a:t>время и расстояние между </a:t>
+                </a:r>
+                <a14:m>
+                  <m:oMath xmlns:m="http://schemas.openxmlformats.org/officeDocument/2006/math">
+                    <m:sSub>
+                      <m:sSubPr>
+                        <m:ctrlPr>
+                          <a:rPr lang="en-US" i="1" dirty="0">
+                            <a:latin typeface="Cambria Math" panose="02040503050406030204" pitchFamily="18" charset="0"/>
+                          </a:rPr>
+                        </m:ctrlPr>
+                      </m:sSubPr>
+                      <m:e>
+                        <m:r>
+                          <a:rPr lang="en-US" i="1" dirty="0">
+                            <a:latin typeface="Cambria Math" panose="02040503050406030204" pitchFamily="18" charset="0"/>
+                          </a:rPr>
+                          <m:t>𝑃</m:t>
+                        </m:r>
+                      </m:e>
+                      <m:sub>
+                        <m:r>
+                          <a:rPr lang="en-US" i="1" dirty="0">
+                            <a:latin typeface="Cambria Math" panose="02040503050406030204" pitchFamily="18" charset="0"/>
+                          </a:rPr>
+                          <m:t>𝑖</m:t>
+                        </m:r>
+                      </m:sub>
+                    </m:sSub>
+                  </m:oMath>
+                </a14:m>
+                <a:r>
+                  <a:rPr lang="en-US" dirty="0"/>
+                  <a:t> </a:t>
+                </a:r>
+                <a:r>
+                  <a:rPr lang="ru-RU" dirty="0"/>
+                  <a:t>и </a:t>
+                </a:r>
+                <a14:m>
+                  <m:oMath xmlns:m="http://schemas.openxmlformats.org/officeDocument/2006/math">
+                    <m:sSub>
+                      <m:sSubPr>
+                        <m:ctrlPr>
+                          <a:rPr lang="en-US" i="1" dirty="0">
+                            <a:latin typeface="Cambria Math" panose="02040503050406030204" pitchFamily="18" charset="0"/>
+                          </a:rPr>
+                        </m:ctrlPr>
+                      </m:sSubPr>
+                      <m:e>
+                        <m:r>
+                          <a:rPr lang="en-US" i="1" dirty="0">
+                            <a:latin typeface="Cambria Math" panose="02040503050406030204" pitchFamily="18" charset="0"/>
+                          </a:rPr>
+                          <m:t>𝑃</m:t>
+                        </m:r>
+                      </m:e>
+                      <m:sub>
+                        <m:r>
+                          <a:rPr lang="en-US" b="0" i="1" dirty="0" smtClean="0">
+                            <a:latin typeface="Cambria Math" panose="02040503050406030204" pitchFamily="18" charset="0"/>
+                          </a:rPr>
+                          <m:t>𝑗</m:t>
+                        </m:r>
+                      </m:sub>
+                    </m:sSub>
+                  </m:oMath>
+                </a14:m>
+                <a:r>
+                  <a:rPr lang="en-US" dirty="0"/>
+                  <a:t>, </a:t>
+                </a:r>
+                <a14:m>
+                  <m:oMath xmlns:m="http://schemas.openxmlformats.org/officeDocument/2006/math">
+                    <m:sSub>
+                      <m:sSubPr>
+                        <m:ctrlPr>
+                          <a:rPr lang="en-US" i="1" dirty="0">
+                            <a:latin typeface="Cambria Math" panose="02040503050406030204" pitchFamily="18" charset="0"/>
+                          </a:rPr>
+                        </m:ctrlPr>
+                      </m:sSubPr>
+                      <m:e>
+                        <m:r>
+                          <a:rPr lang="en-US" i="1" dirty="0">
+                            <a:latin typeface="Cambria Math" panose="02040503050406030204" pitchFamily="18" charset="0"/>
+                          </a:rPr>
+                          <m:t>𝑣</m:t>
+                        </m:r>
+                      </m:e>
+                      <m:sub>
+                        <m:r>
+                          <a:rPr lang="en-US" i="1" dirty="0">
+                            <a:latin typeface="Cambria Math" panose="02040503050406030204" pitchFamily="18" charset="0"/>
+                          </a:rPr>
+                          <m:t>𝑖</m:t>
+                        </m:r>
+                        <m:r>
+                          <a:rPr lang="en-US" i="1" dirty="0">
+                            <a:latin typeface="Cambria Math" panose="02040503050406030204" pitchFamily="18" charset="0"/>
+                          </a:rPr>
+                          <m:t>𝑗𝑘</m:t>
+                        </m:r>
+                      </m:sub>
+                    </m:sSub>
+                  </m:oMath>
+                </a14:m>
+                <a:r>
+                  <a:rPr lang="en-US" dirty="0"/>
+                  <a:t> </a:t>
+                </a:r>
+                <a:r>
+                  <a:rPr lang="ru-RU" dirty="0"/>
+                  <a:t>- количество товара, перевезённое </a:t>
+                </a:r>
+                <a:r>
+                  <a:rPr lang="en-US" dirty="0"/>
+                  <a:t>k-</a:t>
+                </a:r>
+                <a:r>
+                  <a:rPr lang="ru-RU" dirty="0"/>
+                  <a:t>м рейсом</a:t>
+                </a:r>
+                <a:r>
+                  <a:rPr lang="en-US" dirty="0"/>
+                  <a:t>.</a:t>
+                </a:r>
+                <a:endParaRPr lang="ru-RU" dirty="0"/>
+              </a:p>
+              <a:p>
+                <a:endParaRPr lang="ru-RU" dirty="0"/>
+              </a:p>
+              <a:p>
+                <a:endParaRPr lang="ru-RU" dirty="0"/>
+              </a:p>
+            </p:txBody>
+          </p:sp>
+        </mc:Choice>
+        <mc:Fallback>
+          <p:sp>
+            <p:nvSpPr>
+              <p:cNvPr id="3" name="Объект 2">
+                <a:extLst>
+                  <a:ext uri="{FF2B5EF4-FFF2-40B4-BE49-F238E27FC236}">
+                    <a16:creationId xmlns:a16="http://schemas.microsoft.com/office/drawing/2014/main" id="{3F3A5B3D-CA31-4E4D-B1FB-34EC78C3E654}"/>
+                  </a:ext>
+                </a:extLst>
+              </p:cNvPr>
+              <p:cNvSpPr>
+                <a:spLocks noGrp="1" noRot="1" noChangeAspect="1" noMove="1" noResize="1" noEditPoints="1" noAdjustHandles="1" noChangeArrowheads="1" noChangeShapeType="1" noTextEdit="1"/>
+              </p:cNvSpPr>
+              <p:nvPr>
+                <p:ph idx="1"/>
+              </p:nvPr>
+            </p:nvSpPr>
+            <p:spPr>
+              <a:blipFill>
+                <a:blip r:embed="rId2"/>
+                <a:stretch>
+                  <a:fillRect l="-1043" t="-3081"/>
+                </a:stretch>
+              </a:blipFill>
+            </p:spPr>
+            <p:txBody>
+              <a:bodyPr/>
+              <a:lstStyle/>
+              <a:p>
+                <a:r>
+                  <a:rPr lang="ru-RU">
+                    <a:noFill/>
+                  </a:rPr>
+                  <a:t> </a:t>
+                </a:r>
+              </a:p>
+            </p:txBody>
+          </p:sp>
+        </mc:Fallback>
+      </mc:AlternateContent>
+      <p:pic>
+        <p:nvPicPr>
+          <p:cNvPr id="9" name="Рисунок 8">
+            <a:extLst>
+              <a:ext uri="{FF2B5EF4-FFF2-40B4-BE49-F238E27FC236}">
+                <a16:creationId xmlns:a16="http://schemas.microsoft.com/office/drawing/2014/main" id="{D8C93E51-D1FB-47CF-A7F2-2A4035F22BE0}"/>
+              </a:ext>
+            </a:extLst>
+          </p:cNvPr>
+          <p:cNvPicPr>
+            <a:picLocks noChangeAspect="1"/>
+          </p:cNvPicPr>
+          <p:nvPr/>
+        </p:nvPicPr>
+        <p:blipFill>
+          <a:blip r:embed="rId3">
+            <a:extLst>
+              <a:ext uri="{28A0092B-C50C-407E-A947-70E740481C1C}">
+                <a14:useLocalDpi xmlns:a14="http://schemas.microsoft.com/office/drawing/2010/main" val="0"/>
+              </a:ext>
+              <a:ext uri="{96DAC541-7B7A-43D3-8B79-37D633B846F1}">
+                <asvg:svgBlip xmlns:asvg="http://schemas.microsoft.com/office/drawing/2016/SVG/main" r:embed="rId4"/>
+              </a:ext>
+            </a:extLst>
+          </a:blip>
+          <a:stretch>
+            <a:fillRect/>
+          </a:stretch>
+        </p:blipFill>
+        <p:spPr>
+          <a:xfrm>
+            <a:off x="7058025" y="1466850"/>
+            <a:ext cx="4295775" cy="1962150"/>
+          </a:xfrm>
+          <a:prstGeom prst="rect">
+            <a:avLst/>
+          </a:prstGeom>
+        </p:spPr>
+      </p:pic>
     </p:spTree>
     <p:extLst>
       <p:ext uri="{BB962C8B-B14F-4D97-AF65-F5344CB8AC3E}">
-        <p14:creationId xmlns:p14="http://schemas.microsoft.com/office/powerpoint/2010/main" val="2673925512"/>
+        <p14:creationId xmlns:p14="http://schemas.microsoft.com/office/powerpoint/2010/main" val="3317109926"/>
       </p:ext>
     </p:extLst>
   </p:cSld>
@@ -3990,127 +4718,6 @@
 </file>
 
 <file path=ppt/slides/slide6.xml><?xml version="1.0" encoding="utf-8"?>
-<p:sld xmlns:a="http://schemas.openxmlformats.org/drawingml/2006/main" xmlns:r="http://schemas.openxmlformats.org/officeDocument/2006/relationships" xmlns:p="http://schemas.openxmlformats.org/presentationml/2006/main">
-  <p:cSld>
-    <p:spTree>
-      <p:nvGrpSpPr>
-        <p:cNvPr id="1" name=""/>
-        <p:cNvGrpSpPr/>
-        <p:nvPr/>
-      </p:nvGrpSpPr>
-      <p:grpSpPr>
-        <a:xfrm>
-          <a:off x="0" y="0"/>
-          <a:ext cx="0" cy="0"/>
-          <a:chOff x="0" y="0"/>
-          <a:chExt cx="0" cy="0"/>
-        </a:xfrm>
-      </p:grpSpPr>
-      <p:sp>
-        <p:nvSpPr>
-          <p:cNvPr id="2" name="Заголовок 1">
-            <a:extLst>
-              <a:ext uri="{FF2B5EF4-FFF2-40B4-BE49-F238E27FC236}">
-                <a16:creationId xmlns:a16="http://schemas.microsoft.com/office/drawing/2014/main" id="{CC0CEDA1-EB91-4818-9766-8B27F397086F}"/>
-              </a:ext>
-            </a:extLst>
-          </p:cNvPr>
-          <p:cNvSpPr>
-            <a:spLocks noGrp="1"/>
-          </p:cNvSpPr>
-          <p:nvPr>
-            <p:ph type="title"/>
-          </p:nvPr>
-        </p:nvSpPr>
-        <p:spPr/>
-        <p:txBody>
-          <a:bodyPr/>
-          <a:lstStyle/>
-          <a:p>
-            <a:r>
-              <a:rPr lang="ru-RU" dirty="0"/>
-              <a:t>Системы управления перевозками</a:t>
-            </a:r>
-          </a:p>
-        </p:txBody>
-      </p:sp>
-      <p:sp>
-        <p:nvSpPr>
-          <p:cNvPr id="3" name="Объект 2">
-            <a:extLst>
-              <a:ext uri="{FF2B5EF4-FFF2-40B4-BE49-F238E27FC236}">
-                <a16:creationId xmlns:a16="http://schemas.microsoft.com/office/drawing/2014/main" id="{28280ED6-CBE7-45D0-A194-FBF3B5A00610}"/>
-              </a:ext>
-            </a:extLst>
-          </p:cNvPr>
-          <p:cNvSpPr>
-            <a:spLocks noGrp="1"/>
-          </p:cNvSpPr>
-          <p:nvPr>
-            <p:ph idx="1"/>
-          </p:nvPr>
-        </p:nvSpPr>
-        <p:spPr/>
-        <p:txBody>
-          <a:bodyPr>
-            <a:normAutofit/>
-          </a:bodyPr>
-          <a:lstStyle/>
-          <a:p>
-            <a:r>
-              <a:rPr lang="ru-RU" dirty="0"/>
-              <a:t>Решение описанной задачи выполняют системы управления перевозками (</a:t>
-            </a:r>
-            <a:r>
-              <a:rPr lang="en-US" dirty="0"/>
-              <a:t>TMS - Transportation management system</a:t>
-            </a:r>
-            <a:r>
-              <a:rPr lang="ru-RU" dirty="0"/>
-              <a:t>). </a:t>
-            </a:r>
-          </a:p>
-          <a:p>
-            <a:r>
-              <a:rPr lang="ru-RU" dirty="0"/>
-              <a:t>Общей чертой данных системы является решение большого спектра задач транспортировки</a:t>
-            </a:r>
-            <a:r>
-              <a:rPr lang="en-US" dirty="0"/>
-              <a:t>: </a:t>
-            </a:r>
-            <a:r>
-              <a:rPr lang="ru-RU" dirty="0"/>
-              <a:t>от документооборота заказов до оповещения водителей о маршрутах через мобильное приложение.</a:t>
-            </a:r>
-          </a:p>
-          <a:p>
-            <a:r>
-              <a:rPr lang="ru-RU" dirty="0"/>
-              <a:t>Актуальность предлагаемой разработки обусловлена высокими на данном рынке и отсутствием в некоторых программ </a:t>
-            </a:r>
-            <a:r>
-              <a:rPr lang="ru-RU"/>
-              <a:t>автоматического планирования.</a:t>
-            </a:r>
-            <a:endParaRPr lang="ru-RU" dirty="0"/>
-          </a:p>
-        </p:txBody>
-      </p:sp>
-    </p:spTree>
-    <p:extLst>
-      <p:ext uri="{BB962C8B-B14F-4D97-AF65-F5344CB8AC3E}">
-        <p14:creationId xmlns:p14="http://schemas.microsoft.com/office/powerpoint/2010/main" val="1040038753"/>
-      </p:ext>
-    </p:extLst>
-  </p:cSld>
-  <p:clrMapOvr>
-    <a:masterClrMapping/>
-  </p:clrMapOvr>
-</p:sld>
-</file>
-
-<file path=ppt/slides/slide7.xml><?xml version="1.0" encoding="utf-8"?>
 <p:sld xmlns:a="http://schemas.openxmlformats.org/drawingml/2006/main" xmlns:r="http://schemas.openxmlformats.org/officeDocument/2006/relationships" xmlns:p="http://schemas.openxmlformats.org/presentationml/2006/main">
   <p:cSld>
     <p:spTree>
@@ -6131,6 +6738,163 @@
 </p:sld>
 </file>
 
+<file path=ppt/slides/slide7.xml><?xml version="1.0" encoding="utf-8"?>
+<p:sld xmlns:a="http://schemas.openxmlformats.org/drawingml/2006/main" xmlns:r="http://schemas.openxmlformats.org/officeDocument/2006/relationships" xmlns:p="http://schemas.openxmlformats.org/presentationml/2006/main">
+  <p:cSld>
+    <p:spTree>
+      <p:nvGrpSpPr>
+        <p:cNvPr id="1" name=""/>
+        <p:cNvGrpSpPr/>
+        <p:nvPr/>
+      </p:nvGrpSpPr>
+      <p:grpSpPr>
+        <a:xfrm>
+          <a:off x="0" y="0"/>
+          <a:ext cx="0" cy="0"/>
+          <a:chOff x="0" y="0"/>
+          <a:chExt cx="0" cy="0"/>
+        </a:xfrm>
+      </p:grpSpPr>
+      <p:sp>
+        <p:nvSpPr>
+          <p:cNvPr id="2" name="Заголовок 1">
+            <a:extLst>
+              <a:ext uri="{FF2B5EF4-FFF2-40B4-BE49-F238E27FC236}">
+                <a16:creationId xmlns:a16="http://schemas.microsoft.com/office/drawing/2014/main" id="{B861179B-5AC0-4064-9585-EEDC5EB58AC3}"/>
+              </a:ext>
+            </a:extLst>
+          </p:cNvPr>
+          <p:cNvSpPr>
+            <a:spLocks noGrp="1"/>
+          </p:cNvSpPr>
+          <p:nvPr>
+            <p:ph type="title"/>
+          </p:nvPr>
+        </p:nvSpPr>
+        <p:spPr/>
+        <p:txBody>
+          <a:bodyPr/>
+          <a:lstStyle/>
+          <a:p>
+            <a:r>
+              <a:rPr lang="ru-RU" dirty="0"/>
+              <a:t>Подходы к решению</a:t>
+            </a:r>
+          </a:p>
+        </p:txBody>
+      </p:sp>
+      <p:sp>
+        <p:nvSpPr>
+          <p:cNvPr id="3" name="Объект 2">
+            <a:extLst>
+              <a:ext uri="{FF2B5EF4-FFF2-40B4-BE49-F238E27FC236}">
+                <a16:creationId xmlns:a16="http://schemas.microsoft.com/office/drawing/2014/main" id="{65C77B52-4B51-4D90-AC9E-4F5CD97ACB30}"/>
+              </a:ext>
+            </a:extLst>
+          </p:cNvPr>
+          <p:cNvSpPr>
+            <a:spLocks noGrp="1"/>
+          </p:cNvSpPr>
+          <p:nvPr>
+            <p:ph idx="1"/>
+          </p:nvPr>
+        </p:nvSpPr>
+        <p:spPr/>
+        <p:txBody>
+          <a:bodyPr/>
+          <a:lstStyle/>
+          <a:p>
+            <a:pPr marL="0" indent="0">
+              <a:buNone/>
+            </a:pPr>
+            <a:r>
+              <a:rPr lang="ru-RU" dirty="0"/>
+              <a:t>Методы решения транспортной задачи</a:t>
+            </a:r>
+            <a:r>
+              <a:rPr lang="en-US" dirty="0"/>
+              <a:t>:</a:t>
+            </a:r>
+            <a:endParaRPr lang="ru-RU" dirty="0"/>
+          </a:p>
+          <a:p>
+            <a:pPr lvl="1"/>
+            <a:r>
+              <a:rPr lang="ru-RU" dirty="0"/>
+              <a:t>Симплекс-метод</a:t>
+            </a:r>
+          </a:p>
+          <a:p>
+            <a:pPr lvl="1"/>
+            <a:r>
+              <a:rPr lang="ru-RU" dirty="0"/>
+              <a:t>Метод потенциалов</a:t>
+            </a:r>
+          </a:p>
+          <a:p>
+            <a:pPr lvl="1"/>
+            <a:r>
+              <a:rPr lang="ru-RU" dirty="0"/>
+              <a:t>…</a:t>
+            </a:r>
+          </a:p>
+          <a:p>
+            <a:pPr marL="457200" lvl="1" indent="0">
+              <a:buNone/>
+            </a:pPr>
+            <a:endParaRPr lang="ru-RU" dirty="0"/>
+          </a:p>
+          <a:p>
+            <a:pPr marL="0" indent="0">
+              <a:buNone/>
+            </a:pPr>
+            <a:r>
+              <a:rPr lang="ru-RU" dirty="0"/>
+              <a:t>В качестве основы выбран метод потенциалов, так как</a:t>
+            </a:r>
+            <a:r>
+              <a:rPr lang="en-US" dirty="0"/>
+              <a:t> </a:t>
+            </a:r>
+            <a:r>
+              <a:rPr lang="ru-RU" dirty="0"/>
+              <a:t>он позволяет</a:t>
+            </a:r>
+            <a:r>
+              <a:rPr lang="en-US" dirty="0"/>
+              <a:t>:</a:t>
+            </a:r>
+            <a:endParaRPr lang="ru-RU" dirty="0"/>
+          </a:p>
+          <a:p>
+            <a:pPr lvl="1"/>
+            <a:r>
+              <a:rPr lang="ru-RU" dirty="0"/>
+              <a:t>Строить транзитные маршруты через пункты потребления</a:t>
+            </a:r>
+          </a:p>
+          <a:p>
+            <a:pPr lvl="1"/>
+            <a:r>
+              <a:rPr lang="ru-RU" dirty="0"/>
+              <a:t>Учитывать ограничения на пропускную способность</a:t>
+            </a:r>
+          </a:p>
+        </p:txBody>
+      </p:sp>
+    </p:spTree>
+    <p:extLst>
+      <p:ext uri="{BB962C8B-B14F-4D97-AF65-F5344CB8AC3E}">
+        <p14:creationId xmlns:p14="http://schemas.microsoft.com/office/powerpoint/2010/main" val="896985544"/>
+      </p:ext>
+    </p:extLst>
+  </p:cSld>
+  <p:clrMapOvr>
+    <a:masterClrMapping/>
+  </p:clrMapOvr>
+</p:sld>
+</file>
+
 <file path=ppt/slides/slide8.xml><?xml version="1.0" encoding="utf-8"?>
 <p:sld xmlns:a="http://schemas.openxmlformats.org/drawingml/2006/main" xmlns:r="http://schemas.openxmlformats.org/officeDocument/2006/relationships" xmlns:p="http://schemas.openxmlformats.org/presentationml/2006/main">
   <p:cSld>
@@ -6153,7 +6917,7 @@
           <p:cNvPr id="2" name="Заголовок 1">
             <a:extLst>
               <a:ext uri="{FF2B5EF4-FFF2-40B4-BE49-F238E27FC236}">
-                <a16:creationId xmlns:a16="http://schemas.microsoft.com/office/drawing/2014/main" id="{B861179B-5AC0-4064-9585-EEDC5EB58AC3}"/>
+                <a16:creationId xmlns:a16="http://schemas.microsoft.com/office/drawing/2014/main" id="{ADA4F0E5-0DE0-4063-A15D-4D2856762BB7}"/>
               </a:ext>
             </a:extLst>
           </p:cNvPr>
@@ -6171,7 +6935,7 @@
           <a:p>
             <a:r>
               <a:rPr lang="ru-RU" dirty="0"/>
-              <a:t>Метода решения</a:t>
+              <a:t>Текущее состояние работы</a:t>
             </a:r>
           </a:p>
         </p:txBody>
@@ -6181,7 +6945,7 @@
           <p:cNvPr id="3" name="Объект 2">
             <a:extLst>
               <a:ext uri="{FF2B5EF4-FFF2-40B4-BE49-F238E27FC236}">
-                <a16:creationId xmlns:a16="http://schemas.microsoft.com/office/drawing/2014/main" id="{65C77B52-4B51-4D90-AC9E-4F5CD97ACB30}"/>
+                <a16:creationId xmlns:a16="http://schemas.microsoft.com/office/drawing/2014/main" id="{9B4BB97A-7F0E-4EB7-BD97-7F9C52EAAE69}"/>
               </a:ext>
             </a:extLst>
           </p:cNvPr>
@@ -6199,70 +6963,28 @@
           <a:p>
             <a:r>
               <a:rPr lang="ru-RU" dirty="0"/>
-              <a:t>Методы решения задачи транспортной задачи</a:t>
-            </a:r>
-            <a:r>
-              <a:rPr lang="en-US" dirty="0"/>
-              <a:t>:</a:t>
-            </a:r>
+              <a:t>Изучена предметная область</a:t>
+            </a:r>
+          </a:p>
+          <a:p>
+            <a:r>
+              <a:rPr lang="ru-RU" dirty="0"/>
+              <a:t>Составлена модель</a:t>
+            </a:r>
+          </a:p>
+          <a:p>
+            <a:r>
+              <a:rPr lang="ru-RU" dirty="0"/>
+              <a:t>Выбран метод</a:t>
+            </a:r>
+          </a:p>
+          <a:p>
             <a:endParaRPr lang="ru-RU" dirty="0"/>
           </a:p>
           <a:p>
-            <a:pPr lvl="1"/>
             <a:r>
               <a:rPr lang="ru-RU" dirty="0"/>
-              <a:t>Симплекс-метод</a:t>
-            </a:r>
-          </a:p>
-          <a:p>
-            <a:pPr lvl="1"/>
-            <a:r>
-              <a:rPr lang="ru-RU" dirty="0"/>
-              <a:t>Метод потенциалов</a:t>
-            </a:r>
-          </a:p>
-          <a:p>
-            <a:pPr lvl="1"/>
-            <a:r>
-              <a:rPr lang="ru-RU" dirty="0"/>
-              <a:t>…</a:t>
-            </a:r>
-          </a:p>
-          <a:p>
-            <a:pPr lvl="1"/>
-            <a:endParaRPr lang="ru-RU" dirty="0"/>
-          </a:p>
-          <a:p>
-            <a:r>
-              <a:rPr lang="ru-RU" dirty="0"/>
-              <a:t>Выбран метод потенциалов, так как</a:t>
-            </a:r>
-            <a:r>
-              <a:rPr lang="en-US" dirty="0"/>
-              <a:t> </a:t>
-            </a:r>
-            <a:r>
-              <a:rPr lang="ru-RU" dirty="0"/>
-              <a:t>он позволяет</a:t>
-            </a:r>
-            <a:r>
-              <a:rPr lang="en-US" dirty="0"/>
-              <a:t>:</a:t>
-            </a:r>
-            <a:endParaRPr lang="ru-RU" dirty="0"/>
-          </a:p>
-          <a:p>
-            <a:pPr lvl="1"/>
-            <a:r>
-              <a:rPr lang="ru-RU" dirty="0"/>
-              <a:t>Строить транзитные маршруты через пункты потребления</a:t>
-            </a:r>
-          </a:p>
-          <a:p>
-            <a:pPr lvl="1"/>
-            <a:r>
-              <a:rPr lang="ru-RU" dirty="0"/>
-              <a:t>Учитывать ограничения на пропускную способность</a:t>
+              <a:t>Продолжение работы будет заключаться в описании выбранного метода и способов его модификации для нужд данной задачи</a:t>
             </a:r>
           </a:p>
         </p:txBody>
@@ -6270,7 +6992,7 @@
     </p:spTree>
     <p:extLst>
       <p:ext uri="{BB962C8B-B14F-4D97-AF65-F5344CB8AC3E}">
-        <p14:creationId xmlns:p14="http://schemas.microsoft.com/office/powerpoint/2010/main" val="896985544"/>
+        <p14:creationId xmlns:p14="http://schemas.microsoft.com/office/powerpoint/2010/main" val="3101663942"/>
       </p:ext>
     </p:extLst>
   </p:cSld>

--- a/presentation.pptx
+++ b/presentation.pptx
@@ -12,7 +12,8 @@
     <p:sldId id="265" r:id="rId6"/>
     <p:sldId id="262" r:id="rId7"/>
     <p:sldId id="263" r:id="rId8"/>
-    <p:sldId id="264" r:id="rId9"/>
+    <p:sldId id="266" r:id="rId9"/>
+    <p:sldId id="264" r:id="rId10"/>
   </p:sldIdLst>
   <p:sldSz cx="12192000" cy="6858000"/>
   <p:notesSz cx="6858000" cy="9144000"/>
@@ -266,7 +267,7 @@
           <a:p>
             <a:fld id="{2D33603C-5355-4424-862B-2C955D3F174E}" type="datetimeFigureOut">
               <a:rPr lang="ru-RU" smtClean="0"/>
-              <a:t>11.12.2021</a:t>
+              <a:t>23.12.2021</a:t>
             </a:fld>
             <a:endParaRPr lang="ru-RU"/>
           </a:p>
@@ -464,7 +465,7 @@
           <a:p>
             <a:fld id="{2D33603C-5355-4424-862B-2C955D3F174E}" type="datetimeFigureOut">
               <a:rPr lang="ru-RU" smtClean="0"/>
-              <a:t>11.12.2021</a:t>
+              <a:t>23.12.2021</a:t>
             </a:fld>
             <a:endParaRPr lang="ru-RU"/>
           </a:p>
@@ -672,7 +673,7 @@
           <a:p>
             <a:fld id="{2D33603C-5355-4424-862B-2C955D3F174E}" type="datetimeFigureOut">
               <a:rPr lang="ru-RU" smtClean="0"/>
-              <a:t>11.12.2021</a:t>
+              <a:t>23.12.2021</a:t>
             </a:fld>
             <a:endParaRPr lang="ru-RU"/>
           </a:p>
@@ -870,7 +871,7 @@
           <a:p>
             <a:fld id="{2D33603C-5355-4424-862B-2C955D3F174E}" type="datetimeFigureOut">
               <a:rPr lang="ru-RU" smtClean="0"/>
-              <a:t>11.12.2021</a:t>
+              <a:t>23.12.2021</a:t>
             </a:fld>
             <a:endParaRPr lang="ru-RU"/>
           </a:p>
@@ -1145,7 +1146,7 @@
           <a:p>
             <a:fld id="{2D33603C-5355-4424-862B-2C955D3F174E}" type="datetimeFigureOut">
               <a:rPr lang="ru-RU" smtClean="0"/>
-              <a:t>11.12.2021</a:t>
+              <a:t>23.12.2021</a:t>
             </a:fld>
             <a:endParaRPr lang="ru-RU"/>
           </a:p>
@@ -1410,7 +1411,7 @@
           <a:p>
             <a:fld id="{2D33603C-5355-4424-862B-2C955D3F174E}" type="datetimeFigureOut">
               <a:rPr lang="ru-RU" smtClean="0"/>
-              <a:t>11.12.2021</a:t>
+              <a:t>23.12.2021</a:t>
             </a:fld>
             <a:endParaRPr lang="ru-RU"/>
           </a:p>
@@ -1822,7 +1823,7 @@
           <a:p>
             <a:fld id="{2D33603C-5355-4424-862B-2C955D3F174E}" type="datetimeFigureOut">
               <a:rPr lang="ru-RU" smtClean="0"/>
-              <a:t>11.12.2021</a:t>
+              <a:t>23.12.2021</a:t>
             </a:fld>
             <a:endParaRPr lang="ru-RU"/>
           </a:p>
@@ -1963,7 +1964,7 @@
           <a:p>
             <a:fld id="{2D33603C-5355-4424-862B-2C955D3F174E}" type="datetimeFigureOut">
               <a:rPr lang="ru-RU" smtClean="0"/>
-              <a:t>11.12.2021</a:t>
+              <a:t>23.12.2021</a:t>
             </a:fld>
             <a:endParaRPr lang="ru-RU"/>
           </a:p>
@@ -2076,7 +2077,7 @@
           <a:p>
             <a:fld id="{2D33603C-5355-4424-862B-2C955D3F174E}" type="datetimeFigureOut">
               <a:rPr lang="ru-RU" smtClean="0"/>
-              <a:t>11.12.2021</a:t>
+              <a:t>23.12.2021</a:t>
             </a:fld>
             <a:endParaRPr lang="ru-RU"/>
           </a:p>
@@ -2387,7 +2388,7 @@
           <a:p>
             <a:fld id="{2D33603C-5355-4424-862B-2C955D3F174E}" type="datetimeFigureOut">
               <a:rPr lang="ru-RU" smtClean="0"/>
-              <a:t>11.12.2021</a:t>
+              <a:t>23.12.2021</a:t>
             </a:fld>
             <a:endParaRPr lang="ru-RU"/>
           </a:p>
@@ -2675,7 +2676,7 @@
           <a:p>
             <a:fld id="{2D33603C-5355-4424-862B-2C955D3F174E}" type="datetimeFigureOut">
               <a:rPr lang="ru-RU" smtClean="0"/>
-              <a:t>11.12.2021</a:t>
+              <a:t>23.12.2021</a:t>
             </a:fld>
             <a:endParaRPr lang="ru-RU"/>
           </a:p>
@@ -2916,7 +2917,7 @@
           <a:p>
             <a:fld id="{2D33603C-5355-4424-862B-2C955D3F174E}" type="datetimeFigureOut">
               <a:rPr lang="ru-RU" smtClean="0"/>
-              <a:t>11.12.2021</a:t>
+              <a:t>23.12.2021</a:t>
             </a:fld>
             <a:endParaRPr lang="ru-RU"/>
           </a:p>
@@ -3953,8 +3954,8 @@
           </a:p>
         </p:txBody>
       </p:sp>
-      <mc:AlternateContent xmlns:mc="http://schemas.openxmlformats.org/markup-compatibility/2006">
-        <mc:Choice xmlns:a14="http://schemas.microsoft.com/office/drawing/2010/main" Requires="a14">
+      <mc:AlternateContent xmlns:mc="http://schemas.openxmlformats.org/markup-compatibility/2006" xmlns:a14="http://schemas.microsoft.com/office/drawing/2010/main">
+        <mc:Choice Requires="a14">
           <p:sp>
             <p:nvSpPr>
               <p:cNvPr id="3" name="Объект 2">
@@ -4582,13 +4583,7 @@
                           <a:rPr lang="en-US" i="1" dirty="0">
                             <a:latin typeface="Cambria Math" panose="02040503050406030204" pitchFamily="18" charset="0"/>
                           </a:rPr>
-                          <m:t>𝑖</m:t>
-                        </m:r>
-                        <m:r>
-                          <a:rPr lang="en-US" i="1" dirty="0">
-                            <a:latin typeface="Cambria Math" panose="02040503050406030204" pitchFamily="18" charset="0"/>
-                          </a:rPr>
-                          <m:t>𝑗𝑘</m:t>
+                          <m:t>𝑖𝑗𝑘</m:t>
                         </m:r>
                       </m:sub>
                     </m:sSub>
@@ -4625,7 +4620,7 @@
             </p:txBody>
           </p:sp>
         </mc:Choice>
-        <mc:Fallback>
+        <mc:Fallback xmlns="">
           <p:sp>
             <p:nvSpPr>
               <p:cNvPr id="3" name="Объект 2">
@@ -6832,13 +6827,6 @@
             </a:r>
           </a:p>
           <a:p>
-            <a:pPr lvl="1"/>
-            <a:r>
-              <a:rPr lang="ru-RU" dirty="0"/>
-              <a:t>…</a:t>
-            </a:r>
-          </a:p>
-          <a:p>
             <a:pPr marL="457200" lvl="1" indent="0">
               <a:buNone/>
             </a:pPr>
@@ -6917,7 +6905,7 @@
           <p:cNvPr id="2" name="Заголовок 1">
             <a:extLst>
               <a:ext uri="{FF2B5EF4-FFF2-40B4-BE49-F238E27FC236}">
-                <a16:creationId xmlns:a16="http://schemas.microsoft.com/office/drawing/2014/main" id="{ADA4F0E5-0DE0-4063-A15D-4D2856762BB7}"/>
+                <a16:creationId xmlns:a16="http://schemas.microsoft.com/office/drawing/2014/main" id="{38CD56BC-0DA5-4C39-A7EF-55602EF01C2D}"/>
               </a:ext>
             </a:extLst>
           </p:cNvPr>
@@ -6935,25 +6923,275 @@
           <a:p>
             <a:r>
               <a:rPr lang="ru-RU" dirty="0"/>
-              <a:t>Текущее состояние работы</a:t>
-            </a:r>
-          </a:p>
-        </p:txBody>
-      </p:sp>
-      <p:sp>
-        <p:nvSpPr>
-          <p:cNvPr id="3" name="Объект 2">
-            <a:extLst>
-              <a:ext uri="{FF2B5EF4-FFF2-40B4-BE49-F238E27FC236}">
-                <a16:creationId xmlns:a16="http://schemas.microsoft.com/office/drawing/2014/main" id="{9B4BB97A-7F0E-4EB7-BD97-7F9C52EAAE69}"/>
-              </a:ext>
-            </a:extLst>
-          </p:cNvPr>
-          <p:cNvSpPr>
-            <a:spLocks noGrp="1"/>
-          </p:cNvSpPr>
-          <p:nvPr>
-            <p:ph idx="1"/>
+              <a:t>Описание метода</a:t>
+            </a:r>
+          </a:p>
+        </p:txBody>
+      </p:sp>
+      <mc:AlternateContent xmlns:mc="http://schemas.openxmlformats.org/markup-compatibility/2006">
+        <mc:Choice xmlns:a14="http://schemas.microsoft.com/office/drawing/2010/main" Requires="a14">
+          <p:sp>
+            <p:nvSpPr>
+              <p:cNvPr id="3" name="Объект 2">
+                <a:extLst>
+                  <a:ext uri="{FF2B5EF4-FFF2-40B4-BE49-F238E27FC236}">
+                    <a16:creationId xmlns:a16="http://schemas.microsoft.com/office/drawing/2014/main" id="{E72BFA06-B510-4B43-8CB3-2B2931A11EA3}"/>
+                  </a:ext>
+                </a:extLst>
+              </p:cNvPr>
+              <p:cNvSpPr>
+                <a:spLocks noGrp="1"/>
+              </p:cNvSpPr>
+              <p:nvPr>
+                <p:ph idx="1"/>
+              </p:nvPr>
+            </p:nvSpPr>
+            <p:spPr/>
+            <p:txBody>
+              <a:bodyPr/>
+              <a:lstStyle/>
+              <a:p>
+                <a:r>
+                  <a:rPr lang="ru-RU" dirty="0"/>
+                  <a:t>Строится опорный маршрут, неоптимальный, но удовлетворяющий ограничениям.</a:t>
+                </a:r>
+              </a:p>
+              <a:p>
+                <a:endParaRPr lang="ru-RU" dirty="0"/>
+              </a:p>
+              <a:p>
+                <a:r>
+                  <a:rPr lang="ru-RU" dirty="0"/>
+                  <a:t>Для каждого пункта </a:t>
+                </a:r>
+                <a14:m>
+                  <m:oMath xmlns:m="http://schemas.openxmlformats.org/officeDocument/2006/math">
+                    <m:sSub>
+                      <m:sSubPr>
+                        <m:ctrlPr>
+                          <a:rPr lang="en-US" i="1" dirty="0">
+                            <a:latin typeface="Cambria Math" panose="02040503050406030204" pitchFamily="18" charset="0"/>
+                          </a:rPr>
+                        </m:ctrlPr>
+                      </m:sSubPr>
+                      <m:e>
+                        <m:r>
+                          <a:rPr lang="en-US" i="1" dirty="0">
+                            <a:latin typeface="Cambria Math" panose="02040503050406030204" pitchFamily="18" charset="0"/>
+                          </a:rPr>
+                          <m:t>𝑃</m:t>
+                        </m:r>
+                      </m:e>
+                      <m:sub>
+                        <m:r>
+                          <a:rPr lang="en-US" i="1" dirty="0">
+                            <a:latin typeface="Cambria Math" panose="02040503050406030204" pitchFamily="18" charset="0"/>
+                          </a:rPr>
+                          <m:t>𝑖</m:t>
+                        </m:r>
+                      </m:sub>
+                    </m:sSub>
+                    <m:r>
+                      <a:rPr lang="en-US" i="1" dirty="0">
+                        <a:latin typeface="Cambria Math" panose="02040503050406030204" pitchFamily="18" charset="0"/>
+                      </a:rPr>
+                      <m:t> </m:t>
+                    </m:r>
+                  </m:oMath>
+                </a14:m>
+                <a:r>
+                  <a:rPr lang="ru-RU" dirty="0"/>
+                  <a:t>вычисляется значение потенциала </a:t>
+                </a:r>
+                <a14:m>
+                  <m:oMath xmlns:m="http://schemas.openxmlformats.org/officeDocument/2006/math">
+                    <m:r>
+                      <a:rPr lang="en-US" i="1" dirty="0" smtClean="0">
+                        <a:latin typeface="Cambria Math" panose="02040503050406030204" pitchFamily="18" charset="0"/>
+                      </a:rPr>
+                      <m:t>𝑃𝑜𝑡</m:t>
+                    </m:r>
+                    <m:d>
+                      <m:dPr>
+                        <m:begChr m:val="["/>
+                        <m:endChr m:val="]"/>
+                        <m:ctrlPr>
+                          <a:rPr lang="en-US" b="0" i="1" dirty="0" smtClean="0">
+                            <a:latin typeface="Cambria Math" panose="02040503050406030204" pitchFamily="18" charset="0"/>
+                          </a:rPr>
+                        </m:ctrlPr>
+                      </m:dPr>
+                      <m:e>
+                        <m:sSub>
+                          <m:sSubPr>
+                            <m:ctrlPr>
+                              <a:rPr lang="en-US" b="0" i="1" dirty="0" smtClean="0">
+                                <a:latin typeface="Cambria Math" panose="02040503050406030204" pitchFamily="18" charset="0"/>
+                              </a:rPr>
+                            </m:ctrlPr>
+                          </m:sSubPr>
+                          <m:e>
+                            <m:r>
+                              <a:rPr lang="en-US" b="0" i="1" dirty="0" smtClean="0">
+                                <a:latin typeface="Cambria Math" panose="02040503050406030204" pitchFamily="18" charset="0"/>
+                              </a:rPr>
+                              <m:t>𝑃</m:t>
+                            </m:r>
+                          </m:e>
+                          <m:sub>
+                            <m:r>
+                              <a:rPr lang="en-US" b="0" i="1" dirty="0" smtClean="0">
+                                <a:latin typeface="Cambria Math" panose="02040503050406030204" pitchFamily="18" charset="0"/>
+                              </a:rPr>
+                              <m:t>𝑖</m:t>
+                            </m:r>
+                          </m:sub>
+                        </m:sSub>
+                      </m:e>
+                    </m:d>
+                  </m:oMath>
+                </a14:m>
+                <a:r>
+                  <a:rPr lang="en-US" dirty="0"/>
+                  <a:t>.</a:t>
+                </a:r>
+              </a:p>
+              <a:p>
+                <a:r>
+                  <a:rPr lang="ru-RU" dirty="0"/>
+                  <a:t>Производится поиск путей, перевозка по которым уменьшает </a:t>
+                </a:r>
+                <a14:m>
+                  <m:oMath xmlns:m="http://schemas.openxmlformats.org/officeDocument/2006/math">
+                    <m:r>
+                      <a:rPr lang="en-US" i="1" dirty="0">
+                        <a:latin typeface="Cambria Math" panose="02040503050406030204" pitchFamily="18" charset="0"/>
+                      </a:rPr>
+                      <m:t>𝑃𝑜𝑡</m:t>
+                    </m:r>
+                    <m:d>
+                      <m:dPr>
+                        <m:begChr m:val="["/>
+                        <m:endChr m:val="]"/>
+                        <m:ctrlPr>
+                          <a:rPr lang="en-US" b="0" i="1" dirty="0" smtClean="0">
+                            <a:latin typeface="Cambria Math" panose="02040503050406030204" pitchFamily="18" charset="0"/>
+                          </a:rPr>
+                        </m:ctrlPr>
+                      </m:dPr>
+                      <m:e>
+                        <m:r>
+                          <a:rPr lang="en-US" b="0" i="1" dirty="0" smtClean="0">
+                            <a:latin typeface="Cambria Math" panose="02040503050406030204" pitchFamily="18" charset="0"/>
+                          </a:rPr>
+                          <m:t>𝑃</m:t>
+                        </m:r>
+                      </m:e>
+                    </m:d>
+                  </m:oMath>
+                </a14:m>
+                <a:r>
+                  <a:rPr lang="en-US" dirty="0"/>
+                  <a:t>. </a:t>
+                </a:r>
+                <a:r>
+                  <a:rPr lang="ru-RU" dirty="0"/>
+                  <a:t>Если такой найден, происходит перестроение маршрутов и повторение поиска.</a:t>
+                </a:r>
+              </a:p>
+              <a:p>
+                <a:r>
+                  <a:rPr lang="ru-RU" dirty="0"/>
+                  <a:t>Если путей оптимизации не осталось, то решение найдено.</a:t>
+                </a:r>
+              </a:p>
+            </p:txBody>
+          </p:sp>
+        </mc:Choice>
+        <mc:Fallback>
+          <p:sp>
+            <p:nvSpPr>
+              <p:cNvPr id="3" name="Объект 2">
+                <a:extLst>
+                  <a:ext uri="{FF2B5EF4-FFF2-40B4-BE49-F238E27FC236}">
+                    <a16:creationId xmlns:a16="http://schemas.microsoft.com/office/drawing/2014/main" id="{E72BFA06-B510-4B43-8CB3-2B2931A11EA3}"/>
+                  </a:ext>
+                </a:extLst>
+              </p:cNvPr>
+              <p:cNvSpPr>
+                <a:spLocks noGrp="1" noRot="1" noChangeAspect="1" noMove="1" noResize="1" noEditPoints="1" noAdjustHandles="1" noChangeArrowheads="1" noChangeShapeType="1" noTextEdit="1"/>
+              </p:cNvSpPr>
+              <p:nvPr>
+                <p:ph idx="1"/>
+              </p:nvPr>
+            </p:nvSpPr>
+            <p:spPr>
+              <a:blipFill>
+                <a:blip r:embed="rId2"/>
+                <a:stretch>
+                  <a:fillRect l="-1043" t="-2241" r="-290"/>
+                </a:stretch>
+              </a:blipFill>
+            </p:spPr>
+            <p:txBody>
+              <a:bodyPr/>
+              <a:lstStyle/>
+              <a:p>
+                <a:r>
+                  <a:rPr lang="ru-RU">
+                    <a:noFill/>
+                  </a:rPr>
+                  <a:t> </a:t>
+                </a:r>
+              </a:p>
+            </p:txBody>
+          </p:sp>
+        </mc:Fallback>
+      </mc:AlternateContent>
+    </p:spTree>
+    <p:extLst>
+      <p:ext uri="{BB962C8B-B14F-4D97-AF65-F5344CB8AC3E}">
+        <p14:creationId xmlns:p14="http://schemas.microsoft.com/office/powerpoint/2010/main" val="1409740075"/>
+      </p:ext>
+    </p:extLst>
+  </p:cSld>
+  <p:clrMapOvr>
+    <a:masterClrMapping/>
+  </p:clrMapOvr>
+</p:sld>
+</file>
+
+<file path=ppt/slides/slide9.xml><?xml version="1.0" encoding="utf-8"?>
+<p:sld xmlns:a="http://schemas.openxmlformats.org/drawingml/2006/main" xmlns:r="http://schemas.openxmlformats.org/officeDocument/2006/relationships" xmlns:p="http://schemas.openxmlformats.org/presentationml/2006/main">
+  <p:cSld>
+    <p:spTree>
+      <p:nvGrpSpPr>
+        <p:cNvPr id="1" name=""/>
+        <p:cNvGrpSpPr/>
+        <p:nvPr/>
+      </p:nvGrpSpPr>
+      <p:grpSpPr>
+        <a:xfrm>
+          <a:off x="0" y="0"/>
+          <a:ext cx="0" cy="0"/>
+          <a:chOff x="0" y="0"/>
+          <a:chExt cx="0" cy="0"/>
+        </a:xfrm>
+      </p:grpSpPr>
+      <p:sp>
+        <p:nvSpPr>
+          <p:cNvPr id="2" name="Заголовок 1">
+            <a:extLst>
+              <a:ext uri="{FF2B5EF4-FFF2-40B4-BE49-F238E27FC236}">
+                <a16:creationId xmlns:a16="http://schemas.microsoft.com/office/drawing/2014/main" id="{ADA4F0E5-0DE0-4063-A15D-4D2856762BB7}"/>
+              </a:ext>
+            </a:extLst>
+          </p:cNvPr>
+          <p:cNvSpPr>
+            <a:spLocks noGrp="1"/>
+          </p:cNvSpPr>
+          <p:nvPr>
+            <p:ph type="title"/>
           </p:nvPr>
         </p:nvSpPr>
         <p:spPr/>
@@ -6963,28 +7201,83 @@
           <a:p>
             <a:r>
               <a:rPr lang="ru-RU" dirty="0"/>
+              <a:t>Вывод</a:t>
+            </a:r>
+          </a:p>
+        </p:txBody>
+      </p:sp>
+      <p:sp>
+        <p:nvSpPr>
+          <p:cNvPr id="3" name="Объект 2">
+            <a:extLst>
+              <a:ext uri="{FF2B5EF4-FFF2-40B4-BE49-F238E27FC236}">
+                <a16:creationId xmlns:a16="http://schemas.microsoft.com/office/drawing/2014/main" id="{9B4BB97A-7F0E-4EB7-BD97-7F9C52EAAE69}"/>
+              </a:ext>
+            </a:extLst>
+          </p:cNvPr>
+          <p:cNvSpPr>
+            <a:spLocks noGrp="1"/>
+          </p:cNvSpPr>
+          <p:nvPr>
+            <p:ph idx="1"/>
+          </p:nvPr>
+        </p:nvSpPr>
+        <p:spPr/>
+        <p:txBody>
+          <a:bodyPr/>
+          <a:lstStyle/>
+          <a:p>
+            <a:pPr marL="0" indent="0">
+              <a:buNone/>
+            </a:pPr>
+            <a:r>
+              <a:rPr lang="ru-RU" dirty="0"/>
+              <a:t>Результатом проделанной научно-исследовательской задачи стало выполнение поставленных задач</a:t>
+            </a:r>
+            <a:r>
+              <a:rPr lang="en-US" dirty="0"/>
+              <a:t>:</a:t>
+            </a:r>
+            <a:endParaRPr lang="ru-RU" dirty="0"/>
+          </a:p>
+          <a:p>
+            <a:r>
+              <a:rPr lang="ru-RU" dirty="0"/>
               <a:t>Изучена предметная область</a:t>
             </a:r>
-          </a:p>
-          <a:p>
+            <a:r>
+              <a:rPr lang="en-US" dirty="0"/>
+              <a:t>, </a:t>
+            </a:r>
             <a:r>
               <a:rPr lang="ru-RU" dirty="0"/>
-              <a:t>Составлена модель</a:t>
+              <a:t>проанализированы аналоги</a:t>
             </a:r>
           </a:p>
           <a:p>
             <a:r>
               <a:rPr lang="ru-RU" dirty="0"/>
-              <a:t>Выбран метод</a:t>
-            </a:r>
-          </a:p>
-          <a:p>
-            <a:endParaRPr lang="ru-RU" dirty="0"/>
+              <a:t>Описана и формализована модель системы</a:t>
+            </a:r>
           </a:p>
           <a:p>
             <a:r>
               <a:rPr lang="ru-RU" dirty="0"/>
-              <a:t>Продолжение работы будет заключаться в описании выбранного метода и способов его модификации для нужд данной задачи</a:t>
+              <a:t>Определены ограничения и критерий оптимизации</a:t>
+            </a:r>
+          </a:p>
+          <a:p>
+            <a:r>
+              <a:rPr lang="ru-RU" dirty="0"/>
+              <a:t>Описан метода оптимизации и его модификации </a:t>
+            </a:r>
+            <a:r>
+              <a:rPr lang="ru-RU"/>
+              <a:t>для данной </a:t>
+            </a:r>
+            <a:r>
+              <a:rPr lang="ru-RU" dirty="0"/>
+              <a:t>задачи</a:t>
             </a:r>
           </a:p>
         </p:txBody>

--- a/presentation.pptx
+++ b/presentation.pptx
@@ -4,16 +4,27 @@
   <p:sldMasterIdLst>
     <p:sldMasterId id="2147483648" r:id="rId1"/>
   </p:sldMasterIdLst>
+  <p:notesMasterIdLst>
+    <p:notesMasterId r:id="rId19"/>
+  </p:notesMasterIdLst>
   <p:sldIdLst>
     <p:sldId id="256" r:id="rId2"/>
     <p:sldId id="257" r:id="rId3"/>
     <p:sldId id="258" r:id="rId4"/>
     <p:sldId id="259" r:id="rId5"/>
-    <p:sldId id="265" r:id="rId6"/>
-    <p:sldId id="262" r:id="rId7"/>
-    <p:sldId id="263" r:id="rId8"/>
-    <p:sldId id="266" r:id="rId9"/>
-    <p:sldId id="264" r:id="rId10"/>
+    <p:sldId id="271" r:id="rId6"/>
+    <p:sldId id="272" r:id="rId7"/>
+    <p:sldId id="264" r:id="rId8"/>
+    <p:sldId id="265" r:id="rId9"/>
+    <p:sldId id="266" r:id="rId10"/>
+    <p:sldId id="267" r:id="rId11"/>
+    <p:sldId id="268" r:id="rId12"/>
+    <p:sldId id="273" r:id="rId13"/>
+    <p:sldId id="274" r:id="rId14"/>
+    <p:sldId id="276" r:id="rId15"/>
+    <p:sldId id="275" r:id="rId16"/>
+    <p:sldId id="269" r:id="rId17"/>
+    <p:sldId id="270" r:id="rId18"/>
   </p:sldIdLst>
   <p:sldSz cx="12192000" cy="6858000"/>
   <p:notesSz cx="6858000" cy="9144000"/>
@@ -120,6 +131,355 @@
 </p:presentation>
 </file>
 
+<file path=ppt/notesMasters/notesMaster1.xml><?xml version="1.0" encoding="utf-8"?>
+<p:notesMaster xmlns:a="http://schemas.openxmlformats.org/drawingml/2006/main" xmlns:r="http://schemas.openxmlformats.org/officeDocument/2006/relationships" xmlns:p="http://schemas.openxmlformats.org/presentationml/2006/main">
+  <p:cSld>
+    <p:bg>
+      <p:bgRef idx="1001">
+        <a:schemeClr val="bg1"/>
+      </p:bgRef>
+    </p:bg>
+    <p:spTree>
+      <p:nvGrpSpPr>
+        <p:cNvPr id="1" name=""/>
+        <p:cNvGrpSpPr/>
+        <p:nvPr/>
+      </p:nvGrpSpPr>
+      <p:grpSpPr>
+        <a:xfrm>
+          <a:off x="0" y="0"/>
+          <a:ext cx="0" cy="0"/>
+          <a:chOff x="0" y="0"/>
+          <a:chExt cx="0" cy="0"/>
+        </a:xfrm>
+      </p:grpSpPr>
+      <p:sp>
+        <p:nvSpPr>
+          <p:cNvPr id="2" name="Верхний колонтитул 1"/>
+          <p:cNvSpPr>
+            <a:spLocks noGrp="1"/>
+          </p:cNvSpPr>
+          <p:nvPr>
+            <p:ph type="hdr" sz="quarter"/>
+          </p:nvPr>
+        </p:nvSpPr>
+        <p:spPr>
+          <a:xfrm>
+            <a:off x="0" y="0"/>
+            <a:ext cx="2971800" cy="458788"/>
+          </a:xfrm>
+          <a:prstGeom prst="rect">
+            <a:avLst/>
+          </a:prstGeom>
+        </p:spPr>
+        <p:txBody>
+          <a:bodyPr vert="horz" lIns="91440" tIns="45720" rIns="91440" bIns="45720" rtlCol="0"/>
+          <a:lstStyle>
+            <a:lvl1pPr algn="l">
+              <a:defRPr sz="1200"/>
+            </a:lvl1pPr>
+          </a:lstStyle>
+          <a:p>
+            <a:endParaRPr lang="ru-RU"/>
+          </a:p>
+        </p:txBody>
+      </p:sp>
+      <p:sp>
+        <p:nvSpPr>
+          <p:cNvPr id="3" name="Дата 2"/>
+          <p:cNvSpPr>
+            <a:spLocks noGrp="1"/>
+          </p:cNvSpPr>
+          <p:nvPr>
+            <p:ph type="dt" idx="1"/>
+          </p:nvPr>
+        </p:nvSpPr>
+        <p:spPr>
+          <a:xfrm>
+            <a:off x="3884613" y="0"/>
+            <a:ext cx="2971800" cy="458788"/>
+          </a:xfrm>
+          <a:prstGeom prst="rect">
+            <a:avLst/>
+          </a:prstGeom>
+        </p:spPr>
+        <p:txBody>
+          <a:bodyPr vert="horz" lIns="91440" tIns="45720" rIns="91440" bIns="45720" rtlCol="0"/>
+          <a:lstStyle>
+            <a:lvl1pPr algn="r">
+              <a:defRPr sz="1200"/>
+            </a:lvl1pPr>
+          </a:lstStyle>
+          <a:p>
+            <a:fld id="{6EFE7980-753D-4561-B6FA-AF5425BD0CC4}" type="datetimeFigureOut">
+              <a:rPr lang="ru-RU" smtClean="0"/>
+              <a:t>27.05.2022</a:t>
+            </a:fld>
+            <a:endParaRPr lang="ru-RU"/>
+          </a:p>
+        </p:txBody>
+      </p:sp>
+      <p:sp>
+        <p:nvSpPr>
+          <p:cNvPr id="4" name="Образ слайда 3"/>
+          <p:cNvSpPr>
+            <a:spLocks noGrp="1" noRot="1" noChangeAspect="1"/>
+          </p:cNvSpPr>
+          <p:nvPr>
+            <p:ph type="sldImg" idx="2"/>
+          </p:nvPr>
+        </p:nvSpPr>
+        <p:spPr>
+          <a:xfrm>
+            <a:off x="685800" y="1143000"/>
+            <a:ext cx="5486400" cy="3086100"/>
+          </a:xfrm>
+          <a:prstGeom prst="rect">
+            <a:avLst/>
+          </a:prstGeom>
+          <a:noFill/>
+          <a:ln w="12700">
+            <a:solidFill>
+              <a:prstClr val="black"/>
+            </a:solidFill>
+          </a:ln>
+        </p:spPr>
+        <p:txBody>
+          <a:bodyPr vert="horz" lIns="91440" tIns="45720" rIns="91440" bIns="45720" rtlCol="0" anchor="ctr"/>
+          <a:lstStyle/>
+          <a:p>
+            <a:endParaRPr lang="ru-RU"/>
+          </a:p>
+        </p:txBody>
+      </p:sp>
+      <p:sp>
+        <p:nvSpPr>
+          <p:cNvPr id="5" name="Заметки 4"/>
+          <p:cNvSpPr>
+            <a:spLocks noGrp="1"/>
+          </p:cNvSpPr>
+          <p:nvPr>
+            <p:ph type="body" sz="quarter" idx="3"/>
+          </p:nvPr>
+        </p:nvSpPr>
+        <p:spPr>
+          <a:xfrm>
+            <a:off x="685800" y="4400550"/>
+            <a:ext cx="5486400" cy="3600450"/>
+          </a:xfrm>
+          <a:prstGeom prst="rect">
+            <a:avLst/>
+          </a:prstGeom>
+        </p:spPr>
+        <p:txBody>
+          <a:bodyPr vert="horz" lIns="91440" tIns="45720" rIns="91440" bIns="45720" rtlCol="0"/>
+          <a:lstStyle/>
+          <a:p>
+            <a:pPr lvl="0"/>
+            <a:r>
+              <a:rPr lang="ru-RU"/>
+              <a:t>Образец текста</a:t>
+            </a:r>
+          </a:p>
+          <a:p>
+            <a:pPr lvl="1"/>
+            <a:r>
+              <a:rPr lang="ru-RU"/>
+              <a:t>Второй уровень</a:t>
+            </a:r>
+          </a:p>
+          <a:p>
+            <a:pPr lvl="2"/>
+            <a:r>
+              <a:rPr lang="ru-RU"/>
+              <a:t>Третий уровень</a:t>
+            </a:r>
+          </a:p>
+          <a:p>
+            <a:pPr lvl="3"/>
+            <a:r>
+              <a:rPr lang="ru-RU"/>
+              <a:t>Четвертый уровень</a:t>
+            </a:r>
+          </a:p>
+          <a:p>
+            <a:pPr lvl="4"/>
+            <a:r>
+              <a:rPr lang="ru-RU"/>
+              <a:t>Пятый уровень</a:t>
+            </a:r>
+          </a:p>
+        </p:txBody>
+      </p:sp>
+      <p:sp>
+        <p:nvSpPr>
+          <p:cNvPr id="6" name="Нижний колонтитул 5"/>
+          <p:cNvSpPr>
+            <a:spLocks noGrp="1"/>
+          </p:cNvSpPr>
+          <p:nvPr>
+            <p:ph type="ftr" sz="quarter" idx="4"/>
+          </p:nvPr>
+        </p:nvSpPr>
+        <p:spPr>
+          <a:xfrm>
+            <a:off x="0" y="8685213"/>
+            <a:ext cx="2971800" cy="458787"/>
+          </a:xfrm>
+          <a:prstGeom prst="rect">
+            <a:avLst/>
+          </a:prstGeom>
+        </p:spPr>
+        <p:txBody>
+          <a:bodyPr vert="horz" lIns="91440" tIns="45720" rIns="91440" bIns="45720" rtlCol="0" anchor="b"/>
+          <a:lstStyle>
+            <a:lvl1pPr algn="l">
+              <a:defRPr sz="1200"/>
+            </a:lvl1pPr>
+          </a:lstStyle>
+          <a:p>
+            <a:endParaRPr lang="ru-RU"/>
+          </a:p>
+        </p:txBody>
+      </p:sp>
+      <p:sp>
+        <p:nvSpPr>
+          <p:cNvPr id="7" name="Номер слайда 6"/>
+          <p:cNvSpPr>
+            <a:spLocks noGrp="1"/>
+          </p:cNvSpPr>
+          <p:nvPr>
+            <p:ph type="sldNum" sz="quarter" idx="5"/>
+          </p:nvPr>
+        </p:nvSpPr>
+        <p:spPr>
+          <a:xfrm>
+            <a:off x="3884613" y="8685213"/>
+            <a:ext cx="2971800" cy="458787"/>
+          </a:xfrm>
+          <a:prstGeom prst="rect">
+            <a:avLst/>
+          </a:prstGeom>
+        </p:spPr>
+        <p:txBody>
+          <a:bodyPr vert="horz" lIns="91440" tIns="45720" rIns="91440" bIns="45720" rtlCol="0" anchor="b"/>
+          <a:lstStyle>
+            <a:lvl1pPr algn="r">
+              <a:defRPr sz="1200"/>
+            </a:lvl1pPr>
+          </a:lstStyle>
+          <a:p>
+            <a:fld id="{AA770E21-B5D8-4A14-9CBB-8D50CC06905E}" type="slidenum">
+              <a:rPr lang="ru-RU" smtClean="0"/>
+              <a:t>‹#›</a:t>
+            </a:fld>
+            <a:endParaRPr lang="ru-RU"/>
+          </a:p>
+        </p:txBody>
+      </p:sp>
+    </p:spTree>
+    <p:extLst>
+      <p:ext uri="{BB962C8B-B14F-4D97-AF65-F5344CB8AC3E}">
+        <p14:creationId xmlns:p14="http://schemas.microsoft.com/office/powerpoint/2010/main" val="3086282128"/>
+      </p:ext>
+    </p:extLst>
+  </p:cSld>
+  <p:clrMap bg1="lt1" tx1="dk1" bg2="lt2" tx2="dk2" accent1="accent1" accent2="accent2" accent3="accent3" accent4="accent4" accent5="accent5" accent6="accent6" hlink="hlink" folHlink="folHlink"/>
+  <p:notesStyle>
+    <a:lvl1pPr marL="0" algn="l" defTabSz="914400" rtl="0" eaLnBrk="1" latinLnBrk="0" hangingPunct="1">
+      <a:defRPr sz="1200" kern="1200">
+        <a:solidFill>
+          <a:schemeClr val="tx1"/>
+        </a:solidFill>
+        <a:latin typeface="+mn-lt"/>
+        <a:ea typeface="+mn-ea"/>
+        <a:cs typeface="+mn-cs"/>
+      </a:defRPr>
+    </a:lvl1pPr>
+    <a:lvl2pPr marL="457200" algn="l" defTabSz="914400" rtl="0" eaLnBrk="1" latinLnBrk="0" hangingPunct="1">
+      <a:defRPr sz="1200" kern="1200">
+        <a:solidFill>
+          <a:schemeClr val="tx1"/>
+        </a:solidFill>
+        <a:latin typeface="+mn-lt"/>
+        <a:ea typeface="+mn-ea"/>
+        <a:cs typeface="+mn-cs"/>
+      </a:defRPr>
+    </a:lvl2pPr>
+    <a:lvl3pPr marL="914400" algn="l" defTabSz="914400" rtl="0" eaLnBrk="1" latinLnBrk="0" hangingPunct="1">
+      <a:defRPr sz="1200" kern="1200">
+        <a:solidFill>
+          <a:schemeClr val="tx1"/>
+        </a:solidFill>
+        <a:latin typeface="+mn-lt"/>
+        <a:ea typeface="+mn-ea"/>
+        <a:cs typeface="+mn-cs"/>
+      </a:defRPr>
+    </a:lvl3pPr>
+    <a:lvl4pPr marL="1371600" algn="l" defTabSz="914400" rtl="0" eaLnBrk="1" latinLnBrk="0" hangingPunct="1">
+      <a:defRPr sz="1200" kern="1200">
+        <a:solidFill>
+          <a:schemeClr val="tx1"/>
+        </a:solidFill>
+        <a:latin typeface="+mn-lt"/>
+        <a:ea typeface="+mn-ea"/>
+        <a:cs typeface="+mn-cs"/>
+      </a:defRPr>
+    </a:lvl4pPr>
+    <a:lvl5pPr marL="1828800" algn="l" defTabSz="914400" rtl="0" eaLnBrk="1" latinLnBrk="0" hangingPunct="1">
+      <a:defRPr sz="1200" kern="1200">
+        <a:solidFill>
+          <a:schemeClr val="tx1"/>
+        </a:solidFill>
+        <a:latin typeface="+mn-lt"/>
+        <a:ea typeface="+mn-ea"/>
+        <a:cs typeface="+mn-cs"/>
+      </a:defRPr>
+    </a:lvl5pPr>
+    <a:lvl6pPr marL="2286000" algn="l" defTabSz="914400" rtl="0" eaLnBrk="1" latinLnBrk="0" hangingPunct="1">
+      <a:defRPr sz="1200" kern="1200">
+        <a:solidFill>
+          <a:schemeClr val="tx1"/>
+        </a:solidFill>
+        <a:latin typeface="+mn-lt"/>
+        <a:ea typeface="+mn-ea"/>
+        <a:cs typeface="+mn-cs"/>
+      </a:defRPr>
+    </a:lvl6pPr>
+    <a:lvl7pPr marL="2743200" algn="l" defTabSz="914400" rtl="0" eaLnBrk="1" latinLnBrk="0" hangingPunct="1">
+      <a:defRPr sz="1200" kern="1200">
+        <a:solidFill>
+          <a:schemeClr val="tx1"/>
+        </a:solidFill>
+        <a:latin typeface="+mn-lt"/>
+        <a:ea typeface="+mn-ea"/>
+        <a:cs typeface="+mn-cs"/>
+      </a:defRPr>
+    </a:lvl7pPr>
+    <a:lvl8pPr marL="3200400" algn="l" defTabSz="914400" rtl="0" eaLnBrk="1" latinLnBrk="0" hangingPunct="1">
+      <a:defRPr sz="1200" kern="1200">
+        <a:solidFill>
+          <a:schemeClr val="tx1"/>
+        </a:solidFill>
+        <a:latin typeface="+mn-lt"/>
+        <a:ea typeface="+mn-ea"/>
+        <a:cs typeface="+mn-cs"/>
+      </a:defRPr>
+    </a:lvl8pPr>
+    <a:lvl9pPr marL="3657600" algn="l" defTabSz="914400" rtl="0" eaLnBrk="1" latinLnBrk="0" hangingPunct="1">
+      <a:defRPr sz="1200" kern="1200">
+        <a:solidFill>
+          <a:schemeClr val="tx1"/>
+        </a:solidFill>
+        <a:latin typeface="+mn-lt"/>
+        <a:ea typeface="+mn-ea"/>
+        <a:cs typeface="+mn-cs"/>
+      </a:defRPr>
+    </a:lvl9pPr>
+  </p:notesStyle>
+</p:notesMaster>
+</file>
+
 <file path=ppt/slideLayouts/slideLayout1.xml><?xml version="1.0" encoding="utf-8"?>
 <p:sldLayout xmlns:a="http://schemas.openxmlformats.org/drawingml/2006/main" xmlns:r="http://schemas.openxmlformats.org/officeDocument/2006/relationships" xmlns:p="http://schemas.openxmlformats.org/presentationml/2006/main" type="title" preserve="1">
   <p:cSld name="Титульный слайд">
@@ -265,9 +625,9 @@
           <a:bodyPr/>
           <a:lstStyle/>
           <a:p>
-            <a:fld id="{2D33603C-5355-4424-862B-2C955D3F174E}" type="datetimeFigureOut">
+            <a:fld id="{2D595633-FEC6-41B9-B0A1-528C27FD4BC7}" type="datetime1">
               <a:rPr lang="ru-RU" smtClean="0"/>
-              <a:t>23.12.2021</a:t>
+              <a:t>27.05.2022</a:t>
             </a:fld>
             <a:endParaRPr lang="ru-RU"/>
           </a:p>
@@ -463,9 +823,9 @@
           <a:bodyPr/>
           <a:lstStyle/>
           <a:p>
-            <a:fld id="{2D33603C-5355-4424-862B-2C955D3F174E}" type="datetimeFigureOut">
+            <a:fld id="{E0B68846-5A7D-494E-A21B-8CE02887DCC5}" type="datetime1">
               <a:rPr lang="ru-RU" smtClean="0"/>
-              <a:t>23.12.2021</a:t>
+              <a:t>27.05.2022</a:t>
             </a:fld>
             <a:endParaRPr lang="ru-RU"/>
           </a:p>
@@ -671,9 +1031,9 @@
           <a:bodyPr/>
           <a:lstStyle/>
           <a:p>
-            <a:fld id="{2D33603C-5355-4424-862B-2C955D3F174E}" type="datetimeFigureOut">
+            <a:fld id="{4781F2F9-03C2-4B05-8C49-879FAD1DC66F}" type="datetime1">
               <a:rPr lang="ru-RU" smtClean="0"/>
-              <a:t>23.12.2021</a:t>
+              <a:t>27.05.2022</a:t>
             </a:fld>
             <a:endParaRPr lang="ru-RU"/>
           </a:p>
@@ -869,9 +1229,9 @@
           <a:bodyPr/>
           <a:lstStyle/>
           <a:p>
-            <a:fld id="{2D33603C-5355-4424-862B-2C955D3F174E}" type="datetimeFigureOut">
+            <a:fld id="{C55CF103-CC98-4CD4-ADC0-0EB50A8E720A}" type="datetime1">
               <a:rPr lang="ru-RU" smtClean="0"/>
-              <a:t>23.12.2021</a:t>
+              <a:t>27.05.2022</a:t>
             </a:fld>
             <a:endParaRPr lang="ru-RU"/>
           </a:p>
@@ -1144,9 +1504,9 @@
           <a:bodyPr/>
           <a:lstStyle/>
           <a:p>
-            <a:fld id="{2D33603C-5355-4424-862B-2C955D3F174E}" type="datetimeFigureOut">
+            <a:fld id="{4828CFB2-5362-4BA6-BEE3-BB2642E5F06E}" type="datetime1">
               <a:rPr lang="ru-RU" smtClean="0"/>
-              <a:t>23.12.2021</a:t>
+              <a:t>27.05.2022</a:t>
             </a:fld>
             <a:endParaRPr lang="ru-RU"/>
           </a:p>
@@ -1409,9 +1769,9 @@
           <a:bodyPr/>
           <a:lstStyle/>
           <a:p>
-            <a:fld id="{2D33603C-5355-4424-862B-2C955D3F174E}" type="datetimeFigureOut">
+            <a:fld id="{93793127-953A-4FF8-AD25-9A7EAEB5CF5E}" type="datetime1">
               <a:rPr lang="ru-RU" smtClean="0"/>
-              <a:t>23.12.2021</a:t>
+              <a:t>27.05.2022</a:t>
             </a:fld>
             <a:endParaRPr lang="ru-RU"/>
           </a:p>
@@ -1821,9 +2181,9 @@
           <a:bodyPr/>
           <a:lstStyle/>
           <a:p>
-            <a:fld id="{2D33603C-5355-4424-862B-2C955D3F174E}" type="datetimeFigureOut">
+            <a:fld id="{7CA2C41C-A390-4D97-B644-81D6A86436D0}" type="datetime1">
               <a:rPr lang="ru-RU" smtClean="0"/>
-              <a:t>23.12.2021</a:t>
+              <a:t>27.05.2022</a:t>
             </a:fld>
             <a:endParaRPr lang="ru-RU"/>
           </a:p>
@@ -1962,9 +2322,9 @@
           <a:bodyPr/>
           <a:lstStyle/>
           <a:p>
-            <a:fld id="{2D33603C-5355-4424-862B-2C955D3F174E}" type="datetimeFigureOut">
+            <a:fld id="{01C7CE23-07DC-4D29-AE4F-CF9126D438E0}" type="datetime1">
               <a:rPr lang="ru-RU" smtClean="0"/>
-              <a:t>23.12.2021</a:t>
+              <a:t>27.05.2022</a:t>
             </a:fld>
             <a:endParaRPr lang="ru-RU"/>
           </a:p>
@@ -2075,9 +2435,9 @@
           <a:bodyPr/>
           <a:lstStyle/>
           <a:p>
-            <a:fld id="{2D33603C-5355-4424-862B-2C955D3F174E}" type="datetimeFigureOut">
+            <a:fld id="{6416D010-49B1-4964-92ED-287255F37D04}" type="datetime1">
               <a:rPr lang="ru-RU" smtClean="0"/>
-              <a:t>23.12.2021</a:t>
+              <a:t>27.05.2022</a:t>
             </a:fld>
             <a:endParaRPr lang="ru-RU"/>
           </a:p>
@@ -2386,9 +2746,9 @@
           <a:bodyPr/>
           <a:lstStyle/>
           <a:p>
-            <a:fld id="{2D33603C-5355-4424-862B-2C955D3F174E}" type="datetimeFigureOut">
+            <a:fld id="{9EB75F55-3DD5-4CE3-9B54-727202BA15E9}" type="datetime1">
               <a:rPr lang="ru-RU" smtClean="0"/>
-              <a:t>23.12.2021</a:t>
+              <a:t>27.05.2022</a:t>
             </a:fld>
             <a:endParaRPr lang="ru-RU"/>
           </a:p>
@@ -2674,9 +3034,9 @@
           <a:bodyPr/>
           <a:lstStyle/>
           <a:p>
-            <a:fld id="{2D33603C-5355-4424-862B-2C955D3F174E}" type="datetimeFigureOut">
+            <a:fld id="{C04789F8-F8FE-4256-8AFF-2567DB3965F4}" type="datetime1">
               <a:rPr lang="ru-RU" smtClean="0"/>
-              <a:t>23.12.2021</a:t>
+              <a:t>27.05.2022</a:t>
             </a:fld>
             <a:endParaRPr lang="ru-RU"/>
           </a:p>
@@ -2915,9 +3275,9 @@
             </a:lvl1pPr>
           </a:lstStyle>
           <a:p>
-            <a:fld id="{2D33603C-5355-4424-862B-2C955D3F174E}" type="datetimeFigureOut">
+            <a:fld id="{EA3FB417-0F2C-41D5-8173-80D866AD86E5}" type="datetime1">
               <a:rPr lang="ru-RU" smtClean="0"/>
-              <a:t>23.12.2021</a:t>
+              <a:t>27.05.2022</a:t>
             </a:fld>
             <a:endParaRPr lang="ru-RU"/>
           </a:p>
@@ -3034,6 +3394,7 @@
     <p:sldLayoutId id="2147483658" r:id="rId10"/>
     <p:sldLayoutId id="2147483659" r:id="rId11"/>
   </p:sldLayoutIdLst>
+  <p:hf hdr="0" ftr="0" dt="0"/>
   <p:txStyles>
     <p:titleStyle>
       <a:lvl1pPr algn="l" defTabSz="914400" rtl="0" eaLnBrk="1" latinLnBrk="0" hangingPunct="1">
@@ -3352,8 +3713,8 @@
         </p:nvSpPr>
         <p:spPr>
           <a:xfrm>
-            <a:off x="1524000" y="1122362"/>
-            <a:ext cx="9144000" cy="3053397"/>
+            <a:off x="1082040" y="1167766"/>
+            <a:ext cx="10027920" cy="3053397"/>
           </a:xfrm>
         </p:spPr>
         <p:txBody>
@@ -3364,7 +3725,7 @@
           <a:p>
             <a:r>
               <a:rPr lang="ru-RU" sz="5400" dirty="0"/>
-              <a:t>Оптимизация планирования грузоперевозок в транспортной системе на основе метода потенциалов</a:t>
+              <a:t>Оптимизация планирования грузоперевозок в транспортной системе с использованием метода потенциалов</a:t>
             </a:r>
           </a:p>
         </p:txBody>
@@ -3405,13 +3766,13 @@
             </a:r>
             <a:r>
               <a:rPr lang="ru-RU" dirty="0"/>
-              <a:t>Иванов Всеволод Алексеевич, группа ИУ7-72Б</a:t>
+              <a:t>Иванов Всеволод Алексеевич, группа ИУ7-82Б</a:t>
             </a:r>
           </a:p>
           <a:p>
             <a:r>
               <a:rPr lang="ru-RU" dirty="0"/>
-              <a:t>Руководитель курсовой работы</a:t>
+              <a:t>Научный руководитель</a:t>
             </a:r>
             <a:r>
               <a:rPr lang="en-US" dirty="0"/>
@@ -3454,7 +3815,7 @@
             <a:pPr algn="ctr"/>
             <a:r>
               <a:rPr lang="ru-RU" sz="2400" dirty="0"/>
-              <a:t>Научно-исследовательская работа на тему</a:t>
+              <a:t>Выпускная квалификационная работа бакалавра на тему</a:t>
             </a:r>
             <a:r>
               <a:rPr lang="en-US" sz="2400" dirty="0"/>
@@ -3468,6 +3829,1238 @@
     <p:extLst>
       <p:ext uri="{BB962C8B-B14F-4D97-AF65-F5344CB8AC3E}">
         <p14:creationId xmlns:p14="http://schemas.microsoft.com/office/powerpoint/2010/main" val="371335796"/>
+      </p:ext>
+    </p:extLst>
+  </p:cSld>
+  <p:clrMapOvr>
+    <a:masterClrMapping/>
+  </p:clrMapOvr>
+</p:sld>
+</file>
+
+<file path=ppt/slides/slide10.xml><?xml version="1.0" encoding="utf-8"?>
+<p:sld xmlns:a="http://schemas.openxmlformats.org/drawingml/2006/main" xmlns:r="http://schemas.openxmlformats.org/officeDocument/2006/relationships" xmlns:p="http://schemas.openxmlformats.org/presentationml/2006/main">
+  <p:cSld>
+    <p:spTree>
+      <p:nvGrpSpPr>
+        <p:cNvPr id="1" name=""/>
+        <p:cNvGrpSpPr/>
+        <p:nvPr/>
+      </p:nvGrpSpPr>
+      <p:grpSpPr>
+        <a:xfrm>
+          <a:off x="0" y="0"/>
+          <a:ext cx="0" cy="0"/>
+          <a:chOff x="0" y="0"/>
+          <a:chExt cx="0" cy="0"/>
+        </a:xfrm>
+      </p:grpSpPr>
+      <p:sp>
+        <p:nvSpPr>
+          <p:cNvPr id="2" name="Заголовок 1">
+            <a:extLst>
+              <a:ext uri="{FF2B5EF4-FFF2-40B4-BE49-F238E27FC236}">
+                <a16:creationId xmlns:a16="http://schemas.microsoft.com/office/drawing/2014/main" id="{4A06C190-1C83-3B02-8817-843DA466AEE6}"/>
+              </a:ext>
+            </a:extLst>
+          </p:cNvPr>
+          <p:cNvSpPr>
+            <a:spLocks noGrp="1"/>
+          </p:cNvSpPr>
+          <p:nvPr>
+            <p:ph type="title"/>
+          </p:nvPr>
+        </p:nvSpPr>
+        <p:spPr/>
+        <p:txBody>
+          <a:bodyPr/>
+          <a:lstStyle/>
+          <a:p>
+            <a:r>
+              <a:rPr lang="ru-RU" dirty="0"/>
+              <a:t>Метод потенциалов</a:t>
+            </a:r>
+          </a:p>
+        </p:txBody>
+      </p:sp>
+      <p:pic>
+        <p:nvPicPr>
+          <p:cNvPr id="6" name="Объект 5">
+            <a:extLst>
+              <a:ext uri="{FF2B5EF4-FFF2-40B4-BE49-F238E27FC236}">
+                <a16:creationId xmlns:a16="http://schemas.microsoft.com/office/drawing/2014/main" id="{5FD64BAF-10F5-998F-6B76-1A75619A0FF1}"/>
+              </a:ext>
+            </a:extLst>
+          </p:cNvPr>
+          <p:cNvPicPr>
+            <a:picLocks noGrp="1" noChangeAspect="1"/>
+          </p:cNvPicPr>
+          <p:nvPr>
+            <p:ph idx="1"/>
+          </p:nvPr>
+        </p:nvPicPr>
+        <p:blipFill rotWithShape="1">
+          <a:blip r:embed="rId2">
+            <a:extLst>
+              <a:ext uri="{28A0092B-C50C-407E-A947-70E740481C1C}">
+                <a14:useLocalDpi xmlns:a14="http://schemas.microsoft.com/office/drawing/2010/main" val="0"/>
+              </a:ext>
+              <a:ext uri="{96DAC541-7B7A-43D3-8B79-37D633B846F1}">
+                <asvg:svgBlip xmlns:asvg="http://schemas.microsoft.com/office/drawing/2016/SVG/main" r:embed="rId3"/>
+              </a:ext>
+            </a:extLst>
+          </a:blip>
+          <a:srcRect l="535" t="11514" r="468" b="24743"/>
+          <a:stretch/>
+        </p:blipFill>
+        <p:spPr>
+          <a:xfrm>
+            <a:off x="160020" y="2453958"/>
+            <a:ext cx="8209280" cy="4087238"/>
+          </a:xfrm>
+        </p:spPr>
+      </p:pic>
+      <p:sp>
+        <p:nvSpPr>
+          <p:cNvPr id="4" name="Номер слайда 3">
+            <a:extLst>
+              <a:ext uri="{FF2B5EF4-FFF2-40B4-BE49-F238E27FC236}">
+                <a16:creationId xmlns:a16="http://schemas.microsoft.com/office/drawing/2014/main" id="{72ECEF5E-2B0E-6943-14E2-CC5FAD088195}"/>
+              </a:ext>
+            </a:extLst>
+          </p:cNvPr>
+          <p:cNvSpPr>
+            <a:spLocks noGrp="1"/>
+          </p:cNvSpPr>
+          <p:nvPr>
+            <p:ph type="sldNum" sz="quarter" idx="12"/>
+          </p:nvPr>
+        </p:nvSpPr>
+        <p:spPr/>
+        <p:txBody>
+          <a:bodyPr/>
+          <a:lstStyle/>
+          <a:p>
+            <a:fld id="{E44E20FB-DC41-4FB4-820E-A7F1077F5D74}" type="slidenum">
+              <a:rPr lang="ru-RU" smtClean="0"/>
+              <a:t>10</a:t>
+            </a:fld>
+            <a:endParaRPr lang="ru-RU"/>
+          </a:p>
+        </p:txBody>
+      </p:sp>
+      <p:pic>
+        <p:nvPicPr>
+          <p:cNvPr id="8" name="Рисунок 7">
+            <a:extLst>
+              <a:ext uri="{FF2B5EF4-FFF2-40B4-BE49-F238E27FC236}">
+                <a16:creationId xmlns:a16="http://schemas.microsoft.com/office/drawing/2014/main" id="{9E83DE4F-5F1C-BD20-087F-0E77586216CA}"/>
+              </a:ext>
+            </a:extLst>
+          </p:cNvPr>
+          <p:cNvPicPr>
+            <a:picLocks noChangeAspect="1"/>
+          </p:cNvPicPr>
+          <p:nvPr/>
+        </p:nvPicPr>
+        <p:blipFill>
+          <a:blip r:embed="rId4">
+            <a:extLst>
+              <a:ext uri="{28A0092B-C50C-407E-A947-70E740481C1C}">
+                <a14:useLocalDpi xmlns:a14="http://schemas.microsoft.com/office/drawing/2010/main" val="0"/>
+              </a:ext>
+              <a:ext uri="{96DAC541-7B7A-43D3-8B79-37D633B846F1}">
+                <asvg:svgBlip xmlns:asvg="http://schemas.microsoft.com/office/drawing/2016/SVG/main" r:embed="rId5"/>
+              </a:ext>
+            </a:extLst>
+          </a:blip>
+          <a:stretch>
+            <a:fillRect/>
+          </a:stretch>
+        </p:blipFill>
+        <p:spPr>
+          <a:xfrm>
+            <a:off x="6969760" y="136525"/>
+            <a:ext cx="4978400" cy="2538008"/>
+          </a:xfrm>
+          <a:prstGeom prst="rect">
+            <a:avLst/>
+          </a:prstGeom>
+        </p:spPr>
+      </p:pic>
+      <p:pic>
+        <p:nvPicPr>
+          <p:cNvPr id="10" name="Рисунок 9">
+            <a:extLst>
+              <a:ext uri="{FF2B5EF4-FFF2-40B4-BE49-F238E27FC236}">
+                <a16:creationId xmlns:a16="http://schemas.microsoft.com/office/drawing/2014/main" id="{49C36072-B283-3951-49F0-7A69CC124253}"/>
+              </a:ext>
+            </a:extLst>
+          </p:cNvPr>
+          <p:cNvPicPr>
+            <a:picLocks noChangeAspect="1"/>
+          </p:cNvPicPr>
+          <p:nvPr/>
+        </p:nvPicPr>
+        <p:blipFill>
+          <a:blip r:embed="rId6">
+            <a:extLst>
+              <a:ext uri="{28A0092B-C50C-407E-A947-70E740481C1C}">
+                <a14:useLocalDpi xmlns:a14="http://schemas.microsoft.com/office/drawing/2010/main" val="0"/>
+              </a:ext>
+              <a:ext uri="{96DAC541-7B7A-43D3-8B79-37D633B846F1}">
+                <asvg:svgBlip xmlns:asvg="http://schemas.microsoft.com/office/drawing/2016/SVG/main" r:embed="rId7"/>
+              </a:ext>
+            </a:extLst>
+          </a:blip>
+          <a:stretch>
+            <a:fillRect/>
+          </a:stretch>
+        </p:blipFill>
+        <p:spPr>
+          <a:xfrm>
+            <a:off x="7053580" y="2346325"/>
+            <a:ext cx="4978400" cy="2257363"/>
+          </a:xfrm>
+          <a:prstGeom prst="rect">
+            <a:avLst/>
+          </a:prstGeom>
+        </p:spPr>
+      </p:pic>
+    </p:spTree>
+    <p:extLst>
+      <p:ext uri="{BB962C8B-B14F-4D97-AF65-F5344CB8AC3E}">
+        <p14:creationId xmlns:p14="http://schemas.microsoft.com/office/powerpoint/2010/main" val="4030159416"/>
+      </p:ext>
+    </p:extLst>
+  </p:cSld>
+  <p:clrMapOvr>
+    <a:masterClrMapping/>
+  </p:clrMapOvr>
+</p:sld>
+</file>
+
+<file path=ppt/slides/slide11.xml><?xml version="1.0" encoding="utf-8"?>
+<p:sld xmlns:a="http://schemas.openxmlformats.org/drawingml/2006/main" xmlns:r="http://schemas.openxmlformats.org/officeDocument/2006/relationships" xmlns:p="http://schemas.openxmlformats.org/presentationml/2006/main">
+  <p:cSld>
+    <p:spTree>
+      <p:nvGrpSpPr>
+        <p:cNvPr id="1" name=""/>
+        <p:cNvGrpSpPr/>
+        <p:nvPr/>
+      </p:nvGrpSpPr>
+      <p:grpSpPr>
+        <a:xfrm>
+          <a:off x="0" y="0"/>
+          <a:ext cx="0" cy="0"/>
+          <a:chOff x="0" y="0"/>
+          <a:chExt cx="0" cy="0"/>
+        </a:xfrm>
+      </p:grpSpPr>
+      <p:sp>
+        <p:nvSpPr>
+          <p:cNvPr id="2" name="Заголовок 1">
+            <a:extLst>
+              <a:ext uri="{FF2B5EF4-FFF2-40B4-BE49-F238E27FC236}">
+                <a16:creationId xmlns:a16="http://schemas.microsoft.com/office/drawing/2014/main" id="{25D97059-8B96-A1EA-1828-7DDA7B01783E}"/>
+              </a:ext>
+            </a:extLst>
+          </p:cNvPr>
+          <p:cNvSpPr>
+            <a:spLocks noGrp="1"/>
+          </p:cNvSpPr>
+          <p:nvPr>
+            <p:ph type="title"/>
+          </p:nvPr>
+        </p:nvSpPr>
+        <p:spPr/>
+        <p:txBody>
+          <a:bodyPr/>
+          <a:lstStyle/>
+          <a:p>
+            <a:r>
+              <a:rPr lang="ru-RU" dirty="0"/>
+              <a:t>Метод интервалов</a:t>
+            </a:r>
+          </a:p>
+        </p:txBody>
+      </p:sp>
+      <p:pic>
+        <p:nvPicPr>
+          <p:cNvPr id="6" name="Объект 5">
+            <a:extLst>
+              <a:ext uri="{FF2B5EF4-FFF2-40B4-BE49-F238E27FC236}">
+                <a16:creationId xmlns:a16="http://schemas.microsoft.com/office/drawing/2014/main" id="{6E45D611-C4DC-0D63-A458-8D87496FAD6D}"/>
+              </a:ext>
+            </a:extLst>
+          </p:cNvPr>
+          <p:cNvPicPr>
+            <a:picLocks noGrp="1" noChangeAspect="1"/>
+          </p:cNvPicPr>
+          <p:nvPr>
+            <p:ph idx="1"/>
+          </p:nvPr>
+        </p:nvPicPr>
+        <p:blipFill rotWithShape="1">
+          <a:blip r:embed="rId2">
+            <a:extLst>
+              <a:ext uri="{28A0092B-C50C-407E-A947-70E740481C1C}">
+                <a14:useLocalDpi xmlns:a14="http://schemas.microsoft.com/office/drawing/2010/main" val="0"/>
+              </a:ext>
+              <a:ext uri="{96DAC541-7B7A-43D3-8B79-37D633B846F1}">
+                <asvg:svgBlip xmlns:asvg="http://schemas.microsoft.com/office/drawing/2016/SVG/main" r:embed="rId3"/>
+              </a:ext>
+            </a:extLst>
+          </a:blip>
+          <a:srcRect l="343" t="11355" r="617" b="35175"/>
+          <a:stretch/>
+        </p:blipFill>
+        <p:spPr>
+          <a:xfrm>
+            <a:off x="2019300" y="3317875"/>
+            <a:ext cx="8153400" cy="3403600"/>
+          </a:xfrm>
+        </p:spPr>
+      </p:pic>
+      <p:sp>
+        <p:nvSpPr>
+          <p:cNvPr id="4" name="Номер слайда 3">
+            <a:extLst>
+              <a:ext uri="{FF2B5EF4-FFF2-40B4-BE49-F238E27FC236}">
+                <a16:creationId xmlns:a16="http://schemas.microsoft.com/office/drawing/2014/main" id="{7340891D-1E5B-1D2C-66F7-2ECB34E4A38D}"/>
+              </a:ext>
+            </a:extLst>
+          </p:cNvPr>
+          <p:cNvSpPr>
+            <a:spLocks noGrp="1"/>
+          </p:cNvSpPr>
+          <p:nvPr>
+            <p:ph type="sldNum" sz="quarter" idx="12"/>
+          </p:nvPr>
+        </p:nvSpPr>
+        <p:spPr/>
+        <p:txBody>
+          <a:bodyPr/>
+          <a:lstStyle/>
+          <a:p>
+            <a:fld id="{E44E20FB-DC41-4FB4-820E-A7F1077F5D74}" type="slidenum">
+              <a:rPr lang="ru-RU" smtClean="0"/>
+              <a:t>11</a:t>
+            </a:fld>
+            <a:endParaRPr lang="ru-RU"/>
+          </a:p>
+        </p:txBody>
+      </p:sp>
+      <p:pic>
+        <p:nvPicPr>
+          <p:cNvPr id="12" name="Рисунок 11">
+            <a:extLst>
+              <a:ext uri="{FF2B5EF4-FFF2-40B4-BE49-F238E27FC236}">
+                <a16:creationId xmlns:a16="http://schemas.microsoft.com/office/drawing/2014/main" id="{B14AA9DF-F4E2-C4A0-7409-608C04A4FA47}"/>
+              </a:ext>
+            </a:extLst>
+          </p:cNvPr>
+          <p:cNvPicPr>
+            <a:picLocks noChangeAspect="1"/>
+          </p:cNvPicPr>
+          <p:nvPr/>
+        </p:nvPicPr>
+        <p:blipFill>
+          <a:blip r:embed="rId4">
+            <a:extLst>
+              <a:ext uri="{28A0092B-C50C-407E-A947-70E740481C1C}">
+                <a14:useLocalDpi xmlns:a14="http://schemas.microsoft.com/office/drawing/2010/main" val="0"/>
+              </a:ext>
+              <a:ext uri="{96DAC541-7B7A-43D3-8B79-37D633B846F1}">
+                <asvg:svgBlip xmlns:asvg="http://schemas.microsoft.com/office/drawing/2016/SVG/main" r:embed="rId5"/>
+              </a:ext>
+            </a:extLst>
+          </a:blip>
+          <a:stretch>
+            <a:fillRect/>
+          </a:stretch>
+        </p:blipFill>
+        <p:spPr>
+          <a:xfrm>
+            <a:off x="5829061" y="452966"/>
+            <a:ext cx="6224826" cy="1149879"/>
+          </a:xfrm>
+          <a:prstGeom prst="rect">
+            <a:avLst/>
+          </a:prstGeom>
+        </p:spPr>
+      </p:pic>
+      <p:pic>
+        <p:nvPicPr>
+          <p:cNvPr id="14" name="Рисунок 13">
+            <a:extLst>
+              <a:ext uri="{FF2B5EF4-FFF2-40B4-BE49-F238E27FC236}">
+                <a16:creationId xmlns:a16="http://schemas.microsoft.com/office/drawing/2014/main" id="{78E4C27E-2BCD-9F9D-8458-23DDE1B7AC3E}"/>
+              </a:ext>
+            </a:extLst>
+          </p:cNvPr>
+          <p:cNvPicPr>
+            <a:picLocks noChangeAspect="1"/>
+          </p:cNvPicPr>
+          <p:nvPr/>
+        </p:nvPicPr>
+        <p:blipFill>
+          <a:blip r:embed="rId6">
+            <a:extLst>
+              <a:ext uri="{28A0092B-C50C-407E-A947-70E740481C1C}">
+                <a14:useLocalDpi xmlns:a14="http://schemas.microsoft.com/office/drawing/2010/main" val="0"/>
+              </a:ext>
+              <a:ext uri="{96DAC541-7B7A-43D3-8B79-37D633B846F1}">
+                <asvg:svgBlip xmlns:asvg="http://schemas.microsoft.com/office/drawing/2016/SVG/main" r:embed="rId7"/>
+              </a:ext>
+            </a:extLst>
+          </a:blip>
+          <a:stretch>
+            <a:fillRect/>
+          </a:stretch>
+        </p:blipFill>
+        <p:spPr>
+          <a:xfrm>
+            <a:off x="5829062" y="1929342"/>
+            <a:ext cx="6224825" cy="1149879"/>
+          </a:xfrm>
+          <a:prstGeom prst="rect">
+            <a:avLst/>
+          </a:prstGeom>
+        </p:spPr>
+      </p:pic>
+    </p:spTree>
+    <p:extLst>
+      <p:ext uri="{BB962C8B-B14F-4D97-AF65-F5344CB8AC3E}">
+        <p14:creationId xmlns:p14="http://schemas.microsoft.com/office/powerpoint/2010/main" val="2951163618"/>
+      </p:ext>
+    </p:extLst>
+  </p:cSld>
+  <p:clrMapOvr>
+    <a:masterClrMapping/>
+  </p:clrMapOvr>
+</p:sld>
+</file>
+
+<file path=ppt/slides/slide12.xml><?xml version="1.0" encoding="utf-8"?>
+<p:sld xmlns:a="http://schemas.openxmlformats.org/drawingml/2006/main" xmlns:r="http://schemas.openxmlformats.org/officeDocument/2006/relationships" xmlns:p="http://schemas.openxmlformats.org/presentationml/2006/main">
+  <p:cSld>
+    <p:spTree>
+      <p:nvGrpSpPr>
+        <p:cNvPr id="1" name=""/>
+        <p:cNvGrpSpPr/>
+        <p:nvPr/>
+      </p:nvGrpSpPr>
+      <p:grpSpPr>
+        <a:xfrm>
+          <a:off x="0" y="0"/>
+          <a:ext cx="0" cy="0"/>
+          <a:chOff x="0" y="0"/>
+          <a:chExt cx="0" cy="0"/>
+        </a:xfrm>
+      </p:grpSpPr>
+      <p:sp>
+        <p:nvSpPr>
+          <p:cNvPr id="2" name="Заголовок 1">
+            <a:extLst>
+              <a:ext uri="{FF2B5EF4-FFF2-40B4-BE49-F238E27FC236}">
+                <a16:creationId xmlns:a16="http://schemas.microsoft.com/office/drawing/2014/main" id="{C8E1BD63-9C3A-4C6C-7C33-FE7E7A04C370}"/>
+              </a:ext>
+            </a:extLst>
+          </p:cNvPr>
+          <p:cNvSpPr>
+            <a:spLocks noGrp="1"/>
+          </p:cNvSpPr>
+          <p:nvPr>
+            <p:ph type="title"/>
+          </p:nvPr>
+        </p:nvSpPr>
+        <p:spPr/>
+        <p:txBody>
+          <a:bodyPr/>
+          <a:lstStyle/>
+          <a:p>
+            <a:r>
+              <a:rPr lang="ru-RU" dirty="0"/>
+              <a:t>Стоимость до и после оптимизации</a:t>
+            </a:r>
+          </a:p>
+        </p:txBody>
+      </p:sp>
+      <p:sp>
+        <p:nvSpPr>
+          <p:cNvPr id="4" name="Номер слайда 3">
+            <a:extLst>
+              <a:ext uri="{FF2B5EF4-FFF2-40B4-BE49-F238E27FC236}">
+                <a16:creationId xmlns:a16="http://schemas.microsoft.com/office/drawing/2014/main" id="{1B1B77D1-AC4A-D20B-7257-405A39502D09}"/>
+              </a:ext>
+            </a:extLst>
+          </p:cNvPr>
+          <p:cNvSpPr>
+            <a:spLocks noGrp="1"/>
+          </p:cNvSpPr>
+          <p:nvPr>
+            <p:ph type="sldNum" sz="quarter" idx="12"/>
+          </p:nvPr>
+        </p:nvSpPr>
+        <p:spPr/>
+        <p:txBody>
+          <a:bodyPr/>
+          <a:lstStyle/>
+          <a:p>
+            <a:fld id="{E44E20FB-DC41-4FB4-820E-A7F1077F5D74}" type="slidenum">
+              <a:rPr lang="ru-RU" smtClean="0"/>
+              <a:t>12</a:t>
+            </a:fld>
+            <a:endParaRPr lang="ru-RU"/>
+          </a:p>
+        </p:txBody>
+      </p:sp>
+      <p:pic>
+        <p:nvPicPr>
+          <p:cNvPr id="18" name="Объект 17">
+            <a:extLst>
+              <a:ext uri="{FF2B5EF4-FFF2-40B4-BE49-F238E27FC236}">
+                <a16:creationId xmlns:a16="http://schemas.microsoft.com/office/drawing/2014/main" id="{AC8BA22C-DA02-E5F9-4D08-BE98F081BE3F}"/>
+              </a:ext>
+            </a:extLst>
+          </p:cNvPr>
+          <p:cNvPicPr>
+            <a:picLocks noGrp="1" noChangeAspect="1"/>
+          </p:cNvPicPr>
+          <p:nvPr>
+            <p:ph idx="1"/>
+          </p:nvPr>
+        </p:nvPicPr>
+        <p:blipFill>
+          <a:blip r:embed="rId2">
+            <a:extLst>
+              <a:ext uri="{28A0092B-C50C-407E-A947-70E740481C1C}">
+                <a14:useLocalDpi xmlns:a14="http://schemas.microsoft.com/office/drawing/2010/main" val="0"/>
+              </a:ext>
+              <a:ext uri="{96DAC541-7B7A-43D3-8B79-37D633B846F1}">
+                <asvg:svgBlip xmlns:asvg="http://schemas.microsoft.com/office/drawing/2016/SVG/main" r:embed="rId3"/>
+              </a:ext>
+            </a:extLst>
+          </a:blip>
+          <a:stretch>
+            <a:fillRect/>
+          </a:stretch>
+        </p:blipFill>
+        <p:spPr>
+          <a:xfrm>
+            <a:off x="838200" y="1847849"/>
+            <a:ext cx="10515599" cy="4568825"/>
+          </a:xfrm>
+        </p:spPr>
+      </p:pic>
+    </p:spTree>
+    <p:extLst>
+      <p:ext uri="{BB962C8B-B14F-4D97-AF65-F5344CB8AC3E}">
+        <p14:creationId xmlns:p14="http://schemas.microsoft.com/office/powerpoint/2010/main" val="2719231125"/>
+      </p:ext>
+    </p:extLst>
+  </p:cSld>
+  <p:clrMapOvr>
+    <a:masterClrMapping/>
+  </p:clrMapOvr>
+</p:sld>
+</file>
+
+<file path=ppt/slides/slide13.xml><?xml version="1.0" encoding="utf-8"?>
+<p:sld xmlns:a="http://schemas.openxmlformats.org/drawingml/2006/main" xmlns:r="http://schemas.openxmlformats.org/officeDocument/2006/relationships" xmlns:p="http://schemas.openxmlformats.org/presentationml/2006/main">
+  <p:cSld>
+    <p:spTree>
+      <p:nvGrpSpPr>
+        <p:cNvPr id="1" name=""/>
+        <p:cNvGrpSpPr/>
+        <p:nvPr/>
+      </p:nvGrpSpPr>
+      <p:grpSpPr>
+        <a:xfrm>
+          <a:off x="0" y="0"/>
+          <a:ext cx="0" cy="0"/>
+          <a:chOff x="0" y="0"/>
+          <a:chExt cx="0" cy="0"/>
+        </a:xfrm>
+      </p:grpSpPr>
+      <p:sp>
+        <p:nvSpPr>
+          <p:cNvPr id="2" name="Заголовок 1">
+            <a:extLst>
+              <a:ext uri="{FF2B5EF4-FFF2-40B4-BE49-F238E27FC236}">
+                <a16:creationId xmlns:a16="http://schemas.microsoft.com/office/drawing/2014/main" id="{77E05D5E-F340-13C9-216E-567CBB032C7A}"/>
+              </a:ext>
+            </a:extLst>
+          </p:cNvPr>
+          <p:cNvSpPr>
+            <a:spLocks noGrp="1"/>
+          </p:cNvSpPr>
+          <p:nvPr>
+            <p:ph type="title"/>
+          </p:nvPr>
+        </p:nvSpPr>
+        <p:spPr/>
+        <p:txBody>
+          <a:bodyPr/>
+          <a:lstStyle/>
+          <a:p>
+            <a:r>
+              <a:rPr lang="ru-RU" dirty="0"/>
+              <a:t>Временные ограничения программы</a:t>
+            </a:r>
+          </a:p>
+        </p:txBody>
+      </p:sp>
+      <p:pic>
+        <p:nvPicPr>
+          <p:cNvPr id="6" name="Объект 5">
+            <a:extLst>
+              <a:ext uri="{FF2B5EF4-FFF2-40B4-BE49-F238E27FC236}">
+                <a16:creationId xmlns:a16="http://schemas.microsoft.com/office/drawing/2014/main" id="{0B5C43D1-A85F-4BFB-6D2F-B1B5AD269CB4}"/>
+              </a:ext>
+            </a:extLst>
+          </p:cNvPr>
+          <p:cNvPicPr>
+            <a:picLocks noGrp="1" noChangeAspect="1"/>
+          </p:cNvPicPr>
+          <p:nvPr>
+            <p:ph idx="1"/>
+          </p:nvPr>
+        </p:nvPicPr>
+        <p:blipFill>
+          <a:blip r:embed="rId2">
+            <a:extLst>
+              <a:ext uri="{28A0092B-C50C-407E-A947-70E740481C1C}">
+                <a14:useLocalDpi xmlns:a14="http://schemas.microsoft.com/office/drawing/2010/main" val="0"/>
+              </a:ext>
+              <a:ext uri="{96DAC541-7B7A-43D3-8B79-37D633B846F1}">
+                <asvg:svgBlip xmlns:asvg="http://schemas.microsoft.com/office/drawing/2016/SVG/main" r:embed="rId3"/>
+              </a:ext>
+            </a:extLst>
+          </a:blip>
+          <a:stretch>
+            <a:fillRect/>
+          </a:stretch>
+        </p:blipFill>
+        <p:spPr>
+          <a:xfrm>
+            <a:off x="838199" y="1847850"/>
+            <a:ext cx="10515600" cy="4579982"/>
+          </a:xfrm>
+        </p:spPr>
+      </p:pic>
+      <p:sp>
+        <p:nvSpPr>
+          <p:cNvPr id="4" name="Номер слайда 3">
+            <a:extLst>
+              <a:ext uri="{FF2B5EF4-FFF2-40B4-BE49-F238E27FC236}">
+                <a16:creationId xmlns:a16="http://schemas.microsoft.com/office/drawing/2014/main" id="{1BF85665-8A31-48D2-8272-03528A65B7B4}"/>
+              </a:ext>
+            </a:extLst>
+          </p:cNvPr>
+          <p:cNvSpPr>
+            <a:spLocks noGrp="1"/>
+          </p:cNvSpPr>
+          <p:nvPr>
+            <p:ph type="sldNum" sz="quarter" idx="12"/>
+          </p:nvPr>
+        </p:nvSpPr>
+        <p:spPr/>
+        <p:txBody>
+          <a:bodyPr/>
+          <a:lstStyle/>
+          <a:p>
+            <a:fld id="{E44E20FB-DC41-4FB4-820E-A7F1077F5D74}" type="slidenum">
+              <a:rPr lang="ru-RU" smtClean="0"/>
+              <a:t>13</a:t>
+            </a:fld>
+            <a:endParaRPr lang="ru-RU"/>
+          </a:p>
+        </p:txBody>
+      </p:sp>
+    </p:spTree>
+    <p:extLst>
+      <p:ext uri="{BB962C8B-B14F-4D97-AF65-F5344CB8AC3E}">
+        <p14:creationId xmlns:p14="http://schemas.microsoft.com/office/powerpoint/2010/main" val="3522274239"/>
+      </p:ext>
+    </p:extLst>
+  </p:cSld>
+  <p:clrMapOvr>
+    <a:masterClrMapping/>
+  </p:clrMapOvr>
+</p:sld>
+</file>
+
+<file path=ppt/slides/slide14.xml><?xml version="1.0" encoding="utf-8"?>
+<p:sld xmlns:a="http://schemas.openxmlformats.org/drawingml/2006/main" xmlns:r="http://schemas.openxmlformats.org/officeDocument/2006/relationships" xmlns:p="http://schemas.openxmlformats.org/presentationml/2006/main">
+  <p:cSld>
+    <p:spTree>
+      <p:nvGrpSpPr>
+        <p:cNvPr id="1" name=""/>
+        <p:cNvGrpSpPr/>
+        <p:nvPr/>
+      </p:nvGrpSpPr>
+      <p:grpSpPr>
+        <a:xfrm>
+          <a:off x="0" y="0"/>
+          <a:ext cx="0" cy="0"/>
+          <a:chOff x="0" y="0"/>
+          <a:chExt cx="0" cy="0"/>
+        </a:xfrm>
+      </p:grpSpPr>
+      <p:sp>
+        <p:nvSpPr>
+          <p:cNvPr id="2" name="Заголовок 1">
+            <a:extLst>
+              <a:ext uri="{FF2B5EF4-FFF2-40B4-BE49-F238E27FC236}">
+                <a16:creationId xmlns:a16="http://schemas.microsoft.com/office/drawing/2014/main" id="{5EED518B-E4DF-4A10-DF60-4AA51C1DC3D9}"/>
+              </a:ext>
+            </a:extLst>
+          </p:cNvPr>
+          <p:cNvSpPr>
+            <a:spLocks noGrp="1"/>
+          </p:cNvSpPr>
+          <p:nvPr>
+            <p:ph type="title"/>
+          </p:nvPr>
+        </p:nvSpPr>
+        <p:spPr/>
+        <p:txBody>
+          <a:bodyPr/>
+          <a:lstStyle/>
+          <a:p>
+            <a:r>
+              <a:rPr lang="ru-RU" dirty="0"/>
+              <a:t>Зависимости работы системы</a:t>
+            </a:r>
+          </a:p>
+        </p:txBody>
+      </p:sp>
+      <p:pic>
+        <p:nvPicPr>
+          <p:cNvPr id="6" name="Объект 5">
+            <a:extLst>
+              <a:ext uri="{FF2B5EF4-FFF2-40B4-BE49-F238E27FC236}">
+                <a16:creationId xmlns:a16="http://schemas.microsoft.com/office/drawing/2014/main" id="{63E3FA5A-947D-BD83-A84D-A7B0D85ACFDB}"/>
+              </a:ext>
+            </a:extLst>
+          </p:cNvPr>
+          <p:cNvPicPr>
+            <a:picLocks noGrp="1" noChangeAspect="1"/>
+          </p:cNvPicPr>
+          <p:nvPr>
+            <p:ph idx="1"/>
+          </p:nvPr>
+        </p:nvPicPr>
+        <p:blipFill>
+          <a:blip r:embed="rId2">
+            <a:extLst>
+              <a:ext uri="{28A0092B-C50C-407E-A947-70E740481C1C}">
+                <a14:useLocalDpi xmlns:a14="http://schemas.microsoft.com/office/drawing/2010/main" val="0"/>
+              </a:ext>
+              <a:ext uri="{96DAC541-7B7A-43D3-8B79-37D633B846F1}">
+                <asvg:svgBlip xmlns:asvg="http://schemas.microsoft.com/office/drawing/2016/SVG/main" r:embed="rId3"/>
+              </a:ext>
+            </a:extLst>
+          </a:blip>
+          <a:stretch>
+            <a:fillRect/>
+          </a:stretch>
+        </p:blipFill>
+        <p:spPr>
+          <a:xfrm>
+            <a:off x="838199" y="1808163"/>
+            <a:ext cx="10515599" cy="4608512"/>
+          </a:xfrm>
+        </p:spPr>
+      </p:pic>
+      <p:sp>
+        <p:nvSpPr>
+          <p:cNvPr id="4" name="Номер слайда 3">
+            <a:extLst>
+              <a:ext uri="{FF2B5EF4-FFF2-40B4-BE49-F238E27FC236}">
+                <a16:creationId xmlns:a16="http://schemas.microsoft.com/office/drawing/2014/main" id="{C443E5F9-393C-FDF1-7030-D84FE39FACF1}"/>
+              </a:ext>
+            </a:extLst>
+          </p:cNvPr>
+          <p:cNvSpPr>
+            <a:spLocks noGrp="1"/>
+          </p:cNvSpPr>
+          <p:nvPr>
+            <p:ph type="sldNum" sz="quarter" idx="12"/>
+          </p:nvPr>
+        </p:nvSpPr>
+        <p:spPr/>
+        <p:txBody>
+          <a:bodyPr/>
+          <a:lstStyle/>
+          <a:p>
+            <a:fld id="{E44E20FB-DC41-4FB4-820E-A7F1077F5D74}" type="slidenum">
+              <a:rPr lang="ru-RU" smtClean="0"/>
+              <a:t>14</a:t>
+            </a:fld>
+            <a:endParaRPr lang="ru-RU"/>
+          </a:p>
+        </p:txBody>
+      </p:sp>
+    </p:spTree>
+    <p:extLst>
+      <p:ext uri="{BB962C8B-B14F-4D97-AF65-F5344CB8AC3E}">
+        <p14:creationId xmlns:p14="http://schemas.microsoft.com/office/powerpoint/2010/main" val="970569758"/>
+      </p:ext>
+    </p:extLst>
+  </p:cSld>
+  <p:clrMapOvr>
+    <a:masterClrMapping/>
+  </p:clrMapOvr>
+</p:sld>
+</file>
+
+<file path=ppt/slides/slide15.xml><?xml version="1.0" encoding="utf-8"?>
+<p:sld xmlns:a="http://schemas.openxmlformats.org/drawingml/2006/main" xmlns:r="http://schemas.openxmlformats.org/officeDocument/2006/relationships" xmlns:p="http://schemas.openxmlformats.org/presentationml/2006/main">
+  <p:cSld>
+    <p:spTree>
+      <p:nvGrpSpPr>
+        <p:cNvPr id="1" name=""/>
+        <p:cNvGrpSpPr/>
+        <p:nvPr/>
+      </p:nvGrpSpPr>
+      <p:grpSpPr>
+        <a:xfrm>
+          <a:off x="0" y="0"/>
+          <a:ext cx="0" cy="0"/>
+          <a:chOff x="0" y="0"/>
+          <a:chExt cx="0" cy="0"/>
+        </a:xfrm>
+      </p:grpSpPr>
+      <p:sp>
+        <p:nvSpPr>
+          <p:cNvPr id="2" name="Заголовок 1">
+            <a:extLst>
+              <a:ext uri="{FF2B5EF4-FFF2-40B4-BE49-F238E27FC236}">
+                <a16:creationId xmlns:a16="http://schemas.microsoft.com/office/drawing/2014/main" id="{5EED518B-E4DF-4A10-DF60-4AA51C1DC3D9}"/>
+              </a:ext>
+            </a:extLst>
+          </p:cNvPr>
+          <p:cNvSpPr>
+            <a:spLocks noGrp="1"/>
+          </p:cNvSpPr>
+          <p:nvPr>
+            <p:ph type="title"/>
+          </p:nvPr>
+        </p:nvSpPr>
+        <p:spPr/>
+        <p:txBody>
+          <a:bodyPr/>
+          <a:lstStyle/>
+          <a:p>
+            <a:r>
+              <a:rPr lang="ru-RU" dirty="0"/>
+              <a:t>Зависимости работы системы</a:t>
+            </a:r>
+          </a:p>
+        </p:txBody>
+      </p:sp>
+      <p:sp>
+        <p:nvSpPr>
+          <p:cNvPr id="4" name="Номер слайда 3">
+            <a:extLst>
+              <a:ext uri="{FF2B5EF4-FFF2-40B4-BE49-F238E27FC236}">
+                <a16:creationId xmlns:a16="http://schemas.microsoft.com/office/drawing/2014/main" id="{C443E5F9-393C-FDF1-7030-D84FE39FACF1}"/>
+              </a:ext>
+            </a:extLst>
+          </p:cNvPr>
+          <p:cNvSpPr>
+            <a:spLocks noGrp="1"/>
+          </p:cNvSpPr>
+          <p:nvPr>
+            <p:ph type="sldNum" sz="quarter" idx="12"/>
+          </p:nvPr>
+        </p:nvSpPr>
+        <p:spPr/>
+        <p:txBody>
+          <a:bodyPr/>
+          <a:lstStyle/>
+          <a:p>
+            <a:fld id="{E44E20FB-DC41-4FB4-820E-A7F1077F5D74}" type="slidenum">
+              <a:rPr lang="ru-RU" smtClean="0"/>
+              <a:t>15</a:t>
+            </a:fld>
+            <a:endParaRPr lang="ru-RU"/>
+          </a:p>
+        </p:txBody>
+      </p:sp>
+      <p:pic>
+        <p:nvPicPr>
+          <p:cNvPr id="8" name="Рисунок 7">
+            <a:extLst>
+              <a:ext uri="{FF2B5EF4-FFF2-40B4-BE49-F238E27FC236}">
+                <a16:creationId xmlns:a16="http://schemas.microsoft.com/office/drawing/2014/main" id="{E2EAE004-FF6C-3541-6A5E-A250D42EC9F8}"/>
+              </a:ext>
+            </a:extLst>
+          </p:cNvPr>
+          <p:cNvPicPr>
+            <a:picLocks noChangeAspect="1"/>
+          </p:cNvPicPr>
+          <p:nvPr/>
+        </p:nvPicPr>
+        <p:blipFill>
+          <a:blip r:embed="rId2">
+            <a:extLst>
+              <a:ext uri="{28A0092B-C50C-407E-A947-70E740481C1C}">
+                <a14:useLocalDpi xmlns:a14="http://schemas.microsoft.com/office/drawing/2010/main" val="0"/>
+              </a:ext>
+              <a:ext uri="{96DAC541-7B7A-43D3-8B79-37D633B846F1}">
+                <asvg:svgBlip xmlns:asvg="http://schemas.microsoft.com/office/drawing/2016/SVG/main" r:embed="rId3"/>
+              </a:ext>
+            </a:extLst>
+          </a:blip>
+          <a:stretch>
+            <a:fillRect/>
+          </a:stretch>
+        </p:blipFill>
+        <p:spPr>
+          <a:xfrm>
+            <a:off x="838199" y="1808163"/>
+            <a:ext cx="10515599" cy="4612766"/>
+          </a:xfrm>
+          <a:prstGeom prst="rect">
+            <a:avLst/>
+          </a:prstGeom>
+        </p:spPr>
+      </p:pic>
+    </p:spTree>
+    <p:extLst>
+      <p:ext uri="{BB962C8B-B14F-4D97-AF65-F5344CB8AC3E}">
+        <p14:creationId xmlns:p14="http://schemas.microsoft.com/office/powerpoint/2010/main" val="2727964416"/>
+      </p:ext>
+    </p:extLst>
+  </p:cSld>
+  <p:clrMapOvr>
+    <a:masterClrMapping/>
+  </p:clrMapOvr>
+</p:sld>
+</file>
+
+<file path=ppt/slides/slide16.xml><?xml version="1.0" encoding="utf-8"?>
+<p:sld xmlns:a="http://schemas.openxmlformats.org/drawingml/2006/main" xmlns:r="http://schemas.openxmlformats.org/officeDocument/2006/relationships" xmlns:p="http://schemas.openxmlformats.org/presentationml/2006/main">
+  <p:cSld>
+    <p:spTree>
+      <p:nvGrpSpPr>
+        <p:cNvPr id="1" name=""/>
+        <p:cNvGrpSpPr/>
+        <p:nvPr/>
+      </p:nvGrpSpPr>
+      <p:grpSpPr>
+        <a:xfrm>
+          <a:off x="0" y="0"/>
+          <a:ext cx="0" cy="0"/>
+          <a:chOff x="0" y="0"/>
+          <a:chExt cx="0" cy="0"/>
+        </a:xfrm>
+      </p:grpSpPr>
+      <p:sp>
+        <p:nvSpPr>
+          <p:cNvPr id="2" name="Заголовок 1">
+            <a:extLst>
+              <a:ext uri="{FF2B5EF4-FFF2-40B4-BE49-F238E27FC236}">
+                <a16:creationId xmlns:a16="http://schemas.microsoft.com/office/drawing/2014/main" id="{23596A9E-4078-1E5C-D5DA-69796D633637}"/>
+              </a:ext>
+            </a:extLst>
+          </p:cNvPr>
+          <p:cNvSpPr>
+            <a:spLocks noGrp="1"/>
+          </p:cNvSpPr>
+          <p:nvPr>
+            <p:ph type="title"/>
+          </p:nvPr>
+        </p:nvSpPr>
+        <p:spPr/>
+        <p:txBody>
+          <a:bodyPr/>
+          <a:lstStyle/>
+          <a:p>
+            <a:r>
+              <a:rPr lang="ru-RU" dirty="0"/>
+              <a:t>Заключение</a:t>
+            </a:r>
+          </a:p>
+        </p:txBody>
+      </p:sp>
+      <p:sp>
+        <p:nvSpPr>
+          <p:cNvPr id="3" name="Объект 2">
+            <a:extLst>
+              <a:ext uri="{FF2B5EF4-FFF2-40B4-BE49-F238E27FC236}">
+                <a16:creationId xmlns:a16="http://schemas.microsoft.com/office/drawing/2014/main" id="{1AE8BDAC-9C81-E417-ABC3-D3E5A36A733C}"/>
+              </a:ext>
+            </a:extLst>
+          </p:cNvPr>
+          <p:cNvSpPr>
+            <a:spLocks noGrp="1"/>
+          </p:cNvSpPr>
+          <p:nvPr>
+            <p:ph idx="1"/>
+          </p:nvPr>
+        </p:nvSpPr>
+        <p:spPr/>
+        <p:txBody>
+          <a:bodyPr>
+            <a:normAutofit fontScale="92500" lnSpcReduction="10000"/>
+          </a:bodyPr>
+          <a:lstStyle/>
+          <a:p>
+            <a:pPr marL="0" indent="0">
+              <a:buNone/>
+            </a:pPr>
+            <a:r>
+              <a:rPr lang="en-US" sz="3300" dirty="0"/>
+              <a:t>	</a:t>
+            </a:r>
+            <a:r>
+              <a:rPr lang="ru-RU" sz="3000" dirty="0"/>
+              <a:t>Достигнута поставленная цель</a:t>
+            </a:r>
+            <a:r>
+              <a:rPr lang="en-US" sz="3000" dirty="0"/>
+              <a:t>: </a:t>
+            </a:r>
+            <a:r>
+              <a:rPr lang="ru-RU" sz="3000" dirty="0"/>
+              <a:t>разработан собственный метод для оптимизации доставки товаров</a:t>
+            </a:r>
+            <a:r>
+              <a:rPr lang="en-US" sz="3000" dirty="0"/>
+              <a:t>.</a:t>
+            </a:r>
+          </a:p>
+          <a:p>
+            <a:pPr marL="0" indent="0">
+              <a:buNone/>
+            </a:pPr>
+            <a:r>
+              <a:rPr lang="en-US" sz="3000" dirty="0"/>
+              <a:t>	</a:t>
+            </a:r>
+            <a:r>
+              <a:rPr lang="ru-RU" sz="3000" dirty="0"/>
+              <a:t>Были решены следующие задачи</a:t>
+            </a:r>
+            <a:r>
+              <a:rPr lang="en-US" sz="3000" dirty="0"/>
+              <a:t>:</a:t>
+            </a:r>
+          </a:p>
+          <a:p>
+            <a:pPr lvl="1"/>
+            <a:r>
+              <a:rPr lang="ru-RU" sz="2600" dirty="0" err="1"/>
+              <a:t>проанализированна</a:t>
+            </a:r>
+            <a:r>
+              <a:rPr lang="ru-RU" sz="2600" dirty="0"/>
+              <a:t> предметная область, проведён сравнительный анализ с известными решениями, </a:t>
+            </a:r>
+            <a:r>
+              <a:rPr lang="ru-RU" sz="2600" dirty="0" err="1"/>
+              <a:t>выявленны</a:t>
+            </a:r>
+            <a:r>
+              <a:rPr lang="ru-RU" sz="2600" dirty="0"/>
+              <a:t> основные особенности;</a:t>
+            </a:r>
+          </a:p>
+          <a:p>
+            <a:pPr lvl="1"/>
+            <a:r>
+              <a:rPr lang="ru-RU" sz="2600" dirty="0"/>
+              <a:t>установлены цели создания метода, его критерий оптимизации, допущения и ограничения;</a:t>
+            </a:r>
+          </a:p>
+          <a:p>
+            <a:pPr lvl="1"/>
+            <a:r>
+              <a:rPr lang="ru-RU" sz="2600" dirty="0"/>
+              <a:t>описана математическая модель в рамках формализации задачи;</a:t>
+            </a:r>
+          </a:p>
+          <a:p>
+            <a:pPr lvl="1"/>
+            <a:r>
+              <a:rPr lang="ru-RU" sz="2600" dirty="0"/>
+              <a:t>выделен, описан и реализован метод оптимизации грузоперевозок в транспортной системе;</a:t>
+            </a:r>
+          </a:p>
+          <a:p>
+            <a:pPr lvl="1"/>
+            <a:r>
+              <a:rPr lang="ru-RU" sz="2600" dirty="0"/>
+              <a:t>проведено исследование алгоритма, работоспособности программы и её ограничений.</a:t>
+            </a:r>
+          </a:p>
+        </p:txBody>
+      </p:sp>
+      <p:sp>
+        <p:nvSpPr>
+          <p:cNvPr id="4" name="Номер слайда 3">
+            <a:extLst>
+              <a:ext uri="{FF2B5EF4-FFF2-40B4-BE49-F238E27FC236}">
+                <a16:creationId xmlns:a16="http://schemas.microsoft.com/office/drawing/2014/main" id="{31F174DD-13EF-F782-2177-092B5BB2A740}"/>
+              </a:ext>
+            </a:extLst>
+          </p:cNvPr>
+          <p:cNvSpPr>
+            <a:spLocks noGrp="1"/>
+          </p:cNvSpPr>
+          <p:nvPr>
+            <p:ph type="sldNum" sz="quarter" idx="12"/>
+          </p:nvPr>
+        </p:nvSpPr>
+        <p:spPr/>
+        <p:txBody>
+          <a:bodyPr/>
+          <a:lstStyle/>
+          <a:p>
+            <a:fld id="{E44E20FB-DC41-4FB4-820E-A7F1077F5D74}" type="slidenum">
+              <a:rPr lang="ru-RU" smtClean="0"/>
+              <a:t>16</a:t>
+            </a:fld>
+            <a:endParaRPr lang="ru-RU"/>
+          </a:p>
+        </p:txBody>
+      </p:sp>
+    </p:spTree>
+    <p:extLst>
+      <p:ext uri="{BB962C8B-B14F-4D97-AF65-F5344CB8AC3E}">
+        <p14:creationId xmlns:p14="http://schemas.microsoft.com/office/powerpoint/2010/main" val="130751257"/>
+      </p:ext>
+    </p:extLst>
+  </p:cSld>
+  <p:clrMapOvr>
+    <a:masterClrMapping/>
+  </p:clrMapOvr>
+</p:sld>
+</file>
+
+<file path=ppt/slides/slide17.xml><?xml version="1.0" encoding="utf-8"?>
+<p:sld xmlns:a="http://schemas.openxmlformats.org/drawingml/2006/main" xmlns:r="http://schemas.openxmlformats.org/officeDocument/2006/relationships" xmlns:p="http://schemas.openxmlformats.org/presentationml/2006/main">
+  <p:cSld>
+    <p:spTree>
+      <p:nvGrpSpPr>
+        <p:cNvPr id="1" name=""/>
+        <p:cNvGrpSpPr/>
+        <p:nvPr/>
+      </p:nvGrpSpPr>
+      <p:grpSpPr>
+        <a:xfrm>
+          <a:off x="0" y="0"/>
+          <a:ext cx="0" cy="0"/>
+          <a:chOff x="0" y="0"/>
+          <a:chExt cx="0" cy="0"/>
+        </a:xfrm>
+      </p:grpSpPr>
+      <p:sp>
+        <p:nvSpPr>
+          <p:cNvPr id="2" name="Заголовок 1">
+            <a:extLst>
+              <a:ext uri="{FF2B5EF4-FFF2-40B4-BE49-F238E27FC236}">
+                <a16:creationId xmlns:a16="http://schemas.microsoft.com/office/drawing/2014/main" id="{BCD87C07-CD6D-40C1-1D85-CD914BC3D8C6}"/>
+              </a:ext>
+            </a:extLst>
+          </p:cNvPr>
+          <p:cNvSpPr>
+            <a:spLocks noGrp="1"/>
+          </p:cNvSpPr>
+          <p:nvPr>
+            <p:ph type="title"/>
+          </p:nvPr>
+        </p:nvSpPr>
+        <p:spPr/>
+        <p:txBody>
+          <a:bodyPr/>
+          <a:lstStyle/>
+          <a:p>
+            <a:r>
+              <a:rPr lang="ru-RU" dirty="0"/>
+              <a:t>Дальнейшее развитие</a:t>
+            </a:r>
+          </a:p>
+        </p:txBody>
+      </p:sp>
+      <p:sp>
+        <p:nvSpPr>
+          <p:cNvPr id="3" name="Объект 2">
+            <a:extLst>
+              <a:ext uri="{FF2B5EF4-FFF2-40B4-BE49-F238E27FC236}">
+                <a16:creationId xmlns:a16="http://schemas.microsoft.com/office/drawing/2014/main" id="{9499CD80-5670-7AD8-B957-F801462CB0A6}"/>
+              </a:ext>
+            </a:extLst>
+          </p:cNvPr>
+          <p:cNvSpPr>
+            <a:spLocks noGrp="1"/>
+          </p:cNvSpPr>
+          <p:nvPr>
+            <p:ph idx="1"/>
+          </p:nvPr>
+        </p:nvSpPr>
+        <p:spPr/>
+        <p:txBody>
+          <a:bodyPr/>
+          <a:lstStyle/>
+          <a:p>
+            <a:r>
+              <a:rPr lang="ru-RU" dirty="0"/>
+              <a:t>Расчёт транспортировки тар различного объёма в транспортных средствах различной вместительности.</a:t>
+            </a:r>
+          </a:p>
+          <a:p>
+            <a:r>
+              <a:rPr lang="ru-RU" dirty="0"/>
+              <a:t>Задание приоритетов очерёдности доставки.</a:t>
+            </a:r>
+          </a:p>
+          <a:p>
+            <a:r>
+              <a:rPr lang="ru-RU" dirty="0"/>
+              <a:t>Редактирование транспортной системы и перестройка плана в течении дня.</a:t>
+            </a:r>
+          </a:p>
+        </p:txBody>
+      </p:sp>
+      <p:sp>
+        <p:nvSpPr>
+          <p:cNvPr id="4" name="Номер слайда 3">
+            <a:extLst>
+              <a:ext uri="{FF2B5EF4-FFF2-40B4-BE49-F238E27FC236}">
+                <a16:creationId xmlns:a16="http://schemas.microsoft.com/office/drawing/2014/main" id="{CDA15FC9-DE2A-1A0F-A143-89019D9449E2}"/>
+              </a:ext>
+            </a:extLst>
+          </p:cNvPr>
+          <p:cNvSpPr>
+            <a:spLocks noGrp="1"/>
+          </p:cNvSpPr>
+          <p:nvPr>
+            <p:ph type="sldNum" sz="quarter" idx="12"/>
+          </p:nvPr>
+        </p:nvSpPr>
+        <p:spPr/>
+        <p:txBody>
+          <a:bodyPr/>
+          <a:lstStyle/>
+          <a:p>
+            <a:fld id="{E44E20FB-DC41-4FB4-820E-A7F1077F5D74}" type="slidenum">
+              <a:rPr lang="ru-RU" smtClean="0"/>
+              <a:t>17</a:t>
+            </a:fld>
+            <a:endParaRPr lang="ru-RU"/>
+          </a:p>
+        </p:txBody>
+      </p:sp>
+    </p:spTree>
+    <p:extLst>
+      <p:ext uri="{BB962C8B-B14F-4D97-AF65-F5344CB8AC3E}">
+        <p14:creationId xmlns:p14="http://schemas.microsoft.com/office/powerpoint/2010/main" val="2486268814"/>
       </p:ext>
     </p:extLst>
   </p:cSld>
@@ -3546,10 +5139,15 @@
             <p:ph idx="1"/>
           </p:nvPr>
         </p:nvSpPr>
-        <p:spPr/>
+        <p:spPr>
+          <a:xfrm>
+            <a:off x="838200" y="1825624"/>
+            <a:ext cx="10515600" cy="4585335"/>
+          </a:xfrm>
+        </p:spPr>
         <p:txBody>
           <a:bodyPr>
-            <a:normAutofit/>
+            <a:normAutofit lnSpcReduction="10000"/>
           </a:bodyPr>
           <a:lstStyle/>
           <a:p>
@@ -3562,7 +5160,7 @@
             </a:r>
             <a:r>
               <a:rPr lang="ru-RU" dirty="0"/>
-              <a:t> данной работы является разработка метода для планирования доставки товаров.</a:t>
+              <a:t> данной работы является разработка метода оптимизации планирования грузоперевозок в транспортной системе.</a:t>
             </a:r>
             <a:endParaRPr lang="en-US" dirty="0"/>
           </a:p>
@@ -3590,22 +5188,21 @@
               <a:rPr lang="ru-RU" dirty="0"/>
               <a:t>провести анализ предметной области, сформулировать критерии оценки оптимальности решений;</a:t>
             </a:r>
+          </a:p>
+          <a:p>
+            <a:pPr lvl="1"/>
+            <a:r>
+              <a:rPr lang="ru-RU" dirty="0"/>
+              <a:t>выбрать базовый метод оптимизации и определить направления его модификации;</a:t>
+            </a:r>
             <a:endParaRPr lang="en-US" dirty="0"/>
           </a:p>
           <a:p>
             <a:pPr lvl="1"/>
             <a:r>
               <a:rPr lang="ru-RU" dirty="0"/>
-              <a:t>формализовать задание, определить необходимый функционал программного обеспечения; </a:t>
-            </a:r>
-          </a:p>
-          <a:p>
-            <a:pPr lvl="1"/>
-            <a:r>
-              <a:rPr lang="ru-RU" dirty="0"/>
-              <a:t>выбрать метод оптимизации;</a:t>
-            </a:r>
-            <a:endParaRPr lang="en-US" dirty="0"/>
+              <a:t>формализовать задание, определить необходимый функционал программы; </a:t>
+            </a:r>
           </a:p>
           <a:p>
             <a:pPr lvl="1"/>
@@ -3619,14 +5216,44 @@
             <a:pPr lvl="1"/>
             <a:r>
               <a:rPr lang="ru-RU" dirty="0"/>
-              <a:t>разработать программу в соответствии с выделенным функционалом. </a:t>
-            </a:r>
-          </a:p>
-          <a:p>
-            <a:pPr marL="0" indent="0">
-              <a:buNone/>
-            </a:pPr>
-            <a:endParaRPr lang="ru-RU" dirty="0"/>
+              <a:t>разработать программу и протестировать её;</a:t>
+            </a:r>
+          </a:p>
+          <a:p>
+            <a:pPr lvl="1"/>
+            <a:r>
+              <a:rPr lang="ru-RU" dirty="0"/>
+              <a:t>провести экспериментальную проверку качества работы реализованного метода.</a:t>
+            </a:r>
+          </a:p>
+        </p:txBody>
+      </p:sp>
+      <p:sp>
+        <p:nvSpPr>
+          <p:cNvPr id="5" name="Номер слайда 4">
+            <a:extLst>
+              <a:ext uri="{FF2B5EF4-FFF2-40B4-BE49-F238E27FC236}">
+                <a16:creationId xmlns:a16="http://schemas.microsoft.com/office/drawing/2014/main" id="{3EA7238C-50F1-2E77-8099-CEEDF1DED7D0}"/>
+              </a:ext>
+            </a:extLst>
+          </p:cNvPr>
+          <p:cNvSpPr>
+            <a:spLocks noGrp="1"/>
+          </p:cNvSpPr>
+          <p:nvPr>
+            <p:ph type="sldNum" sz="quarter" idx="12"/>
+          </p:nvPr>
+        </p:nvSpPr>
+        <p:spPr/>
+        <p:txBody>
+          <a:bodyPr/>
+          <a:lstStyle/>
+          <a:p>
+            <a:fld id="{E44E20FB-DC41-4FB4-820E-A7F1077F5D74}" type="slidenum">
+              <a:rPr lang="ru-RU" smtClean="0"/>
+              <a:t>2</a:t>
+            </a:fld>
+            <a:endParaRPr lang="ru-RU"/>
           </a:p>
         </p:txBody>
       </p:sp>
@@ -3744,6 +5371,35 @@
           </a:p>
         </p:txBody>
       </p:sp>
+      <p:sp>
+        <p:nvSpPr>
+          <p:cNvPr id="5" name="Номер слайда 4">
+            <a:extLst>
+              <a:ext uri="{FF2B5EF4-FFF2-40B4-BE49-F238E27FC236}">
+                <a16:creationId xmlns:a16="http://schemas.microsoft.com/office/drawing/2014/main" id="{C49938AB-0481-1102-970B-3064ACA01435}"/>
+              </a:ext>
+            </a:extLst>
+          </p:cNvPr>
+          <p:cNvSpPr>
+            <a:spLocks noGrp="1"/>
+          </p:cNvSpPr>
+          <p:nvPr>
+            <p:ph type="sldNum" sz="quarter" idx="12"/>
+          </p:nvPr>
+        </p:nvSpPr>
+        <p:spPr/>
+        <p:txBody>
+          <a:bodyPr/>
+          <a:lstStyle/>
+          <a:p>
+            <a:fld id="{E44E20FB-DC41-4FB4-820E-A7F1077F5D74}" type="slidenum">
+              <a:rPr lang="ru-RU" smtClean="0"/>
+              <a:t>3</a:t>
+            </a:fld>
+            <a:endParaRPr lang="ru-RU"/>
+          </a:p>
+        </p:txBody>
+      </p:sp>
     </p:spTree>
     <p:extLst>
       <p:ext uri="{BB962C8B-B14F-4D97-AF65-F5344CB8AC3E}">
@@ -3797,102 +5453,518 @@
           <a:p>
             <a:r>
               <a:rPr lang="ru-RU" dirty="0"/>
-              <a:t>Этапы </a:t>
-            </a:r>
-            <a:r>
-              <a:rPr lang="en-US" dirty="0"/>
-              <a:t>SCM</a:t>
-            </a:r>
-            <a:endParaRPr lang="ru-RU" dirty="0"/>
-          </a:p>
-        </p:txBody>
-      </p:sp>
-      <p:sp>
-        <p:nvSpPr>
-          <p:cNvPr id="3" name="Объект 2">
-            <a:extLst>
-              <a:ext uri="{FF2B5EF4-FFF2-40B4-BE49-F238E27FC236}">
-                <a16:creationId xmlns:a16="http://schemas.microsoft.com/office/drawing/2014/main" id="{B51B3313-3C72-42D7-BA6E-E2562439F3AA}"/>
-              </a:ext>
-            </a:extLst>
-          </p:cNvPr>
-          <p:cNvSpPr>
-            <a:spLocks noGrp="1"/>
-          </p:cNvSpPr>
+              <a:t>Анализ существующих решений</a:t>
+            </a:r>
+          </a:p>
+        </p:txBody>
+      </p:sp>
+      <p:graphicFrame>
+        <p:nvGraphicFramePr>
+          <p:cNvPr id="4" name="Таблица 4">
+            <a:extLst>
+              <a:ext uri="{FF2B5EF4-FFF2-40B4-BE49-F238E27FC236}">
+                <a16:creationId xmlns:a16="http://schemas.microsoft.com/office/drawing/2014/main" id="{9096CFD5-BD47-4C9E-A7ED-92437DDC1F66}"/>
+              </a:ext>
+            </a:extLst>
+          </p:cNvPr>
+          <p:cNvGraphicFramePr>
+            <a:graphicFrameLocks noGrp="1"/>
+          </p:cNvGraphicFramePr>
           <p:nvPr>
             <p:ph idx="1"/>
+            <p:extLst>
+              <p:ext uri="{D42A27DB-BD31-4B8C-83A1-F6EECF244321}">
+                <p14:modId xmlns:p14="http://schemas.microsoft.com/office/powerpoint/2010/main" val="1947083651"/>
+              </p:ext>
+            </p:extLst>
+          </p:nvPr>
+        </p:nvGraphicFramePr>
+        <p:xfrm>
+          <a:off x="838200" y="1690687"/>
+          <a:ext cx="9819639" cy="4546667"/>
+        </p:xfrm>
+        <a:graphic>
+          <a:graphicData uri="http://schemas.openxmlformats.org/drawingml/2006/table">
+            <a:tbl>
+              <a:tblPr firstRow="1" bandRow="1">
+                <a:tableStyleId>{073A0DAA-6AF3-43AB-8588-CEC1D06C72B9}</a:tableStyleId>
+              </a:tblPr>
+              <a:tblGrid>
+                <a:gridCol w="3225907">
+                  <a:extLst>
+                    <a:ext uri="{9D8B030D-6E8A-4147-A177-3AD203B41FA5}">
+                      <a16:colId xmlns:a16="http://schemas.microsoft.com/office/drawing/2014/main" val="181861236"/>
+                    </a:ext>
+                  </a:extLst>
+                </a:gridCol>
+                <a:gridCol w="2423524">
+                  <a:extLst>
+                    <a:ext uri="{9D8B030D-6E8A-4147-A177-3AD203B41FA5}">
+                      <a16:colId xmlns:a16="http://schemas.microsoft.com/office/drawing/2014/main" val="758202606"/>
+                    </a:ext>
+                  </a:extLst>
+                </a:gridCol>
+                <a:gridCol w="1997770">
+                  <a:extLst>
+                    <a:ext uri="{9D8B030D-6E8A-4147-A177-3AD203B41FA5}">
+                      <a16:colId xmlns:a16="http://schemas.microsoft.com/office/drawing/2014/main" val="3064534097"/>
+                    </a:ext>
+                  </a:extLst>
+                </a:gridCol>
+                <a:gridCol w="2172438">
+                  <a:extLst>
+                    <a:ext uri="{9D8B030D-6E8A-4147-A177-3AD203B41FA5}">
+                      <a16:colId xmlns:a16="http://schemas.microsoft.com/office/drawing/2014/main" val="3337284535"/>
+                    </a:ext>
+                  </a:extLst>
+                </a:gridCol>
+              </a:tblGrid>
+              <a:tr h="687757">
+                <a:tc>
+                  <a:txBody>
+                    <a:bodyPr/>
+                    <a:lstStyle/>
+                    <a:p>
+                      <a:pPr algn="r"/>
+                      <a:r>
+                        <a:rPr lang="en-US" sz="1900" dirty="0"/>
+                        <a:t>TMS</a:t>
+                      </a:r>
+                      <a:endParaRPr lang="ru-RU" sz="1900" dirty="0"/>
+                    </a:p>
+                    <a:p>
+                      <a:r>
+                        <a:rPr lang="ru-RU" sz="1900" dirty="0"/>
+                        <a:t>Характеристика</a:t>
+                      </a:r>
+                      <a:endParaRPr lang="en-US" sz="1900" dirty="0"/>
+                    </a:p>
+                  </a:txBody>
+                  <a:tcPr marL="98251" marR="98251" marT="49125" marB="49125" anchor="ctr">
+                    <a:lnTlToBr w="12700" cap="flat" cmpd="sng" algn="ctr">
+                      <a:solidFill>
+                        <a:schemeClr val="bg1"/>
+                      </a:solidFill>
+                      <a:prstDash val="solid"/>
+                      <a:round/>
+                      <a:headEnd type="none" w="med" len="med"/>
+                      <a:tailEnd type="none" w="med" len="med"/>
+                    </a:lnTlToBr>
+                  </a:tcPr>
+                </a:tc>
+                <a:tc>
+                  <a:txBody>
+                    <a:bodyPr/>
+                    <a:lstStyle/>
+                    <a:p>
+                      <a:pPr algn="ctr"/>
+                      <a:r>
+                        <a:rPr lang="en-US" sz="1900" dirty="0"/>
+                        <a:t>OTM</a:t>
+                      </a:r>
+                      <a:endParaRPr lang="ru-RU" sz="1900" dirty="0"/>
+                    </a:p>
+                  </a:txBody>
+                  <a:tcPr marL="98251" marR="98251" marT="49125" marB="49125" anchor="ctr"/>
+                </a:tc>
+                <a:tc>
+                  <a:txBody>
+                    <a:bodyPr/>
+                    <a:lstStyle/>
+                    <a:p>
+                      <a:pPr algn="ctr"/>
+                      <a:r>
+                        <a:rPr lang="en-US" sz="1900" dirty="0"/>
+                        <a:t>SAP</a:t>
+                      </a:r>
+                      <a:endParaRPr lang="ru-RU" sz="1900" dirty="0"/>
+                    </a:p>
+                  </a:txBody>
+                  <a:tcPr marL="98251" marR="98251" marT="49125" marB="49125" anchor="ctr"/>
+                </a:tc>
+                <a:tc>
+                  <a:txBody>
+                    <a:bodyPr/>
+                    <a:lstStyle/>
+                    <a:p>
+                      <a:pPr algn="ctr"/>
+                      <a:r>
+                        <a:rPr lang="en-US" sz="1900" dirty="0"/>
+                        <a:t>1C</a:t>
+                      </a:r>
+                      <a:endParaRPr lang="ru-RU" sz="1900" dirty="0"/>
+                    </a:p>
+                  </a:txBody>
+                  <a:tcPr marL="98251" marR="98251" marT="49125" marB="49125" anchor="ctr"/>
+                </a:tc>
+                <a:extLst>
+                  <a:ext uri="{0D108BD9-81ED-4DB2-BD59-A6C34878D82A}">
+                    <a16:rowId xmlns:a16="http://schemas.microsoft.com/office/drawing/2014/main" val="756649751"/>
+                  </a:ext>
+                </a:extLst>
+              </a:tr>
+              <a:tr h="958800">
+                <a:tc>
+                  <a:txBody>
+                    <a:bodyPr/>
+                    <a:lstStyle/>
+                    <a:p>
+                      <a:pPr algn="l"/>
+                      <a:r>
+                        <a:rPr lang="ru-RU" sz="1900" dirty="0"/>
+                        <a:t>Прогнозирование</a:t>
+                      </a:r>
+                    </a:p>
+                  </a:txBody>
+                  <a:tcPr marL="98251" marR="98251" marT="49125" marB="49125" anchor="ctr">
+                    <a:lnR w="76200" cap="flat" cmpd="sng" algn="ctr">
+                      <a:solidFill>
+                        <a:schemeClr val="bg1"/>
+                      </a:solidFill>
+                      <a:prstDash val="solid"/>
+                      <a:round/>
+                      <a:headEnd type="none" w="med" len="med"/>
+                      <a:tailEnd type="none" w="med" len="med"/>
+                    </a:lnR>
+                  </a:tcPr>
+                </a:tc>
+                <a:tc>
+                  <a:txBody>
+                    <a:bodyPr/>
+                    <a:lstStyle/>
+                    <a:p>
+                      <a:pPr algn="ctr"/>
+                      <a:r>
+                        <a:rPr lang="ru-RU" sz="1900" dirty="0"/>
+                        <a:t>Да</a:t>
+                      </a:r>
+                    </a:p>
+                  </a:txBody>
+                  <a:tcPr marL="98251" marR="98251" marT="49125" marB="49125" anchor="ctr">
+                    <a:lnL w="76200" cap="flat" cmpd="sng" algn="ctr">
+                      <a:solidFill>
+                        <a:schemeClr val="bg1"/>
+                      </a:solidFill>
+                      <a:prstDash val="solid"/>
+                      <a:round/>
+                      <a:headEnd type="none" w="med" len="med"/>
+                      <a:tailEnd type="none" w="med" len="med"/>
+                    </a:lnL>
+                  </a:tcPr>
+                </a:tc>
+                <a:tc>
+                  <a:txBody>
+                    <a:bodyPr/>
+                    <a:lstStyle/>
+                    <a:p>
+                      <a:pPr algn="ctr"/>
+                      <a:r>
+                        <a:rPr lang="ru-RU" sz="1900" dirty="0"/>
+                        <a:t>Да</a:t>
+                      </a:r>
+                    </a:p>
+                  </a:txBody>
+                  <a:tcPr marL="98251" marR="98251" marT="49125" marB="49125" anchor="ctr"/>
+                </a:tc>
+                <a:tc>
+                  <a:txBody>
+                    <a:bodyPr/>
+                    <a:lstStyle/>
+                    <a:p>
+                      <a:pPr algn="ctr"/>
+                      <a:r>
+                        <a:rPr lang="ru-RU" sz="1900" dirty="0"/>
+                        <a:t>Нет</a:t>
+                      </a:r>
+                    </a:p>
+                  </a:txBody>
+                  <a:tcPr marL="98251" marR="98251" marT="49125" marB="49125" anchor="ctr"/>
+                </a:tc>
+                <a:extLst>
+                  <a:ext uri="{0D108BD9-81ED-4DB2-BD59-A6C34878D82A}">
+                    <a16:rowId xmlns:a16="http://schemas.microsoft.com/office/drawing/2014/main" val="3361632247"/>
+                  </a:ext>
+                </a:extLst>
+              </a:tr>
+              <a:tr h="958800">
+                <a:tc>
+                  <a:txBody>
+                    <a:bodyPr/>
+                    <a:lstStyle/>
+                    <a:p>
+                      <a:pPr algn="l"/>
+                      <a:r>
+                        <a:rPr lang="ru-RU" sz="1900" dirty="0"/>
+                        <a:t>Планирование заказов</a:t>
+                      </a:r>
+                    </a:p>
+                  </a:txBody>
+                  <a:tcPr marL="98251" marR="98251" marT="49125" marB="49125" anchor="ctr">
+                    <a:lnR w="76200" cap="flat" cmpd="sng" algn="ctr">
+                      <a:solidFill>
+                        <a:schemeClr val="bg1"/>
+                      </a:solidFill>
+                      <a:prstDash val="solid"/>
+                      <a:round/>
+                      <a:headEnd type="none" w="med" len="med"/>
+                      <a:tailEnd type="none" w="med" len="med"/>
+                    </a:lnR>
+                  </a:tcPr>
+                </a:tc>
+                <a:tc>
+                  <a:txBody>
+                    <a:bodyPr/>
+                    <a:lstStyle/>
+                    <a:p>
+                      <a:pPr algn="ctr"/>
+                      <a:r>
+                        <a:rPr lang="ru-RU" sz="1900" dirty="0"/>
+                        <a:t>Да</a:t>
+                      </a:r>
+                    </a:p>
+                  </a:txBody>
+                  <a:tcPr marL="98251" marR="98251" marT="49125" marB="49125" anchor="ctr">
+                    <a:lnL w="76200" cap="flat" cmpd="sng" algn="ctr">
+                      <a:solidFill>
+                        <a:schemeClr val="bg1"/>
+                      </a:solidFill>
+                      <a:prstDash val="solid"/>
+                      <a:round/>
+                      <a:headEnd type="none" w="med" len="med"/>
+                      <a:tailEnd type="none" w="med" len="med"/>
+                    </a:lnL>
+                  </a:tcPr>
+                </a:tc>
+                <a:tc>
+                  <a:txBody>
+                    <a:bodyPr/>
+                    <a:lstStyle/>
+                    <a:p>
+                      <a:pPr algn="ctr"/>
+                      <a:r>
+                        <a:rPr lang="ru-RU" sz="1900" dirty="0"/>
+                        <a:t>Частично</a:t>
+                      </a:r>
+                    </a:p>
+                  </a:txBody>
+                  <a:tcPr marL="98251" marR="98251" marT="49125" marB="49125" anchor="ctr"/>
+                </a:tc>
+                <a:tc>
+                  <a:txBody>
+                    <a:bodyPr/>
+                    <a:lstStyle/>
+                    <a:p>
+                      <a:pPr algn="ctr"/>
+                      <a:r>
+                        <a:rPr lang="ru-RU" sz="1900" dirty="0"/>
+                        <a:t>Частично</a:t>
+                      </a:r>
+                    </a:p>
+                  </a:txBody>
+                  <a:tcPr marL="98251" marR="98251" marT="49125" marB="49125" anchor="ctr"/>
+                </a:tc>
+                <a:extLst>
+                  <a:ext uri="{0D108BD9-81ED-4DB2-BD59-A6C34878D82A}">
+                    <a16:rowId xmlns:a16="http://schemas.microsoft.com/office/drawing/2014/main" val="1348433884"/>
+                  </a:ext>
+                </a:extLst>
+              </a:tr>
+              <a:tr h="982510">
+                <a:tc>
+                  <a:txBody>
+                    <a:bodyPr/>
+                    <a:lstStyle/>
+                    <a:p>
+                      <a:pPr algn="l"/>
+                      <a:r>
+                        <a:rPr lang="ru-RU" sz="1900" dirty="0"/>
+                        <a:t>Распределение перевозок между исполнителями за период </a:t>
+                      </a:r>
+                    </a:p>
+                  </a:txBody>
+                  <a:tcPr marL="98251" marR="98251" marT="49125" marB="49125" anchor="ctr">
+                    <a:lnR w="76200" cap="flat" cmpd="sng" algn="ctr">
+                      <a:solidFill>
+                        <a:schemeClr val="bg1"/>
+                      </a:solidFill>
+                      <a:prstDash val="solid"/>
+                      <a:round/>
+                      <a:headEnd type="none" w="med" len="med"/>
+                      <a:tailEnd type="none" w="med" len="med"/>
+                    </a:lnR>
+                  </a:tcPr>
+                </a:tc>
+                <a:tc>
+                  <a:txBody>
+                    <a:bodyPr/>
+                    <a:lstStyle/>
+                    <a:p>
+                      <a:pPr algn="ctr"/>
+                      <a:r>
+                        <a:rPr lang="ru-RU" sz="1900" dirty="0"/>
+                        <a:t>Да</a:t>
+                      </a:r>
+                    </a:p>
+                  </a:txBody>
+                  <a:tcPr marL="98251" marR="98251" marT="49125" marB="49125" anchor="ctr">
+                    <a:lnL w="76200" cap="flat" cmpd="sng" algn="ctr">
+                      <a:solidFill>
+                        <a:schemeClr val="bg1"/>
+                      </a:solidFill>
+                      <a:prstDash val="solid"/>
+                      <a:round/>
+                      <a:headEnd type="none" w="med" len="med"/>
+                      <a:tailEnd type="none" w="med" len="med"/>
+                    </a:lnL>
+                  </a:tcPr>
+                </a:tc>
+                <a:tc>
+                  <a:txBody>
+                    <a:bodyPr/>
+                    <a:lstStyle/>
+                    <a:p>
+                      <a:pPr algn="ctr"/>
+                      <a:r>
+                        <a:rPr lang="ru-RU" sz="1900" dirty="0"/>
+                        <a:t>Да</a:t>
+                      </a:r>
+                    </a:p>
+                  </a:txBody>
+                  <a:tcPr marL="98251" marR="98251" marT="49125" marB="49125" anchor="ctr"/>
+                </a:tc>
+                <a:tc>
+                  <a:txBody>
+                    <a:bodyPr/>
+                    <a:lstStyle/>
+                    <a:p>
+                      <a:pPr algn="ctr"/>
+                      <a:r>
+                        <a:rPr lang="ru-RU" sz="1900" dirty="0"/>
+                        <a:t>Нет</a:t>
+                      </a:r>
+                    </a:p>
+                  </a:txBody>
+                  <a:tcPr marL="98251" marR="98251" marT="49125" marB="49125" anchor="ctr"/>
+                </a:tc>
+                <a:extLst>
+                  <a:ext uri="{0D108BD9-81ED-4DB2-BD59-A6C34878D82A}">
+                    <a16:rowId xmlns:a16="http://schemas.microsoft.com/office/drawing/2014/main" val="2358701927"/>
+                  </a:ext>
+                </a:extLst>
+              </a:tr>
+              <a:tr h="958800">
+                <a:tc>
+                  <a:txBody>
+                    <a:bodyPr/>
+                    <a:lstStyle/>
+                    <a:p>
+                      <a:pPr algn="l"/>
+                      <a:r>
+                        <a:rPr lang="ru-RU" sz="1900" dirty="0"/>
+                        <a:t>Стоимость</a:t>
+                      </a:r>
+                    </a:p>
+                  </a:txBody>
+                  <a:tcPr marL="98251" marR="98251" marT="49125" marB="49125" anchor="ctr">
+                    <a:lnR w="76200" cap="flat" cmpd="sng" algn="ctr">
+                      <a:solidFill>
+                        <a:schemeClr val="bg1"/>
+                      </a:solidFill>
+                      <a:prstDash val="solid"/>
+                      <a:round/>
+                      <a:headEnd type="none" w="med" len="med"/>
+                      <a:tailEnd type="none" w="med" len="med"/>
+                    </a:lnR>
+                  </a:tcPr>
+                </a:tc>
+                <a:tc>
+                  <a:txBody>
+                    <a:bodyPr/>
+                    <a:lstStyle/>
+                    <a:p>
+                      <a:pPr algn="ctr"/>
+                      <a:r>
+                        <a:rPr lang="ru-RU" sz="1900" dirty="0"/>
+                        <a:t>Высокая</a:t>
+                      </a:r>
+                    </a:p>
+                  </a:txBody>
+                  <a:tcPr marL="98251" marR="98251" marT="49125" marB="49125" anchor="ctr">
+                    <a:lnL w="76200" cap="flat" cmpd="sng" algn="ctr">
+                      <a:solidFill>
+                        <a:schemeClr val="bg1"/>
+                      </a:solidFill>
+                      <a:prstDash val="solid"/>
+                      <a:round/>
+                      <a:headEnd type="none" w="med" len="med"/>
+                      <a:tailEnd type="none" w="med" len="med"/>
+                    </a:lnL>
+                  </a:tcPr>
+                </a:tc>
+                <a:tc>
+                  <a:txBody>
+                    <a:bodyPr/>
+                    <a:lstStyle/>
+                    <a:p>
+                      <a:pPr algn="ctr"/>
+                      <a:r>
+                        <a:rPr lang="ru-RU" sz="1900" dirty="0"/>
+                        <a:t>Средняя</a:t>
+                      </a:r>
+                    </a:p>
+                  </a:txBody>
+                  <a:tcPr marL="98251" marR="98251" marT="49125" marB="49125" anchor="ctr"/>
+                </a:tc>
+                <a:tc>
+                  <a:txBody>
+                    <a:bodyPr/>
+                    <a:lstStyle/>
+                    <a:p>
+                      <a:pPr algn="ctr"/>
+                      <a:r>
+                        <a:rPr lang="ru-RU" sz="1900" dirty="0"/>
+                        <a:t>Средняя</a:t>
+                      </a:r>
+                    </a:p>
+                  </a:txBody>
+                  <a:tcPr marL="98251" marR="98251" marT="49125" marB="49125" anchor="ctr"/>
+                </a:tc>
+                <a:extLst>
+                  <a:ext uri="{0D108BD9-81ED-4DB2-BD59-A6C34878D82A}">
+                    <a16:rowId xmlns:a16="http://schemas.microsoft.com/office/drawing/2014/main" val="150762550"/>
+                  </a:ext>
+                </a:extLst>
+              </a:tr>
+            </a:tbl>
+          </a:graphicData>
+        </a:graphic>
+      </p:graphicFrame>
+      <p:sp>
+        <p:nvSpPr>
+          <p:cNvPr id="5" name="Номер слайда 4">
+            <a:extLst>
+              <a:ext uri="{FF2B5EF4-FFF2-40B4-BE49-F238E27FC236}">
+                <a16:creationId xmlns:a16="http://schemas.microsoft.com/office/drawing/2014/main" id="{321C00A2-5B04-DA6F-8B44-DB10417C0227}"/>
+              </a:ext>
+            </a:extLst>
+          </p:cNvPr>
+          <p:cNvSpPr>
+            <a:spLocks noGrp="1"/>
+          </p:cNvSpPr>
+          <p:nvPr>
+            <p:ph type="sldNum" sz="quarter" idx="12"/>
           </p:nvPr>
         </p:nvSpPr>
         <p:spPr/>
         <p:txBody>
-          <a:bodyPr>
-            <a:normAutofit lnSpcReduction="10000"/>
-          </a:bodyPr>
-          <a:lstStyle/>
-          <a:p>
-            <a:r>
-              <a:rPr lang="ru-RU" b="1" dirty="0"/>
-              <a:t>Планирование</a:t>
-            </a:r>
-            <a:r>
-              <a:rPr lang="ru-RU" dirty="0"/>
-              <a:t>. Управление жизненным циклом товаров, объёмах производства и закупок.</a:t>
-            </a:r>
-          </a:p>
-          <a:p>
-            <a:r>
-              <a:rPr lang="ru-RU" b="1" dirty="0"/>
-              <a:t>Закупки</a:t>
-            </a:r>
-            <a:r>
-              <a:rPr lang="ru-RU" dirty="0"/>
-              <a:t>. Управление снабжением, выбор поставщиков.</a:t>
-            </a:r>
-          </a:p>
-          <a:p>
-            <a:r>
-              <a:rPr lang="ru-RU" b="1" dirty="0"/>
-              <a:t>Производство</a:t>
-            </a:r>
-            <a:r>
-              <a:rPr lang="ru-RU" dirty="0"/>
-              <a:t>. Производство, контроль технологических изменений, управление качеством.</a:t>
-            </a:r>
-          </a:p>
-          <a:p>
-            <a:r>
-              <a:rPr lang="ru-RU" b="1" dirty="0"/>
-              <a:t>Доставка</a:t>
-            </a:r>
-            <a:r>
-              <a:rPr lang="ru-RU" dirty="0"/>
-              <a:t>. Управление заказами, складом и транспортировкой.</a:t>
-            </a:r>
-          </a:p>
-          <a:p>
-            <a:r>
-              <a:rPr lang="ru-RU" b="1" dirty="0"/>
-              <a:t>Возврат</a:t>
-            </a:r>
-            <a:r>
-              <a:rPr lang="ru-RU" dirty="0"/>
-              <a:t>. Составление графиков возврата, уничтожения и переработки.</a:t>
-            </a:r>
-          </a:p>
-          <a:p>
-            <a:pPr marL="0" indent="0">
-              <a:buNone/>
-            </a:pPr>
-            <a:r>
-              <a:rPr lang="ru-RU" dirty="0"/>
-              <a:t>Задачей выбрана разработка систем планирования наиболее оптимальных маршрутов доставок.</a:t>
-            </a:r>
-          </a:p>
-          <a:p>
-            <a:pPr marL="0" indent="0">
-              <a:buNone/>
-            </a:pPr>
-            <a:endParaRPr lang="ru-RU" dirty="0"/>
+          <a:bodyPr/>
+          <a:lstStyle/>
+          <a:p>
+            <a:fld id="{E44E20FB-DC41-4FB4-820E-A7F1077F5D74}" type="slidenum">
+              <a:rPr lang="ru-RU" smtClean="0"/>
+              <a:t>4</a:t>
+            </a:fld>
+            <a:endParaRPr lang="ru-RU"/>
           </a:p>
         </p:txBody>
       </p:sp>
@@ -3931,7 +6003,7 @@
           <p:cNvPr id="2" name="Заголовок 1">
             <a:extLst>
               <a:ext uri="{FF2B5EF4-FFF2-40B4-BE49-F238E27FC236}">
-                <a16:creationId xmlns:a16="http://schemas.microsoft.com/office/drawing/2014/main" id="{A6D4CDE8-BEAF-4413-AA96-92DF995014BA}"/>
+                <a16:creationId xmlns:a16="http://schemas.microsoft.com/office/drawing/2014/main" id="{5ECB5658-4C7E-485A-637D-F58CA29701C9}"/>
               </a:ext>
             </a:extLst>
           </p:cNvPr>
@@ -3949,760 +6021,152 @@
           <a:p>
             <a:r>
               <a:rPr lang="ru-RU" dirty="0"/>
-              <a:t>Математическая формализация</a:t>
-            </a:r>
-          </a:p>
-        </p:txBody>
-      </p:sp>
-      <mc:AlternateContent xmlns:mc="http://schemas.openxmlformats.org/markup-compatibility/2006" xmlns:a14="http://schemas.microsoft.com/office/drawing/2010/main">
-        <mc:Choice Requires="a14">
-          <p:sp>
-            <p:nvSpPr>
-              <p:cNvPr id="3" name="Объект 2">
-                <a:extLst>
-                  <a:ext uri="{FF2B5EF4-FFF2-40B4-BE49-F238E27FC236}">
-                    <a16:creationId xmlns:a16="http://schemas.microsoft.com/office/drawing/2014/main" id="{3F3A5B3D-CA31-4E4D-B1FB-34EC78C3E654}"/>
-                  </a:ext>
-                </a:extLst>
-              </p:cNvPr>
-              <p:cNvSpPr>
-                <a:spLocks noGrp="1"/>
-              </p:cNvSpPr>
-              <p:nvPr>
-                <p:ph idx="1"/>
-              </p:nvPr>
-            </p:nvSpPr>
-            <p:spPr/>
-            <p:txBody>
-              <a:bodyPr>
-                <a:normAutofit lnSpcReduction="10000"/>
-              </a:bodyPr>
-              <a:lstStyle/>
-              <a:p>
-                <a:r>
-                  <a:rPr lang="ru-RU" dirty="0"/>
-                  <a:t>Продукт</a:t>
-                </a:r>
-                <a:r>
-                  <a:rPr lang="en-US" dirty="0"/>
-                  <a:t>: </a:t>
-                </a:r>
-                <a14:m>
-                  <m:oMath xmlns:m="http://schemas.openxmlformats.org/officeDocument/2006/math">
-                    <m:r>
-                      <a:rPr lang="en-US" i="1" dirty="0" smtClean="0">
-                        <a:latin typeface="Cambria Math" panose="02040503050406030204" pitchFamily="18" charset="0"/>
-                      </a:rPr>
-                      <m:t>𝑉𝑜𝑙</m:t>
-                    </m:r>
-                  </m:oMath>
-                </a14:m>
-                <a:r>
-                  <a:rPr lang="en-US" dirty="0"/>
-                  <a:t> - </a:t>
-                </a:r>
-                <a:r>
-                  <a:rPr lang="ru-RU" dirty="0"/>
-                  <a:t>объём тары.</a:t>
-                </a:r>
-                <a:endParaRPr lang="en-US" dirty="0"/>
-              </a:p>
-              <a:p>
-                <a:r>
-                  <a:rPr lang="ru-RU" dirty="0"/>
-                  <a:t>Транспорт</a:t>
-                </a:r>
-                <a:r>
-                  <a:rPr lang="en-US" dirty="0"/>
-                  <a:t> </a:t>
-                </a:r>
-                <a14:m>
-                  <m:oMath xmlns:m="http://schemas.openxmlformats.org/officeDocument/2006/math">
-                    <m:sSub>
-                      <m:sSubPr>
-                        <m:ctrlPr>
-                          <a:rPr lang="en-US" i="1" dirty="0">
-                            <a:latin typeface="Cambria Math" panose="02040503050406030204" pitchFamily="18" charset="0"/>
-                          </a:rPr>
-                        </m:ctrlPr>
-                      </m:sSubPr>
-                      <m:e>
-                        <m:r>
-                          <a:rPr lang="en-US" b="0" i="1" dirty="0" smtClean="0">
-                            <a:latin typeface="Cambria Math" panose="02040503050406030204" pitchFamily="18" charset="0"/>
-                          </a:rPr>
-                          <m:t>𝑇</m:t>
-                        </m:r>
-                      </m:e>
-                      <m:sub>
-                        <m:r>
-                          <a:rPr lang="en-US" b="0" i="1" dirty="0" smtClean="0">
-                            <a:latin typeface="Cambria Math" panose="02040503050406030204" pitchFamily="18" charset="0"/>
-                          </a:rPr>
-                          <m:t>𝑖</m:t>
-                        </m:r>
-                      </m:sub>
-                    </m:sSub>
-                  </m:oMath>
-                </a14:m>
-                <a:r>
-                  <a:rPr lang="en-US" dirty="0"/>
-                  <a:t>: </a:t>
-                </a:r>
-                <a14:m>
-                  <m:oMath xmlns:m="http://schemas.openxmlformats.org/officeDocument/2006/math">
-                    <m:r>
-                      <a:rPr lang="en-US" i="1" dirty="0" smtClean="0">
-                        <a:latin typeface="Cambria Math" panose="02040503050406030204" pitchFamily="18" charset="0"/>
-                      </a:rPr>
-                      <m:t>𝐶𝑜𝑛</m:t>
-                    </m:r>
-                  </m:oMath>
-                </a14:m>
-                <a:r>
-                  <a:rPr lang="en-US" dirty="0"/>
-                  <a:t> - </a:t>
-                </a:r>
-                <a:r>
-                  <a:rPr lang="ru-RU" dirty="0"/>
-                  <a:t>стоимость топлива,</a:t>
-                </a:r>
-                <a:endParaRPr lang="en-US" dirty="0"/>
-              </a:p>
-              <a:p>
-                <a:pPr marL="0" indent="0">
-                  <a:buNone/>
-                </a:pPr>
-                <a:r>
-                  <a:rPr lang="en-US" dirty="0"/>
-                  <a:t>   </a:t>
-                </a:r>
-                <a:r>
-                  <a:rPr lang="ru-RU" dirty="0"/>
-                  <a:t>вместимость </a:t>
-                </a:r>
-                <a14:m>
-                  <m:oMath xmlns:m="http://schemas.openxmlformats.org/officeDocument/2006/math">
-                    <m:sSub>
-                      <m:sSubPr>
-                        <m:ctrlPr>
-                          <a:rPr lang="en-US" i="1" dirty="0">
-                            <a:latin typeface="Cambria Math" panose="02040503050406030204" pitchFamily="18" charset="0"/>
-                          </a:rPr>
-                        </m:ctrlPr>
-                      </m:sSubPr>
-                      <m:e>
-                        <m:r>
-                          <a:rPr lang="en-US" b="0" i="1" dirty="0" smtClean="0">
-                            <a:latin typeface="Cambria Math" panose="02040503050406030204" pitchFamily="18" charset="0"/>
-                          </a:rPr>
-                          <m:t>𝑐</m:t>
-                        </m:r>
-                      </m:e>
-                      <m:sub>
-                        <m:r>
-                          <a:rPr lang="en-US" i="1" dirty="0">
-                            <a:latin typeface="Cambria Math" panose="02040503050406030204" pitchFamily="18" charset="0"/>
-                          </a:rPr>
-                          <m:t>𝑖</m:t>
-                        </m:r>
-                      </m:sub>
-                    </m:sSub>
-                  </m:oMath>
-                </a14:m>
-                <a:r>
-                  <a:rPr lang="en-US" dirty="0"/>
-                  <a:t>, </a:t>
-                </a:r>
-              </a:p>
-              <a:p>
-                <a:pPr marL="0" indent="0">
-                  <a:buNone/>
-                </a:pPr>
-                <a:r>
-                  <a:rPr lang="en-US" dirty="0"/>
-                  <a:t>   </a:t>
-                </a:r>
-                <a:r>
-                  <a:rPr lang="ru-RU" dirty="0"/>
-                  <a:t>затраты топлива </a:t>
-                </a:r>
-                <a14:m>
-                  <m:oMath xmlns:m="http://schemas.openxmlformats.org/officeDocument/2006/math">
-                    <m:sSub>
-                      <m:sSubPr>
-                        <m:ctrlPr>
-                          <a:rPr lang="en-US" i="1" dirty="0">
-                            <a:latin typeface="Cambria Math" panose="02040503050406030204" pitchFamily="18" charset="0"/>
-                          </a:rPr>
-                        </m:ctrlPr>
-                      </m:sSubPr>
-                      <m:e>
-                        <m:r>
-                          <a:rPr lang="en-US" b="0" i="1" dirty="0" smtClean="0">
-                            <a:latin typeface="Cambria Math" panose="02040503050406030204" pitchFamily="18" charset="0"/>
-                          </a:rPr>
-                          <m:t>𝑓</m:t>
-                        </m:r>
-                      </m:e>
-                      <m:sub>
-                        <m:r>
-                          <a:rPr lang="en-US" i="1" dirty="0">
-                            <a:latin typeface="Cambria Math" panose="02040503050406030204" pitchFamily="18" charset="0"/>
-                          </a:rPr>
-                          <m:t>𝑖</m:t>
-                        </m:r>
-                      </m:sub>
-                    </m:sSub>
-                  </m:oMath>
-                </a14:m>
-                <a:r>
-                  <a:rPr lang="ru-RU" dirty="0"/>
-                  <a:t> (л/км).</a:t>
-                </a:r>
-                <a:endParaRPr lang="en-US" dirty="0"/>
-              </a:p>
-              <a:p>
-                <a:r>
-                  <a:rPr lang="ru-RU" dirty="0"/>
-                  <a:t>Рейсы </a:t>
-                </a:r>
-                <a14:m>
-                  <m:oMath xmlns:m="http://schemas.openxmlformats.org/officeDocument/2006/math">
-                    <m:sSub>
-                      <m:sSubPr>
-                        <m:ctrlPr>
-                          <a:rPr lang="en-US" i="1" dirty="0">
-                            <a:latin typeface="Cambria Math" panose="02040503050406030204" pitchFamily="18" charset="0"/>
-                          </a:rPr>
-                        </m:ctrlPr>
-                      </m:sSubPr>
-                      <m:e>
-                        <m:r>
-                          <a:rPr lang="en-US" b="0" i="1" dirty="0" smtClean="0">
-                            <a:latin typeface="Cambria Math" panose="02040503050406030204" pitchFamily="18" charset="0"/>
-                          </a:rPr>
-                          <m:t>𝑅</m:t>
-                        </m:r>
-                      </m:e>
-                      <m:sub>
-                        <m:r>
-                          <a:rPr lang="en-US" i="1" dirty="0">
-                            <a:latin typeface="Cambria Math" panose="02040503050406030204" pitchFamily="18" charset="0"/>
-                          </a:rPr>
-                          <m:t>𝑖</m:t>
-                        </m:r>
-                      </m:sub>
-                    </m:sSub>
-                  </m:oMath>
-                </a14:m>
-                <a:r>
-                  <a:rPr lang="en-US" dirty="0"/>
-                  <a:t>: </a:t>
-                </a:r>
-                <a:r>
-                  <a:rPr lang="ru-RU" dirty="0"/>
-                  <a:t>совершаются </a:t>
-                </a:r>
-                <a14:m>
-                  <m:oMath xmlns:m="http://schemas.openxmlformats.org/officeDocument/2006/math">
-                    <m:sSub>
-                      <m:sSubPr>
-                        <m:ctrlPr>
-                          <a:rPr lang="en-US" i="1" dirty="0">
-                            <a:latin typeface="Cambria Math" panose="02040503050406030204" pitchFamily="18" charset="0"/>
-                          </a:rPr>
-                        </m:ctrlPr>
-                      </m:sSubPr>
-                      <m:e>
-                        <m:r>
-                          <a:rPr lang="en-US" i="1" dirty="0">
-                            <a:latin typeface="Cambria Math" panose="02040503050406030204" pitchFamily="18" charset="0"/>
-                          </a:rPr>
-                          <m:t>𝑇</m:t>
-                        </m:r>
-                      </m:e>
-                      <m:sub>
-                        <m:r>
-                          <a:rPr lang="en-US" i="1" dirty="0">
-                            <a:latin typeface="Cambria Math" panose="02040503050406030204" pitchFamily="18" charset="0"/>
-                          </a:rPr>
-                          <m:t>𝑖</m:t>
-                        </m:r>
-                        <m:r>
-                          <a:rPr lang="en-US" b="0" i="1" dirty="0" smtClean="0">
-                            <a:latin typeface="Cambria Math" panose="02040503050406030204" pitchFamily="18" charset="0"/>
-                          </a:rPr>
-                          <m:t> </m:t>
-                        </m:r>
-                        <m:r>
-                          <a:rPr lang="en-US" b="0" i="1" dirty="0" smtClean="0">
-                            <a:latin typeface="Cambria Math" panose="02040503050406030204" pitchFamily="18" charset="0"/>
-                          </a:rPr>
-                          <m:t>𝑚𝑜𝑑</m:t>
-                        </m:r>
-                        <m:r>
-                          <a:rPr lang="en-US" b="0" i="1" dirty="0" smtClean="0">
-                            <a:latin typeface="Cambria Math" panose="02040503050406030204" pitchFamily="18" charset="0"/>
-                          </a:rPr>
-                          <m:t> </m:t>
-                        </m:r>
-                        <m:sSub>
-                          <m:sSubPr>
-                            <m:ctrlPr>
-                              <a:rPr lang="en-US" b="0" i="1" dirty="0" smtClean="0">
-                                <a:latin typeface="Cambria Math" panose="02040503050406030204" pitchFamily="18" charset="0"/>
-                              </a:rPr>
-                            </m:ctrlPr>
-                          </m:sSubPr>
-                          <m:e>
-                            <m:r>
-                              <a:rPr lang="en-US" b="0" i="1" dirty="0" smtClean="0">
-                                <a:latin typeface="Cambria Math" panose="02040503050406030204" pitchFamily="18" charset="0"/>
-                              </a:rPr>
-                              <m:t>𝑁</m:t>
-                            </m:r>
-                          </m:e>
-                          <m:sub>
-                            <m:r>
-                              <a:rPr lang="en-US" b="0" i="1" dirty="0" smtClean="0">
-                                <a:latin typeface="Cambria Math" panose="02040503050406030204" pitchFamily="18" charset="0"/>
-                              </a:rPr>
-                              <m:t>𝑇</m:t>
-                            </m:r>
-                          </m:sub>
-                        </m:sSub>
-                      </m:sub>
-                    </m:sSub>
-                  </m:oMath>
-                </a14:m>
-                <a:r>
-                  <a:rPr lang="en-US" dirty="0"/>
-                  <a:t>.</a:t>
-                </a:r>
-              </a:p>
-              <a:p>
-                <a:r>
-                  <a:rPr lang="ru-RU" dirty="0"/>
-                  <a:t>Заказы </a:t>
-                </a:r>
-                <a14:m>
-                  <m:oMath xmlns:m="http://schemas.openxmlformats.org/officeDocument/2006/math">
-                    <m:sSub>
-                      <m:sSubPr>
-                        <m:ctrlPr>
-                          <a:rPr lang="en-US" i="1" dirty="0">
-                            <a:latin typeface="Cambria Math" panose="02040503050406030204" pitchFamily="18" charset="0"/>
-                          </a:rPr>
-                        </m:ctrlPr>
-                      </m:sSubPr>
-                      <m:e>
-                        <m:r>
-                          <a:rPr lang="en-US" b="0" i="1" dirty="0" smtClean="0">
-                            <a:latin typeface="Cambria Math" panose="02040503050406030204" pitchFamily="18" charset="0"/>
-                          </a:rPr>
-                          <m:t>𝑂</m:t>
-                        </m:r>
-                      </m:e>
-                      <m:sub>
-                        <m:r>
-                          <a:rPr lang="en-US" b="0" i="1" dirty="0" smtClean="0">
-                            <a:latin typeface="Cambria Math" panose="02040503050406030204" pitchFamily="18" charset="0"/>
-                          </a:rPr>
-                          <m:t>𝑖</m:t>
-                        </m:r>
-                      </m:sub>
-                    </m:sSub>
-                  </m:oMath>
-                </a14:m>
-                <a:r>
-                  <a:rPr lang="en-US" dirty="0"/>
-                  <a:t>.</a:t>
-                </a:r>
-                <a:endParaRPr lang="ru-RU" dirty="0"/>
-              </a:p>
-              <a:p>
-                <a:r>
-                  <a:rPr lang="ru-RU" dirty="0"/>
-                  <a:t>Пункты маршрута</a:t>
-                </a:r>
-                <a:r>
-                  <a:rPr lang="en-US" dirty="0"/>
-                  <a:t> (</a:t>
-                </a:r>
-                <a:r>
-                  <a:rPr lang="ru-RU" dirty="0"/>
-                  <a:t>стоянка, склады, магазины</a:t>
-                </a:r>
-                <a:r>
-                  <a:rPr lang="en-US" dirty="0"/>
-                  <a:t>) </a:t>
-                </a:r>
-                <a14:m>
-                  <m:oMath xmlns:m="http://schemas.openxmlformats.org/officeDocument/2006/math">
-                    <m:sSub>
-                      <m:sSubPr>
-                        <m:ctrlPr>
-                          <a:rPr lang="en-US" i="1" dirty="0" smtClean="0">
-                            <a:latin typeface="Cambria Math" panose="02040503050406030204" pitchFamily="18" charset="0"/>
-                          </a:rPr>
-                        </m:ctrlPr>
-                      </m:sSubPr>
-                      <m:e>
-                        <m:r>
-                          <a:rPr lang="en-US" i="1" dirty="0">
-                            <a:latin typeface="Cambria Math" panose="02040503050406030204" pitchFamily="18" charset="0"/>
-                          </a:rPr>
-                          <m:t>𝑃</m:t>
-                        </m:r>
-                      </m:e>
-                      <m:sub>
-                        <m:r>
-                          <a:rPr lang="en-US" b="0" i="1" dirty="0" smtClean="0">
-                            <a:latin typeface="Cambria Math" panose="02040503050406030204" pitchFamily="18" charset="0"/>
-                          </a:rPr>
-                          <m:t>𝑖</m:t>
-                        </m:r>
-                      </m:sub>
-                    </m:sSub>
-                  </m:oMath>
-                </a14:m>
-                <a:r>
-                  <a:rPr lang="en-US" dirty="0"/>
-                  <a:t>:</a:t>
-                </a:r>
-                <a:r>
-                  <a:rPr lang="ru-RU" dirty="0"/>
-                  <a:t> запас продукции </a:t>
-                </a:r>
-                <a14:m>
-                  <m:oMath xmlns:m="http://schemas.openxmlformats.org/officeDocument/2006/math">
-                    <m:sSub>
-                      <m:sSubPr>
-                        <m:ctrlPr>
-                          <a:rPr lang="en-US" i="1" dirty="0">
-                            <a:latin typeface="Cambria Math" panose="02040503050406030204" pitchFamily="18" charset="0"/>
-                          </a:rPr>
-                        </m:ctrlPr>
-                      </m:sSubPr>
-                      <m:e>
-                        <m:r>
-                          <a:rPr lang="en-US" b="0" i="1" dirty="0" smtClean="0">
-                            <a:latin typeface="Cambria Math" panose="02040503050406030204" pitchFamily="18" charset="0"/>
-                          </a:rPr>
-                          <m:t>𝑎</m:t>
-                        </m:r>
-                      </m:e>
-                      <m:sub>
-                        <m:r>
-                          <a:rPr lang="en-US" i="1" dirty="0">
-                            <a:latin typeface="Cambria Math" panose="02040503050406030204" pitchFamily="18" charset="0"/>
-                          </a:rPr>
-                          <m:t>𝑖</m:t>
-                        </m:r>
-                      </m:sub>
-                    </m:sSub>
-                  </m:oMath>
-                </a14:m>
-                <a:r>
-                  <a:rPr lang="ru-RU" dirty="0"/>
-                  <a:t>. </a:t>
-                </a:r>
-                <a14:m>
-                  <m:oMath xmlns:m="http://schemas.openxmlformats.org/officeDocument/2006/math">
-                    <m:sSub>
-                      <m:sSubPr>
-                        <m:ctrlPr>
-                          <a:rPr lang="en-US" i="1" dirty="0">
-                            <a:latin typeface="Cambria Math" panose="02040503050406030204" pitchFamily="18" charset="0"/>
-                          </a:rPr>
-                        </m:ctrlPr>
-                      </m:sSubPr>
-                      <m:e>
-                        <m:r>
-                          <a:rPr lang="en-US" b="0" i="1" dirty="0" smtClean="0">
-                            <a:latin typeface="Cambria Math" panose="02040503050406030204" pitchFamily="18" charset="0"/>
-                          </a:rPr>
-                          <m:t>𝑡</m:t>
-                        </m:r>
-                      </m:e>
-                      <m:sub>
-                        <m:r>
-                          <a:rPr lang="en-US" i="1" dirty="0">
-                            <a:latin typeface="Cambria Math" panose="02040503050406030204" pitchFamily="18" charset="0"/>
-                          </a:rPr>
-                          <m:t>𝑖</m:t>
-                        </m:r>
-                        <m:r>
-                          <a:rPr lang="en-US" b="0" i="1" dirty="0" smtClean="0">
-                            <a:latin typeface="Cambria Math" panose="02040503050406030204" pitchFamily="18" charset="0"/>
-                          </a:rPr>
-                          <m:t>𝑗</m:t>
-                        </m:r>
-                      </m:sub>
-                    </m:sSub>
-                  </m:oMath>
-                </a14:m>
-                <a:r>
-                  <a:rPr lang="en-US" dirty="0"/>
-                  <a:t>, </a:t>
-                </a:r>
-                <a14:m>
-                  <m:oMath xmlns:m="http://schemas.openxmlformats.org/officeDocument/2006/math">
-                    <m:sSub>
-                      <m:sSubPr>
-                        <m:ctrlPr>
-                          <a:rPr lang="en-US" i="1" dirty="0">
-                            <a:latin typeface="Cambria Math" panose="02040503050406030204" pitchFamily="18" charset="0"/>
-                          </a:rPr>
-                        </m:ctrlPr>
-                      </m:sSubPr>
-                      <m:e>
-                        <m:r>
-                          <a:rPr lang="en-US" b="0" i="1" dirty="0" smtClean="0">
-                            <a:latin typeface="Cambria Math" panose="02040503050406030204" pitchFamily="18" charset="0"/>
-                          </a:rPr>
-                          <m:t>𝑑</m:t>
-                        </m:r>
-                      </m:e>
-                      <m:sub>
-                        <m:r>
-                          <a:rPr lang="en-US" i="1" dirty="0">
-                            <a:latin typeface="Cambria Math" panose="02040503050406030204" pitchFamily="18" charset="0"/>
-                          </a:rPr>
-                          <m:t>𝑖</m:t>
-                        </m:r>
-                        <m:r>
-                          <a:rPr lang="en-US" b="0" i="1" dirty="0" smtClean="0">
-                            <a:latin typeface="Cambria Math" panose="02040503050406030204" pitchFamily="18" charset="0"/>
-                          </a:rPr>
-                          <m:t>𝑗</m:t>
-                        </m:r>
-                      </m:sub>
-                    </m:sSub>
-                  </m:oMath>
-                </a14:m>
-                <a:r>
-                  <a:rPr lang="en-US" dirty="0"/>
-                  <a:t> - </a:t>
-                </a:r>
-                <a:r>
-                  <a:rPr lang="ru-RU" dirty="0"/>
-                  <a:t>время и расстояние между </a:t>
-                </a:r>
-                <a14:m>
-                  <m:oMath xmlns:m="http://schemas.openxmlformats.org/officeDocument/2006/math">
-                    <m:sSub>
-                      <m:sSubPr>
-                        <m:ctrlPr>
-                          <a:rPr lang="en-US" i="1" dirty="0">
-                            <a:latin typeface="Cambria Math" panose="02040503050406030204" pitchFamily="18" charset="0"/>
-                          </a:rPr>
-                        </m:ctrlPr>
-                      </m:sSubPr>
-                      <m:e>
-                        <m:r>
-                          <a:rPr lang="en-US" i="1" dirty="0">
-                            <a:latin typeface="Cambria Math" panose="02040503050406030204" pitchFamily="18" charset="0"/>
-                          </a:rPr>
-                          <m:t>𝑃</m:t>
-                        </m:r>
-                      </m:e>
-                      <m:sub>
-                        <m:r>
-                          <a:rPr lang="en-US" i="1" dirty="0">
-                            <a:latin typeface="Cambria Math" panose="02040503050406030204" pitchFamily="18" charset="0"/>
-                          </a:rPr>
-                          <m:t>𝑖</m:t>
-                        </m:r>
-                      </m:sub>
-                    </m:sSub>
-                  </m:oMath>
-                </a14:m>
-                <a:r>
-                  <a:rPr lang="en-US" dirty="0"/>
-                  <a:t> </a:t>
-                </a:r>
-                <a:r>
-                  <a:rPr lang="ru-RU" dirty="0"/>
-                  <a:t>и </a:t>
-                </a:r>
-                <a14:m>
-                  <m:oMath xmlns:m="http://schemas.openxmlformats.org/officeDocument/2006/math">
-                    <m:sSub>
-                      <m:sSubPr>
-                        <m:ctrlPr>
-                          <a:rPr lang="en-US" i="1" dirty="0">
-                            <a:latin typeface="Cambria Math" panose="02040503050406030204" pitchFamily="18" charset="0"/>
-                          </a:rPr>
-                        </m:ctrlPr>
-                      </m:sSubPr>
-                      <m:e>
-                        <m:r>
-                          <a:rPr lang="en-US" i="1" dirty="0">
-                            <a:latin typeface="Cambria Math" panose="02040503050406030204" pitchFamily="18" charset="0"/>
-                          </a:rPr>
-                          <m:t>𝑃</m:t>
-                        </m:r>
-                      </m:e>
-                      <m:sub>
-                        <m:r>
-                          <a:rPr lang="en-US" b="0" i="1" dirty="0" smtClean="0">
-                            <a:latin typeface="Cambria Math" panose="02040503050406030204" pitchFamily="18" charset="0"/>
-                          </a:rPr>
-                          <m:t>𝑗</m:t>
-                        </m:r>
-                      </m:sub>
-                    </m:sSub>
-                  </m:oMath>
-                </a14:m>
-                <a:r>
-                  <a:rPr lang="en-US" dirty="0"/>
-                  <a:t>, </a:t>
-                </a:r>
-                <a14:m>
-                  <m:oMath xmlns:m="http://schemas.openxmlformats.org/officeDocument/2006/math">
-                    <m:sSub>
-                      <m:sSubPr>
-                        <m:ctrlPr>
-                          <a:rPr lang="en-US" i="1" dirty="0">
-                            <a:latin typeface="Cambria Math" panose="02040503050406030204" pitchFamily="18" charset="0"/>
-                          </a:rPr>
-                        </m:ctrlPr>
-                      </m:sSubPr>
-                      <m:e>
-                        <m:r>
-                          <a:rPr lang="en-US" i="1" dirty="0">
-                            <a:latin typeface="Cambria Math" panose="02040503050406030204" pitchFamily="18" charset="0"/>
-                          </a:rPr>
-                          <m:t>𝑣</m:t>
-                        </m:r>
-                      </m:e>
-                      <m:sub>
-                        <m:r>
-                          <a:rPr lang="en-US" i="1" dirty="0">
-                            <a:latin typeface="Cambria Math" panose="02040503050406030204" pitchFamily="18" charset="0"/>
-                          </a:rPr>
-                          <m:t>𝑖𝑗𝑘</m:t>
-                        </m:r>
-                      </m:sub>
-                    </m:sSub>
-                  </m:oMath>
-                </a14:m>
-                <a:r>
-                  <a:rPr lang="en-US" dirty="0"/>
-                  <a:t> </a:t>
-                </a:r>
-                <a:r>
-                  <a:rPr lang="ru-RU" dirty="0"/>
-                  <a:t>- количество товара, перевезённое </a:t>
-                </a:r>
-                <a:r>
-                  <a:rPr lang="en-US" dirty="0"/>
-                  <a:t>k-</a:t>
-                </a:r>
-                <a:r>
-                  <a:rPr lang="ru-RU" dirty="0"/>
-                  <a:t>м рейсом</a:t>
-                </a:r>
-                <a:r>
-                  <a:rPr lang="en-US" dirty="0"/>
-                  <a:t>.</a:t>
-                </a:r>
-                <a:endParaRPr lang="ru-RU" dirty="0"/>
-              </a:p>
-              <a:p>
-                <a:endParaRPr lang="ru-RU" dirty="0"/>
-              </a:p>
-              <a:p>
-                <a:endParaRPr lang="ru-RU" dirty="0"/>
-              </a:p>
-            </p:txBody>
-          </p:sp>
-        </mc:Choice>
-        <mc:Fallback xmlns="">
-          <p:sp>
-            <p:nvSpPr>
-              <p:cNvPr id="3" name="Объект 2">
-                <a:extLst>
-                  <a:ext uri="{FF2B5EF4-FFF2-40B4-BE49-F238E27FC236}">
-                    <a16:creationId xmlns:a16="http://schemas.microsoft.com/office/drawing/2014/main" id="{3F3A5B3D-CA31-4E4D-B1FB-34EC78C3E654}"/>
-                  </a:ext>
-                </a:extLst>
-              </p:cNvPr>
-              <p:cNvSpPr>
-                <a:spLocks noGrp="1" noRot="1" noChangeAspect="1" noMove="1" noResize="1" noEditPoints="1" noAdjustHandles="1" noChangeArrowheads="1" noChangeShapeType="1" noTextEdit="1"/>
-              </p:cNvSpPr>
-              <p:nvPr>
-                <p:ph idx="1"/>
-              </p:nvPr>
-            </p:nvSpPr>
-            <p:spPr>
-              <a:blipFill>
-                <a:blip r:embed="rId2"/>
-                <a:stretch>
-                  <a:fillRect l="-1043" t="-3081"/>
-                </a:stretch>
-              </a:blipFill>
-            </p:spPr>
-            <p:txBody>
-              <a:bodyPr/>
-              <a:lstStyle/>
-              <a:p>
-                <a:r>
-                  <a:rPr lang="ru-RU">
-                    <a:noFill/>
-                  </a:rPr>
-                  <a:t> </a:t>
-                </a:r>
-              </a:p>
-            </p:txBody>
-          </p:sp>
-        </mc:Fallback>
-      </mc:AlternateContent>
-      <p:pic>
-        <p:nvPicPr>
-          <p:cNvPr id="9" name="Рисунок 8">
-            <a:extLst>
-              <a:ext uri="{FF2B5EF4-FFF2-40B4-BE49-F238E27FC236}">
-                <a16:creationId xmlns:a16="http://schemas.microsoft.com/office/drawing/2014/main" id="{D8C93E51-D1FB-47CF-A7F2-2A4035F22BE0}"/>
-              </a:ext>
-            </a:extLst>
-          </p:cNvPr>
-          <p:cNvPicPr>
-            <a:picLocks noChangeAspect="1"/>
-          </p:cNvPicPr>
-          <p:nvPr/>
-        </p:nvPicPr>
-        <p:blipFill>
-          <a:blip r:embed="rId3">
-            <a:extLst>
-              <a:ext uri="{28A0092B-C50C-407E-A947-70E740481C1C}">
-                <a14:useLocalDpi xmlns:a14="http://schemas.microsoft.com/office/drawing/2010/main" val="0"/>
-              </a:ext>
-              <a:ext uri="{96DAC541-7B7A-43D3-8B79-37D633B846F1}">
-                <asvg:svgBlip xmlns:asvg="http://schemas.microsoft.com/office/drawing/2016/SVG/main" r:embed="rId4"/>
-              </a:ext>
-            </a:extLst>
-          </a:blip>
-          <a:stretch>
-            <a:fillRect/>
-          </a:stretch>
-        </p:blipFill>
-        <p:spPr>
-          <a:xfrm>
-            <a:off x="7058025" y="1466850"/>
-            <a:ext cx="4295775" cy="1962150"/>
-          </a:xfrm>
-          <a:prstGeom prst="rect">
-            <a:avLst/>
-          </a:prstGeom>
-        </p:spPr>
-      </p:pic>
+              <a:t>Математическая модель</a:t>
+            </a:r>
+          </a:p>
+        </p:txBody>
+      </p:sp>
+      <p:sp>
+        <p:nvSpPr>
+          <p:cNvPr id="3" name="Объект 2">
+            <a:extLst>
+              <a:ext uri="{FF2B5EF4-FFF2-40B4-BE49-F238E27FC236}">
+                <a16:creationId xmlns:a16="http://schemas.microsoft.com/office/drawing/2014/main" id="{13E6B1EB-D9AE-EC94-48D3-1459C1D2E683}"/>
+              </a:ext>
+            </a:extLst>
+          </p:cNvPr>
+          <p:cNvSpPr>
+            <a:spLocks noGrp="1"/>
+          </p:cNvSpPr>
+          <p:nvPr>
+            <p:ph idx="1"/>
+          </p:nvPr>
+        </p:nvSpPr>
+        <p:spPr/>
+        <p:txBody>
+          <a:bodyPr/>
+          <a:lstStyle/>
+          <a:p>
+            <a:r>
+              <a:rPr lang="ru-RU" dirty="0"/>
+              <a:t>Представление транспортной системы</a:t>
+            </a:r>
+            <a:r>
+              <a:rPr lang="en-US" dirty="0"/>
+              <a:t>: </a:t>
+            </a:r>
+            <a:r>
+              <a:rPr lang="ru-RU" dirty="0"/>
+              <a:t>неориентированный связанный взвешенный граф.</a:t>
+            </a:r>
+          </a:p>
+          <a:p>
+            <a:pPr lvl="1"/>
+            <a:r>
+              <a:rPr lang="ru-RU" dirty="0"/>
+              <a:t>Вершины – пункты маршрута (стоянка, склады, потребители)</a:t>
+            </a:r>
+          </a:p>
+          <a:p>
+            <a:pPr lvl="1"/>
+            <a:r>
+              <a:rPr lang="ru-RU" dirty="0"/>
+              <a:t>Рёбра – дороги, вес – расстояние (в км.)</a:t>
+            </a:r>
+          </a:p>
+          <a:p>
+            <a:r>
+              <a:rPr lang="ru-RU" dirty="0"/>
+              <a:t>Задача</a:t>
+            </a:r>
+            <a:r>
+              <a:rPr lang="en-US" dirty="0"/>
+              <a:t>: </a:t>
+            </a:r>
+            <a:r>
+              <a:rPr lang="ru-RU" dirty="0"/>
+              <a:t>поиск множества циклов, в котором выполняется следующее</a:t>
+            </a:r>
+            <a:r>
+              <a:rPr lang="en-US" dirty="0"/>
+              <a:t>:</a:t>
+            </a:r>
+          </a:p>
+          <a:p>
+            <a:pPr lvl="1"/>
+            <a:r>
+              <a:rPr lang="ru-RU" dirty="0"/>
+              <a:t>‌циклы начинающихся на стоянке</a:t>
+            </a:r>
+            <a:r>
+              <a:rPr lang="en-US" dirty="0"/>
+              <a:t>;</a:t>
+            </a:r>
+          </a:p>
+          <a:p>
+            <a:pPr lvl="1"/>
+            <a:r>
+              <a:rPr lang="ru-RU" dirty="0"/>
+              <a:t>каждый цикл выполняет перевозку груза из склада потребителям</a:t>
+            </a:r>
+            <a:r>
+              <a:rPr lang="en-US" dirty="0"/>
+              <a:t>;</a:t>
+            </a:r>
+          </a:p>
+          <a:p>
+            <a:pPr lvl="1"/>
+            <a:r>
+              <a:rPr lang="ru-RU" dirty="0"/>
+              <a:t>соблюдаются ограничения модели</a:t>
+            </a:r>
+            <a:r>
+              <a:rPr lang="en-US" dirty="0"/>
+              <a:t>;</a:t>
+            </a:r>
+          </a:p>
+          <a:p>
+            <a:pPr lvl="1"/>
+            <a:r>
+              <a:rPr lang="ru-RU" dirty="0"/>
+              <a:t>функция оптимума минимальна.</a:t>
+            </a:r>
+          </a:p>
+        </p:txBody>
+      </p:sp>
+      <p:sp>
+        <p:nvSpPr>
+          <p:cNvPr id="4" name="Номер слайда 3">
+            <a:extLst>
+              <a:ext uri="{FF2B5EF4-FFF2-40B4-BE49-F238E27FC236}">
+                <a16:creationId xmlns:a16="http://schemas.microsoft.com/office/drawing/2014/main" id="{276C4166-5AFD-174F-BCC9-9FFCAA1B68D8}"/>
+              </a:ext>
+            </a:extLst>
+          </p:cNvPr>
+          <p:cNvSpPr>
+            <a:spLocks noGrp="1"/>
+          </p:cNvSpPr>
+          <p:nvPr>
+            <p:ph type="sldNum" sz="quarter" idx="12"/>
+          </p:nvPr>
+        </p:nvSpPr>
+        <p:spPr/>
+        <p:txBody>
+          <a:bodyPr/>
+          <a:lstStyle/>
+          <a:p>
+            <a:fld id="{E44E20FB-DC41-4FB4-820E-A7F1077F5D74}" type="slidenum">
+              <a:rPr lang="ru-RU" smtClean="0"/>
+              <a:t>5</a:t>
+            </a:fld>
+            <a:endParaRPr lang="ru-RU"/>
+          </a:p>
+        </p:txBody>
+      </p:sp>
     </p:spTree>
     <p:extLst>
       <p:ext uri="{BB962C8B-B14F-4D97-AF65-F5344CB8AC3E}">
-        <p14:creationId xmlns:p14="http://schemas.microsoft.com/office/powerpoint/2010/main" val="3317109926"/>
+        <p14:creationId xmlns:p14="http://schemas.microsoft.com/office/powerpoint/2010/main" val="4075152180"/>
       </p:ext>
     </p:extLst>
   </p:cSld>
@@ -4734,7 +6198,7 @@
           <p:cNvPr id="2" name="Заголовок 1">
             <a:extLst>
               <a:ext uri="{FF2B5EF4-FFF2-40B4-BE49-F238E27FC236}">
-                <a16:creationId xmlns:a16="http://schemas.microsoft.com/office/drawing/2014/main" id="{605CDDFD-8AC7-483D-A0A4-E3A64B12C06A}"/>
+                <a16:creationId xmlns:a16="http://schemas.microsoft.com/office/drawing/2014/main" id="{27FF26C9-9EDE-2801-A7EB-D81116F584F5}"/>
               </a:ext>
             </a:extLst>
           </p:cNvPr>
@@ -4752,1978 +6216,261 @@
           <a:p>
             <a:r>
               <a:rPr lang="ru-RU" dirty="0"/>
-              <a:t>Математическая формализация</a:t>
-            </a:r>
-          </a:p>
-        </p:txBody>
-      </p:sp>
-      <mc:AlternateContent xmlns:mc="http://schemas.openxmlformats.org/markup-compatibility/2006" xmlns:a14="http://schemas.microsoft.com/office/drawing/2010/main">
-        <mc:Choice Requires="a14">
-          <p:sp>
-            <p:nvSpPr>
-              <p:cNvPr id="3" name="Объект 2">
-                <a:extLst>
-                  <a:ext uri="{FF2B5EF4-FFF2-40B4-BE49-F238E27FC236}">
-                    <a16:creationId xmlns:a16="http://schemas.microsoft.com/office/drawing/2014/main" id="{083E4820-30C1-455B-8872-DA0931F91228}"/>
-                  </a:ext>
-                </a:extLst>
-              </p:cNvPr>
-              <p:cNvSpPr>
-                <a:spLocks noGrp="1"/>
-              </p:cNvSpPr>
-              <p:nvPr>
-                <p:ph idx="1"/>
-              </p:nvPr>
-            </p:nvSpPr>
-            <p:spPr/>
-            <p:txBody>
-              <a:bodyPr>
-                <a:normAutofit fontScale="92500" lnSpcReduction="10000"/>
-              </a:bodyPr>
-              <a:lstStyle/>
-              <a:p>
-                <a:pPr>
-                  <a:lnSpc>
-                    <a:spcPct val="100000"/>
-                  </a:lnSpc>
-                </a:pPr>
-                <a:r>
-                  <a:rPr lang="ru-RU" dirty="0"/>
-                  <a:t>Ограничения</a:t>
-                </a:r>
-              </a:p>
-              <a:p>
-                <a:pPr lvl="1">
-                  <a:lnSpc>
-                    <a:spcPct val="100000"/>
-                  </a:lnSpc>
-                </a:pPr>
-                <a:r>
-                  <a:rPr lang="ru-RU" dirty="0"/>
-                  <a:t>Вместимость транспорта </a:t>
-                </a:r>
-                <a14:m>
-                  <m:oMath xmlns:m="http://schemas.openxmlformats.org/officeDocument/2006/math">
-                    <m:sSub>
-                      <m:sSubPr>
-                        <m:ctrlPr>
-                          <a:rPr lang="en-US" sz="2000" b="1" i="1" smtClean="0">
-                            <a:latin typeface="Cambria Math" panose="02040503050406030204" pitchFamily="18" charset="0"/>
-                          </a:rPr>
-                        </m:ctrlPr>
-                      </m:sSubPr>
-                      <m:e>
-                        <m:r>
-                          <a:rPr lang="en-US" sz="2000" b="1" i="1">
-                            <a:latin typeface="Cambria Math" panose="02040503050406030204" pitchFamily="18" charset="0"/>
-                          </a:rPr>
-                          <m:t>𝒗</m:t>
-                        </m:r>
-                      </m:e>
-                      <m:sub>
-                        <m:d>
-                          <m:dPr>
-                            <m:begChr m:val="{"/>
-                            <m:endChr m:val="}"/>
-                            <m:ctrlPr>
-                              <a:rPr lang="en-US" sz="2000" b="1" i="1">
-                                <a:latin typeface="Cambria Math" panose="02040503050406030204" pitchFamily="18" charset="0"/>
-                              </a:rPr>
-                            </m:ctrlPr>
-                          </m:dPr>
-                          <m:e>
-                            <m:r>
-                              <a:rPr lang="en-US" sz="2000" b="1" i="1">
-                                <a:latin typeface="Cambria Math" panose="02040503050406030204" pitchFamily="18" charset="0"/>
-                              </a:rPr>
-                              <m:t>𝒊𝒋𝒌</m:t>
-                            </m:r>
-                          </m:e>
-                        </m:d>
-                      </m:sub>
-                    </m:sSub>
-                    <m:r>
-                      <a:rPr lang="en-US" sz="2000" b="1" i="1">
-                        <a:latin typeface="Cambria Math" panose="02040503050406030204" pitchFamily="18" charset="0"/>
-                      </a:rPr>
-                      <m:t>⋅</m:t>
-                    </m:r>
-                    <m:r>
-                      <a:rPr lang="en-US" sz="2000" b="1" i="1">
-                        <a:latin typeface="Cambria Math" panose="02040503050406030204" pitchFamily="18" charset="0"/>
-                      </a:rPr>
-                      <m:t>𝑽𝒐𝒍</m:t>
-                    </m:r>
-                    <m:r>
-                      <a:rPr lang="en-US" sz="2000" b="1" i="1">
-                        <a:latin typeface="Cambria Math" panose="02040503050406030204" pitchFamily="18" charset="0"/>
-                      </a:rPr>
-                      <m:t> ≤</m:t>
-                    </m:r>
-                    <m:sSub>
-                      <m:sSubPr>
-                        <m:ctrlPr>
-                          <a:rPr lang="en-US" sz="2000" b="1" i="1">
-                            <a:latin typeface="Cambria Math" panose="02040503050406030204" pitchFamily="18" charset="0"/>
-                          </a:rPr>
-                        </m:ctrlPr>
-                      </m:sSubPr>
-                      <m:e>
-                        <m:r>
-                          <a:rPr lang="en-US" sz="2000" b="1" i="1">
-                            <a:latin typeface="Cambria Math" panose="02040503050406030204" pitchFamily="18" charset="0"/>
-                          </a:rPr>
-                          <m:t>𝒄</m:t>
-                        </m:r>
-                      </m:e>
-                      <m:sub>
-                        <m:r>
-                          <a:rPr lang="en-US" sz="2000" b="1" i="1">
-                            <a:latin typeface="Cambria Math" panose="02040503050406030204" pitchFamily="18" charset="0"/>
-                          </a:rPr>
-                          <m:t>𝒌</m:t>
-                        </m:r>
-                      </m:sub>
-                    </m:sSub>
-                    <m:r>
-                      <a:rPr lang="en-US" sz="2000" b="1" i="1">
-                        <a:latin typeface="Cambria Math" panose="02040503050406030204" pitchFamily="18" charset="0"/>
-                      </a:rPr>
-                      <m:t>, ∀</m:t>
-                    </m:r>
-                    <m:r>
-                      <a:rPr lang="en-US" sz="2000" b="1" i="1">
-                        <a:latin typeface="Cambria Math" panose="02040503050406030204" pitchFamily="18" charset="0"/>
-                      </a:rPr>
-                      <m:t>𝒊</m:t>
-                    </m:r>
-                    <m:r>
-                      <a:rPr lang="en-US" sz="2000" b="1" i="1">
-                        <a:latin typeface="Cambria Math" panose="02040503050406030204" pitchFamily="18" charset="0"/>
-                      </a:rPr>
-                      <m:t>, </m:t>
-                    </m:r>
-                    <m:r>
-                      <a:rPr lang="en-US" sz="2000" b="1" i="1">
-                        <a:latin typeface="Cambria Math" panose="02040503050406030204" pitchFamily="18" charset="0"/>
-                      </a:rPr>
-                      <m:t>𝒋</m:t>
-                    </m:r>
-                    <m:r>
-                      <a:rPr lang="en-US" sz="2000" b="1" i="1">
-                        <a:latin typeface="Cambria Math" panose="02040503050406030204" pitchFamily="18" charset="0"/>
-                      </a:rPr>
-                      <m:t> ∈</m:t>
-                    </m:r>
-                    <m:bar>
-                      <m:barPr>
-                        <m:pos m:val="top"/>
-                        <m:ctrlPr>
-                          <a:rPr lang="en-US" sz="2000" b="1" i="1">
-                            <a:latin typeface="Cambria Math" panose="02040503050406030204" pitchFamily="18" charset="0"/>
-                          </a:rPr>
-                        </m:ctrlPr>
-                      </m:barPr>
-                      <m:e>
-                        <m:d>
-                          <m:dPr>
-                            <m:begChr m:val="{"/>
-                            <m:endChr m:val="}"/>
-                            <m:ctrlPr>
-                              <a:rPr lang="en-US" sz="2000" b="1" i="1">
-                                <a:latin typeface="Cambria Math" panose="02040503050406030204" pitchFamily="18" charset="0"/>
-                              </a:rPr>
-                            </m:ctrlPr>
-                          </m:dPr>
-                          <m:e>
-                            <m:r>
-                              <a:rPr lang="en-US" sz="2000" b="1" i="1">
-                                <a:latin typeface="Cambria Math" panose="02040503050406030204" pitchFamily="18" charset="0"/>
-                              </a:rPr>
-                              <m:t>𝟏</m:t>
-                            </m:r>
-                            <m:r>
-                              <a:rPr lang="en-US" sz="2000" b="1" i="1">
-                                <a:latin typeface="Cambria Math" panose="02040503050406030204" pitchFamily="18" charset="0"/>
-                              </a:rPr>
-                              <m:t>, </m:t>
-                            </m:r>
-                            <m:sSub>
-                              <m:sSubPr>
-                                <m:ctrlPr>
-                                  <a:rPr lang="en-US" sz="2000" b="1" i="1">
-                                    <a:latin typeface="Cambria Math" panose="02040503050406030204" pitchFamily="18" charset="0"/>
-                                  </a:rPr>
-                                </m:ctrlPr>
-                              </m:sSubPr>
-                              <m:e>
-                                <m:r>
-                                  <a:rPr lang="en-US" sz="2000" b="1" i="1">
-                                    <a:latin typeface="Cambria Math" panose="02040503050406030204" pitchFamily="18" charset="0"/>
-                                  </a:rPr>
-                                  <m:t>𝑵</m:t>
-                                </m:r>
-                              </m:e>
-                              <m:sub>
-                                <m:r>
-                                  <a:rPr lang="en-US" sz="2000" b="1" i="1">
-                                    <a:latin typeface="Cambria Math" panose="02040503050406030204" pitchFamily="18" charset="0"/>
-                                  </a:rPr>
-                                  <m:t>𝒃</m:t>
-                                </m:r>
-                              </m:sub>
-                            </m:sSub>
-                            <m:r>
-                              <a:rPr lang="en-US" sz="2000" b="1" i="1">
-                                <a:latin typeface="Cambria Math" panose="02040503050406030204" pitchFamily="18" charset="0"/>
-                              </a:rPr>
-                              <m:t>+</m:t>
-                            </m:r>
-                            <m:sSub>
-                              <m:sSubPr>
-                                <m:ctrlPr>
-                                  <a:rPr lang="en-US" sz="2000" b="1" i="1">
-                                    <a:latin typeface="Cambria Math" panose="02040503050406030204" pitchFamily="18" charset="0"/>
-                                  </a:rPr>
-                                </m:ctrlPr>
-                              </m:sSubPr>
-                              <m:e>
-                                <m:r>
-                                  <a:rPr lang="en-US" sz="2000" b="1" i="1">
-                                    <a:latin typeface="Cambria Math" panose="02040503050406030204" pitchFamily="18" charset="0"/>
-                                  </a:rPr>
-                                  <m:t>𝑵</m:t>
-                                </m:r>
-                              </m:e>
-                              <m:sub>
-                                <m:r>
-                                  <a:rPr lang="en-US" sz="2000" b="1" i="1">
-                                    <a:latin typeface="Cambria Math" panose="02040503050406030204" pitchFamily="18" charset="0"/>
-                                  </a:rPr>
-                                  <m:t>𝒂</m:t>
-                                </m:r>
-                              </m:sub>
-                            </m:sSub>
-                          </m:e>
-                        </m:d>
-                      </m:e>
-                    </m:bar>
-                    <m:r>
-                      <a:rPr lang="en-US" sz="2000" b="1" i="1">
-                        <a:latin typeface="Cambria Math" panose="02040503050406030204" pitchFamily="18" charset="0"/>
-                      </a:rPr>
-                      <m:t>, </m:t>
-                    </m:r>
-                    <m:r>
-                      <a:rPr lang="ru-RU" sz="2000" b="1" i="1" smtClean="0">
-                        <a:latin typeface="Cambria Math" panose="02040503050406030204" pitchFamily="18" charset="0"/>
-                      </a:rPr>
-                      <m:t> </m:t>
-                    </m:r>
-                    <m:r>
-                      <a:rPr lang="en-US" sz="2000" b="1" i="1">
-                        <a:latin typeface="Cambria Math" panose="02040503050406030204" pitchFamily="18" charset="0"/>
-                      </a:rPr>
-                      <m:t>𝒌</m:t>
-                    </m:r>
-                    <m:r>
-                      <a:rPr lang="en-US" sz="2000" b="1" i="1">
-                        <a:latin typeface="Cambria Math" panose="02040503050406030204" pitchFamily="18" charset="0"/>
-                      </a:rPr>
-                      <m:t> ∈</m:t>
-                    </m:r>
-                    <m:bar>
-                      <m:barPr>
-                        <m:pos m:val="top"/>
-                        <m:ctrlPr>
-                          <a:rPr lang="en-US" sz="2000" b="1" i="1">
-                            <a:latin typeface="Cambria Math" panose="02040503050406030204" pitchFamily="18" charset="0"/>
-                          </a:rPr>
-                        </m:ctrlPr>
-                      </m:barPr>
-                      <m:e>
-                        <m:d>
-                          <m:dPr>
-                            <m:begChr m:val="{"/>
-                            <m:endChr m:val="}"/>
-                            <m:ctrlPr>
-                              <a:rPr lang="en-US" sz="2000" b="1" i="1">
-                                <a:latin typeface="Cambria Math" panose="02040503050406030204" pitchFamily="18" charset="0"/>
-                              </a:rPr>
-                            </m:ctrlPr>
-                          </m:dPr>
-                          <m:e>
-                            <m:r>
-                              <a:rPr lang="en-US" sz="2000" b="1" i="1">
-                                <a:latin typeface="Cambria Math" panose="02040503050406030204" pitchFamily="18" charset="0"/>
-                              </a:rPr>
-                              <m:t>𝟏</m:t>
-                            </m:r>
-                            <m:r>
-                              <a:rPr lang="en-US" sz="2000" b="1" i="1">
-                                <a:latin typeface="Cambria Math" panose="02040503050406030204" pitchFamily="18" charset="0"/>
-                              </a:rPr>
-                              <m:t>, </m:t>
-                            </m:r>
-                            <m:sSub>
-                              <m:sSubPr>
-                                <m:ctrlPr>
-                                  <a:rPr lang="en-US" sz="2000" b="1" i="1">
-                                    <a:latin typeface="Cambria Math" panose="02040503050406030204" pitchFamily="18" charset="0"/>
-                                  </a:rPr>
-                                </m:ctrlPr>
-                              </m:sSubPr>
-                              <m:e>
-                                <m:r>
-                                  <a:rPr lang="en-US" sz="2000" b="1" i="1">
-                                    <a:latin typeface="Cambria Math" panose="02040503050406030204" pitchFamily="18" charset="0"/>
-                                  </a:rPr>
-                                  <m:t>𝑵</m:t>
-                                </m:r>
-                              </m:e>
-                              <m:sub>
-                                <m:r>
-                                  <a:rPr lang="en-US" sz="2000" b="1" i="1">
-                                    <a:latin typeface="Cambria Math" panose="02040503050406030204" pitchFamily="18" charset="0"/>
-                                  </a:rPr>
-                                  <m:t>𝒕</m:t>
-                                </m:r>
-                              </m:sub>
-                            </m:sSub>
-                          </m:e>
-                        </m:d>
-                      </m:e>
-                    </m:bar>
-                  </m:oMath>
-                </a14:m>
-                <a:endParaRPr lang="ru-RU" sz="2000" b="1" dirty="0"/>
-              </a:p>
-              <a:p>
-                <a:pPr lvl="1">
-                  <a:lnSpc>
-                    <a:spcPct val="100000"/>
-                  </a:lnSpc>
-                </a:pPr>
-                <a:r>
-                  <a:rPr lang="ru-RU" dirty="0" err="1"/>
-                  <a:t>Однонаправленность</a:t>
-                </a:r>
-                <a:r>
-                  <a:rPr lang="ru-RU" dirty="0"/>
-                  <a:t> перемещений </a:t>
-                </a:r>
-                <a14:m>
-                  <m:oMath xmlns:m="http://schemas.openxmlformats.org/officeDocument/2006/math">
-                    <m:sSub>
-                      <m:sSubPr>
-                        <m:ctrlPr>
-                          <a:rPr lang="en-US" sz="2000" b="1" i="1" smtClean="0">
-                            <a:latin typeface="Cambria Math" panose="02040503050406030204" pitchFamily="18" charset="0"/>
-                          </a:rPr>
-                        </m:ctrlPr>
-                      </m:sSubPr>
-                      <m:e>
-                        <m:r>
-                          <a:rPr lang="en-US" sz="2000" b="1" i="1">
-                            <a:latin typeface="Cambria Math" panose="02040503050406030204" pitchFamily="18" charset="0"/>
-                          </a:rPr>
-                          <m:t>𝒗</m:t>
-                        </m:r>
-                      </m:e>
-                      <m:sub>
-                        <m:d>
-                          <m:dPr>
-                            <m:begChr m:val="{"/>
-                            <m:endChr m:val="}"/>
-                            <m:ctrlPr>
-                              <a:rPr lang="en-US" sz="2000" b="1" i="1">
-                                <a:latin typeface="Cambria Math" panose="02040503050406030204" pitchFamily="18" charset="0"/>
-                              </a:rPr>
-                            </m:ctrlPr>
-                          </m:dPr>
-                          <m:e>
-                            <m:r>
-                              <a:rPr lang="en-US" sz="2000" b="1" i="1">
-                                <a:latin typeface="Cambria Math" panose="02040503050406030204" pitchFamily="18" charset="0"/>
-                              </a:rPr>
-                              <m:t>𝒊𝒋𝒌</m:t>
-                            </m:r>
-                          </m:e>
-                        </m:d>
-                      </m:sub>
-                    </m:sSub>
-                    <m:r>
-                      <a:rPr lang="en-US" sz="2000" b="1" i="1">
-                        <a:latin typeface="Cambria Math" panose="02040503050406030204" pitchFamily="18" charset="0"/>
-                      </a:rPr>
-                      <m:t>&gt; </m:t>
-                    </m:r>
-                    <m:r>
-                      <a:rPr lang="en-US" sz="2000" b="1" i="1">
-                        <a:latin typeface="Cambria Math" panose="02040503050406030204" pitchFamily="18" charset="0"/>
-                      </a:rPr>
-                      <m:t>𝟎</m:t>
-                    </m:r>
-                    <m:r>
-                      <a:rPr lang="en-US" sz="2000" b="1" i="1">
-                        <a:latin typeface="Cambria Math" panose="02040503050406030204" pitchFamily="18" charset="0"/>
-                      </a:rPr>
-                      <m:t> ⇒ </m:t>
-                    </m:r>
-                    <m:sSub>
-                      <m:sSubPr>
-                        <m:ctrlPr>
-                          <a:rPr lang="en-US" sz="2000" b="1" i="1">
-                            <a:latin typeface="Cambria Math" panose="02040503050406030204" pitchFamily="18" charset="0"/>
-                          </a:rPr>
-                        </m:ctrlPr>
-                      </m:sSubPr>
-                      <m:e>
-                        <m:r>
-                          <a:rPr lang="en-US" sz="2000" b="1" i="1">
-                            <a:latin typeface="Cambria Math" panose="02040503050406030204" pitchFamily="18" charset="0"/>
-                          </a:rPr>
-                          <m:t>𝒗</m:t>
-                        </m:r>
-                      </m:e>
-                      <m:sub>
-                        <m:d>
-                          <m:dPr>
-                            <m:begChr m:val="{"/>
-                            <m:endChr m:val="}"/>
-                            <m:ctrlPr>
-                              <a:rPr lang="en-US" sz="2000" b="1" i="1">
-                                <a:latin typeface="Cambria Math" panose="02040503050406030204" pitchFamily="18" charset="0"/>
-                              </a:rPr>
-                            </m:ctrlPr>
-                          </m:dPr>
-                          <m:e>
-                            <m:r>
-                              <a:rPr lang="en-US" sz="2000" b="1" i="1">
-                                <a:latin typeface="Cambria Math" panose="02040503050406030204" pitchFamily="18" charset="0"/>
-                              </a:rPr>
-                              <m:t>𝒋𝒊𝒌</m:t>
-                            </m:r>
-                          </m:e>
-                        </m:d>
-                      </m:sub>
-                    </m:sSub>
-                    <m:r>
-                      <a:rPr lang="en-US" sz="2000" b="1" i="1">
-                        <a:latin typeface="Cambria Math" panose="02040503050406030204" pitchFamily="18" charset="0"/>
-                      </a:rPr>
-                      <m:t>= </m:t>
-                    </m:r>
-                    <m:r>
-                      <a:rPr lang="en-US" sz="2000" b="1" i="1">
-                        <a:latin typeface="Cambria Math" panose="02040503050406030204" pitchFamily="18" charset="0"/>
-                      </a:rPr>
-                      <m:t>𝟎</m:t>
-                    </m:r>
-                  </m:oMath>
-                </a14:m>
-                <a:endParaRPr lang="ru-RU" sz="2000" b="1" dirty="0"/>
-              </a:p>
-              <a:p>
-                <a:pPr lvl="1">
-                  <a:lnSpc>
-                    <a:spcPct val="100000"/>
-                  </a:lnSpc>
-                </a:pPr>
-                <a:r>
-                  <a:rPr lang="ru-RU" dirty="0"/>
-                  <a:t>Удовлетворение запросов </a:t>
-                </a:r>
-                <a14:m>
-                  <m:oMath xmlns:m="http://schemas.openxmlformats.org/officeDocument/2006/math">
-                    <m:sSub>
-                      <m:sSubPr>
-                        <m:ctrlPr>
-                          <a:rPr lang="en-US" sz="2000" b="1" i="1" smtClean="0">
-                            <a:latin typeface="Cambria Math" panose="02040503050406030204" pitchFamily="18" charset="0"/>
-                          </a:rPr>
-                        </m:ctrlPr>
-                      </m:sSubPr>
-                      <m:e>
-                        <m:r>
-                          <a:rPr lang="en-US" sz="2000" b="1" i="1">
-                            <a:latin typeface="Cambria Math" panose="02040503050406030204" pitchFamily="18" charset="0"/>
-                          </a:rPr>
-                          <m:t>𝒂</m:t>
-                        </m:r>
-                      </m:e>
-                      <m:sub>
-                        <m:r>
-                          <a:rPr lang="en-US" sz="2000" b="1" i="1">
-                            <a:latin typeface="Cambria Math" panose="02040503050406030204" pitchFamily="18" charset="0"/>
-                          </a:rPr>
-                          <m:t>𝒊</m:t>
-                        </m:r>
-                      </m:sub>
-                    </m:sSub>
-                    <m:r>
-                      <a:rPr lang="en-US" sz="2000" b="1" i="1">
-                        <a:latin typeface="Cambria Math" panose="02040503050406030204" pitchFamily="18" charset="0"/>
-                      </a:rPr>
-                      <m:t>+ </m:t>
-                    </m:r>
-                    <m:nary>
-                      <m:naryPr>
-                        <m:chr m:val="∑"/>
-                        <m:ctrlPr>
-                          <a:rPr lang="en-US" sz="2000" b="1" i="1">
-                            <a:latin typeface="Cambria Math" panose="02040503050406030204" pitchFamily="18" charset="0"/>
-                          </a:rPr>
-                        </m:ctrlPr>
-                      </m:naryPr>
-                      <m:sub>
-                        <m:d>
-                          <m:dPr>
-                            <m:begChr m:val="{"/>
-                            <m:endChr m:val="}"/>
-                            <m:ctrlPr>
-                              <a:rPr lang="en-US" sz="2000" b="1" i="1">
-                                <a:latin typeface="Cambria Math" panose="02040503050406030204" pitchFamily="18" charset="0"/>
-                              </a:rPr>
-                            </m:ctrlPr>
-                          </m:dPr>
-                          <m:e>
-                            <m:r>
-                              <a:rPr lang="en-US" sz="2000" b="1" i="1">
-                                <a:latin typeface="Cambria Math" panose="02040503050406030204" pitchFamily="18" charset="0"/>
-                              </a:rPr>
-                              <m:t>𝒋</m:t>
-                            </m:r>
-                            <m:r>
-                              <a:rPr lang="en-US" sz="2000" b="1" i="1">
-                                <a:latin typeface="Cambria Math" panose="02040503050406030204" pitchFamily="18" charset="0"/>
-                              </a:rPr>
-                              <m:t>=</m:t>
-                            </m:r>
-                            <m:r>
-                              <a:rPr lang="en-US" sz="2000" b="1" i="1">
-                                <a:latin typeface="Cambria Math" panose="02040503050406030204" pitchFamily="18" charset="0"/>
-                              </a:rPr>
-                              <m:t>𝟏</m:t>
-                            </m:r>
-                          </m:e>
-                        </m:d>
-                      </m:sub>
-                      <m:sup>
-                        <m:sSub>
-                          <m:sSubPr>
-                            <m:ctrlPr>
-                              <a:rPr lang="en-US" sz="2000" b="1" i="1">
-                                <a:latin typeface="Cambria Math" panose="02040503050406030204" pitchFamily="18" charset="0"/>
-                              </a:rPr>
-                            </m:ctrlPr>
-                          </m:sSubPr>
-                          <m:e>
-                            <m:r>
-                              <a:rPr lang="en-US" sz="2000" b="1" i="1">
-                                <a:latin typeface="Cambria Math" panose="02040503050406030204" pitchFamily="18" charset="0"/>
-                              </a:rPr>
-                              <m:t>𝑵</m:t>
-                            </m:r>
-                          </m:e>
-                          <m:sub>
-                            <m:r>
-                              <a:rPr lang="en-US" sz="2000" b="1" i="1">
-                                <a:latin typeface="Cambria Math" panose="02040503050406030204" pitchFamily="18" charset="0"/>
-                              </a:rPr>
-                              <m:t>𝒃</m:t>
-                            </m:r>
-                          </m:sub>
-                        </m:sSub>
-                        <m:r>
-                          <a:rPr lang="en-US" sz="2000" b="1" i="1">
-                            <a:latin typeface="Cambria Math" panose="02040503050406030204" pitchFamily="18" charset="0"/>
-                          </a:rPr>
-                          <m:t>+</m:t>
-                        </m:r>
-                        <m:sSub>
-                          <m:sSubPr>
-                            <m:ctrlPr>
-                              <a:rPr lang="en-US" sz="2000" b="1" i="1">
-                                <a:latin typeface="Cambria Math" panose="02040503050406030204" pitchFamily="18" charset="0"/>
-                              </a:rPr>
-                            </m:ctrlPr>
-                          </m:sSubPr>
-                          <m:e>
-                            <m:r>
-                              <a:rPr lang="en-US" sz="2000" b="1" i="1">
-                                <a:latin typeface="Cambria Math" panose="02040503050406030204" pitchFamily="18" charset="0"/>
-                              </a:rPr>
-                              <m:t>𝑵</m:t>
-                            </m:r>
-                          </m:e>
-                          <m:sub>
-                            <m:r>
-                              <a:rPr lang="en-US" sz="2000" b="1" i="1">
-                                <a:latin typeface="Cambria Math" panose="02040503050406030204" pitchFamily="18" charset="0"/>
-                              </a:rPr>
-                              <m:t>𝒂</m:t>
-                            </m:r>
-                          </m:sub>
-                        </m:sSub>
-                      </m:sup>
-                      <m:e>
-                        <m:nary>
-                          <m:naryPr>
-                            <m:chr m:val="∑"/>
-                            <m:ctrlPr>
-                              <a:rPr lang="en-US" sz="2000" b="1" i="1">
-                                <a:latin typeface="Cambria Math" panose="02040503050406030204" pitchFamily="18" charset="0"/>
-                              </a:rPr>
-                            </m:ctrlPr>
-                          </m:naryPr>
-                          <m:sub>
-                            <m:d>
-                              <m:dPr>
-                                <m:begChr m:val="{"/>
-                                <m:endChr m:val="}"/>
-                                <m:ctrlPr>
-                                  <a:rPr lang="en-US" sz="2000" b="1" i="1">
-                                    <a:latin typeface="Cambria Math" panose="02040503050406030204" pitchFamily="18" charset="0"/>
-                                  </a:rPr>
-                                </m:ctrlPr>
-                              </m:dPr>
-                              <m:e>
-                                <m:r>
-                                  <a:rPr lang="en-US" sz="2000" b="1" i="1">
-                                    <a:latin typeface="Cambria Math" panose="02040503050406030204" pitchFamily="18" charset="0"/>
-                                  </a:rPr>
-                                  <m:t>𝒌</m:t>
-                                </m:r>
-                                <m:r>
-                                  <a:rPr lang="en-US" sz="2000" b="1" i="1">
-                                    <a:latin typeface="Cambria Math" panose="02040503050406030204" pitchFamily="18" charset="0"/>
-                                  </a:rPr>
-                                  <m:t>=</m:t>
-                                </m:r>
-                                <m:r>
-                                  <a:rPr lang="en-US" sz="2000" b="1" i="1">
-                                    <a:latin typeface="Cambria Math" panose="02040503050406030204" pitchFamily="18" charset="0"/>
-                                  </a:rPr>
-                                  <m:t>𝟏</m:t>
-                                </m:r>
-                              </m:e>
-                            </m:d>
-                          </m:sub>
-                          <m:sup>
-                            <m:sSub>
-                              <m:sSubPr>
-                                <m:ctrlPr>
-                                  <a:rPr lang="en-US" sz="2000" b="1" i="1">
-                                    <a:latin typeface="Cambria Math" panose="02040503050406030204" pitchFamily="18" charset="0"/>
-                                  </a:rPr>
-                                </m:ctrlPr>
-                              </m:sSubPr>
-                              <m:e>
-                                <m:r>
-                                  <a:rPr lang="en-US" sz="2000" b="1" i="1">
-                                    <a:latin typeface="Cambria Math" panose="02040503050406030204" pitchFamily="18" charset="0"/>
-                                  </a:rPr>
-                                  <m:t>𝑵</m:t>
-                                </m:r>
-                              </m:e>
-                              <m:sub>
-                                <m:r>
-                                  <a:rPr lang="en-US" sz="2000" b="1" i="1">
-                                    <a:latin typeface="Cambria Math" panose="02040503050406030204" pitchFamily="18" charset="0"/>
-                                  </a:rPr>
-                                  <m:t>𝒕</m:t>
-                                </m:r>
-                              </m:sub>
-                            </m:sSub>
-                          </m:sup>
-                          <m:e>
-                            <m:r>
-                              <a:rPr lang="en-US" sz="2000" b="1" i="1" smtClean="0">
-                                <a:latin typeface="Cambria Math" panose="02040503050406030204" pitchFamily="18" charset="0"/>
-                              </a:rPr>
-                              <m:t>(</m:t>
-                            </m:r>
-                            <m:sSub>
-                              <m:sSubPr>
-                                <m:ctrlPr>
-                                  <a:rPr lang="en-US" sz="2000" b="1" i="1">
-                                    <a:latin typeface="Cambria Math" panose="02040503050406030204" pitchFamily="18" charset="0"/>
-                                  </a:rPr>
-                                </m:ctrlPr>
-                              </m:sSubPr>
-                              <m:e>
-                                <m:r>
-                                  <a:rPr lang="en-US" sz="2000" b="1" i="1">
-                                    <a:latin typeface="Cambria Math" panose="02040503050406030204" pitchFamily="18" charset="0"/>
-                                  </a:rPr>
-                                  <m:t>𝒗</m:t>
-                                </m:r>
-                              </m:e>
-                              <m:sub>
-                                <m:r>
-                                  <a:rPr lang="en-US" sz="2000" b="1" i="1">
-                                    <a:latin typeface="Cambria Math" panose="02040503050406030204" pitchFamily="18" charset="0"/>
-                                  </a:rPr>
-                                  <m:t>𝒋𝒊𝒌</m:t>
-                                </m:r>
-                              </m:sub>
-                            </m:sSub>
-                            <m:r>
-                              <a:rPr lang="en-US" sz="2000" b="1" i="1">
-                                <a:latin typeface="Cambria Math" panose="02040503050406030204" pitchFamily="18" charset="0"/>
-                              </a:rPr>
-                              <m:t>− </m:t>
-                            </m:r>
-                            <m:sSub>
-                              <m:sSubPr>
-                                <m:ctrlPr>
-                                  <a:rPr lang="en-US" sz="2000" b="1" i="1">
-                                    <a:latin typeface="Cambria Math" panose="02040503050406030204" pitchFamily="18" charset="0"/>
-                                  </a:rPr>
-                                </m:ctrlPr>
-                              </m:sSubPr>
-                              <m:e>
-                                <m:r>
-                                  <a:rPr lang="en-US" sz="2000" b="1" i="1">
-                                    <a:latin typeface="Cambria Math" panose="02040503050406030204" pitchFamily="18" charset="0"/>
-                                  </a:rPr>
-                                  <m:t>𝒗</m:t>
-                                </m:r>
-                              </m:e>
-                              <m:sub>
-                                <m:d>
-                                  <m:dPr>
-                                    <m:begChr m:val="{"/>
-                                    <m:endChr m:val="}"/>
-                                    <m:ctrlPr>
-                                      <a:rPr lang="en-US" sz="2000" b="1" i="1">
-                                        <a:latin typeface="Cambria Math" panose="02040503050406030204" pitchFamily="18" charset="0"/>
-                                      </a:rPr>
-                                    </m:ctrlPr>
-                                  </m:dPr>
-                                  <m:e>
-                                    <m:r>
-                                      <a:rPr lang="en-US" sz="2000" b="1" i="1">
-                                        <a:latin typeface="Cambria Math" panose="02040503050406030204" pitchFamily="18" charset="0"/>
-                                      </a:rPr>
-                                      <m:t>𝒊𝒋𝒌</m:t>
-                                    </m:r>
-                                  </m:e>
-                                </m:d>
-                              </m:sub>
-                            </m:sSub>
-                            <m:r>
-                              <a:rPr lang="en-US" sz="2000" b="1" i="1" smtClean="0">
-                                <a:latin typeface="Cambria Math" panose="02040503050406030204" pitchFamily="18" charset="0"/>
-                              </a:rPr>
-                              <m:t>)</m:t>
-                            </m:r>
-                          </m:e>
-                        </m:nary>
-                      </m:e>
-                    </m:nary>
-                    <m:r>
-                      <a:rPr lang="en-US" sz="2000" b="1" i="1">
-                        <a:latin typeface="Cambria Math" panose="02040503050406030204" pitchFamily="18" charset="0"/>
-                      </a:rPr>
-                      <m:t>≥</m:t>
-                    </m:r>
-                    <m:r>
-                      <a:rPr lang="en-US" sz="2000" b="1" i="1">
-                        <a:latin typeface="Cambria Math" panose="02040503050406030204" pitchFamily="18" charset="0"/>
-                      </a:rPr>
-                      <m:t>𝟎</m:t>
-                    </m:r>
-                  </m:oMath>
-                </a14:m>
-                <a:endParaRPr lang="ru-RU" sz="2000" b="1" dirty="0"/>
-              </a:p>
-              <a:p>
-                <a:pPr lvl="1">
-                  <a:lnSpc>
-                    <a:spcPct val="100000"/>
-                  </a:lnSpc>
-                </a:pPr>
-                <a:r>
-                  <a:rPr lang="ru-RU" dirty="0"/>
-                  <a:t>Транспорт может въехать и выехать из пункта только одним путём </a:t>
-                </a:r>
-                <a:r>
-                  <a:rPr lang="en-US" dirty="0"/>
-                  <a:t> </a:t>
-                </a:r>
-              </a:p>
-              <a:p>
-                <a:pPr marL="457200" lvl="1" indent="0">
-                  <a:lnSpc>
-                    <a:spcPct val="100000"/>
-                  </a:lnSpc>
-                  <a:buNone/>
-                </a:pPr>
-                <a14:m>
-                  <m:oMathPara xmlns:m="http://schemas.openxmlformats.org/officeDocument/2006/math">
-                    <m:oMathParaPr>
-                      <m:jc m:val="centerGroup"/>
-                    </m:oMathParaPr>
-                    <m:oMath xmlns:m="http://schemas.openxmlformats.org/officeDocument/2006/math">
-                      <m:d>
-                        <m:dPr>
-                          <m:begChr m:val="{"/>
-                          <m:endChr m:val=""/>
-                          <m:ctrlPr>
-                            <a:rPr lang="ru-RU" i="1" smtClean="0">
-                              <a:latin typeface="Cambria Math" panose="02040503050406030204" pitchFamily="18" charset="0"/>
-                            </a:rPr>
-                          </m:ctrlPr>
-                        </m:dPr>
-                        <m:e>
-                          <m:eqArr>
-                            <m:eqArrPr>
-                              <m:ctrlPr>
-                                <a:rPr lang="ru-RU" i="1" smtClean="0">
-                                  <a:latin typeface="Cambria Math" panose="02040503050406030204" pitchFamily="18" charset="0"/>
-                                </a:rPr>
-                              </m:ctrlPr>
-                            </m:eqArrPr>
-                            <m:e>
-                              <m:r>
-                                <a:rPr lang="ru-RU" i="1" smtClean="0">
-                                  <a:latin typeface="Cambria Math" panose="02040503050406030204" pitchFamily="18" charset="0"/>
-                                  <a:ea typeface="Cambria Math" panose="02040503050406030204" pitchFamily="18" charset="0"/>
-                                </a:rPr>
-                                <m:t>∄</m:t>
-                              </m:r>
-                              <m:r>
-                                <a:rPr lang="pl-PL" i="1">
-                                  <a:latin typeface="Cambria Math" panose="02040503050406030204" pitchFamily="18" charset="0"/>
-                                  <a:ea typeface="Cambria Math" panose="02040503050406030204" pitchFamily="18" charset="0"/>
-                                </a:rPr>
-                                <m:t>𝑖</m:t>
-                              </m:r>
-                              <m:r>
-                                <a:rPr lang="pl-PL" i="1">
-                                  <a:latin typeface="Cambria Math" panose="02040503050406030204" pitchFamily="18" charset="0"/>
-                                  <a:ea typeface="Cambria Math" panose="02040503050406030204" pitchFamily="18" charset="0"/>
-                                </a:rPr>
-                                <m:t>, </m:t>
-                              </m:r>
-                              <m:r>
-                                <a:rPr lang="pl-PL" i="1">
-                                  <a:latin typeface="Cambria Math" panose="02040503050406030204" pitchFamily="18" charset="0"/>
-                                  <a:ea typeface="Cambria Math" panose="02040503050406030204" pitchFamily="18" charset="0"/>
-                                </a:rPr>
-                                <m:t>𝑘</m:t>
-                              </m:r>
-                              <m:r>
-                                <a:rPr lang="pl-PL" i="1">
-                                  <a:latin typeface="Cambria Math" panose="02040503050406030204" pitchFamily="18" charset="0"/>
-                                  <a:ea typeface="Cambria Math" panose="02040503050406030204" pitchFamily="18" charset="0"/>
-                                </a:rPr>
-                                <m:t>, </m:t>
-                              </m:r>
-                              <m:sSub>
-                                <m:sSubPr>
-                                  <m:ctrlPr>
-                                    <a:rPr lang="pl-PL" i="1">
-                                      <a:latin typeface="Cambria Math" panose="02040503050406030204" pitchFamily="18" charset="0"/>
-                                      <a:ea typeface="Cambria Math" panose="02040503050406030204" pitchFamily="18" charset="0"/>
-                                    </a:rPr>
-                                  </m:ctrlPr>
-                                </m:sSubPr>
-                                <m:e>
-                                  <m:r>
-                                    <a:rPr lang="pl-PL" i="1">
-                                      <a:latin typeface="Cambria Math" panose="02040503050406030204" pitchFamily="18" charset="0"/>
-                                      <a:ea typeface="Cambria Math" panose="02040503050406030204" pitchFamily="18" charset="0"/>
-                                    </a:rPr>
-                                    <m:t>𝑗</m:t>
-                                  </m:r>
-                                </m:e>
-                                <m:sub>
-                                  <m:r>
-                                    <a:rPr lang="pl-PL" i="1">
-                                      <a:latin typeface="Cambria Math" panose="02040503050406030204" pitchFamily="18" charset="0"/>
-                                      <a:ea typeface="Cambria Math" panose="02040503050406030204" pitchFamily="18" charset="0"/>
-                                    </a:rPr>
-                                    <m:t>1</m:t>
-                                  </m:r>
-                                </m:sub>
-                              </m:sSub>
-                              <m:r>
-                                <a:rPr lang="pl-PL" i="1">
-                                  <a:latin typeface="Cambria Math" panose="02040503050406030204" pitchFamily="18" charset="0"/>
-                                  <a:ea typeface="Cambria Math" panose="02040503050406030204" pitchFamily="18" charset="0"/>
-                                </a:rPr>
-                                <m:t>, </m:t>
-                              </m:r>
-                              <m:sSub>
-                                <m:sSubPr>
-                                  <m:ctrlPr>
-                                    <a:rPr lang="pl-PL" i="1">
-                                      <a:latin typeface="Cambria Math" panose="02040503050406030204" pitchFamily="18" charset="0"/>
-                                      <a:ea typeface="Cambria Math" panose="02040503050406030204" pitchFamily="18" charset="0"/>
-                                    </a:rPr>
-                                  </m:ctrlPr>
-                                </m:sSubPr>
-                                <m:e>
-                                  <m:r>
-                                    <a:rPr lang="pl-PL" i="1">
-                                      <a:latin typeface="Cambria Math" panose="02040503050406030204" pitchFamily="18" charset="0"/>
-                                      <a:ea typeface="Cambria Math" panose="02040503050406030204" pitchFamily="18" charset="0"/>
-                                    </a:rPr>
-                                    <m:t>𝑗</m:t>
-                                  </m:r>
-                                </m:e>
-                                <m:sub>
-                                  <m:r>
-                                    <a:rPr lang="pl-PL" i="1">
-                                      <a:latin typeface="Cambria Math" panose="02040503050406030204" pitchFamily="18" charset="0"/>
-                                      <a:ea typeface="Cambria Math" panose="02040503050406030204" pitchFamily="18" charset="0"/>
-                                    </a:rPr>
-                                    <m:t>2</m:t>
-                                  </m:r>
-                                </m:sub>
-                              </m:sSub>
-                              <m:r>
-                                <a:rPr lang="pl-PL" i="1">
-                                  <a:latin typeface="Cambria Math" panose="02040503050406030204" pitchFamily="18" charset="0"/>
-                                  <a:ea typeface="Cambria Math" panose="02040503050406030204" pitchFamily="18" charset="0"/>
-                                </a:rPr>
-                                <m:t>:</m:t>
-                              </m:r>
-                              <m:r>
-                                <a:rPr lang="en-US" b="0" i="1" smtClean="0">
-                                  <a:latin typeface="Cambria Math" panose="02040503050406030204" pitchFamily="18" charset="0"/>
-                                  <a:ea typeface="Cambria Math" panose="02040503050406030204" pitchFamily="18" charset="0"/>
-                                </a:rPr>
-                                <m:t>  </m:t>
-                              </m:r>
-                              <m:sSub>
-                                <m:sSubPr>
-                                  <m:ctrlPr>
-                                    <a:rPr lang="en-US" i="1">
-                                      <a:latin typeface="Cambria Math" panose="02040503050406030204" pitchFamily="18" charset="0"/>
-                                      <a:ea typeface="Cambria Math" panose="02040503050406030204" pitchFamily="18" charset="0"/>
-                                    </a:rPr>
-                                  </m:ctrlPr>
-                                </m:sSubPr>
-                                <m:e>
-                                  <m:r>
-                                    <a:rPr lang="en-US" i="1">
-                                      <a:latin typeface="Cambria Math" panose="02040503050406030204" pitchFamily="18" charset="0"/>
-                                      <a:ea typeface="Cambria Math" panose="02040503050406030204" pitchFamily="18" charset="0"/>
-                                    </a:rPr>
-                                    <m:t>𝑗</m:t>
-                                  </m:r>
-                                </m:e>
-                                <m:sub>
-                                  <m:r>
-                                    <a:rPr lang="en-US" i="1">
-                                      <a:latin typeface="Cambria Math" panose="02040503050406030204" pitchFamily="18" charset="0"/>
-                                      <a:ea typeface="Cambria Math" panose="02040503050406030204" pitchFamily="18" charset="0"/>
-                                    </a:rPr>
-                                    <m:t>1</m:t>
-                                  </m:r>
-                                </m:sub>
-                              </m:sSub>
-                              <m:r>
-                                <a:rPr lang="en-US" i="1" smtClean="0">
-                                  <a:latin typeface="Cambria Math" panose="02040503050406030204" pitchFamily="18" charset="0"/>
-                                  <a:ea typeface="Cambria Math" panose="02040503050406030204" pitchFamily="18" charset="0"/>
-                                </a:rPr>
-                                <m:t>≠</m:t>
-                              </m:r>
-                              <m:r>
-                                <a:rPr lang="en-US" i="1">
-                                  <a:latin typeface="Cambria Math" panose="02040503050406030204" pitchFamily="18" charset="0"/>
-                                  <a:ea typeface="Cambria Math" panose="02040503050406030204" pitchFamily="18" charset="0"/>
-                                </a:rPr>
-                                <m:t> </m:t>
-                              </m:r>
-                              <m:sSub>
-                                <m:sSubPr>
-                                  <m:ctrlPr>
-                                    <a:rPr lang="en-US" i="1">
-                                      <a:latin typeface="Cambria Math" panose="02040503050406030204" pitchFamily="18" charset="0"/>
-                                      <a:ea typeface="Cambria Math" panose="02040503050406030204" pitchFamily="18" charset="0"/>
-                                    </a:rPr>
-                                  </m:ctrlPr>
-                                </m:sSubPr>
-                                <m:e>
-                                  <m:r>
-                                    <a:rPr lang="en-US" i="1">
-                                      <a:latin typeface="Cambria Math" panose="02040503050406030204" pitchFamily="18" charset="0"/>
-                                      <a:ea typeface="Cambria Math" panose="02040503050406030204" pitchFamily="18" charset="0"/>
-                                    </a:rPr>
-                                    <m:t>𝑗</m:t>
-                                  </m:r>
-                                </m:e>
-                                <m:sub>
-                                  <m:r>
-                                    <a:rPr lang="en-US" i="1">
-                                      <a:latin typeface="Cambria Math" panose="02040503050406030204" pitchFamily="18" charset="0"/>
-                                      <a:ea typeface="Cambria Math" panose="02040503050406030204" pitchFamily="18" charset="0"/>
-                                    </a:rPr>
-                                    <m:t>2</m:t>
-                                  </m:r>
-                                </m:sub>
-                              </m:sSub>
-                              <m:r>
-                                <a:rPr lang="en-US" i="1">
-                                  <a:latin typeface="Cambria Math" panose="02040503050406030204" pitchFamily="18" charset="0"/>
-                                  <a:ea typeface="Cambria Math" panose="02040503050406030204" pitchFamily="18" charset="0"/>
-                                </a:rPr>
-                                <m:t>, </m:t>
-                              </m:r>
-                              <m:sSub>
-                                <m:sSubPr>
-                                  <m:ctrlPr>
-                                    <a:rPr lang="en-US" i="1">
-                                      <a:latin typeface="Cambria Math" panose="02040503050406030204" pitchFamily="18" charset="0"/>
-                                      <a:ea typeface="Cambria Math" panose="02040503050406030204" pitchFamily="18" charset="0"/>
-                                    </a:rPr>
-                                  </m:ctrlPr>
-                                </m:sSubPr>
-                                <m:e>
-                                  <m:r>
-                                    <a:rPr lang="en-US" i="1">
-                                      <a:latin typeface="Cambria Math" panose="02040503050406030204" pitchFamily="18" charset="0"/>
-                                      <a:ea typeface="Cambria Math" panose="02040503050406030204" pitchFamily="18" charset="0"/>
-                                    </a:rPr>
-                                    <m:t>𝑣</m:t>
-                                  </m:r>
-                                </m:e>
-                                <m:sub>
-                                  <m:r>
-                                    <a:rPr lang="en-US" i="1">
-                                      <a:latin typeface="Cambria Math" panose="02040503050406030204" pitchFamily="18" charset="0"/>
-                                      <a:ea typeface="Cambria Math" panose="02040503050406030204" pitchFamily="18" charset="0"/>
-                                    </a:rPr>
-                                    <m:t>𝑖</m:t>
-                                  </m:r>
-                                  <m:sSub>
-                                    <m:sSubPr>
-                                      <m:ctrlPr>
-                                        <a:rPr lang="en-US" i="1">
-                                          <a:latin typeface="Cambria Math" panose="02040503050406030204" pitchFamily="18" charset="0"/>
-                                          <a:ea typeface="Cambria Math" panose="02040503050406030204" pitchFamily="18" charset="0"/>
-                                        </a:rPr>
-                                      </m:ctrlPr>
-                                    </m:sSubPr>
-                                    <m:e>
-                                      <m:r>
-                                        <a:rPr lang="en-US" i="1">
-                                          <a:latin typeface="Cambria Math" panose="02040503050406030204" pitchFamily="18" charset="0"/>
-                                          <a:ea typeface="Cambria Math" panose="02040503050406030204" pitchFamily="18" charset="0"/>
-                                        </a:rPr>
-                                        <m:t>𝑗</m:t>
-                                      </m:r>
-                                    </m:e>
-                                    <m:sub>
-                                      <m:r>
-                                        <a:rPr lang="en-US" i="1">
-                                          <a:latin typeface="Cambria Math" panose="02040503050406030204" pitchFamily="18" charset="0"/>
-                                          <a:ea typeface="Cambria Math" panose="02040503050406030204" pitchFamily="18" charset="0"/>
-                                        </a:rPr>
-                                        <m:t>1</m:t>
-                                      </m:r>
-                                    </m:sub>
-                                  </m:sSub>
-                                  <m:r>
-                                    <a:rPr lang="en-US" b="0" i="1" smtClean="0">
-                                      <a:latin typeface="Cambria Math" panose="02040503050406030204" pitchFamily="18" charset="0"/>
-                                      <a:ea typeface="Cambria Math" panose="02040503050406030204" pitchFamily="18" charset="0"/>
-                                    </a:rPr>
-                                    <m:t>𝑘</m:t>
-                                  </m:r>
-                                </m:sub>
-                              </m:sSub>
-                              <m:r>
-                                <a:rPr lang="en-US" i="1">
-                                  <a:latin typeface="Cambria Math" panose="02040503050406030204" pitchFamily="18" charset="0"/>
-                                  <a:ea typeface="Cambria Math" panose="02040503050406030204" pitchFamily="18" charset="0"/>
-                                </a:rPr>
-                                <m:t>&gt; 0, </m:t>
-                              </m:r>
-                              <m:sSub>
-                                <m:sSubPr>
-                                  <m:ctrlPr>
-                                    <a:rPr lang="en-US" i="1">
-                                      <a:latin typeface="Cambria Math" panose="02040503050406030204" pitchFamily="18" charset="0"/>
-                                      <a:ea typeface="Cambria Math" panose="02040503050406030204" pitchFamily="18" charset="0"/>
-                                    </a:rPr>
-                                  </m:ctrlPr>
-                                </m:sSubPr>
-                                <m:e>
-                                  <m:r>
-                                    <a:rPr lang="en-US" i="1">
-                                      <a:latin typeface="Cambria Math" panose="02040503050406030204" pitchFamily="18" charset="0"/>
-                                      <a:ea typeface="Cambria Math" panose="02040503050406030204" pitchFamily="18" charset="0"/>
-                                    </a:rPr>
-                                    <m:t>𝑣</m:t>
-                                  </m:r>
-                                </m:e>
-                                <m:sub>
-                                  <m:r>
-                                    <a:rPr lang="en-US" i="1">
-                                      <a:latin typeface="Cambria Math" panose="02040503050406030204" pitchFamily="18" charset="0"/>
-                                      <a:ea typeface="Cambria Math" panose="02040503050406030204" pitchFamily="18" charset="0"/>
-                                    </a:rPr>
-                                    <m:t>𝑖</m:t>
-                                  </m:r>
-                                  <m:sSub>
-                                    <m:sSubPr>
-                                      <m:ctrlPr>
-                                        <a:rPr lang="en-US" i="1">
-                                          <a:latin typeface="Cambria Math" panose="02040503050406030204" pitchFamily="18" charset="0"/>
-                                          <a:ea typeface="Cambria Math" panose="02040503050406030204" pitchFamily="18" charset="0"/>
-                                        </a:rPr>
-                                      </m:ctrlPr>
-                                    </m:sSubPr>
-                                    <m:e>
-                                      <m:r>
-                                        <a:rPr lang="en-US" i="1">
-                                          <a:latin typeface="Cambria Math" panose="02040503050406030204" pitchFamily="18" charset="0"/>
-                                          <a:ea typeface="Cambria Math" panose="02040503050406030204" pitchFamily="18" charset="0"/>
-                                        </a:rPr>
-                                        <m:t>𝑗</m:t>
-                                      </m:r>
-                                    </m:e>
-                                    <m:sub>
-                                      <m:r>
-                                        <a:rPr lang="en-US" i="1">
-                                          <a:latin typeface="Cambria Math" panose="02040503050406030204" pitchFamily="18" charset="0"/>
-                                          <a:ea typeface="Cambria Math" panose="02040503050406030204" pitchFamily="18" charset="0"/>
-                                        </a:rPr>
-                                        <m:t>2</m:t>
-                                      </m:r>
-                                    </m:sub>
-                                  </m:sSub>
-                                  <m:r>
-                                    <a:rPr lang="en-US" b="0" i="1" smtClean="0">
-                                      <a:latin typeface="Cambria Math" panose="02040503050406030204" pitchFamily="18" charset="0"/>
-                                      <a:ea typeface="Cambria Math" panose="02040503050406030204" pitchFamily="18" charset="0"/>
-                                    </a:rPr>
-                                    <m:t>𝑘</m:t>
-                                  </m:r>
-                                </m:sub>
-                              </m:sSub>
-                              <m:r>
-                                <a:rPr lang="en-US" i="1">
-                                  <a:latin typeface="Cambria Math" panose="02040503050406030204" pitchFamily="18" charset="0"/>
-                                  <a:ea typeface="Cambria Math" panose="02040503050406030204" pitchFamily="18" charset="0"/>
-                                </a:rPr>
-                                <m:t>&gt; 0</m:t>
-                              </m:r>
-                            </m:e>
-                            <m:e>
-                              <m:r>
-                                <a:rPr lang="ru-RU" i="1">
-                                  <a:latin typeface="Cambria Math" panose="02040503050406030204" pitchFamily="18" charset="0"/>
-                                  <a:ea typeface="Cambria Math" panose="02040503050406030204" pitchFamily="18" charset="0"/>
-                                </a:rPr>
-                                <m:t>∄</m:t>
-                              </m:r>
-                              <m:r>
-                                <a:rPr lang="en-US" b="0" i="1" smtClean="0">
-                                  <a:latin typeface="Cambria Math" panose="02040503050406030204" pitchFamily="18" charset="0"/>
-                                  <a:ea typeface="Cambria Math" panose="02040503050406030204" pitchFamily="18" charset="0"/>
-                                </a:rPr>
-                                <m:t>𝑗</m:t>
-                              </m:r>
-                              <m:r>
-                                <a:rPr lang="pl-PL" i="1">
-                                  <a:latin typeface="Cambria Math" panose="02040503050406030204" pitchFamily="18" charset="0"/>
-                                  <a:ea typeface="Cambria Math" panose="02040503050406030204" pitchFamily="18" charset="0"/>
-                                </a:rPr>
-                                <m:t>, </m:t>
-                              </m:r>
-                              <m:r>
-                                <a:rPr lang="pl-PL" i="1">
-                                  <a:latin typeface="Cambria Math" panose="02040503050406030204" pitchFamily="18" charset="0"/>
-                                  <a:ea typeface="Cambria Math" panose="02040503050406030204" pitchFamily="18" charset="0"/>
-                                </a:rPr>
-                                <m:t>𝑘</m:t>
-                              </m:r>
-                              <m:r>
-                                <a:rPr lang="pl-PL" i="1">
-                                  <a:latin typeface="Cambria Math" panose="02040503050406030204" pitchFamily="18" charset="0"/>
-                                  <a:ea typeface="Cambria Math" panose="02040503050406030204" pitchFamily="18" charset="0"/>
-                                </a:rPr>
-                                <m:t>, </m:t>
-                              </m:r>
-                              <m:sSub>
-                                <m:sSubPr>
-                                  <m:ctrlPr>
-                                    <a:rPr lang="pl-PL" i="1">
-                                      <a:latin typeface="Cambria Math" panose="02040503050406030204" pitchFamily="18" charset="0"/>
-                                      <a:ea typeface="Cambria Math" panose="02040503050406030204" pitchFamily="18" charset="0"/>
-                                    </a:rPr>
-                                  </m:ctrlPr>
-                                </m:sSubPr>
-                                <m:e>
-                                  <m:r>
-                                    <a:rPr lang="en-US" b="0" i="1" smtClean="0">
-                                      <a:latin typeface="Cambria Math" panose="02040503050406030204" pitchFamily="18" charset="0"/>
-                                      <a:ea typeface="Cambria Math" panose="02040503050406030204" pitchFamily="18" charset="0"/>
-                                    </a:rPr>
-                                    <m:t>𝑖</m:t>
-                                  </m:r>
-                                </m:e>
-                                <m:sub>
-                                  <m:r>
-                                    <a:rPr lang="pl-PL" i="1">
-                                      <a:latin typeface="Cambria Math" panose="02040503050406030204" pitchFamily="18" charset="0"/>
-                                      <a:ea typeface="Cambria Math" panose="02040503050406030204" pitchFamily="18" charset="0"/>
-                                    </a:rPr>
-                                    <m:t>1</m:t>
-                                  </m:r>
-                                </m:sub>
-                              </m:sSub>
-                              <m:r>
-                                <a:rPr lang="pl-PL" i="1">
-                                  <a:latin typeface="Cambria Math" panose="02040503050406030204" pitchFamily="18" charset="0"/>
-                                  <a:ea typeface="Cambria Math" panose="02040503050406030204" pitchFamily="18" charset="0"/>
-                                </a:rPr>
-                                <m:t>, </m:t>
-                              </m:r>
-                              <m:sSub>
-                                <m:sSubPr>
-                                  <m:ctrlPr>
-                                    <a:rPr lang="pl-PL" i="1">
-                                      <a:latin typeface="Cambria Math" panose="02040503050406030204" pitchFamily="18" charset="0"/>
-                                      <a:ea typeface="Cambria Math" panose="02040503050406030204" pitchFamily="18" charset="0"/>
-                                    </a:rPr>
-                                  </m:ctrlPr>
-                                </m:sSubPr>
-                                <m:e>
-                                  <m:r>
-                                    <a:rPr lang="en-US" b="0" i="1" smtClean="0">
-                                      <a:latin typeface="Cambria Math" panose="02040503050406030204" pitchFamily="18" charset="0"/>
-                                      <a:ea typeface="Cambria Math" panose="02040503050406030204" pitchFamily="18" charset="0"/>
-                                    </a:rPr>
-                                    <m:t>𝑖</m:t>
-                                  </m:r>
-                                </m:e>
-                                <m:sub>
-                                  <m:r>
-                                    <a:rPr lang="pl-PL" i="1">
-                                      <a:latin typeface="Cambria Math" panose="02040503050406030204" pitchFamily="18" charset="0"/>
-                                      <a:ea typeface="Cambria Math" panose="02040503050406030204" pitchFamily="18" charset="0"/>
-                                    </a:rPr>
-                                    <m:t>2</m:t>
-                                  </m:r>
-                                </m:sub>
-                              </m:sSub>
-                              <m:r>
-                                <a:rPr lang="pl-PL" i="1">
-                                  <a:latin typeface="Cambria Math" panose="02040503050406030204" pitchFamily="18" charset="0"/>
-                                  <a:ea typeface="Cambria Math" panose="02040503050406030204" pitchFamily="18" charset="0"/>
-                                </a:rPr>
-                                <m:t>:</m:t>
-                              </m:r>
-                              <m:r>
-                                <a:rPr lang="en-US" b="0" i="1" smtClean="0">
-                                  <a:latin typeface="Cambria Math" panose="02040503050406030204" pitchFamily="18" charset="0"/>
-                                  <a:ea typeface="Cambria Math" panose="02040503050406030204" pitchFamily="18" charset="0"/>
-                                </a:rPr>
-                                <m:t>  </m:t>
-                              </m:r>
-                              <m:sSub>
-                                <m:sSubPr>
-                                  <m:ctrlPr>
-                                    <a:rPr lang="en-US" i="1">
-                                      <a:latin typeface="Cambria Math" panose="02040503050406030204" pitchFamily="18" charset="0"/>
-                                      <a:ea typeface="Cambria Math" panose="02040503050406030204" pitchFamily="18" charset="0"/>
-                                    </a:rPr>
-                                  </m:ctrlPr>
-                                </m:sSubPr>
-                                <m:e>
-                                  <m:r>
-                                    <a:rPr lang="en-US" b="0" i="1" smtClean="0">
-                                      <a:latin typeface="Cambria Math" panose="02040503050406030204" pitchFamily="18" charset="0"/>
-                                      <a:ea typeface="Cambria Math" panose="02040503050406030204" pitchFamily="18" charset="0"/>
-                                    </a:rPr>
-                                    <m:t>𝑖</m:t>
-                                  </m:r>
-                                </m:e>
-                                <m:sub>
-                                  <m:r>
-                                    <a:rPr lang="en-US" i="1">
-                                      <a:latin typeface="Cambria Math" panose="02040503050406030204" pitchFamily="18" charset="0"/>
-                                      <a:ea typeface="Cambria Math" panose="02040503050406030204" pitchFamily="18" charset="0"/>
-                                    </a:rPr>
-                                    <m:t>1</m:t>
-                                  </m:r>
-                                </m:sub>
-                              </m:sSub>
-                              <m:r>
-                                <a:rPr lang="en-US" i="1">
-                                  <a:latin typeface="Cambria Math" panose="02040503050406030204" pitchFamily="18" charset="0"/>
-                                  <a:ea typeface="Cambria Math" panose="02040503050406030204" pitchFamily="18" charset="0"/>
-                                </a:rPr>
-                                <m:t>≠ </m:t>
-                              </m:r>
-                              <m:sSub>
-                                <m:sSubPr>
-                                  <m:ctrlPr>
-                                    <a:rPr lang="en-US" i="1">
-                                      <a:latin typeface="Cambria Math" panose="02040503050406030204" pitchFamily="18" charset="0"/>
-                                      <a:ea typeface="Cambria Math" panose="02040503050406030204" pitchFamily="18" charset="0"/>
-                                    </a:rPr>
-                                  </m:ctrlPr>
-                                </m:sSubPr>
-                                <m:e>
-                                  <m:r>
-                                    <a:rPr lang="en-US" b="0" i="1" smtClean="0">
-                                      <a:latin typeface="Cambria Math" panose="02040503050406030204" pitchFamily="18" charset="0"/>
-                                      <a:ea typeface="Cambria Math" panose="02040503050406030204" pitchFamily="18" charset="0"/>
-                                    </a:rPr>
-                                    <m:t>𝑖</m:t>
-                                  </m:r>
-                                </m:e>
-                                <m:sub>
-                                  <m:r>
-                                    <a:rPr lang="en-US" i="1">
-                                      <a:latin typeface="Cambria Math" panose="02040503050406030204" pitchFamily="18" charset="0"/>
-                                      <a:ea typeface="Cambria Math" panose="02040503050406030204" pitchFamily="18" charset="0"/>
-                                    </a:rPr>
-                                    <m:t>2</m:t>
-                                  </m:r>
-                                </m:sub>
-                              </m:sSub>
-                              <m:r>
-                                <a:rPr lang="en-US" i="1">
-                                  <a:latin typeface="Cambria Math" panose="02040503050406030204" pitchFamily="18" charset="0"/>
-                                  <a:ea typeface="Cambria Math" panose="02040503050406030204" pitchFamily="18" charset="0"/>
-                                </a:rPr>
-                                <m:t>, </m:t>
-                              </m:r>
-                              <m:sSub>
-                                <m:sSubPr>
-                                  <m:ctrlPr>
-                                    <a:rPr lang="en-US" i="1">
-                                      <a:latin typeface="Cambria Math" panose="02040503050406030204" pitchFamily="18" charset="0"/>
-                                      <a:ea typeface="Cambria Math" panose="02040503050406030204" pitchFamily="18" charset="0"/>
-                                    </a:rPr>
-                                  </m:ctrlPr>
-                                </m:sSubPr>
-                                <m:e>
-                                  <m:r>
-                                    <a:rPr lang="en-US" i="1">
-                                      <a:latin typeface="Cambria Math" panose="02040503050406030204" pitchFamily="18" charset="0"/>
-                                      <a:ea typeface="Cambria Math" panose="02040503050406030204" pitchFamily="18" charset="0"/>
-                                    </a:rPr>
-                                    <m:t>𝑣</m:t>
-                                  </m:r>
-                                </m:e>
-                                <m:sub>
-                                  <m:sSub>
-                                    <m:sSubPr>
-                                      <m:ctrlPr>
-                                        <a:rPr lang="en-US" i="1">
-                                          <a:latin typeface="Cambria Math" panose="02040503050406030204" pitchFamily="18" charset="0"/>
-                                          <a:ea typeface="Cambria Math" panose="02040503050406030204" pitchFamily="18" charset="0"/>
-                                        </a:rPr>
-                                      </m:ctrlPr>
-                                    </m:sSubPr>
-                                    <m:e>
-                                      <m:r>
-                                        <a:rPr lang="en-US" b="0" i="1" smtClean="0">
-                                          <a:latin typeface="Cambria Math" panose="02040503050406030204" pitchFamily="18" charset="0"/>
-                                          <a:ea typeface="Cambria Math" panose="02040503050406030204" pitchFamily="18" charset="0"/>
-                                        </a:rPr>
-                                        <m:t>𝑖</m:t>
-                                      </m:r>
-                                    </m:e>
-                                    <m:sub>
-                                      <m:r>
-                                        <a:rPr lang="en-US" i="1">
-                                          <a:latin typeface="Cambria Math" panose="02040503050406030204" pitchFamily="18" charset="0"/>
-                                          <a:ea typeface="Cambria Math" panose="02040503050406030204" pitchFamily="18" charset="0"/>
-                                        </a:rPr>
-                                        <m:t>1</m:t>
-                                      </m:r>
-                                    </m:sub>
-                                  </m:sSub>
-                                  <m:r>
-                                    <a:rPr lang="en-US" b="0" i="1" smtClean="0">
-                                      <a:latin typeface="Cambria Math" panose="02040503050406030204" pitchFamily="18" charset="0"/>
-                                      <a:ea typeface="Cambria Math" panose="02040503050406030204" pitchFamily="18" charset="0"/>
-                                    </a:rPr>
-                                    <m:t>𝑗𝑘</m:t>
-                                  </m:r>
-                                </m:sub>
-                              </m:sSub>
-                              <m:r>
-                                <a:rPr lang="en-US" i="1">
-                                  <a:latin typeface="Cambria Math" panose="02040503050406030204" pitchFamily="18" charset="0"/>
-                                  <a:ea typeface="Cambria Math" panose="02040503050406030204" pitchFamily="18" charset="0"/>
-                                </a:rPr>
-                                <m:t>&gt; 0, </m:t>
-                              </m:r>
-                              <m:sSub>
-                                <m:sSubPr>
-                                  <m:ctrlPr>
-                                    <a:rPr lang="en-US" i="1">
-                                      <a:latin typeface="Cambria Math" panose="02040503050406030204" pitchFamily="18" charset="0"/>
-                                      <a:ea typeface="Cambria Math" panose="02040503050406030204" pitchFamily="18" charset="0"/>
-                                    </a:rPr>
-                                  </m:ctrlPr>
-                                </m:sSubPr>
-                                <m:e>
-                                  <m:r>
-                                    <a:rPr lang="en-US" i="1">
-                                      <a:latin typeface="Cambria Math" panose="02040503050406030204" pitchFamily="18" charset="0"/>
-                                      <a:ea typeface="Cambria Math" panose="02040503050406030204" pitchFamily="18" charset="0"/>
-                                    </a:rPr>
-                                    <m:t>𝑣</m:t>
-                                  </m:r>
-                                </m:e>
-                                <m:sub>
-                                  <m:sSub>
-                                    <m:sSubPr>
-                                      <m:ctrlPr>
-                                        <a:rPr lang="en-US" i="1">
-                                          <a:latin typeface="Cambria Math" panose="02040503050406030204" pitchFamily="18" charset="0"/>
-                                          <a:ea typeface="Cambria Math" panose="02040503050406030204" pitchFamily="18" charset="0"/>
-                                        </a:rPr>
-                                      </m:ctrlPr>
-                                    </m:sSubPr>
-                                    <m:e>
-                                      <m:r>
-                                        <a:rPr lang="en-US" i="1">
-                                          <a:latin typeface="Cambria Math" panose="02040503050406030204" pitchFamily="18" charset="0"/>
-                                          <a:ea typeface="Cambria Math" panose="02040503050406030204" pitchFamily="18" charset="0"/>
-                                        </a:rPr>
-                                        <m:t>𝑖</m:t>
-                                      </m:r>
-                                    </m:e>
-                                    <m:sub>
-                                      <m:r>
-                                        <a:rPr lang="en-US" b="0" i="1" smtClean="0">
-                                          <a:latin typeface="Cambria Math" panose="02040503050406030204" pitchFamily="18" charset="0"/>
-                                          <a:ea typeface="Cambria Math" panose="02040503050406030204" pitchFamily="18" charset="0"/>
-                                        </a:rPr>
-                                        <m:t>2</m:t>
-                                      </m:r>
-                                    </m:sub>
-                                  </m:sSub>
-                                  <m:r>
-                                    <a:rPr lang="en-US" i="1">
-                                      <a:latin typeface="Cambria Math" panose="02040503050406030204" pitchFamily="18" charset="0"/>
-                                      <a:ea typeface="Cambria Math" panose="02040503050406030204" pitchFamily="18" charset="0"/>
-                                    </a:rPr>
-                                    <m:t>𝑗𝑘</m:t>
-                                  </m:r>
-                                </m:sub>
-                              </m:sSub>
-                              <m:r>
-                                <a:rPr lang="en-US" i="1">
-                                  <a:latin typeface="Cambria Math" panose="02040503050406030204" pitchFamily="18" charset="0"/>
-                                  <a:ea typeface="Cambria Math" panose="02040503050406030204" pitchFamily="18" charset="0"/>
-                                </a:rPr>
-                                <m:t>&gt; 0</m:t>
-                              </m:r>
-                            </m:e>
-                          </m:eqArr>
-                        </m:e>
-                      </m:d>
-                    </m:oMath>
-                  </m:oMathPara>
-                </a14:m>
-                <a:endParaRPr lang="ru-RU" dirty="0"/>
-              </a:p>
-              <a:p>
-                <a:pPr>
-                  <a:lnSpc>
-                    <a:spcPct val="100000"/>
-                  </a:lnSpc>
-                </a:pPr>
-                <a:r>
-                  <a:rPr lang="ru-RU" dirty="0"/>
-                  <a:t>Критерий оптимизации</a:t>
-                </a:r>
-                <a:r>
-                  <a:rPr lang="en-US" dirty="0"/>
-                  <a:t> – </a:t>
-                </a:r>
-                <a:r>
-                  <a:rPr lang="ru-RU" dirty="0"/>
-                  <a:t>минимизация стоимости рейсов.</a:t>
-                </a:r>
-                <a:endParaRPr lang="ru-RU" i="1" dirty="0">
-                  <a:latin typeface="Cambria Math" panose="02040503050406030204" pitchFamily="18" charset="0"/>
-                </a:endParaRPr>
-              </a:p>
-              <a:p>
-                <a:pPr marL="0" indent="0">
-                  <a:lnSpc>
-                    <a:spcPct val="100000"/>
-                  </a:lnSpc>
-                  <a:buNone/>
-                </a:pPr>
-                <a14:m>
-                  <m:oMathPara xmlns:m="http://schemas.openxmlformats.org/officeDocument/2006/math">
-                    <m:oMathParaPr>
-                      <m:jc m:val="left"/>
-                    </m:oMathParaPr>
-                    <m:oMath xmlns:m="http://schemas.openxmlformats.org/officeDocument/2006/math">
-                      <m:r>
-                        <a:rPr lang="en-US" sz="2000" b="1" i="1" smtClean="0">
-                          <a:latin typeface="Cambria Math" panose="02040503050406030204" pitchFamily="18" charset="0"/>
-                        </a:rPr>
-                        <m:t>		</m:t>
-                      </m:r>
-                      <m:r>
-                        <a:rPr lang="en-US" sz="2000" b="1" i="1" smtClean="0">
-                          <a:latin typeface="Cambria Math" panose="02040503050406030204" pitchFamily="18" charset="0"/>
-                        </a:rPr>
-                        <m:t>𝑳</m:t>
-                      </m:r>
-                      <m:d>
-                        <m:dPr>
-                          <m:ctrlPr>
-                            <a:rPr lang="en-US" sz="2000" b="1" i="1" smtClean="0">
-                              <a:latin typeface="Cambria Math" panose="02040503050406030204" pitchFamily="18" charset="0"/>
-                            </a:rPr>
-                          </m:ctrlPr>
-                        </m:dPr>
-                        <m:e>
-                          <m:r>
-                            <a:rPr lang="en-US" sz="2000" b="1" i="1" smtClean="0">
-                              <a:latin typeface="Cambria Math" panose="02040503050406030204" pitchFamily="18" charset="0"/>
-                            </a:rPr>
-                            <m:t>𝒗</m:t>
-                          </m:r>
-                        </m:e>
-                      </m:d>
-                      <m:r>
-                        <a:rPr lang="en-US" sz="2000" b="1" i="1" smtClean="0">
-                          <a:latin typeface="Cambria Math" panose="02040503050406030204" pitchFamily="18" charset="0"/>
-                        </a:rPr>
-                        <m:t>= </m:t>
-                      </m:r>
-                      <m:r>
-                        <a:rPr lang="en-US" sz="2000" b="1" i="1" smtClean="0">
-                          <a:latin typeface="Cambria Math" panose="02040503050406030204" pitchFamily="18" charset="0"/>
-                        </a:rPr>
-                        <m:t>𝑪𝒐𝒏</m:t>
-                      </m:r>
-                      <m:r>
-                        <a:rPr lang="en-US" sz="2000" b="1" i="1" smtClean="0">
-                          <a:latin typeface="Cambria Math" panose="02040503050406030204" pitchFamily="18" charset="0"/>
-                        </a:rPr>
-                        <m:t> ⋅</m:t>
-                      </m:r>
-                      <m:nary>
-                        <m:naryPr>
-                          <m:chr m:val="∑"/>
-                          <m:ctrlPr>
-                            <a:rPr lang="en-US" sz="2000" b="1" i="1" smtClean="0">
-                              <a:latin typeface="Cambria Math" panose="02040503050406030204" pitchFamily="18" charset="0"/>
-                            </a:rPr>
-                          </m:ctrlPr>
-                        </m:naryPr>
-                        <m:sub>
-                          <m:r>
-                            <m:rPr>
-                              <m:brk m:alnAt="23"/>
-                            </m:rPr>
-                            <a:rPr lang="en-US" sz="2000" b="1" i="1" smtClean="0">
-                              <a:latin typeface="Cambria Math" panose="02040503050406030204" pitchFamily="18" charset="0"/>
-                            </a:rPr>
-                            <m:t>𝒊</m:t>
-                          </m:r>
-                          <m:r>
-                            <a:rPr lang="en-US" sz="2000" b="1" i="1" smtClean="0">
-                              <a:latin typeface="Cambria Math" panose="02040503050406030204" pitchFamily="18" charset="0"/>
-                            </a:rPr>
-                            <m:t>=</m:t>
-                          </m:r>
-                          <m:r>
-                            <a:rPr lang="en-US" sz="2000" b="1" i="1" smtClean="0">
-                              <a:latin typeface="Cambria Math" panose="02040503050406030204" pitchFamily="18" charset="0"/>
-                            </a:rPr>
-                            <m:t>𝟏</m:t>
-                          </m:r>
-                        </m:sub>
-                        <m:sup>
-                          <m:d>
-                            <m:dPr>
-                              <m:begChr m:val="{"/>
-                              <m:endChr m:val="}"/>
-                              <m:ctrlPr>
-                                <a:rPr lang="en-US" sz="2000" b="1" i="1" smtClean="0">
-                                  <a:latin typeface="Cambria Math" panose="02040503050406030204" pitchFamily="18" charset="0"/>
-                                </a:rPr>
-                              </m:ctrlPr>
-                            </m:dPr>
-                            <m:e>
-                              <m:sSub>
-                                <m:sSubPr>
-                                  <m:ctrlPr>
-                                    <a:rPr lang="en-US" sz="2000" b="1" i="1" smtClean="0">
-                                      <a:latin typeface="Cambria Math" panose="02040503050406030204" pitchFamily="18" charset="0"/>
-                                    </a:rPr>
-                                  </m:ctrlPr>
-                                </m:sSubPr>
-                                <m:e>
-                                  <m:r>
-                                    <a:rPr lang="en-US" sz="2000" b="1" i="1" smtClean="0">
-                                      <a:latin typeface="Cambria Math" panose="02040503050406030204" pitchFamily="18" charset="0"/>
-                                    </a:rPr>
-                                    <m:t>𝑵</m:t>
-                                  </m:r>
-                                </m:e>
-                                <m:sub>
-                                  <m:r>
-                                    <a:rPr lang="en-US" sz="2000" b="1" i="1" smtClean="0">
-                                      <a:latin typeface="Cambria Math" panose="02040503050406030204" pitchFamily="18" charset="0"/>
-                                    </a:rPr>
-                                    <m:t>𝒃</m:t>
-                                  </m:r>
-                                </m:sub>
-                              </m:sSub>
-                              <m:r>
-                                <a:rPr lang="en-US" sz="2000" b="1" i="1" smtClean="0">
-                                  <a:latin typeface="Cambria Math" panose="02040503050406030204" pitchFamily="18" charset="0"/>
-                                </a:rPr>
-                                <m:t>+</m:t>
-                              </m:r>
-                              <m:sSub>
-                                <m:sSubPr>
-                                  <m:ctrlPr>
-                                    <a:rPr lang="en-US" sz="2000" b="1" i="1" smtClean="0">
-                                      <a:latin typeface="Cambria Math" panose="02040503050406030204" pitchFamily="18" charset="0"/>
-                                    </a:rPr>
-                                  </m:ctrlPr>
-                                </m:sSubPr>
-                                <m:e>
-                                  <m:r>
-                                    <a:rPr lang="en-US" sz="2000" b="1" i="1" smtClean="0">
-                                      <a:latin typeface="Cambria Math" panose="02040503050406030204" pitchFamily="18" charset="0"/>
-                                    </a:rPr>
-                                    <m:t>𝑵</m:t>
-                                  </m:r>
-                                </m:e>
-                                <m:sub>
-                                  <m:r>
-                                    <a:rPr lang="en-US" sz="2000" b="1" i="1" smtClean="0">
-                                      <a:latin typeface="Cambria Math" panose="02040503050406030204" pitchFamily="18" charset="0"/>
-                                    </a:rPr>
-                                    <m:t>𝒂</m:t>
-                                  </m:r>
-                                </m:sub>
-                              </m:sSub>
-                            </m:e>
-                          </m:d>
-                        </m:sup>
-                        <m:e>
-                          <m:nary>
-                            <m:naryPr>
-                              <m:chr m:val="∑"/>
-                              <m:ctrlPr>
-                                <a:rPr lang="en-US" sz="2000" b="1" i="1" smtClean="0">
-                                  <a:latin typeface="Cambria Math" panose="02040503050406030204" pitchFamily="18" charset="0"/>
-                                </a:rPr>
-                              </m:ctrlPr>
-                            </m:naryPr>
-                            <m:sub>
-                              <m:r>
-                                <a:rPr lang="en-US" sz="2000" b="1" i="1" smtClean="0">
-                                  <a:latin typeface="Cambria Math" panose="02040503050406030204" pitchFamily="18" charset="0"/>
-                                </a:rPr>
-                                <m:t>𝒋</m:t>
-                              </m:r>
-                              <m:r>
-                                <a:rPr lang="en-US" sz="2000" b="1" i="1" smtClean="0">
-                                  <a:latin typeface="Cambria Math" panose="02040503050406030204" pitchFamily="18" charset="0"/>
-                                </a:rPr>
-                                <m:t>=</m:t>
-                              </m:r>
-                              <m:r>
-                                <a:rPr lang="en-US" sz="2000" b="1" i="1" smtClean="0">
-                                  <a:latin typeface="Cambria Math" panose="02040503050406030204" pitchFamily="18" charset="0"/>
-                                </a:rPr>
-                                <m:t>𝟏</m:t>
-                              </m:r>
-                            </m:sub>
-                            <m:sup>
-                              <m:d>
-                                <m:dPr>
-                                  <m:begChr m:val="{"/>
-                                  <m:endChr m:val="}"/>
-                                  <m:ctrlPr>
-                                    <a:rPr lang="en-US" sz="2000" b="1" i="1">
-                                      <a:latin typeface="Cambria Math" panose="02040503050406030204" pitchFamily="18" charset="0"/>
-                                    </a:rPr>
-                                  </m:ctrlPr>
-                                </m:dPr>
-                                <m:e>
-                                  <m:sSub>
-                                    <m:sSubPr>
-                                      <m:ctrlPr>
-                                        <a:rPr lang="en-US" sz="2000" b="1" i="1">
-                                          <a:latin typeface="Cambria Math" panose="02040503050406030204" pitchFamily="18" charset="0"/>
-                                        </a:rPr>
-                                      </m:ctrlPr>
-                                    </m:sSubPr>
-                                    <m:e>
-                                      <m:r>
-                                        <a:rPr lang="en-US" sz="2000" b="1" i="1">
-                                          <a:latin typeface="Cambria Math" panose="02040503050406030204" pitchFamily="18" charset="0"/>
-                                        </a:rPr>
-                                        <m:t>𝑵</m:t>
-                                      </m:r>
-                                    </m:e>
-                                    <m:sub>
-                                      <m:r>
-                                        <a:rPr lang="en-US" sz="2000" b="1" i="1">
-                                          <a:latin typeface="Cambria Math" panose="02040503050406030204" pitchFamily="18" charset="0"/>
-                                        </a:rPr>
-                                        <m:t>𝒃</m:t>
-                                      </m:r>
-                                    </m:sub>
-                                  </m:sSub>
-                                  <m:r>
-                                    <a:rPr lang="en-US" sz="2000" b="1" i="1">
-                                      <a:latin typeface="Cambria Math" panose="02040503050406030204" pitchFamily="18" charset="0"/>
-                                    </a:rPr>
-                                    <m:t>+</m:t>
-                                  </m:r>
-                                  <m:sSub>
-                                    <m:sSubPr>
-                                      <m:ctrlPr>
-                                        <a:rPr lang="en-US" sz="2000" b="1" i="1">
-                                          <a:latin typeface="Cambria Math" panose="02040503050406030204" pitchFamily="18" charset="0"/>
-                                        </a:rPr>
-                                      </m:ctrlPr>
-                                    </m:sSubPr>
-                                    <m:e>
-                                      <m:r>
-                                        <a:rPr lang="en-US" sz="2000" b="1" i="1">
-                                          <a:latin typeface="Cambria Math" panose="02040503050406030204" pitchFamily="18" charset="0"/>
-                                        </a:rPr>
-                                        <m:t>𝑵</m:t>
-                                      </m:r>
-                                    </m:e>
-                                    <m:sub>
-                                      <m:r>
-                                        <a:rPr lang="en-US" sz="2000" b="1" i="1">
-                                          <a:latin typeface="Cambria Math" panose="02040503050406030204" pitchFamily="18" charset="0"/>
-                                        </a:rPr>
-                                        <m:t>𝒂</m:t>
-                                      </m:r>
-                                    </m:sub>
-                                  </m:sSub>
-                                </m:e>
-                              </m:d>
-                            </m:sup>
-                            <m:e>
-                              <m:sSub>
-                                <m:sSubPr>
-                                  <m:ctrlPr>
-                                    <a:rPr lang="en-US" sz="2000" b="1" i="1" smtClean="0">
-                                      <a:latin typeface="Cambria Math" panose="02040503050406030204" pitchFamily="18" charset="0"/>
-                                    </a:rPr>
-                                  </m:ctrlPr>
-                                </m:sSubPr>
-                                <m:e>
-                                  <m:r>
-                                    <a:rPr lang="en-US" sz="2000" b="1" i="1" smtClean="0">
-                                      <a:latin typeface="Cambria Math" panose="02040503050406030204" pitchFamily="18" charset="0"/>
-                                    </a:rPr>
-                                    <m:t>𝒅</m:t>
-                                  </m:r>
-                                </m:e>
-                                <m:sub>
-                                  <m:r>
-                                    <a:rPr lang="en-US" sz="2000" b="1" i="1" smtClean="0">
-                                      <a:latin typeface="Cambria Math" panose="02040503050406030204" pitchFamily="18" charset="0"/>
-                                    </a:rPr>
-                                    <m:t>𝒊𝒋</m:t>
-                                  </m:r>
-                                </m:sub>
-                              </m:sSub>
-                            </m:e>
-                          </m:nary>
-                        </m:e>
-                      </m:nary>
-                      <m:r>
-                        <a:rPr lang="en-US" sz="2000" b="1" i="1" smtClean="0">
-                          <a:latin typeface="Cambria Math" panose="02040503050406030204" pitchFamily="18" charset="0"/>
-                        </a:rPr>
-                        <m:t>⋅</m:t>
-                      </m:r>
-                      <m:nary>
-                        <m:naryPr>
-                          <m:chr m:val="∑"/>
-                          <m:ctrlPr>
-                            <a:rPr lang="en-US" sz="2000" b="1" i="1" smtClean="0">
-                              <a:latin typeface="Cambria Math" panose="02040503050406030204" pitchFamily="18" charset="0"/>
-                            </a:rPr>
-                          </m:ctrlPr>
-                        </m:naryPr>
-                        <m:sub>
-                          <m:d>
-                            <m:dPr>
-                              <m:begChr m:val="{"/>
-                              <m:endChr m:val="}"/>
-                              <m:ctrlPr>
-                                <a:rPr lang="en-US" sz="2000" b="1" i="1" smtClean="0">
-                                  <a:latin typeface="Cambria Math" panose="02040503050406030204" pitchFamily="18" charset="0"/>
-                                </a:rPr>
-                              </m:ctrlPr>
-                            </m:dPr>
-                            <m:e>
-                              <m:r>
-                                <a:rPr lang="en-US" sz="2000" b="1" i="1" smtClean="0">
-                                  <a:latin typeface="Cambria Math" panose="02040503050406030204" pitchFamily="18" charset="0"/>
-                                </a:rPr>
-                                <m:t>𝒌</m:t>
-                              </m:r>
-                              <m:r>
-                                <a:rPr lang="en-US" sz="2000" b="1" i="1" smtClean="0">
-                                  <a:latin typeface="Cambria Math" panose="02040503050406030204" pitchFamily="18" charset="0"/>
-                                </a:rPr>
-                                <m:t>=</m:t>
-                              </m:r>
-                              <m:r>
-                                <a:rPr lang="en-US" sz="2000" b="1" i="1" smtClean="0">
-                                  <a:latin typeface="Cambria Math" panose="02040503050406030204" pitchFamily="18" charset="0"/>
-                                </a:rPr>
-                                <m:t>𝟏</m:t>
-                              </m:r>
-                            </m:e>
-                          </m:d>
-                        </m:sub>
-                        <m:sup>
-                          <m:sSub>
-                            <m:sSubPr>
-                              <m:ctrlPr>
-                                <a:rPr lang="en-US" sz="2000" b="1" i="1" smtClean="0">
-                                  <a:latin typeface="Cambria Math" panose="02040503050406030204" pitchFamily="18" charset="0"/>
-                                </a:rPr>
-                              </m:ctrlPr>
-                            </m:sSubPr>
-                            <m:e>
-                              <m:r>
-                                <a:rPr lang="en-US" sz="2000" b="1" i="1" smtClean="0">
-                                  <a:latin typeface="Cambria Math" panose="02040503050406030204" pitchFamily="18" charset="0"/>
-                                </a:rPr>
-                                <m:t>𝑵</m:t>
-                              </m:r>
-                            </m:e>
-                            <m:sub>
-                              <m:r>
-                                <a:rPr lang="en-US" sz="2000" b="1" i="1" smtClean="0">
-                                  <a:latin typeface="Cambria Math" panose="02040503050406030204" pitchFamily="18" charset="0"/>
-                                </a:rPr>
-                                <m:t>𝒕</m:t>
-                              </m:r>
-                            </m:sub>
-                          </m:sSub>
-                        </m:sup>
-                        <m:e>
-                          <m:sSub>
-                            <m:sSubPr>
-                              <m:ctrlPr>
-                                <a:rPr lang="en-US" sz="2000" b="1" i="1">
-                                  <a:latin typeface="Cambria Math" panose="02040503050406030204" pitchFamily="18" charset="0"/>
-                                </a:rPr>
-                              </m:ctrlPr>
-                            </m:sSubPr>
-                            <m:e>
-                              <m:r>
-                                <a:rPr lang="en-US" sz="2000" b="1" i="1">
-                                  <a:latin typeface="Cambria Math" panose="02040503050406030204" pitchFamily="18" charset="0"/>
-                                </a:rPr>
-                                <m:t>𝒗</m:t>
-                              </m:r>
-                            </m:e>
-                            <m:sub>
-                              <m:r>
-                                <a:rPr lang="en-US" sz="2000" b="1" i="1">
-                                  <a:latin typeface="Cambria Math" panose="02040503050406030204" pitchFamily="18" charset="0"/>
-                                </a:rPr>
-                                <m:t>𝒊𝒋𝒌</m:t>
-                              </m:r>
-                            </m:sub>
-                          </m:sSub>
-                        </m:e>
-                      </m:nary>
-                      <m:r>
-                        <a:rPr lang="en-US" sz="2000" b="1" i="1" smtClean="0">
-                          <a:latin typeface="Cambria Math" panose="02040503050406030204" pitchFamily="18" charset="0"/>
-                        </a:rPr>
-                        <m:t>→</m:t>
-                      </m:r>
-                      <m:r>
-                        <a:rPr lang="en-US" sz="2000" b="1" i="1" dirty="0" smtClean="0">
-                          <a:latin typeface="Cambria Math" panose="02040503050406030204" pitchFamily="18" charset="0"/>
-                        </a:rPr>
-                        <m:t>𝒎𝒊𝒏</m:t>
-                      </m:r>
-                    </m:oMath>
-                  </m:oMathPara>
-                </a14:m>
-                <a:endParaRPr lang="ru-RU" sz="2000" b="1" dirty="0"/>
-              </a:p>
-              <a:p>
-                <a:pPr marL="0" indent="0">
-                  <a:buNone/>
-                </a:pPr>
-                <a:endParaRPr lang="ru-RU" dirty="0"/>
-              </a:p>
-            </p:txBody>
-          </p:sp>
-        </mc:Choice>
-        <mc:Fallback xmlns="">
-          <p:sp>
-            <p:nvSpPr>
-              <p:cNvPr id="3" name="Объект 2">
-                <a:extLst>
-                  <a:ext uri="{FF2B5EF4-FFF2-40B4-BE49-F238E27FC236}">
-                    <a16:creationId xmlns:a16="http://schemas.microsoft.com/office/drawing/2014/main" id="{083E4820-30C1-455B-8872-DA0931F91228}"/>
-                  </a:ext>
-                </a:extLst>
-              </p:cNvPr>
-              <p:cNvSpPr>
-                <a:spLocks noGrp="1" noRot="1" noChangeAspect="1" noMove="1" noResize="1" noEditPoints="1" noAdjustHandles="1" noChangeArrowheads="1" noChangeShapeType="1" noTextEdit="1"/>
-              </p:cNvSpPr>
-              <p:nvPr>
-                <p:ph idx="1"/>
-              </p:nvPr>
-            </p:nvSpPr>
-            <p:spPr>
-              <a:blipFill>
-                <a:blip r:embed="rId2"/>
-                <a:stretch>
-                  <a:fillRect l="-928" t="-2101"/>
-                </a:stretch>
-              </a:blipFill>
-            </p:spPr>
-            <p:txBody>
-              <a:bodyPr/>
-              <a:lstStyle/>
-              <a:p>
-                <a:r>
-                  <a:rPr lang="ru-RU">
-                    <a:noFill/>
-                  </a:rPr>
-                  <a:t> </a:t>
-                </a:r>
-              </a:p>
-            </p:txBody>
-          </p:sp>
-        </mc:Fallback>
-      </mc:AlternateContent>
+              <a:t>Математическая модель</a:t>
+            </a:r>
+          </a:p>
+        </p:txBody>
+      </p:sp>
+      <p:sp>
+        <p:nvSpPr>
+          <p:cNvPr id="3" name="Объект 2">
+            <a:extLst>
+              <a:ext uri="{FF2B5EF4-FFF2-40B4-BE49-F238E27FC236}">
+                <a16:creationId xmlns:a16="http://schemas.microsoft.com/office/drawing/2014/main" id="{F301A7B9-58C8-D470-7FB1-DCEA2473286F}"/>
+              </a:ext>
+            </a:extLst>
+          </p:cNvPr>
+          <p:cNvSpPr>
+            <a:spLocks noGrp="1"/>
+          </p:cNvSpPr>
+          <p:nvPr>
+            <p:ph idx="1"/>
+          </p:nvPr>
+        </p:nvSpPr>
+        <p:spPr/>
+        <p:txBody>
+          <a:bodyPr/>
+          <a:lstStyle/>
+          <a:p>
+            <a:r>
+              <a:rPr lang="ru-RU" dirty="0"/>
+              <a:t>Ограничения системы</a:t>
+            </a:r>
+          </a:p>
+          <a:p>
+            <a:pPr lvl="1"/>
+            <a:r>
+              <a:rPr lang="ru-RU" dirty="0"/>
+              <a:t>Вместимость транспорта  </a:t>
+            </a:r>
+          </a:p>
+          <a:p>
+            <a:pPr lvl="1"/>
+            <a:r>
+              <a:rPr lang="ru-RU" dirty="0"/>
+              <a:t>Выполнение заказов, ограниченность складов </a:t>
+            </a:r>
+          </a:p>
+          <a:p>
+            <a:pPr lvl="1"/>
+            <a:r>
+              <a:rPr lang="ru-RU" dirty="0"/>
+              <a:t>Невозможность обратных перевозок</a:t>
+            </a:r>
+          </a:p>
+          <a:p>
+            <a:pPr marL="457200" lvl="1" indent="0">
+              <a:buNone/>
+            </a:pPr>
+            <a:endParaRPr lang="ru-RU" dirty="0"/>
+          </a:p>
+          <a:p>
+            <a:r>
+              <a:rPr lang="ru-RU" dirty="0"/>
+              <a:t>Критерий оптимизации – минимальная длительность маршрутов </a:t>
+            </a:r>
+          </a:p>
+        </p:txBody>
+      </p:sp>
+      <p:sp>
+        <p:nvSpPr>
+          <p:cNvPr id="4" name="Номер слайда 3">
+            <a:extLst>
+              <a:ext uri="{FF2B5EF4-FFF2-40B4-BE49-F238E27FC236}">
+                <a16:creationId xmlns:a16="http://schemas.microsoft.com/office/drawing/2014/main" id="{9BB1C469-FF77-495B-ABA7-608BEAD5F2F8}"/>
+              </a:ext>
+            </a:extLst>
+          </p:cNvPr>
+          <p:cNvSpPr>
+            <a:spLocks noGrp="1"/>
+          </p:cNvSpPr>
+          <p:nvPr>
+            <p:ph type="sldNum" sz="quarter" idx="12"/>
+          </p:nvPr>
+        </p:nvSpPr>
+        <p:spPr/>
+        <p:txBody>
+          <a:bodyPr/>
+          <a:lstStyle/>
+          <a:p>
+            <a:fld id="{E44E20FB-DC41-4FB4-820E-A7F1077F5D74}" type="slidenum">
+              <a:rPr lang="ru-RU" smtClean="0"/>
+              <a:t>6</a:t>
+            </a:fld>
+            <a:endParaRPr lang="ru-RU"/>
+          </a:p>
+        </p:txBody>
+      </p:sp>
+      <p:pic>
+        <p:nvPicPr>
+          <p:cNvPr id="7" name="Рисунок 6">
+            <a:extLst>
+              <a:ext uri="{FF2B5EF4-FFF2-40B4-BE49-F238E27FC236}">
+                <a16:creationId xmlns:a16="http://schemas.microsoft.com/office/drawing/2014/main" id="{6C2C0506-096C-F5B6-DC08-C8A37998FCEA}"/>
+              </a:ext>
+            </a:extLst>
+          </p:cNvPr>
+          <p:cNvPicPr>
+            <a:picLocks noChangeAspect="1"/>
+          </p:cNvPicPr>
+          <p:nvPr/>
+        </p:nvPicPr>
+        <p:blipFill>
+          <a:blip r:embed="rId2">
+            <a:extLst>
+              <a:ext uri="{28A0092B-C50C-407E-A947-70E740481C1C}">
+                <a14:useLocalDpi xmlns:a14="http://schemas.microsoft.com/office/drawing/2010/main" val="0"/>
+              </a:ext>
+              <a:ext uri="{96DAC541-7B7A-43D3-8B79-37D633B846F1}">
+                <asvg:svgBlip xmlns:asvg="http://schemas.microsoft.com/office/drawing/2016/SVG/main" r:embed="rId3"/>
+              </a:ext>
+            </a:extLst>
+          </a:blip>
+          <a:stretch>
+            <a:fillRect/>
+          </a:stretch>
+        </p:blipFill>
+        <p:spPr>
+          <a:xfrm>
+            <a:off x="1280053" y="4347803"/>
+            <a:ext cx="5028142" cy="1098742"/>
+          </a:xfrm>
+          <a:prstGeom prst="rect">
+            <a:avLst/>
+          </a:prstGeom>
+        </p:spPr>
+      </p:pic>
+      <p:pic>
+        <p:nvPicPr>
+          <p:cNvPr id="9" name="Рисунок 8">
+            <a:extLst>
+              <a:ext uri="{FF2B5EF4-FFF2-40B4-BE49-F238E27FC236}">
+                <a16:creationId xmlns:a16="http://schemas.microsoft.com/office/drawing/2014/main" id="{2A6D65A1-4E7A-E62D-F2DB-4024F7CBE333}"/>
+              </a:ext>
+            </a:extLst>
+          </p:cNvPr>
+          <p:cNvPicPr>
+            <a:picLocks noChangeAspect="1"/>
+          </p:cNvPicPr>
+          <p:nvPr/>
+        </p:nvPicPr>
+        <p:blipFill>
+          <a:blip r:embed="rId4">
+            <a:extLst>
+              <a:ext uri="{28A0092B-C50C-407E-A947-70E740481C1C}">
+                <a14:useLocalDpi xmlns:a14="http://schemas.microsoft.com/office/drawing/2010/main" val="0"/>
+              </a:ext>
+              <a:ext uri="{96DAC541-7B7A-43D3-8B79-37D633B846F1}">
+                <asvg:svgBlip xmlns:asvg="http://schemas.microsoft.com/office/drawing/2016/SVG/main" r:embed="rId5"/>
+              </a:ext>
+            </a:extLst>
+          </a:blip>
+          <a:stretch>
+            <a:fillRect/>
+          </a:stretch>
+        </p:blipFill>
+        <p:spPr>
+          <a:xfrm>
+            <a:off x="5003270" y="2127183"/>
+            <a:ext cx="1538991" cy="617843"/>
+          </a:xfrm>
+          <a:prstGeom prst="rect">
+            <a:avLst/>
+          </a:prstGeom>
+        </p:spPr>
+      </p:pic>
+      <p:pic>
+        <p:nvPicPr>
+          <p:cNvPr id="11" name="Рисунок 10">
+            <a:extLst>
+              <a:ext uri="{FF2B5EF4-FFF2-40B4-BE49-F238E27FC236}">
+                <a16:creationId xmlns:a16="http://schemas.microsoft.com/office/drawing/2014/main" id="{A47BB008-270C-98EB-B73F-A6F37DE478FD}"/>
+              </a:ext>
+            </a:extLst>
+          </p:cNvPr>
+          <p:cNvPicPr>
+            <a:picLocks noChangeAspect="1"/>
+          </p:cNvPicPr>
+          <p:nvPr/>
+        </p:nvPicPr>
+        <p:blipFill>
+          <a:blip r:embed="rId6">
+            <a:extLst>
+              <a:ext uri="{28A0092B-C50C-407E-A947-70E740481C1C}">
+                <a14:useLocalDpi xmlns:a14="http://schemas.microsoft.com/office/drawing/2010/main" val="0"/>
+              </a:ext>
+              <a:ext uri="{96DAC541-7B7A-43D3-8B79-37D633B846F1}">
+                <asvg:svgBlip xmlns:asvg="http://schemas.microsoft.com/office/drawing/2016/SVG/main" r:embed="rId7"/>
+              </a:ext>
+            </a:extLst>
+          </a:blip>
+          <a:stretch>
+            <a:fillRect/>
+          </a:stretch>
+        </p:blipFill>
+        <p:spPr>
+          <a:xfrm>
+            <a:off x="7839075" y="2495082"/>
+            <a:ext cx="2526537" cy="617843"/>
+          </a:xfrm>
+          <a:prstGeom prst="rect">
+            <a:avLst/>
+          </a:prstGeom>
+        </p:spPr>
+      </p:pic>
+      <p:pic>
+        <p:nvPicPr>
+          <p:cNvPr id="13" name="Рисунок 12">
+            <a:extLst>
+              <a:ext uri="{FF2B5EF4-FFF2-40B4-BE49-F238E27FC236}">
+                <a16:creationId xmlns:a16="http://schemas.microsoft.com/office/drawing/2014/main" id="{88FC6D14-7CA6-07B7-2B6A-D7F7E633340E}"/>
+              </a:ext>
+            </a:extLst>
+          </p:cNvPr>
+          <p:cNvPicPr>
+            <a:picLocks noChangeAspect="1"/>
+          </p:cNvPicPr>
+          <p:nvPr/>
+        </p:nvPicPr>
+        <p:blipFill>
+          <a:blip r:embed="rId8">
+            <a:extLst>
+              <a:ext uri="{28A0092B-C50C-407E-A947-70E740481C1C}">
+                <a14:useLocalDpi xmlns:a14="http://schemas.microsoft.com/office/drawing/2010/main" val="0"/>
+              </a:ext>
+              <a:ext uri="{96DAC541-7B7A-43D3-8B79-37D633B846F1}">
+                <asvg:svgBlip xmlns:asvg="http://schemas.microsoft.com/office/drawing/2016/SVG/main" r:embed="rId9"/>
+              </a:ext>
+            </a:extLst>
+          </a:blip>
+          <a:stretch>
+            <a:fillRect/>
+          </a:stretch>
+        </p:blipFill>
+        <p:spPr>
+          <a:xfrm>
+            <a:off x="6654799" y="2983391"/>
+            <a:ext cx="2179297" cy="617842"/>
+          </a:xfrm>
+          <a:prstGeom prst="rect">
+            <a:avLst/>
+          </a:prstGeom>
+        </p:spPr>
+      </p:pic>
     </p:spTree>
     <p:extLst>
       <p:ext uri="{BB962C8B-B14F-4D97-AF65-F5344CB8AC3E}">
-        <p14:creationId xmlns:p14="http://schemas.microsoft.com/office/powerpoint/2010/main" val="2126049323"/>
+        <p14:creationId xmlns:p14="http://schemas.microsoft.com/office/powerpoint/2010/main" val="2292918782"/>
       </p:ext>
     </p:extLst>
   </p:cSld>
@@ -6773,25 +6520,318 @@
           <a:p>
             <a:r>
               <a:rPr lang="ru-RU" dirty="0"/>
-              <a:t>Подходы к решению</a:t>
-            </a:r>
-          </a:p>
-        </p:txBody>
-      </p:sp>
-      <p:sp>
-        <p:nvSpPr>
-          <p:cNvPr id="3" name="Объект 2">
-            <a:extLst>
-              <a:ext uri="{FF2B5EF4-FFF2-40B4-BE49-F238E27FC236}">
-                <a16:creationId xmlns:a16="http://schemas.microsoft.com/office/drawing/2014/main" id="{65C77B52-4B51-4D90-AC9E-4F5CD97ACB30}"/>
-              </a:ext>
-            </a:extLst>
-          </p:cNvPr>
-          <p:cNvSpPr>
-            <a:spLocks noGrp="1"/>
-          </p:cNvSpPr>
-          <p:nvPr>
-            <p:ph idx="1"/>
+              <a:t>Формат данных</a:t>
+            </a:r>
+          </a:p>
+        </p:txBody>
+      </p:sp>
+      <p:graphicFrame>
+        <p:nvGraphicFramePr>
+          <p:cNvPr id="4" name="Таблица 4">
+            <a:extLst>
+              <a:ext uri="{FF2B5EF4-FFF2-40B4-BE49-F238E27FC236}">
+                <a16:creationId xmlns:a16="http://schemas.microsoft.com/office/drawing/2014/main" id="{13DC82FD-6A4B-445D-BBC5-D1EC3BCFF341}"/>
+              </a:ext>
+            </a:extLst>
+          </p:cNvPr>
+          <p:cNvGraphicFramePr>
+            <a:graphicFrameLocks/>
+          </p:cNvGraphicFramePr>
+          <p:nvPr>
+            <p:extLst>
+              <p:ext uri="{D42A27DB-BD31-4B8C-83A1-F6EECF244321}">
+                <p14:modId xmlns:p14="http://schemas.microsoft.com/office/powerpoint/2010/main" val="3486086976"/>
+              </p:ext>
+            </p:extLst>
+          </p:nvPr>
+        </p:nvGraphicFramePr>
+        <p:xfrm>
+          <a:off x="838200" y="1690687"/>
+          <a:ext cx="10515600" cy="4496753"/>
+        </p:xfrm>
+        <a:graphic>
+          <a:graphicData uri="http://schemas.openxmlformats.org/drawingml/2006/table">
+            <a:tbl>
+              <a:tblPr firstRow="1" bandRow="1">
+                <a:tableStyleId>{073A0DAA-6AF3-43AB-8588-CEC1D06C72B9}</a:tableStyleId>
+              </a:tblPr>
+              <a:tblGrid>
+                <a:gridCol w="5257800">
+                  <a:extLst>
+                    <a:ext uri="{9D8B030D-6E8A-4147-A177-3AD203B41FA5}">
+                      <a16:colId xmlns:a16="http://schemas.microsoft.com/office/drawing/2014/main" val="758202606"/>
+                    </a:ext>
+                  </a:extLst>
+                </a:gridCol>
+                <a:gridCol w="5257800">
+                  <a:extLst>
+                    <a:ext uri="{9D8B030D-6E8A-4147-A177-3AD203B41FA5}">
+                      <a16:colId xmlns:a16="http://schemas.microsoft.com/office/drawing/2014/main" val="3064534097"/>
+                    </a:ext>
+                  </a:extLst>
+                </a:gridCol>
+              </a:tblGrid>
+              <a:tr h="680207">
+                <a:tc>
+                  <a:txBody>
+                    <a:bodyPr/>
+                    <a:lstStyle/>
+                    <a:p>
+                      <a:pPr algn="ctr"/>
+                      <a:r>
+                        <a:rPr lang="ru-RU" sz="1900" dirty="0"/>
+                        <a:t>Вход</a:t>
+                      </a:r>
+                    </a:p>
+                  </a:txBody>
+                  <a:tcPr marL="98251" marR="98251" marT="49125" marB="49125" anchor="ctr"/>
+                </a:tc>
+                <a:tc>
+                  <a:txBody>
+                    <a:bodyPr/>
+                    <a:lstStyle/>
+                    <a:p>
+                      <a:pPr algn="ctr"/>
+                      <a:r>
+                        <a:rPr lang="ru-RU" sz="1900" dirty="0"/>
+                        <a:t>Выход</a:t>
+                      </a:r>
+                    </a:p>
+                  </a:txBody>
+                  <a:tcPr marL="98251" marR="98251" marT="49125" marB="49125" anchor="ctr"/>
+                </a:tc>
+                <a:extLst>
+                  <a:ext uri="{0D108BD9-81ED-4DB2-BD59-A6C34878D82A}">
+                    <a16:rowId xmlns:a16="http://schemas.microsoft.com/office/drawing/2014/main" val="756649751"/>
+                  </a:ext>
+                </a:extLst>
+              </a:tr>
+              <a:tr h="948274">
+                <a:tc>
+                  <a:txBody>
+                    <a:bodyPr/>
+                    <a:lstStyle/>
+                    <a:p>
+                      <a:pPr algn="ctr"/>
+                      <a:r>
+                        <a:rPr lang="ru-RU" sz="1900" dirty="0"/>
+                        <a:t>Описание пунктов маршрута </a:t>
+                      </a:r>
+                    </a:p>
+                    <a:p>
+                      <a:pPr algn="ctr"/>
+                      <a:r>
+                        <a:rPr lang="ru-RU" sz="1900" dirty="0"/>
+                        <a:t>(стоянка, склады и потребители)</a:t>
+                      </a:r>
+                    </a:p>
+                  </a:txBody>
+                  <a:tcPr marL="98251" marR="98251" marT="49125" marB="49125" anchor="ctr">
+                    <a:lnL w="76200" cap="flat" cmpd="sng" algn="ctr">
+                      <a:solidFill>
+                        <a:schemeClr val="bg1"/>
+                      </a:solidFill>
+                      <a:prstDash val="solid"/>
+                      <a:round/>
+                      <a:headEnd type="none" w="med" len="med"/>
+                      <a:tailEnd type="none" w="med" len="med"/>
+                    </a:lnL>
+                  </a:tcPr>
+                </a:tc>
+                <a:tc>
+                  <a:txBody>
+                    <a:bodyPr/>
+                    <a:lstStyle/>
+                    <a:p>
+                      <a:pPr algn="ctr"/>
+                      <a:r>
+                        <a:rPr lang="ru-RU" sz="1900" dirty="0"/>
+                        <a:t>Множество маршрутов, а именно</a:t>
+                      </a:r>
+                      <a:r>
+                        <a:rPr lang="en-US" sz="1900" dirty="0"/>
+                        <a:t>:</a:t>
+                      </a:r>
+                      <a:endParaRPr lang="ru-RU" sz="1900" dirty="0"/>
+                    </a:p>
+                  </a:txBody>
+                  <a:tcPr marL="98251" marR="98251" marT="49125" marB="49125" anchor="ctr"/>
+                </a:tc>
+                <a:extLst>
+                  <a:ext uri="{0D108BD9-81ED-4DB2-BD59-A6C34878D82A}">
+                    <a16:rowId xmlns:a16="http://schemas.microsoft.com/office/drawing/2014/main" val="3361632247"/>
+                  </a:ext>
+                </a:extLst>
+              </a:tr>
+              <a:tr h="948274">
+                <a:tc>
+                  <a:txBody>
+                    <a:bodyPr/>
+                    <a:lstStyle/>
+                    <a:p>
+                      <a:pPr algn="ctr"/>
+                      <a:r>
+                        <a:rPr lang="ru-RU" sz="1900" dirty="0"/>
+                        <a:t>Расстояние и время проезда по дорогам между пунктами</a:t>
+                      </a:r>
+                    </a:p>
+                  </a:txBody>
+                  <a:tcPr marL="98251" marR="98251" marT="49125" marB="49125" anchor="ctr">
+                    <a:lnL w="76200" cap="flat" cmpd="sng" algn="ctr">
+                      <a:solidFill>
+                        <a:schemeClr val="bg1"/>
+                      </a:solidFill>
+                      <a:prstDash val="solid"/>
+                      <a:round/>
+                      <a:headEnd type="none" w="med" len="med"/>
+                      <a:tailEnd type="none" w="med" len="med"/>
+                    </a:lnL>
+                  </a:tcPr>
+                </a:tc>
+                <a:tc>
+                  <a:txBody>
+                    <a:bodyPr/>
+                    <a:lstStyle/>
+                    <a:p>
+                      <a:pPr algn="ctr"/>
+                      <a:r>
+                        <a:rPr lang="ru-RU" sz="1900" dirty="0"/>
+                        <a:t>Последовательность посещения пунктов</a:t>
+                      </a:r>
+                    </a:p>
+                  </a:txBody>
+                  <a:tcPr marL="98251" marR="98251" marT="49125" marB="49125" anchor="ctr"/>
+                </a:tc>
+                <a:extLst>
+                  <a:ext uri="{0D108BD9-81ED-4DB2-BD59-A6C34878D82A}">
+                    <a16:rowId xmlns:a16="http://schemas.microsoft.com/office/drawing/2014/main" val="1348433884"/>
+                  </a:ext>
+                </a:extLst>
+              </a:tr>
+              <a:tr h="971724">
+                <a:tc>
+                  <a:txBody>
+                    <a:bodyPr/>
+                    <a:lstStyle/>
+                    <a:p>
+                      <a:pPr algn="ctr"/>
+                      <a:r>
+                        <a:rPr lang="ru-RU" sz="1900" dirty="0"/>
+                        <a:t>Описание автопарка</a:t>
+                      </a:r>
+                    </a:p>
+                  </a:txBody>
+                  <a:tcPr marL="98251" marR="98251" marT="49125" marB="49125" anchor="ctr">
+                    <a:lnL w="76200" cap="flat" cmpd="sng" algn="ctr">
+                      <a:solidFill>
+                        <a:schemeClr val="bg1"/>
+                      </a:solidFill>
+                      <a:prstDash val="solid"/>
+                      <a:round/>
+                      <a:headEnd type="none" w="med" len="med"/>
+                      <a:tailEnd type="none" w="med" len="med"/>
+                    </a:lnL>
+                  </a:tcPr>
+                </a:tc>
+                <a:tc>
+                  <a:txBody>
+                    <a:bodyPr/>
+                    <a:lstStyle/>
+                    <a:p>
+                      <a:pPr algn="ctr"/>
+                      <a:r>
+                        <a:rPr lang="ru-RU" sz="1900" dirty="0"/>
+                        <a:t>Набор перевозимых грузов</a:t>
+                      </a:r>
+                    </a:p>
+                  </a:txBody>
+                  <a:tcPr marL="98251" marR="98251" marT="49125" marB="49125" anchor="ctr"/>
+                </a:tc>
+                <a:extLst>
+                  <a:ext uri="{0D108BD9-81ED-4DB2-BD59-A6C34878D82A}">
+                    <a16:rowId xmlns:a16="http://schemas.microsoft.com/office/drawing/2014/main" val="2358701927"/>
+                  </a:ext>
+                </a:extLst>
+              </a:tr>
+              <a:tr h="948274">
+                <a:tc>
+                  <a:txBody>
+                    <a:bodyPr/>
+                    <a:lstStyle/>
+                    <a:p>
+                      <a:pPr algn="ctr"/>
+                      <a:r>
+                        <a:rPr lang="ru-RU" sz="1900" dirty="0"/>
+                        <a:t>Объём хранимой продукции и заказов</a:t>
+                      </a:r>
+                    </a:p>
+                  </a:txBody>
+                  <a:tcPr marL="98251" marR="98251" marT="49125" marB="49125" anchor="ctr">
+                    <a:lnL w="76200" cap="flat" cmpd="sng" algn="ctr">
+                      <a:solidFill>
+                        <a:schemeClr val="bg1"/>
+                      </a:solidFill>
+                      <a:prstDash val="solid"/>
+                      <a:round/>
+                      <a:headEnd type="none" w="med" len="med"/>
+                      <a:tailEnd type="none" w="med" len="med"/>
+                    </a:lnL>
+                  </a:tcPr>
+                </a:tc>
+                <a:tc>
+                  <a:txBody>
+                    <a:bodyPr/>
+                    <a:lstStyle/>
+                    <a:p>
+                      <a:pPr marL="0" marR="0" lvl="0" indent="0" algn="ctr" defTabSz="914400" rtl="0" eaLnBrk="1" fontAlgn="auto" latinLnBrk="0" hangingPunct="1">
+                        <a:lnSpc>
+                          <a:spcPct val="100000"/>
+                        </a:lnSpc>
+                        <a:spcBef>
+                          <a:spcPts val="0"/>
+                        </a:spcBef>
+                        <a:spcAft>
+                          <a:spcPts val="0"/>
+                        </a:spcAft>
+                        <a:buClrTx/>
+                        <a:buSzTx/>
+                        <a:buFontTx/>
+                        <a:buNone/>
+                        <a:tabLst/>
+                        <a:defRPr/>
+                      </a:pPr>
+                      <a:r>
+                        <a:rPr lang="ru-RU" sz="1900" dirty="0"/>
+                        <a:t>Временя прибытия и отбытия</a:t>
+                      </a:r>
+                    </a:p>
+                  </a:txBody>
+                  <a:tcPr marL="98251" marR="98251" marT="49125" marB="49125" anchor="ctr"/>
+                </a:tc>
+                <a:extLst>
+                  <a:ext uri="{0D108BD9-81ED-4DB2-BD59-A6C34878D82A}">
+                    <a16:rowId xmlns:a16="http://schemas.microsoft.com/office/drawing/2014/main" val="150762550"/>
+                  </a:ext>
+                </a:extLst>
+              </a:tr>
+            </a:tbl>
+          </a:graphicData>
+        </a:graphic>
+      </p:graphicFrame>
+      <p:sp>
+        <p:nvSpPr>
+          <p:cNvPr id="5" name="Номер слайда 4">
+            <a:extLst>
+              <a:ext uri="{FF2B5EF4-FFF2-40B4-BE49-F238E27FC236}">
+                <a16:creationId xmlns:a16="http://schemas.microsoft.com/office/drawing/2014/main" id="{619ABCF3-4195-EA41-324B-FADD18CB4A74}"/>
+              </a:ext>
+            </a:extLst>
+          </p:cNvPr>
+          <p:cNvSpPr>
+            <a:spLocks noGrp="1"/>
+          </p:cNvSpPr>
+          <p:nvPr>
+            <p:ph type="sldNum" sz="quarter" idx="12"/>
           </p:nvPr>
         </p:nvSpPr>
         <p:spPr/>
@@ -6799,81 +6839,18 @@
           <a:bodyPr/>
           <a:lstStyle/>
           <a:p>
-            <a:pPr marL="0" indent="0">
-              <a:buNone/>
-            </a:pPr>
-            <a:r>
-              <a:rPr lang="ru-RU" dirty="0"/>
-              <a:t>Методы решения транспортной задачи</a:t>
-            </a:r>
-            <a:r>
-              <a:rPr lang="en-US" dirty="0"/>
-              <a:t>:</a:t>
-            </a:r>
-            <a:endParaRPr lang="ru-RU" dirty="0"/>
-          </a:p>
-          <a:p>
-            <a:pPr lvl="1"/>
-            <a:r>
-              <a:rPr lang="ru-RU" dirty="0"/>
-              <a:t>Симплекс-метод</a:t>
-            </a:r>
-          </a:p>
-          <a:p>
-            <a:pPr lvl="1"/>
-            <a:r>
-              <a:rPr lang="ru-RU" dirty="0"/>
-              <a:t>Метод потенциалов</a:t>
-            </a:r>
-          </a:p>
-          <a:p>
-            <a:pPr marL="457200" lvl="1" indent="0">
-              <a:buNone/>
-            </a:pPr>
-            <a:endParaRPr lang="ru-RU" dirty="0"/>
-          </a:p>
-          <a:p>
-            <a:pPr marL="0" indent="0">
-              <a:buNone/>
-            </a:pPr>
-            <a:r>
-              <a:rPr lang="ru-RU" dirty="0"/>
-              <a:t>В качестве основы выбран метод потенциалов, так как</a:t>
-            </a:r>
-            <a:r>
-              <a:rPr lang="en-US" dirty="0"/>
-              <a:t> </a:t>
-            </a:r>
-            <a:r>
-              <a:rPr lang="ru-RU" dirty="0"/>
-              <a:t>он позволяет</a:t>
-            </a:r>
-            <a:r>
-              <a:rPr lang="en-US" dirty="0"/>
-              <a:t>:</a:t>
-            </a:r>
-            <a:endParaRPr lang="ru-RU" dirty="0"/>
-          </a:p>
-          <a:p>
-            <a:pPr lvl="1"/>
-            <a:r>
-              <a:rPr lang="ru-RU" dirty="0"/>
-              <a:t>Строить транзитные маршруты через пункты потребления</a:t>
-            </a:r>
-          </a:p>
-          <a:p>
-            <a:pPr lvl="1"/>
-            <a:r>
-              <a:rPr lang="ru-RU" dirty="0"/>
-              <a:t>Учитывать ограничения на пропускную способность</a:t>
-            </a:r>
+            <a:fld id="{E44E20FB-DC41-4FB4-820E-A7F1077F5D74}" type="slidenum">
+              <a:rPr lang="ru-RU" smtClean="0"/>
+              <a:t>7</a:t>
+            </a:fld>
+            <a:endParaRPr lang="ru-RU"/>
           </a:p>
         </p:txBody>
       </p:sp>
     </p:spTree>
     <p:extLst>
       <p:ext uri="{BB962C8B-B14F-4D97-AF65-F5344CB8AC3E}">
-        <p14:creationId xmlns:p14="http://schemas.microsoft.com/office/powerpoint/2010/main" val="896985544"/>
+        <p14:creationId xmlns:p14="http://schemas.microsoft.com/office/powerpoint/2010/main" val="2713174822"/>
       </p:ext>
     </p:extLst>
   </p:cSld>
@@ -6905,7 +6882,7 @@
           <p:cNvPr id="2" name="Заголовок 1">
             <a:extLst>
               <a:ext uri="{FF2B5EF4-FFF2-40B4-BE49-F238E27FC236}">
-                <a16:creationId xmlns:a16="http://schemas.microsoft.com/office/drawing/2014/main" id="{38CD56BC-0DA5-4C39-A7EF-55602EF01C2D}"/>
+                <a16:creationId xmlns:a16="http://schemas.microsoft.com/office/drawing/2014/main" id="{C590A2E5-A0CE-BAED-2845-1F368ABA2C43}"/>
               </a:ext>
             </a:extLst>
           </p:cNvPr>
@@ -6923,235 +6900,81 @@
           <a:p>
             <a:r>
               <a:rPr lang="ru-RU" dirty="0"/>
-              <a:t>Описание метода</a:t>
-            </a:r>
-          </a:p>
-        </p:txBody>
-      </p:sp>
-      <mc:AlternateContent xmlns:mc="http://schemas.openxmlformats.org/markup-compatibility/2006">
-        <mc:Choice xmlns:a14="http://schemas.microsoft.com/office/drawing/2010/main" Requires="a14">
-          <p:sp>
-            <p:nvSpPr>
-              <p:cNvPr id="3" name="Объект 2">
-                <a:extLst>
-                  <a:ext uri="{FF2B5EF4-FFF2-40B4-BE49-F238E27FC236}">
-                    <a16:creationId xmlns:a16="http://schemas.microsoft.com/office/drawing/2014/main" id="{E72BFA06-B510-4B43-8CB3-2B2931A11EA3}"/>
-                  </a:ext>
-                </a:extLst>
-              </p:cNvPr>
-              <p:cNvSpPr>
-                <a:spLocks noGrp="1"/>
-              </p:cNvSpPr>
-              <p:nvPr>
-                <p:ph idx="1"/>
-              </p:nvPr>
-            </p:nvSpPr>
-            <p:spPr/>
-            <p:txBody>
-              <a:bodyPr/>
-              <a:lstStyle/>
-              <a:p>
-                <a:r>
-                  <a:rPr lang="ru-RU" dirty="0"/>
-                  <a:t>Строится опорный маршрут, неоптимальный, но удовлетворяющий ограничениям.</a:t>
-                </a:r>
-              </a:p>
-              <a:p>
-                <a:endParaRPr lang="ru-RU" dirty="0"/>
-              </a:p>
-              <a:p>
-                <a:r>
-                  <a:rPr lang="ru-RU" dirty="0"/>
-                  <a:t>Для каждого пункта </a:t>
-                </a:r>
-                <a14:m>
-                  <m:oMath xmlns:m="http://schemas.openxmlformats.org/officeDocument/2006/math">
-                    <m:sSub>
-                      <m:sSubPr>
-                        <m:ctrlPr>
-                          <a:rPr lang="en-US" i="1" dirty="0">
-                            <a:latin typeface="Cambria Math" panose="02040503050406030204" pitchFamily="18" charset="0"/>
-                          </a:rPr>
-                        </m:ctrlPr>
-                      </m:sSubPr>
-                      <m:e>
-                        <m:r>
-                          <a:rPr lang="en-US" i="1" dirty="0">
-                            <a:latin typeface="Cambria Math" panose="02040503050406030204" pitchFamily="18" charset="0"/>
-                          </a:rPr>
-                          <m:t>𝑃</m:t>
-                        </m:r>
-                      </m:e>
-                      <m:sub>
-                        <m:r>
-                          <a:rPr lang="en-US" i="1" dirty="0">
-                            <a:latin typeface="Cambria Math" panose="02040503050406030204" pitchFamily="18" charset="0"/>
-                          </a:rPr>
-                          <m:t>𝑖</m:t>
-                        </m:r>
-                      </m:sub>
-                    </m:sSub>
-                    <m:r>
-                      <a:rPr lang="en-US" i="1" dirty="0">
-                        <a:latin typeface="Cambria Math" panose="02040503050406030204" pitchFamily="18" charset="0"/>
-                      </a:rPr>
-                      <m:t> </m:t>
-                    </m:r>
-                  </m:oMath>
-                </a14:m>
-                <a:r>
-                  <a:rPr lang="ru-RU" dirty="0"/>
-                  <a:t>вычисляется значение потенциала </a:t>
-                </a:r>
-                <a14:m>
-                  <m:oMath xmlns:m="http://schemas.openxmlformats.org/officeDocument/2006/math">
-                    <m:r>
-                      <a:rPr lang="en-US" i="1" dirty="0" smtClean="0">
-                        <a:latin typeface="Cambria Math" panose="02040503050406030204" pitchFamily="18" charset="0"/>
-                      </a:rPr>
-                      <m:t>𝑃𝑜𝑡</m:t>
-                    </m:r>
-                    <m:d>
-                      <m:dPr>
-                        <m:begChr m:val="["/>
-                        <m:endChr m:val="]"/>
-                        <m:ctrlPr>
-                          <a:rPr lang="en-US" b="0" i="1" dirty="0" smtClean="0">
-                            <a:latin typeface="Cambria Math" panose="02040503050406030204" pitchFamily="18" charset="0"/>
-                          </a:rPr>
-                        </m:ctrlPr>
-                      </m:dPr>
-                      <m:e>
-                        <m:sSub>
-                          <m:sSubPr>
-                            <m:ctrlPr>
-                              <a:rPr lang="en-US" b="0" i="1" dirty="0" smtClean="0">
-                                <a:latin typeface="Cambria Math" panose="02040503050406030204" pitchFamily="18" charset="0"/>
-                              </a:rPr>
-                            </m:ctrlPr>
-                          </m:sSubPr>
-                          <m:e>
-                            <m:r>
-                              <a:rPr lang="en-US" b="0" i="1" dirty="0" smtClean="0">
-                                <a:latin typeface="Cambria Math" panose="02040503050406030204" pitchFamily="18" charset="0"/>
-                              </a:rPr>
-                              <m:t>𝑃</m:t>
-                            </m:r>
-                          </m:e>
-                          <m:sub>
-                            <m:r>
-                              <a:rPr lang="en-US" b="0" i="1" dirty="0" smtClean="0">
-                                <a:latin typeface="Cambria Math" panose="02040503050406030204" pitchFamily="18" charset="0"/>
-                              </a:rPr>
-                              <m:t>𝑖</m:t>
-                            </m:r>
-                          </m:sub>
-                        </m:sSub>
-                      </m:e>
-                    </m:d>
-                  </m:oMath>
-                </a14:m>
-                <a:r>
-                  <a:rPr lang="en-US" dirty="0"/>
-                  <a:t>.</a:t>
-                </a:r>
-              </a:p>
-              <a:p>
-                <a:r>
-                  <a:rPr lang="ru-RU" dirty="0"/>
-                  <a:t>Производится поиск путей, перевозка по которым уменьшает </a:t>
-                </a:r>
-                <a14:m>
-                  <m:oMath xmlns:m="http://schemas.openxmlformats.org/officeDocument/2006/math">
-                    <m:r>
-                      <a:rPr lang="en-US" i="1" dirty="0">
-                        <a:latin typeface="Cambria Math" panose="02040503050406030204" pitchFamily="18" charset="0"/>
-                      </a:rPr>
-                      <m:t>𝑃𝑜𝑡</m:t>
-                    </m:r>
-                    <m:d>
-                      <m:dPr>
-                        <m:begChr m:val="["/>
-                        <m:endChr m:val="]"/>
-                        <m:ctrlPr>
-                          <a:rPr lang="en-US" b="0" i="1" dirty="0" smtClean="0">
-                            <a:latin typeface="Cambria Math" panose="02040503050406030204" pitchFamily="18" charset="0"/>
-                          </a:rPr>
-                        </m:ctrlPr>
-                      </m:dPr>
-                      <m:e>
-                        <m:r>
-                          <a:rPr lang="en-US" b="0" i="1" dirty="0" smtClean="0">
-                            <a:latin typeface="Cambria Math" panose="02040503050406030204" pitchFamily="18" charset="0"/>
-                          </a:rPr>
-                          <m:t>𝑃</m:t>
-                        </m:r>
-                      </m:e>
-                    </m:d>
-                  </m:oMath>
-                </a14:m>
-                <a:r>
-                  <a:rPr lang="en-US" dirty="0"/>
-                  <a:t>. </a:t>
-                </a:r>
-                <a:r>
-                  <a:rPr lang="ru-RU" dirty="0"/>
-                  <a:t>Если такой найден, происходит перестроение маршрутов и повторение поиска.</a:t>
-                </a:r>
-              </a:p>
-              <a:p>
-                <a:r>
-                  <a:rPr lang="ru-RU" dirty="0"/>
-                  <a:t>Если путей оптимизации не осталось, то решение найдено.</a:t>
-                </a:r>
-              </a:p>
-            </p:txBody>
-          </p:sp>
-        </mc:Choice>
-        <mc:Fallback>
-          <p:sp>
-            <p:nvSpPr>
-              <p:cNvPr id="3" name="Объект 2">
-                <a:extLst>
-                  <a:ext uri="{FF2B5EF4-FFF2-40B4-BE49-F238E27FC236}">
-                    <a16:creationId xmlns:a16="http://schemas.microsoft.com/office/drawing/2014/main" id="{E72BFA06-B510-4B43-8CB3-2B2931A11EA3}"/>
-                  </a:ext>
-                </a:extLst>
-              </p:cNvPr>
-              <p:cNvSpPr>
-                <a:spLocks noGrp="1" noRot="1" noChangeAspect="1" noMove="1" noResize="1" noEditPoints="1" noAdjustHandles="1" noChangeArrowheads="1" noChangeShapeType="1" noTextEdit="1"/>
-              </p:cNvSpPr>
-              <p:nvPr>
-                <p:ph idx="1"/>
-              </p:nvPr>
-            </p:nvSpPr>
-            <p:spPr>
-              <a:blipFill>
-                <a:blip r:embed="rId2"/>
-                <a:stretch>
-                  <a:fillRect l="-1043" t="-2241" r="-290"/>
-                </a:stretch>
-              </a:blipFill>
-            </p:spPr>
-            <p:txBody>
-              <a:bodyPr/>
-              <a:lstStyle/>
-              <a:p>
-                <a:r>
-                  <a:rPr lang="ru-RU">
-                    <a:noFill/>
-                  </a:rPr>
-                  <a:t> </a:t>
-                </a:r>
-              </a:p>
-            </p:txBody>
-          </p:sp>
-        </mc:Fallback>
-      </mc:AlternateContent>
+              <a:t>Метод оптимизации плана</a:t>
+            </a:r>
+          </a:p>
+        </p:txBody>
+      </p:sp>
+      <p:pic>
+        <p:nvPicPr>
+          <p:cNvPr id="6" name="Объект 5">
+            <a:extLst>
+              <a:ext uri="{FF2B5EF4-FFF2-40B4-BE49-F238E27FC236}">
+                <a16:creationId xmlns:a16="http://schemas.microsoft.com/office/drawing/2014/main" id="{8885FDAE-B112-17DB-92A6-A186D0910242}"/>
+              </a:ext>
+            </a:extLst>
+          </p:cNvPr>
+          <p:cNvPicPr>
+            <a:picLocks noGrp="1" noChangeAspect="1"/>
+          </p:cNvPicPr>
+          <p:nvPr>
+            <p:ph idx="1"/>
+          </p:nvPr>
+        </p:nvPicPr>
+        <p:blipFill rotWithShape="1">
+          <a:blip r:embed="rId2">
+            <a:extLst>
+              <a:ext uri="{28A0092B-C50C-407E-A947-70E740481C1C}">
+                <a14:useLocalDpi xmlns:a14="http://schemas.microsoft.com/office/drawing/2010/main" val="0"/>
+              </a:ext>
+              <a:ext uri="{96DAC541-7B7A-43D3-8B79-37D633B846F1}">
+                <asvg:svgBlip xmlns:asvg="http://schemas.microsoft.com/office/drawing/2016/SVG/main" r:embed="rId3"/>
+              </a:ext>
+            </a:extLst>
+          </a:blip>
+          <a:srcRect l="523" t="10814" r="634" b="22174"/>
+          <a:stretch/>
+        </p:blipFill>
+        <p:spPr>
+          <a:xfrm>
+            <a:off x="997945" y="1351009"/>
+            <a:ext cx="10196109" cy="5345021"/>
+          </a:xfrm>
+        </p:spPr>
+      </p:pic>
+      <p:sp>
+        <p:nvSpPr>
+          <p:cNvPr id="4" name="Номер слайда 3">
+            <a:extLst>
+              <a:ext uri="{FF2B5EF4-FFF2-40B4-BE49-F238E27FC236}">
+                <a16:creationId xmlns:a16="http://schemas.microsoft.com/office/drawing/2014/main" id="{F61ADD9D-47C8-F6FB-478D-2451A2E20D82}"/>
+              </a:ext>
+            </a:extLst>
+          </p:cNvPr>
+          <p:cNvSpPr>
+            <a:spLocks noGrp="1"/>
+          </p:cNvSpPr>
+          <p:nvPr>
+            <p:ph type="sldNum" sz="quarter" idx="12"/>
+          </p:nvPr>
+        </p:nvSpPr>
+        <p:spPr/>
+        <p:txBody>
+          <a:bodyPr/>
+          <a:lstStyle/>
+          <a:p>
+            <a:fld id="{E44E20FB-DC41-4FB4-820E-A7F1077F5D74}" type="slidenum">
+              <a:rPr lang="ru-RU" smtClean="0"/>
+              <a:t>8</a:t>
+            </a:fld>
+            <a:endParaRPr lang="ru-RU"/>
+          </a:p>
+        </p:txBody>
+      </p:sp>
     </p:spTree>
     <p:extLst>
       <p:ext uri="{BB962C8B-B14F-4D97-AF65-F5344CB8AC3E}">
-        <p14:creationId xmlns:p14="http://schemas.microsoft.com/office/powerpoint/2010/main" val="1409740075"/>
+        <p14:creationId xmlns:p14="http://schemas.microsoft.com/office/powerpoint/2010/main" val="3069465284"/>
       </p:ext>
     </p:extLst>
   </p:cSld>
@@ -7183,7 +7006,7 @@
           <p:cNvPr id="2" name="Заголовок 1">
             <a:extLst>
               <a:ext uri="{FF2B5EF4-FFF2-40B4-BE49-F238E27FC236}">
-                <a16:creationId xmlns:a16="http://schemas.microsoft.com/office/drawing/2014/main" id="{ADA4F0E5-0DE0-4063-A15D-4D2856762BB7}"/>
+                <a16:creationId xmlns:a16="http://schemas.microsoft.com/office/drawing/2014/main" id="{941BAC03-8ABE-A4F2-D1DB-1D5F6A5E8916}"/>
               </a:ext>
             </a:extLst>
           </p:cNvPr>
@@ -7201,25 +7024,25 @@
           <a:p>
             <a:r>
               <a:rPr lang="ru-RU" dirty="0"/>
-              <a:t>Вывод</a:t>
-            </a:r>
-          </a:p>
-        </p:txBody>
-      </p:sp>
-      <p:sp>
-        <p:nvSpPr>
-          <p:cNvPr id="3" name="Объект 2">
-            <a:extLst>
-              <a:ext uri="{FF2B5EF4-FFF2-40B4-BE49-F238E27FC236}">
-                <a16:creationId xmlns:a16="http://schemas.microsoft.com/office/drawing/2014/main" id="{9B4BB97A-7F0E-4EB7-BD97-7F9C52EAAE69}"/>
-              </a:ext>
-            </a:extLst>
-          </p:cNvPr>
-          <p:cNvSpPr>
-            <a:spLocks noGrp="1"/>
-          </p:cNvSpPr>
-          <p:nvPr>
-            <p:ph idx="1"/>
+              <a:t>Метод минимального элемента</a:t>
+            </a:r>
+          </a:p>
+        </p:txBody>
+      </p:sp>
+      <p:sp>
+        <p:nvSpPr>
+          <p:cNvPr id="4" name="Номер слайда 3">
+            <a:extLst>
+              <a:ext uri="{FF2B5EF4-FFF2-40B4-BE49-F238E27FC236}">
+                <a16:creationId xmlns:a16="http://schemas.microsoft.com/office/drawing/2014/main" id="{5867045B-99FC-2B5D-DB8E-5D985F9CC0F8}"/>
+              </a:ext>
+            </a:extLst>
+          </p:cNvPr>
+          <p:cNvSpPr>
+            <a:spLocks noGrp="1"/>
+          </p:cNvSpPr>
+          <p:nvPr>
+            <p:ph type="sldNum" sz="quarter" idx="12"/>
           </p:nvPr>
         </p:nvSpPr>
         <p:spPr/>
@@ -7227,65 +7050,134 @@
           <a:bodyPr/>
           <a:lstStyle/>
           <a:p>
-            <a:pPr marL="0" indent="0">
-              <a:buNone/>
-            </a:pPr>
-            <a:r>
-              <a:rPr lang="ru-RU" dirty="0"/>
-              <a:t>Результатом проделанной научно-исследовательской задачи стало выполнение поставленных задач</a:t>
-            </a:r>
-            <a:r>
-              <a:rPr lang="en-US" dirty="0"/>
-              <a:t>:</a:t>
-            </a:r>
-            <a:endParaRPr lang="ru-RU" dirty="0"/>
-          </a:p>
-          <a:p>
-            <a:r>
-              <a:rPr lang="ru-RU" dirty="0"/>
-              <a:t>Изучена предметная область</a:t>
-            </a:r>
-            <a:r>
-              <a:rPr lang="en-US" dirty="0"/>
-              <a:t>, </a:t>
-            </a:r>
-            <a:r>
-              <a:rPr lang="ru-RU" dirty="0"/>
-              <a:t>проанализированы аналоги</a:t>
-            </a:r>
-          </a:p>
-          <a:p>
-            <a:r>
-              <a:rPr lang="ru-RU" dirty="0"/>
-              <a:t>Описана и формализована модель системы</a:t>
-            </a:r>
-          </a:p>
-          <a:p>
-            <a:r>
-              <a:rPr lang="ru-RU" dirty="0"/>
-              <a:t>Определены ограничения и критерий оптимизации</a:t>
-            </a:r>
-          </a:p>
-          <a:p>
-            <a:r>
-              <a:rPr lang="ru-RU" dirty="0"/>
-              <a:t>Описан метода оптимизации и его модификации </a:t>
-            </a:r>
-            <a:r>
-              <a:rPr lang="ru-RU"/>
-              <a:t>для данной </a:t>
-            </a:r>
-            <a:r>
-              <a:rPr lang="ru-RU" dirty="0"/>
-              <a:t>задачи</a:t>
-            </a:r>
-          </a:p>
-        </p:txBody>
-      </p:sp>
+            <a:fld id="{E44E20FB-DC41-4FB4-820E-A7F1077F5D74}" type="slidenum">
+              <a:rPr lang="ru-RU" smtClean="0"/>
+              <a:t>9</a:t>
+            </a:fld>
+            <a:endParaRPr lang="ru-RU"/>
+          </a:p>
+        </p:txBody>
+      </p:sp>
+      <p:pic>
+        <p:nvPicPr>
+          <p:cNvPr id="18" name="Рисунок 17">
+            <a:extLst>
+              <a:ext uri="{FF2B5EF4-FFF2-40B4-BE49-F238E27FC236}">
+                <a16:creationId xmlns:a16="http://schemas.microsoft.com/office/drawing/2014/main" id="{39CAD5F4-0390-1E33-BB8F-ED13683EA768}"/>
+              </a:ext>
+            </a:extLst>
+          </p:cNvPr>
+          <p:cNvPicPr>
+            <a:picLocks noChangeAspect="1"/>
+          </p:cNvPicPr>
+          <p:nvPr/>
+        </p:nvPicPr>
+        <p:blipFill>
+          <a:blip r:embed="rId2">
+            <a:extLst>
+              <a:ext uri="{28A0092B-C50C-407E-A947-70E740481C1C}">
+                <a14:useLocalDpi xmlns:a14="http://schemas.microsoft.com/office/drawing/2010/main" val="0"/>
+              </a:ext>
+              <a:ext uri="{96DAC541-7B7A-43D3-8B79-37D633B846F1}">
+                <asvg:svgBlip xmlns:asvg="http://schemas.microsoft.com/office/drawing/2016/SVG/main" r:embed="rId3"/>
+              </a:ext>
+            </a:extLst>
+          </a:blip>
+          <a:stretch>
+            <a:fillRect/>
+          </a:stretch>
+        </p:blipFill>
+        <p:spPr>
+          <a:xfrm>
+            <a:off x="7116043" y="746845"/>
+            <a:ext cx="5075957" cy="2777959"/>
+          </a:xfrm>
+          <a:prstGeom prst="rect">
+            <a:avLst/>
+          </a:prstGeom>
+        </p:spPr>
+      </p:pic>
+      <p:pic>
+        <p:nvPicPr>
+          <p:cNvPr id="22" name="Рисунок 21">
+            <a:extLst>
+              <a:ext uri="{FF2B5EF4-FFF2-40B4-BE49-F238E27FC236}">
+                <a16:creationId xmlns:a16="http://schemas.microsoft.com/office/drawing/2014/main" id="{5916F03E-4C57-3A4D-D3FC-A7D52243ED58}"/>
+              </a:ext>
+            </a:extLst>
+          </p:cNvPr>
+          <p:cNvPicPr>
+            <a:picLocks noChangeAspect="1"/>
+          </p:cNvPicPr>
+          <p:nvPr/>
+        </p:nvPicPr>
+        <p:blipFill>
+          <a:blip r:embed="rId4">
+            <a:extLst>
+              <a:ext uri="{28A0092B-C50C-407E-A947-70E740481C1C}">
+                <a14:useLocalDpi xmlns:a14="http://schemas.microsoft.com/office/drawing/2010/main" val="0"/>
+              </a:ext>
+              <a:ext uri="{96DAC541-7B7A-43D3-8B79-37D633B846F1}">
+                <asvg:svgBlip xmlns:asvg="http://schemas.microsoft.com/office/drawing/2016/SVG/main" r:embed="rId5"/>
+              </a:ext>
+            </a:extLst>
+          </a:blip>
+          <a:stretch>
+            <a:fillRect/>
+          </a:stretch>
+        </p:blipFill>
+        <p:spPr>
+          <a:xfrm>
+            <a:off x="7116043" y="3778332"/>
+            <a:ext cx="5075957" cy="2777959"/>
+          </a:xfrm>
+          <a:prstGeom prst="rect">
+            <a:avLst/>
+          </a:prstGeom>
+        </p:spPr>
+      </p:pic>
+      <p:pic>
+        <p:nvPicPr>
+          <p:cNvPr id="24" name="Рисунок 23">
+            <a:extLst>
+              <a:ext uri="{FF2B5EF4-FFF2-40B4-BE49-F238E27FC236}">
+                <a16:creationId xmlns:a16="http://schemas.microsoft.com/office/drawing/2014/main" id="{9D079EBF-A9AB-C9CC-476D-F5BEE6AA3A8D}"/>
+              </a:ext>
+            </a:extLst>
+          </p:cNvPr>
+          <p:cNvPicPr>
+            <a:picLocks noChangeAspect="1"/>
+          </p:cNvPicPr>
+          <p:nvPr/>
+        </p:nvPicPr>
+        <p:blipFill rotWithShape="1">
+          <a:blip r:embed="rId6">
+            <a:extLst>
+              <a:ext uri="{28A0092B-C50C-407E-A947-70E740481C1C}">
+                <a14:useLocalDpi xmlns:a14="http://schemas.microsoft.com/office/drawing/2010/main" val="0"/>
+              </a:ext>
+              <a:ext uri="{96DAC541-7B7A-43D3-8B79-37D633B846F1}">
+                <asvg:svgBlip xmlns:asvg="http://schemas.microsoft.com/office/drawing/2016/SVG/main" r:embed="rId7"/>
+              </a:ext>
+            </a:extLst>
+          </a:blip>
+          <a:srcRect l="250" t="11271" r="526" b="21429"/>
+          <a:stretch/>
+        </p:blipFill>
+        <p:spPr>
+          <a:xfrm>
+            <a:off x="151862" y="1690688"/>
+            <a:ext cx="7477760" cy="3921760"/>
+          </a:xfrm>
+          <a:prstGeom prst="rect">
+            <a:avLst/>
+          </a:prstGeom>
+        </p:spPr>
+      </p:pic>
     </p:spTree>
     <p:extLst>
       <p:ext uri="{BB962C8B-B14F-4D97-AF65-F5344CB8AC3E}">
-        <p14:creationId xmlns:p14="http://schemas.microsoft.com/office/powerpoint/2010/main" val="3101663942"/>
+        <p14:creationId xmlns:p14="http://schemas.microsoft.com/office/powerpoint/2010/main" val="3945185305"/>
       </p:ext>
     </p:extLst>
   </p:cSld>
@@ -7588,4 +7480,299 @@
     </a:ext>
   </a:extLst>
 </a:theme>
+</file>
+
+<file path=ppt/theme/theme2.xml><?xml version="1.0" encoding="utf-8"?>
+<a:theme xmlns:a="http://schemas.openxmlformats.org/drawingml/2006/main" name="Тема Office">
+  <a:themeElements>
+    <a:clrScheme name="Стандартная">
+      <a:dk1>
+        <a:sysClr val="windowText" lastClr="000000"/>
+      </a:dk1>
+      <a:lt1>
+        <a:sysClr val="window" lastClr="FFFFFF"/>
+      </a:lt1>
+      <a:dk2>
+        <a:srgbClr val="44546A"/>
+      </a:dk2>
+      <a:lt2>
+        <a:srgbClr val="E7E6E6"/>
+      </a:lt2>
+      <a:accent1>
+        <a:srgbClr val="4472C4"/>
+      </a:accent1>
+      <a:accent2>
+        <a:srgbClr val="ED7D31"/>
+      </a:accent2>
+      <a:accent3>
+        <a:srgbClr val="A5A5A5"/>
+      </a:accent3>
+      <a:accent4>
+        <a:srgbClr val="FFC000"/>
+      </a:accent4>
+      <a:accent5>
+        <a:srgbClr val="5B9BD5"/>
+      </a:accent5>
+      <a:accent6>
+        <a:srgbClr val="70AD47"/>
+      </a:accent6>
+      <a:hlink>
+        <a:srgbClr val="0563C1"/>
+      </a:hlink>
+      <a:folHlink>
+        <a:srgbClr val="954F72"/>
+      </a:folHlink>
+    </a:clrScheme>
+    <a:fontScheme name="Стандартная">
+      <a:majorFont>
+        <a:latin typeface="Calibri Light" panose="020F0302020204030204"/>
+        <a:ea typeface=""/>
+        <a:cs typeface=""/>
+        <a:font script="Jpan" typeface="游ゴシック Light"/>
+        <a:font script="Hang" typeface="맑은 고딕"/>
+        <a:font script="Hans" typeface="等线 Light"/>
+        <a:font script="Hant" typeface="新細明體"/>
+        <a:font script="Arab" typeface="Times New Roman"/>
+        <a:font script="Hebr" typeface="Times New Roman"/>
+        <a:font script="Thai" typeface="Angsana New"/>
+        <a:font script="Ethi" typeface="Nyala"/>
+        <a:font script="Beng" typeface="Vrinda"/>
+        <a:font script="Gujr" typeface="Shruti"/>
+        <a:font script="Khmr" typeface="MoolBoran"/>
+        <a:font script="Knda" typeface="Tunga"/>
+        <a:font script="Guru" typeface="Raavi"/>
+        <a:font script="Cans" typeface="Euphemia"/>
+        <a:font script="Cher" typeface="Plantagenet Cherokee"/>
+        <a:font script="Yiii" typeface="Microsoft Yi Baiti"/>
+        <a:font script="Tibt" typeface="Microsoft Himalaya"/>
+        <a:font script="Thaa" typeface="MV Boli"/>
+        <a:font script="Deva" typeface="Mangal"/>
+        <a:font script="Telu" typeface="Gautami"/>
+        <a:font script="Taml" typeface="Latha"/>
+        <a:font script="Syrc" typeface="Estrangelo Edessa"/>
+        <a:font script="Orya" typeface="Kalinga"/>
+        <a:font script="Mlym" typeface="Kartika"/>
+        <a:font script="Laoo" typeface="DokChampa"/>
+        <a:font script="Sinh" typeface="Iskoola Pota"/>
+        <a:font script="Mong" typeface="Mongolian Baiti"/>
+        <a:font script="Viet" typeface="Times New Roman"/>
+        <a:font script="Uigh" typeface="Microsoft Uighur"/>
+        <a:font script="Geor" typeface="Sylfaen"/>
+        <a:font script="Armn" typeface="Arial"/>
+        <a:font script="Bugi" typeface="Leelawadee UI"/>
+        <a:font script="Bopo" typeface="Microsoft JhengHei"/>
+        <a:font script="Java" typeface="Javanese Text"/>
+        <a:font script="Lisu" typeface="Segoe UI"/>
+        <a:font script="Mymr" typeface="Myanmar Text"/>
+        <a:font script="Nkoo" typeface="Ebrima"/>
+        <a:font script="Olck" typeface="Nirmala UI"/>
+        <a:font script="Osma" typeface="Ebrima"/>
+        <a:font script="Phag" typeface="Phagspa"/>
+        <a:font script="Syrn" typeface="Estrangelo Edessa"/>
+        <a:font script="Syrj" typeface="Estrangelo Edessa"/>
+        <a:font script="Syre" typeface="Estrangelo Edessa"/>
+        <a:font script="Sora" typeface="Nirmala UI"/>
+        <a:font script="Tale" typeface="Microsoft Tai Le"/>
+        <a:font script="Talu" typeface="Microsoft New Tai Lue"/>
+        <a:font script="Tfng" typeface="Ebrima"/>
+      </a:majorFont>
+      <a:minorFont>
+        <a:latin typeface="Calibri" panose="020F0502020204030204"/>
+        <a:ea typeface=""/>
+        <a:cs typeface=""/>
+        <a:font script="Jpan" typeface="游ゴシック"/>
+        <a:font script="Hang" typeface="맑은 고딕"/>
+        <a:font script="Hans" typeface="等线"/>
+        <a:font script="Hant" typeface="新細明體"/>
+        <a:font script="Arab" typeface="Arial"/>
+        <a:font script="Hebr" typeface="Arial"/>
+        <a:font script="Thai" typeface="Cordia New"/>
+        <a:font script="Ethi" typeface="Nyala"/>
+        <a:font script="Beng" typeface="Vrinda"/>
+        <a:font script="Gujr" typeface="Shruti"/>
+        <a:font script="Khmr" typeface="DaunPenh"/>
+        <a:font script="Knda" typeface="Tunga"/>
+        <a:font script="Guru" typeface="Raavi"/>
+        <a:font script="Cans" typeface="Euphemia"/>
+        <a:font script="Cher" typeface="Plantagenet Cherokee"/>
+        <a:font script="Yiii" typeface="Microsoft Yi Baiti"/>
+        <a:font script="Tibt" typeface="Microsoft Himalaya"/>
+        <a:font script="Thaa" typeface="MV Boli"/>
+        <a:font script="Deva" typeface="Mangal"/>
+        <a:font script="Telu" typeface="Gautami"/>
+        <a:font script="Taml" typeface="Latha"/>
+        <a:font script="Syrc" typeface="Estrangelo Edessa"/>
+        <a:font script="Orya" typeface="Kalinga"/>
+        <a:font script="Mlym" typeface="Kartika"/>
+        <a:font script="Laoo" typeface="DokChampa"/>
+        <a:font script="Sinh" typeface="Iskoola Pota"/>
+        <a:font script="Mong" typeface="Mongolian Baiti"/>
+        <a:font script="Viet" typeface="Arial"/>
+        <a:font script="Uigh" typeface="Microsoft Uighur"/>
+        <a:font script="Geor" typeface="Sylfaen"/>
+        <a:font script="Armn" typeface="Arial"/>
+        <a:font script="Bugi" typeface="Leelawadee UI"/>
+        <a:font script="Bopo" typeface="Microsoft JhengHei"/>
+        <a:font script="Java" typeface="Javanese Text"/>
+        <a:font script="Lisu" typeface="Segoe UI"/>
+        <a:font script="Mymr" typeface="Myanmar Text"/>
+        <a:font script="Nkoo" typeface="Ebrima"/>
+        <a:font script="Olck" typeface="Nirmala UI"/>
+        <a:font script="Osma" typeface="Ebrima"/>
+        <a:font script="Phag" typeface="Phagspa"/>
+        <a:font script="Syrn" typeface="Estrangelo Edessa"/>
+        <a:font script="Syrj" typeface="Estrangelo Edessa"/>
+        <a:font script="Syre" typeface="Estrangelo Edessa"/>
+        <a:font script="Sora" typeface="Nirmala UI"/>
+        <a:font script="Tale" typeface="Microsoft Tai Le"/>
+        <a:font script="Talu" typeface="Microsoft New Tai Lue"/>
+        <a:font script="Tfng" typeface="Ebrima"/>
+      </a:minorFont>
+    </a:fontScheme>
+    <a:fmtScheme name="Стандартная">
+      <a:fillStyleLst>
+        <a:solidFill>
+          <a:schemeClr val="phClr"/>
+        </a:solidFill>
+        <a:gradFill rotWithShape="1">
+          <a:gsLst>
+            <a:gs pos="0">
+              <a:schemeClr val="phClr">
+                <a:lumMod val="110000"/>
+                <a:satMod val="105000"/>
+                <a:tint val="67000"/>
+              </a:schemeClr>
+            </a:gs>
+            <a:gs pos="50000">
+              <a:schemeClr val="phClr">
+                <a:lumMod val="105000"/>
+                <a:satMod val="103000"/>
+                <a:tint val="73000"/>
+              </a:schemeClr>
+            </a:gs>
+            <a:gs pos="100000">
+              <a:schemeClr val="phClr">
+                <a:lumMod val="105000"/>
+                <a:satMod val="109000"/>
+                <a:tint val="81000"/>
+              </a:schemeClr>
+            </a:gs>
+          </a:gsLst>
+          <a:lin ang="5400000" scaled="0"/>
+        </a:gradFill>
+        <a:gradFill rotWithShape="1">
+          <a:gsLst>
+            <a:gs pos="0">
+              <a:schemeClr val="phClr">
+                <a:satMod val="103000"/>
+                <a:lumMod val="102000"/>
+                <a:tint val="94000"/>
+              </a:schemeClr>
+            </a:gs>
+            <a:gs pos="50000">
+              <a:schemeClr val="phClr">
+                <a:satMod val="110000"/>
+                <a:lumMod val="100000"/>
+                <a:shade val="100000"/>
+              </a:schemeClr>
+            </a:gs>
+            <a:gs pos="100000">
+              <a:schemeClr val="phClr">
+                <a:lumMod val="99000"/>
+                <a:satMod val="120000"/>
+                <a:shade val="78000"/>
+              </a:schemeClr>
+            </a:gs>
+          </a:gsLst>
+          <a:lin ang="5400000" scaled="0"/>
+        </a:gradFill>
+      </a:fillStyleLst>
+      <a:lnStyleLst>
+        <a:ln w="6350" cap="flat" cmpd="sng" algn="ctr">
+          <a:solidFill>
+            <a:schemeClr val="phClr"/>
+          </a:solidFill>
+          <a:prstDash val="solid"/>
+          <a:miter lim="800000"/>
+        </a:ln>
+        <a:ln w="12700" cap="flat" cmpd="sng" algn="ctr">
+          <a:solidFill>
+            <a:schemeClr val="phClr"/>
+          </a:solidFill>
+          <a:prstDash val="solid"/>
+          <a:miter lim="800000"/>
+        </a:ln>
+        <a:ln w="19050" cap="flat" cmpd="sng" algn="ctr">
+          <a:solidFill>
+            <a:schemeClr val="phClr"/>
+          </a:solidFill>
+          <a:prstDash val="solid"/>
+          <a:miter lim="800000"/>
+        </a:ln>
+      </a:lnStyleLst>
+      <a:effectStyleLst>
+        <a:effectStyle>
+          <a:effectLst/>
+        </a:effectStyle>
+        <a:effectStyle>
+          <a:effectLst/>
+        </a:effectStyle>
+        <a:effectStyle>
+          <a:effectLst>
+            <a:outerShdw blurRad="57150" dist="19050" dir="5400000" algn="ctr" rotWithShape="0">
+              <a:srgbClr val="000000">
+                <a:alpha val="63000"/>
+              </a:srgbClr>
+            </a:outerShdw>
+          </a:effectLst>
+        </a:effectStyle>
+      </a:effectStyleLst>
+      <a:bgFillStyleLst>
+        <a:solidFill>
+          <a:schemeClr val="phClr"/>
+        </a:solidFill>
+        <a:solidFill>
+          <a:schemeClr val="phClr">
+            <a:tint val="95000"/>
+            <a:satMod val="170000"/>
+          </a:schemeClr>
+        </a:solidFill>
+        <a:gradFill rotWithShape="1">
+          <a:gsLst>
+            <a:gs pos="0">
+              <a:schemeClr val="phClr">
+                <a:tint val="93000"/>
+                <a:satMod val="150000"/>
+                <a:shade val="98000"/>
+                <a:lumMod val="102000"/>
+              </a:schemeClr>
+            </a:gs>
+            <a:gs pos="50000">
+              <a:schemeClr val="phClr">
+                <a:tint val="98000"/>
+                <a:satMod val="130000"/>
+                <a:shade val="90000"/>
+                <a:lumMod val="103000"/>
+              </a:schemeClr>
+            </a:gs>
+            <a:gs pos="100000">
+              <a:schemeClr val="phClr">
+                <a:shade val="63000"/>
+                <a:satMod val="120000"/>
+              </a:schemeClr>
+            </a:gs>
+          </a:gsLst>
+          <a:lin ang="5400000" scaled="0"/>
+        </a:gradFill>
+      </a:bgFillStyleLst>
+    </a:fmtScheme>
+  </a:themeElements>
+  <a:objectDefaults/>
+  <a:extraClrSchemeLst/>
+  <a:extLst>
+    <a:ext uri="{05A4C25C-085E-4340-85A3-A5531E510DB2}">
+      <thm15:themeFamily xmlns:thm15="http://schemas.microsoft.com/office/thememl/2012/main" name="Office Theme" id="{62F939B6-93AF-4DB8-9C6B-D6C7DFDC589F}" vid="{4A3C46E8-61CC-4603-A589-7422A47A8E4A}"/>
+    </a:ext>
+  </a:extLst>
+</a:theme>
 </file>
--- a/presentation.pptx
+++ b/presentation.pptx
@@ -5,7 +5,7 @@
     <p:sldMasterId id="2147483648" r:id="rId1"/>
   </p:sldMasterIdLst>
   <p:notesMasterIdLst>
-    <p:notesMasterId r:id="rId19"/>
+    <p:notesMasterId r:id="rId16"/>
   </p:notesMasterIdLst>
   <p:sldIdLst>
     <p:sldId id="256" r:id="rId2"/>
@@ -14,17 +14,14 @@
     <p:sldId id="259" r:id="rId5"/>
     <p:sldId id="271" r:id="rId6"/>
     <p:sldId id="272" r:id="rId7"/>
-    <p:sldId id="264" r:id="rId8"/>
-    <p:sldId id="265" r:id="rId9"/>
-    <p:sldId id="266" r:id="rId10"/>
-    <p:sldId id="267" r:id="rId11"/>
-    <p:sldId id="268" r:id="rId12"/>
+    <p:sldId id="265" r:id="rId8"/>
+    <p:sldId id="266" r:id="rId9"/>
+    <p:sldId id="267" r:id="rId10"/>
+    <p:sldId id="268" r:id="rId11"/>
+    <p:sldId id="275" r:id="rId12"/>
     <p:sldId id="273" r:id="rId13"/>
     <p:sldId id="274" r:id="rId14"/>
-    <p:sldId id="276" r:id="rId15"/>
-    <p:sldId id="275" r:id="rId16"/>
-    <p:sldId id="269" r:id="rId17"/>
-    <p:sldId id="270" r:id="rId18"/>
+    <p:sldId id="269" r:id="rId15"/>
   </p:sldIdLst>
   <p:sldSz cx="12192000" cy="6858000"/>
   <p:notesSz cx="6858000" cy="9144000"/>
@@ -213,7 +210,7 @@
           <a:p>
             <a:fld id="{6EFE7980-753D-4561-B6FA-AF5425BD0CC4}" type="datetimeFigureOut">
               <a:rPr lang="ru-RU" smtClean="0"/>
-              <a:t>27.05.2022</a:t>
+              <a:t>29.05.2022</a:t>
             </a:fld>
             <a:endParaRPr lang="ru-RU"/>
           </a:p>
@@ -627,7 +624,7 @@
           <a:p>
             <a:fld id="{2D595633-FEC6-41B9-B0A1-528C27FD4BC7}" type="datetime1">
               <a:rPr lang="ru-RU" smtClean="0"/>
-              <a:t>27.05.2022</a:t>
+              <a:t>29.05.2022</a:t>
             </a:fld>
             <a:endParaRPr lang="ru-RU"/>
           </a:p>
@@ -825,7 +822,7 @@
           <a:p>
             <a:fld id="{E0B68846-5A7D-494E-A21B-8CE02887DCC5}" type="datetime1">
               <a:rPr lang="ru-RU" smtClean="0"/>
-              <a:t>27.05.2022</a:t>
+              <a:t>29.05.2022</a:t>
             </a:fld>
             <a:endParaRPr lang="ru-RU"/>
           </a:p>
@@ -1033,7 +1030,7 @@
           <a:p>
             <a:fld id="{4781F2F9-03C2-4B05-8C49-879FAD1DC66F}" type="datetime1">
               <a:rPr lang="ru-RU" smtClean="0"/>
-              <a:t>27.05.2022</a:t>
+              <a:t>29.05.2022</a:t>
             </a:fld>
             <a:endParaRPr lang="ru-RU"/>
           </a:p>
@@ -1231,7 +1228,7 @@
           <a:p>
             <a:fld id="{C55CF103-CC98-4CD4-ADC0-0EB50A8E720A}" type="datetime1">
               <a:rPr lang="ru-RU" smtClean="0"/>
-              <a:t>27.05.2022</a:t>
+              <a:t>29.05.2022</a:t>
             </a:fld>
             <a:endParaRPr lang="ru-RU"/>
           </a:p>
@@ -1506,7 +1503,7 @@
           <a:p>
             <a:fld id="{4828CFB2-5362-4BA6-BEE3-BB2642E5F06E}" type="datetime1">
               <a:rPr lang="ru-RU" smtClean="0"/>
-              <a:t>27.05.2022</a:t>
+              <a:t>29.05.2022</a:t>
             </a:fld>
             <a:endParaRPr lang="ru-RU"/>
           </a:p>
@@ -1771,7 +1768,7 @@
           <a:p>
             <a:fld id="{93793127-953A-4FF8-AD25-9A7EAEB5CF5E}" type="datetime1">
               <a:rPr lang="ru-RU" smtClean="0"/>
-              <a:t>27.05.2022</a:t>
+              <a:t>29.05.2022</a:t>
             </a:fld>
             <a:endParaRPr lang="ru-RU"/>
           </a:p>
@@ -2183,7 +2180,7 @@
           <a:p>
             <a:fld id="{7CA2C41C-A390-4D97-B644-81D6A86436D0}" type="datetime1">
               <a:rPr lang="ru-RU" smtClean="0"/>
-              <a:t>27.05.2022</a:t>
+              <a:t>29.05.2022</a:t>
             </a:fld>
             <a:endParaRPr lang="ru-RU"/>
           </a:p>
@@ -2324,7 +2321,7 @@
           <a:p>
             <a:fld id="{01C7CE23-07DC-4D29-AE4F-CF9126D438E0}" type="datetime1">
               <a:rPr lang="ru-RU" smtClean="0"/>
-              <a:t>27.05.2022</a:t>
+              <a:t>29.05.2022</a:t>
             </a:fld>
             <a:endParaRPr lang="ru-RU"/>
           </a:p>
@@ -2437,7 +2434,7 @@
           <a:p>
             <a:fld id="{6416D010-49B1-4964-92ED-287255F37D04}" type="datetime1">
               <a:rPr lang="ru-RU" smtClean="0"/>
-              <a:t>27.05.2022</a:t>
+              <a:t>29.05.2022</a:t>
             </a:fld>
             <a:endParaRPr lang="ru-RU"/>
           </a:p>
@@ -2748,7 +2745,7 @@
           <a:p>
             <a:fld id="{9EB75F55-3DD5-4CE3-9B54-727202BA15E9}" type="datetime1">
               <a:rPr lang="ru-RU" smtClean="0"/>
-              <a:t>27.05.2022</a:t>
+              <a:t>29.05.2022</a:t>
             </a:fld>
             <a:endParaRPr lang="ru-RU"/>
           </a:p>
@@ -3036,7 +3033,7 @@
           <a:p>
             <a:fld id="{C04789F8-F8FE-4256-8AFF-2567DB3965F4}" type="datetime1">
               <a:rPr lang="ru-RU" smtClean="0"/>
-              <a:t>27.05.2022</a:t>
+              <a:t>29.05.2022</a:t>
             </a:fld>
             <a:endParaRPr lang="ru-RU"/>
           </a:p>
@@ -3277,7 +3274,7 @@
           <a:p>
             <a:fld id="{EA3FB417-0F2C-41D5-8173-80D866AD86E5}" type="datetime1">
               <a:rPr lang="ru-RU" smtClean="0"/>
-              <a:t>27.05.2022</a:t>
+              <a:t>29.05.2022</a:t>
             </a:fld>
             <a:endParaRPr lang="ru-RU"/>
           </a:p>
@@ -3713,7 +3710,7 @@
         </p:nvSpPr>
         <p:spPr>
           <a:xfrm>
-            <a:off x="1082040" y="1167766"/>
+            <a:off x="1082040" y="1645286"/>
             <a:ext cx="10027920" cy="3053397"/>
           </a:xfrm>
         </p:spPr>
@@ -3748,8 +3745,8 @@
         </p:nvSpPr>
         <p:spPr>
           <a:xfrm>
-            <a:off x="1524000" y="4175759"/>
-            <a:ext cx="9144000" cy="1655762"/>
+            <a:off x="828040" y="4891901"/>
+            <a:ext cx="10535920" cy="1655762"/>
           </a:xfrm>
         </p:spPr>
         <p:txBody>
@@ -3780,7 +3777,7 @@
             </a:r>
             <a:r>
               <a:rPr lang="ru-RU" dirty="0"/>
-              <a:t> Барышникова Марина Юрьевна</a:t>
+              <a:t> доцент кафедры ИУ-7 Барышникова Марина Юрьевна</a:t>
             </a:r>
           </a:p>
         </p:txBody>
@@ -3799,7 +3796,7 @@
         </p:nvSpPr>
         <p:spPr>
           <a:xfrm>
-            <a:off x="1524000" y="660698"/>
+            <a:off x="1524000" y="1138218"/>
             <a:ext cx="9144000" cy="461665"/>
           </a:xfrm>
           <a:prstGeom prst="rect">
@@ -3822,6 +3819,48 @@
               <a:t>:</a:t>
             </a:r>
             <a:endParaRPr lang="ru-RU" sz="2400" dirty="0"/>
+          </a:p>
+        </p:txBody>
+      </p:sp>
+      <p:sp>
+        <p:nvSpPr>
+          <p:cNvPr id="5" name="Прямоугольник 4">
+            <a:extLst>
+              <a:ext uri="{FF2B5EF4-FFF2-40B4-BE49-F238E27FC236}">
+                <a16:creationId xmlns:a16="http://schemas.microsoft.com/office/drawing/2014/main" id="{5C98651C-63A7-2177-4CDD-B1814E82A66D}"/>
+              </a:ext>
+            </a:extLst>
+          </p:cNvPr>
+          <p:cNvSpPr/>
+          <p:nvPr/>
+        </p:nvSpPr>
+        <p:spPr>
+          <a:xfrm>
+            <a:off x="0" y="195016"/>
+            <a:ext cx="12192000" cy="584775"/>
+          </a:xfrm>
+          <a:prstGeom prst="rect">
+            <a:avLst/>
+          </a:prstGeom>
+        </p:spPr>
+        <p:txBody>
+          <a:bodyPr wrap="square">
+            <a:spAutoFit/>
+          </a:bodyPr>
+          <a:lstStyle/>
+          <a:p>
+            <a:pPr algn="ctr"/>
+            <a:r>
+              <a:rPr lang="ru-RU" sz="1600" dirty="0"/>
+              <a:t>Московский государственный технический университет имени Н.Э. Баумана </a:t>
+            </a:r>
+            <a:br>
+              <a:rPr lang="ru-RU" sz="1600" dirty="0"/>
+            </a:br>
+            <a:r>
+              <a:rPr lang="ru-RU" sz="1600" dirty="0"/>
+              <a:t>(национальный исследовательский университет)</a:t>
+            </a:r>
           </a:p>
         </p:txBody>
       </p:sp>
@@ -3860,7 +3899,7 @@
           <p:cNvPr id="2" name="Заголовок 1">
             <a:extLst>
               <a:ext uri="{FF2B5EF4-FFF2-40B4-BE49-F238E27FC236}">
-                <a16:creationId xmlns:a16="http://schemas.microsoft.com/office/drawing/2014/main" id="{4A06C190-1C83-3B02-8817-843DA466AEE6}"/>
+                <a16:creationId xmlns:a16="http://schemas.microsoft.com/office/drawing/2014/main" id="{25D97059-8B96-A1EA-1828-7DDA7B01783E}"/>
               </a:ext>
             </a:extLst>
           </p:cNvPr>
@@ -3878,7 +3917,7 @@
           <a:p>
             <a:r>
               <a:rPr lang="ru-RU" dirty="0"/>
-              <a:t>Метод потенциалов</a:t>
+              <a:t>Метод интервалов</a:t>
             </a:r>
           </a:p>
         </p:txBody>
@@ -3888,7 +3927,7 @@
           <p:cNvPr id="6" name="Объект 5">
             <a:extLst>
               <a:ext uri="{FF2B5EF4-FFF2-40B4-BE49-F238E27FC236}">
-                <a16:creationId xmlns:a16="http://schemas.microsoft.com/office/drawing/2014/main" id="{5FD64BAF-10F5-998F-6B76-1A75619A0FF1}"/>
+                <a16:creationId xmlns:a16="http://schemas.microsoft.com/office/drawing/2014/main" id="{6E45D611-C4DC-0D63-A458-8D87496FAD6D}"/>
               </a:ext>
             </a:extLst>
           </p:cNvPr>
@@ -3910,13 +3949,13 @@
               </a:ext>
             </a:extLst>
           </a:blip>
-          <a:srcRect l="535" t="11514" r="468" b="24743"/>
+          <a:srcRect l="343" t="11355" r="617" b="35175"/>
           <a:stretch/>
         </p:blipFill>
         <p:spPr>
           <a:xfrm>
-            <a:off x="160020" y="2453958"/>
-            <a:ext cx="8209280" cy="4087238"/>
+            <a:off x="2019300" y="3317875"/>
+            <a:ext cx="8153400" cy="3403600"/>
           </a:xfrm>
         </p:spPr>
       </p:pic>
@@ -3925,7 +3964,7 @@
           <p:cNvPr id="4" name="Номер слайда 3">
             <a:extLst>
               <a:ext uri="{FF2B5EF4-FFF2-40B4-BE49-F238E27FC236}">
-                <a16:creationId xmlns:a16="http://schemas.microsoft.com/office/drawing/2014/main" id="{72ECEF5E-2B0E-6943-14E2-CC5FAD088195}"/>
+                <a16:creationId xmlns:a16="http://schemas.microsoft.com/office/drawing/2014/main" id="{7340891D-1E5B-1D2C-66F7-2ECB34E4A38D}"/>
               </a:ext>
             </a:extLst>
           </p:cNvPr>
@@ -3951,10 +3990,10 @@
       </p:sp>
       <p:pic>
         <p:nvPicPr>
-          <p:cNvPr id="8" name="Рисунок 7">
-            <a:extLst>
-              <a:ext uri="{FF2B5EF4-FFF2-40B4-BE49-F238E27FC236}">
-                <a16:creationId xmlns:a16="http://schemas.microsoft.com/office/drawing/2014/main" id="{9E83DE4F-5F1C-BD20-087F-0E77586216CA}"/>
+          <p:cNvPr id="12" name="Рисунок 11">
+            <a:extLst>
+              <a:ext uri="{FF2B5EF4-FFF2-40B4-BE49-F238E27FC236}">
+                <a16:creationId xmlns:a16="http://schemas.microsoft.com/office/drawing/2014/main" id="{B14AA9DF-F4E2-C4A0-7409-608C04A4FA47}"/>
               </a:ext>
             </a:extLst>
           </p:cNvPr>
@@ -3980,8 +4019,8 @@
         </p:blipFill>
         <p:spPr>
           <a:xfrm>
-            <a:off x="6969760" y="136525"/>
-            <a:ext cx="4978400" cy="2538008"/>
+            <a:off x="5829061" y="452966"/>
+            <a:ext cx="6224826" cy="1149879"/>
           </a:xfrm>
           <a:prstGeom prst="rect">
             <a:avLst/>
@@ -3990,10 +4029,10 @@
       </p:pic>
       <p:pic>
         <p:nvPicPr>
-          <p:cNvPr id="10" name="Рисунок 9">
-            <a:extLst>
-              <a:ext uri="{FF2B5EF4-FFF2-40B4-BE49-F238E27FC236}">
-                <a16:creationId xmlns:a16="http://schemas.microsoft.com/office/drawing/2014/main" id="{49C36072-B283-3951-49F0-7A69CC124253}"/>
+          <p:cNvPr id="14" name="Рисунок 13">
+            <a:extLst>
+              <a:ext uri="{FF2B5EF4-FFF2-40B4-BE49-F238E27FC236}">
+                <a16:creationId xmlns:a16="http://schemas.microsoft.com/office/drawing/2014/main" id="{78E4C27E-2BCD-9F9D-8458-23DDE1B7AC3E}"/>
               </a:ext>
             </a:extLst>
           </p:cNvPr>
@@ -4019,8 +4058,8 @@
         </p:blipFill>
         <p:spPr>
           <a:xfrm>
-            <a:off x="7053580" y="2346325"/>
-            <a:ext cx="4978400" cy="2257363"/>
+            <a:off x="5829062" y="1929342"/>
+            <a:ext cx="6224825" cy="1149879"/>
           </a:xfrm>
           <a:prstGeom prst="rect">
             <a:avLst/>
@@ -4030,7 +4069,7 @@
     </p:spTree>
     <p:extLst>
       <p:ext uri="{BB962C8B-B14F-4D97-AF65-F5344CB8AC3E}">
-        <p14:creationId xmlns:p14="http://schemas.microsoft.com/office/powerpoint/2010/main" val="4030159416"/>
+        <p14:creationId xmlns:p14="http://schemas.microsoft.com/office/powerpoint/2010/main" val="2951163618"/>
       </p:ext>
     </p:extLst>
   </p:cSld>
@@ -4062,7 +4101,7 @@
           <p:cNvPr id="2" name="Заголовок 1">
             <a:extLst>
               <a:ext uri="{FF2B5EF4-FFF2-40B4-BE49-F238E27FC236}">
-                <a16:creationId xmlns:a16="http://schemas.microsoft.com/office/drawing/2014/main" id="{25D97059-8B96-A1EA-1828-7DDA7B01783E}"/>
+                <a16:creationId xmlns:a16="http://schemas.microsoft.com/office/drawing/2014/main" id="{30DDECF4-6CB3-A52B-F6B5-252B5FB0FA24}"/>
               </a:ext>
             </a:extLst>
           </p:cNvPr>
@@ -4080,54 +4119,17 @@
           <a:p>
             <a:r>
               <a:rPr lang="ru-RU" dirty="0"/>
-              <a:t>Метод интервалов</a:t>
-            </a:r>
-          </a:p>
-        </p:txBody>
-      </p:sp>
-      <p:pic>
-        <p:nvPicPr>
-          <p:cNvPr id="6" name="Объект 5">
-            <a:extLst>
-              <a:ext uri="{FF2B5EF4-FFF2-40B4-BE49-F238E27FC236}">
-                <a16:creationId xmlns:a16="http://schemas.microsoft.com/office/drawing/2014/main" id="{6E45D611-C4DC-0D63-A458-8D87496FAD6D}"/>
-              </a:ext>
-            </a:extLst>
-          </p:cNvPr>
-          <p:cNvPicPr>
-            <a:picLocks noGrp="1" noChangeAspect="1"/>
-          </p:cNvPicPr>
-          <p:nvPr>
-            <p:ph idx="1"/>
-          </p:nvPr>
-        </p:nvPicPr>
-        <p:blipFill rotWithShape="1">
-          <a:blip r:embed="rId2">
-            <a:extLst>
-              <a:ext uri="{28A0092B-C50C-407E-A947-70E740481C1C}">
-                <a14:useLocalDpi xmlns:a14="http://schemas.microsoft.com/office/drawing/2010/main" val="0"/>
-              </a:ext>
-              <a:ext uri="{96DAC541-7B7A-43D3-8B79-37D633B846F1}">
-                <asvg:svgBlip xmlns:asvg="http://schemas.microsoft.com/office/drawing/2016/SVG/main" r:embed="rId3"/>
-              </a:ext>
-            </a:extLst>
-          </a:blip>
-          <a:srcRect l="343" t="11355" r="617" b="35175"/>
-          <a:stretch/>
-        </p:blipFill>
-        <p:spPr>
-          <a:xfrm>
-            <a:off x="2019300" y="3317875"/>
-            <a:ext cx="8153400" cy="3403600"/>
-          </a:xfrm>
-        </p:spPr>
-      </p:pic>
+              <a:t>Реализация программы</a:t>
+            </a:r>
+          </a:p>
+        </p:txBody>
+      </p:sp>
       <p:sp>
         <p:nvSpPr>
           <p:cNvPr id="4" name="Номер слайда 3">
             <a:extLst>
               <a:ext uri="{FF2B5EF4-FFF2-40B4-BE49-F238E27FC236}">
-                <a16:creationId xmlns:a16="http://schemas.microsoft.com/office/drawing/2014/main" id="{7340891D-1E5B-1D2C-66F7-2ECB34E4A38D}"/>
+                <a16:creationId xmlns:a16="http://schemas.microsoft.com/office/drawing/2014/main" id="{B0DC8631-66C6-3DD4-E800-03BF28DC7DA9}"/>
               </a:ext>
             </a:extLst>
           </p:cNvPr>
@@ -4153,10 +4155,44 @@
       </p:sp>
       <p:pic>
         <p:nvPicPr>
-          <p:cNvPr id="12" name="Рисунок 11">
-            <a:extLst>
-              <a:ext uri="{FF2B5EF4-FFF2-40B4-BE49-F238E27FC236}">
-                <a16:creationId xmlns:a16="http://schemas.microsoft.com/office/drawing/2014/main" id="{B14AA9DF-F4E2-C4A0-7409-608C04A4FA47}"/>
+          <p:cNvPr id="14" name="Объект 13">
+            <a:extLst>
+              <a:ext uri="{FF2B5EF4-FFF2-40B4-BE49-F238E27FC236}">
+                <a16:creationId xmlns:a16="http://schemas.microsoft.com/office/drawing/2014/main" id="{A4ED088E-4CAA-3079-F4DA-D1DB840AA8BE}"/>
+              </a:ext>
+            </a:extLst>
+          </p:cNvPr>
+          <p:cNvPicPr>
+            <a:picLocks noGrp="1" noChangeAspect="1"/>
+          </p:cNvPicPr>
+          <p:nvPr>
+            <p:ph idx="1"/>
+          </p:nvPr>
+        </p:nvPicPr>
+        <p:blipFill rotWithShape="1">
+          <a:blip r:embed="rId2">
+            <a:extLst>
+              <a:ext uri="{28A0092B-C50C-407E-A947-70E740481C1C}">
+                <a14:useLocalDpi xmlns:a14="http://schemas.microsoft.com/office/drawing/2010/main" val="0"/>
+              </a:ext>
+            </a:extLst>
+          </a:blip>
+          <a:srcRect l="4849" t="9414" r="20478" b="10966"/>
+          <a:stretch/>
+        </p:blipFill>
+        <p:spPr>
+          <a:xfrm>
+            <a:off x="838200" y="1690688"/>
+            <a:ext cx="5694680" cy="3225724"/>
+          </a:xfrm>
+        </p:spPr>
+      </p:pic>
+      <p:pic>
+        <p:nvPicPr>
+          <p:cNvPr id="16" name="Рисунок 15">
+            <a:extLst>
+              <a:ext uri="{FF2B5EF4-FFF2-40B4-BE49-F238E27FC236}">
+                <a16:creationId xmlns:a16="http://schemas.microsoft.com/office/drawing/2014/main" id="{FEC3DE25-7966-6D1E-16C5-38B118F0C6FD}"/>
               </a:ext>
             </a:extLst>
           </p:cNvPr>
@@ -4166,13 +4202,10 @@
           <p:nvPr/>
         </p:nvPicPr>
         <p:blipFill>
-          <a:blip r:embed="rId4">
+          <a:blip r:embed="rId3">
             <a:extLst>
               <a:ext uri="{28A0092B-C50C-407E-A947-70E740481C1C}">
                 <a14:useLocalDpi xmlns:a14="http://schemas.microsoft.com/office/drawing/2010/main" val="0"/>
-              </a:ext>
-              <a:ext uri="{96DAC541-7B7A-43D3-8B79-37D633B846F1}">
-                <asvg:svgBlip xmlns:asvg="http://schemas.microsoft.com/office/drawing/2016/SVG/main" r:embed="rId5"/>
               </a:ext>
             </a:extLst>
           </a:blip>
@@ -4182,8 +4215,8 @@
         </p:blipFill>
         <p:spPr>
           <a:xfrm>
-            <a:off x="5829061" y="452966"/>
-            <a:ext cx="6224826" cy="1149879"/>
+            <a:off x="6959126" y="519292"/>
+            <a:ext cx="4807726" cy="4397120"/>
           </a:xfrm>
           <a:prstGeom prst="rect">
             <a:avLst/>
@@ -4192,10 +4225,10 @@
       </p:pic>
       <p:pic>
         <p:nvPicPr>
-          <p:cNvPr id="14" name="Рисунок 13">
-            <a:extLst>
-              <a:ext uri="{FF2B5EF4-FFF2-40B4-BE49-F238E27FC236}">
-                <a16:creationId xmlns:a16="http://schemas.microsoft.com/office/drawing/2014/main" id="{78E4C27E-2BCD-9F9D-8458-23DDE1B7AC3E}"/>
+          <p:cNvPr id="20" name="Рисунок 19">
+            <a:extLst>
+              <a:ext uri="{FF2B5EF4-FFF2-40B4-BE49-F238E27FC236}">
+                <a16:creationId xmlns:a16="http://schemas.microsoft.com/office/drawing/2014/main" id="{0893E869-2B70-D388-5820-EEB5CEE95F14}"/>
               </a:ext>
             </a:extLst>
           </p:cNvPr>
@@ -4204,25 +4237,21 @@
           </p:cNvPicPr>
           <p:nvPr/>
         </p:nvPicPr>
-        <p:blipFill>
-          <a:blip r:embed="rId6">
+        <p:blipFill rotWithShape="1">
+          <a:blip r:embed="rId4">
             <a:extLst>
               <a:ext uri="{28A0092B-C50C-407E-A947-70E740481C1C}">
                 <a14:useLocalDpi xmlns:a14="http://schemas.microsoft.com/office/drawing/2010/main" val="0"/>
               </a:ext>
-              <a:ext uri="{96DAC541-7B7A-43D3-8B79-37D633B846F1}">
-                <asvg:svgBlip xmlns:asvg="http://schemas.microsoft.com/office/drawing/2016/SVG/main" r:embed="rId7"/>
-              </a:ext>
             </a:extLst>
           </a:blip>
-          <a:stretch>
-            <a:fillRect/>
-          </a:stretch>
+          <a:srcRect t="15205" b="10008"/>
+          <a:stretch/>
         </p:blipFill>
         <p:spPr>
           <a:xfrm>
-            <a:off x="5829062" y="1929342"/>
-            <a:ext cx="6224825" cy="1149879"/>
+            <a:off x="838200" y="5075173"/>
+            <a:ext cx="6781800" cy="1463739"/>
           </a:xfrm>
           <a:prstGeom prst="rect">
             <a:avLst/>
@@ -4232,7 +4261,7 @@
     </p:spTree>
     <p:extLst>
       <p:ext uri="{BB962C8B-B14F-4D97-AF65-F5344CB8AC3E}">
-        <p14:creationId xmlns:p14="http://schemas.microsoft.com/office/powerpoint/2010/main" val="2951163618"/>
+        <p14:creationId xmlns:p14="http://schemas.microsoft.com/office/powerpoint/2010/main" val="3334540345"/>
       </p:ext>
     </p:extLst>
   </p:cSld>
@@ -4514,7 +4543,7 @@
           <p:cNvPr id="2" name="Заголовок 1">
             <a:extLst>
               <a:ext uri="{FF2B5EF4-FFF2-40B4-BE49-F238E27FC236}">
-                <a16:creationId xmlns:a16="http://schemas.microsoft.com/office/drawing/2014/main" id="{5EED518B-E4DF-4A10-DF60-4AA51C1DC3D9}"/>
+                <a16:creationId xmlns:a16="http://schemas.microsoft.com/office/drawing/2014/main" id="{23596A9E-4078-1E5C-D5DA-69796D633637}"/>
               </a:ext>
             </a:extLst>
           </p:cNvPr>
@@ -4532,55 +4561,118 @@
           <a:p>
             <a:r>
               <a:rPr lang="ru-RU" dirty="0"/>
-              <a:t>Зависимости работы системы</a:t>
-            </a:r>
-          </a:p>
-        </p:txBody>
-      </p:sp>
-      <p:pic>
-        <p:nvPicPr>
-          <p:cNvPr id="6" name="Объект 5">
-            <a:extLst>
-              <a:ext uri="{FF2B5EF4-FFF2-40B4-BE49-F238E27FC236}">
-                <a16:creationId xmlns:a16="http://schemas.microsoft.com/office/drawing/2014/main" id="{63E3FA5A-947D-BD83-A84D-A7B0D85ACFDB}"/>
-              </a:ext>
-            </a:extLst>
-          </p:cNvPr>
-          <p:cNvPicPr>
-            <a:picLocks noGrp="1" noChangeAspect="1"/>
-          </p:cNvPicPr>
+              <a:t>Заключение</a:t>
+            </a:r>
+          </a:p>
+        </p:txBody>
+      </p:sp>
+      <p:sp>
+        <p:nvSpPr>
+          <p:cNvPr id="3" name="Объект 2">
+            <a:extLst>
+              <a:ext uri="{FF2B5EF4-FFF2-40B4-BE49-F238E27FC236}">
+                <a16:creationId xmlns:a16="http://schemas.microsoft.com/office/drawing/2014/main" id="{1AE8BDAC-9C81-E417-ABC3-D3E5A36A733C}"/>
+              </a:ext>
+            </a:extLst>
+          </p:cNvPr>
+          <p:cNvSpPr>
+            <a:spLocks noGrp="1"/>
+          </p:cNvSpPr>
           <p:nvPr>
             <p:ph idx="1"/>
           </p:nvPr>
-        </p:nvPicPr>
-        <p:blipFill>
-          <a:blip r:embed="rId2">
-            <a:extLst>
-              <a:ext uri="{28A0092B-C50C-407E-A947-70E740481C1C}">
-                <a14:useLocalDpi xmlns:a14="http://schemas.microsoft.com/office/drawing/2010/main" val="0"/>
-              </a:ext>
-              <a:ext uri="{96DAC541-7B7A-43D3-8B79-37D633B846F1}">
-                <asvg:svgBlip xmlns:asvg="http://schemas.microsoft.com/office/drawing/2016/SVG/main" r:embed="rId3"/>
-              </a:ext>
-            </a:extLst>
-          </a:blip>
-          <a:stretch>
-            <a:fillRect/>
-          </a:stretch>
-        </p:blipFill>
-        <p:spPr>
-          <a:xfrm>
-            <a:off x="838199" y="1808163"/>
-            <a:ext cx="10515599" cy="4608512"/>
-          </a:xfrm>
-        </p:spPr>
-      </p:pic>
+        </p:nvSpPr>
+        <p:spPr/>
+        <p:txBody>
+          <a:bodyPr>
+            <a:normAutofit fontScale="92500" lnSpcReduction="10000"/>
+          </a:bodyPr>
+          <a:lstStyle/>
+          <a:p>
+            <a:pPr marL="0" indent="0">
+              <a:buNone/>
+            </a:pPr>
+            <a:r>
+              <a:rPr lang="en-US" sz="3300" dirty="0"/>
+              <a:t>	</a:t>
+            </a:r>
+            <a:r>
+              <a:rPr lang="ru-RU" sz="3000" dirty="0"/>
+              <a:t>Достигнута поставленная цель</a:t>
+            </a:r>
+            <a:r>
+              <a:rPr lang="en-US" sz="3000" dirty="0"/>
+              <a:t>: </a:t>
+            </a:r>
+            <a:r>
+              <a:rPr lang="ru-RU" sz="3000" dirty="0"/>
+              <a:t>разработан собственный метод для оптимизации доставки товаров</a:t>
+            </a:r>
+            <a:r>
+              <a:rPr lang="en-US" sz="3000" dirty="0"/>
+              <a:t>.</a:t>
+            </a:r>
+          </a:p>
+          <a:p>
+            <a:pPr marL="0" indent="0">
+              <a:buNone/>
+            </a:pPr>
+            <a:r>
+              <a:rPr lang="en-US" sz="3000" dirty="0"/>
+              <a:t>	</a:t>
+            </a:r>
+            <a:r>
+              <a:rPr lang="ru-RU" sz="3000" dirty="0"/>
+              <a:t>Были решены следующие задачи</a:t>
+            </a:r>
+            <a:r>
+              <a:rPr lang="en-US" sz="3000" dirty="0"/>
+              <a:t>:</a:t>
+            </a:r>
+          </a:p>
+          <a:p>
+            <a:pPr lvl="1"/>
+            <a:r>
+              <a:rPr lang="ru-RU" sz="2600" dirty="0"/>
+              <a:t>проанализирована предметная область, проведён сравнительный анализ с известными решениями, выявлены основные особенности;</a:t>
+            </a:r>
+          </a:p>
+          <a:p>
+            <a:pPr lvl="1"/>
+            <a:r>
+              <a:rPr lang="ru-RU" sz="2600" dirty="0"/>
+              <a:t>установлены цели создания метода, его критерий оптимизации, допущения и ограничения;</a:t>
+            </a:r>
+          </a:p>
+          <a:p>
+            <a:pPr lvl="1"/>
+            <a:r>
+              <a:rPr lang="ru-RU" sz="2600" dirty="0"/>
+              <a:t>описана математическая модель в рамках формализации задачи;</a:t>
+            </a:r>
+          </a:p>
+          <a:p>
+            <a:pPr lvl="1"/>
+            <a:r>
+              <a:rPr lang="ru-RU" sz="2600" dirty="0"/>
+              <a:t>выделен, описан и реализован метод оптимизации грузоперевозок в транспортной системе;</a:t>
+            </a:r>
+          </a:p>
+          <a:p>
+            <a:pPr lvl="1"/>
+            <a:r>
+              <a:rPr lang="ru-RU" sz="2600" dirty="0"/>
+              <a:t>проведено исследование алгоритма, работоспособности программы и её ограничений.</a:t>
+            </a:r>
+          </a:p>
+        </p:txBody>
+      </p:sp>
       <p:sp>
         <p:nvSpPr>
           <p:cNvPr id="4" name="Номер слайда 3">
             <a:extLst>
               <a:ext uri="{FF2B5EF4-FFF2-40B4-BE49-F238E27FC236}">
-                <a16:creationId xmlns:a16="http://schemas.microsoft.com/office/drawing/2014/main" id="{C443E5F9-393C-FDF1-7030-D84FE39FACF1}"/>
+                <a16:creationId xmlns:a16="http://schemas.microsoft.com/office/drawing/2014/main" id="{31F174DD-13EF-F782-2177-092B5BB2A740}"/>
               </a:ext>
             </a:extLst>
           </p:cNvPr>
@@ -4607,460 +4699,7 @@
     </p:spTree>
     <p:extLst>
       <p:ext uri="{BB962C8B-B14F-4D97-AF65-F5344CB8AC3E}">
-        <p14:creationId xmlns:p14="http://schemas.microsoft.com/office/powerpoint/2010/main" val="970569758"/>
-      </p:ext>
-    </p:extLst>
-  </p:cSld>
-  <p:clrMapOvr>
-    <a:masterClrMapping/>
-  </p:clrMapOvr>
-</p:sld>
-</file>
-
-<file path=ppt/slides/slide15.xml><?xml version="1.0" encoding="utf-8"?>
-<p:sld xmlns:a="http://schemas.openxmlformats.org/drawingml/2006/main" xmlns:r="http://schemas.openxmlformats.org/officeDocument/2006/relationships" xmlns:p="http://schemas.openxmlformats.org/presentationml/2006/main">
-  <p:cSld>
-    <p:spTree>
-      <p:nvGrpSpPr>
-        <p:cNvPr id="1" name=""/>
-        <p:cNvGrpSpPr/>
-        <p:nvPr/>
-      </p:nvGrpSpPr>
-      <p:grpSpPr>
-        <a:xfrm>
-          <a:off x="0" y="0"/>
-          <a:ext cx="0" cy="0"/>
-          <a:chOff x="0" y="0"/>
-          <a:chExt cx="0" cy="0"/>
-        </a:xfrm>
-      </p:grpSpPr>
-      <p:sp>
-        <p:nvSpPr>
-          <p:cNvPr id="2" name="Заголовок 1">
-            <a:extLst>
-              <a:ext uri="{FF2B5EF4-FFF2-40B4-BE49-F238E27FC236}">
-                <a16:creationId xmlns:a16="http://schemas.microsoft.com/office/drawing/2014/main" id="{5EED518B-E4DF-4A10-DF60-4AA51C1DC3D9}"/>
-              </a:ext>
-            </a:extLst>
-          </p:cNvPr>
-          <p:cNvSpPr>
-            <a:spLocks noGrp="1"/>
-          </p:cNvSpPr>
-          <p:nvPr>
-            <p:ph type="title"/>
-          </p:nvPr>
-        </p:nvSpPr>
-        <p:spPr/>
-        <p:txBody>
-          <a:bodyPr/>
-          <a:lstStyle/>
-          <a:p>
-            <a:r>
-              <a:rPr lang="ru-RU" dirty="0"/>
-              <a:t>Зависимости работы системы</a:t>
-            </a:r>
-          </a:p>
-        </p:txBody>
-      </p:sp>
-      <p:sp>
-        <p:nvSpPr>
-          <p:cNvPr id="4" name="Номер слайда 3">
-            <a:extLst>
-              <a:ext uri="{FF2B5EF4-FFF2-40B4-BE49-F238E27FC236}">
-                <a16:creationId xmlns:a16="http://schemas.microsoft.com/office/drawing/2014/main" id="{C443E5F9-393C-FDF1-7030-D84FE39FACF1}"/>
-              </a:ext>
-            </a:extLst>
-          </p:cNvPr>
-          <p:cNvSpPr>
-            <a:spLocks noGrp="1"/>
-          </p:cNvSpPr>
-          <p:nvPr>
-            <p:ph type="sldNum" sz="quarter" idx="12"/>
-          </p:nvPr>
-        </p:nvSpPr>
-        <p:spPr/>
-        <p:txBody>
-          <a:bodyPr/>
-          <a:lstStyle/>
-          <a:p>
-            <a:fld id="{E44E20FB-DC41-4FB4-820E-A7F1077F5D74}" type="slidenum">
-              <a:rPr lang="ru-RU" smtClean="0"/>
-              <a:t>15</a:t>
-            </a:fld>
-            <a:endParaRPr lang="ru-RU"/>
-          </a:p>
-        </p:txBody>
-      </p:sp>
-      <p:pic>
-        <p:nvPicPr>
-          <p:cNvPr id="8" name="Рисунок 7">
-            <a:extLst>
-              <a:ext uri="{FF2B5EF4-FFF2-40B4-BE49-F238E27FC236}">
-                <a16:creationId xmlns:a16="http://schemas.microsoft.com/office/drawing/2014/main" id="{E2EAE004-FF6C-3541-6A5E-A250D42EC9F8}"/>
-              </a:ext>
-            </a:extLst>
-          </p:cNvPr>
-          <p:cNvPicPr>
-            <a:picLocks noChangeAspect="1"/>
-          </p:cNvPicPr>
-          <p:nvPr/>
-        </p:nvPicPr>
-        <p:blipFill>
-          <a:blip r:embed="rId2">
-            <a:extLst>
-              <a:ext uri="{28A0092B-C50C-407E-A947-70E740481C1C}">
-                <a14:useLocalDpi xmlns:a14="http://schemas.microsoft.com/office/drawing/2010/main" val="0"/>
-              </a:ext>
-              <a:ext uri="{96DAC541-7B7A-43D3-8B79-37D633B846F1}">
-                <asvg:svgBlip xmlns:asvg="http://schemas.microsoft.com/office/drawing/2016/SVG/main" r:embed="rId3"/>
-              </a:ext>
-            </a:extLst>
-          </a:blip>
-          <a:stretch>
-            <a:fillRect/>
-          </a:stretch>
-        </p:blipFill>
-        <p:spPr>
-          <a:xfrm>
-            <a:off x="838199" y="1808163"/>
-            <a:ext cx="10515599" cy="4612766"/>
-          </a:xfrm>
-          <a:prstGeom prst="rect">
-            <a:avLst/>
-          </a:prstGeom>
-        </p:spPr>
-      </p:pic>
-    </p:spTree>
-    <p:extLst>
-      <p:ext uri="{BB962C8B-B14F-4D97-AF65-F5344CB8AC3E}">
-        <p14:creationId xmlns:p14="http://schemas.microsoft.com/office/powerpoint/2010/main" val="2727964416"/>
-      </p:ext>
-    </p:extLst>
-  </p:cSld>
-  <p:clrMapOvr>
-    <a:masterClrMapping/>
-  </p:clrMapOvr>
-</p:sld>
-</file>
-
-<file path=ppt/slides/slide16.xml><?xml version="1.0" encoding="utf-8"?>
-<p:sld xmlns:a="http://schemas.openxmlformats.org/drawingml/2006/main" xmlns:r="http://schemas.openxmlformats.org/officeDocument/2006/relationships" xmlns:p="http://schemas.openxmlformats.org/presentationml/2006/main">
-  <p:cSld>
-    <p:spTree>
-      <p:nvGrpSpPr>
-        <p:cNvPr id="1" name=""/>
-        <p:cNvGrpSpPr/>
-        <p:nvPr/>
-      </p:nvGrpSpPr>
-      <p:grpSpPr>
-        <a:xfrm>
-          <a:off x="0" y="0"/>
-          <a:ext cx="0" cy="0"/>
-          <a:chOff x="0" y="0"/>
-          <a:chExt cx="0" cy="0"/>
-        </a:xfrm>
-      </p:grpSpPr>
-      <p:sp>
-        <p:nvSpPr>
-          <p:cNvPr id="2" name="Заголовок 1">
-            <a:extLst>
-              <a:ext uri="{FF2B5EF4-FFF2-40B4-BE49-F238E27FC236}">
-                <a16:creationId xmlns:a16="http://schemas.microsoft.com/office/drawing/2014/main" id="{23596A9E-4078-1E5C-D5DA-69796D633637}"/>
-              </a:ext>
-            </a:extLst>
-          </p:cNvPr>
-          <p:cNvSpPr>
-            <a:spLocks noGrp="1"/>
-          </p:cNvSpPr>
-          <p:nvPr>
-            <p:ph type="title"/>
-          </p:nvPr>
-        </p:nvSpPr>
-        <p:spPr/>
-        <p:txBody>
-          <a:bodyPr/>
-          <a:lstStyle/>
-          <a:p>
-            <a:r>
-              <a:rPr lang="ru-RU" dirty="0"/>
-              <a:t>Заключение</a:t>
-            </a:r>
-          </a:p>
-        </p:txBody>
-      </p:sp>
-      <p:sp>
-        <p:nvSpPr>
-          <p:cNvPr id="3" name="Объект 2">
-            <a:extLst>
-              <a:ext uri="{FF2B5EF4-FFF2-40B4-BE49-F238E27FC236}">
-                <a16:creationId xmlns:a16="http://schemas.microsoft.com/office/drawing/2014/main" id="{1AE8BDAC-9C81-E417-ABC3-D3E5A36A733C}"/>
-              </a:ext>
-            </a:extLst>
-          </p:cNvPr>
-          <p:cNvSpPr>
-            <a:spLocks noGrp="1"/>
-          </p:cNvSpPr>
-          <p:nvPr>
-            <p:ph idx="1"/>
-          </p:nvPr>
-        </p:nvSpPr>
-        <p:spPr/>
-        <p:txBody>
-          <a:bodyPr>
-            <a:normAutofit fontScale="92500" lnSpcReduction="10000"/>
-          </a:bodyPr>
-          <a:lstStyle/>
-          <a:p>
-            <a:pPr marL="0" indent="0">
-              <a:buNone/>
-            </a:pPr>
-            <a:r>
-              <a:rPr lang="en-US" sz="3300" dirty="0"/>
-              <a:t>	</a:t>
-            </a:r>
-            <a:r>
-              <a:rPr lang="ru-RU" sz="3000" dirty="0"/>
-              <a:t>Достигнута поставленная цель</a:t>
-            </a:r>
-            <a:r>
-              <a:rPr lang="en-US" sz="3000" dirty="0"/>
-              <a:t>: </a:t>
-            </a:r>
-            <a:r>
-              <a:rPr lang="ru-RU" sz="3000" dirty="0"/>
-              <a:t>разработан собственный метод для оптимизации доставки товаров</a:t>
-            </a:r>
-            <a:r>
-              <a:rPr lang="en-US" sz="3000" dirty="0"/>
-              <a:t>.</a:t>
-            </a:r>
-          </a:p>
-          <a:p>
-            <a:pPr marL="0" indent="0">
-              <a:buNone/>
-            </a:pPr>
-            <a:r>
-              <a:rPr lang="en-US" sz="3000" dirty="0"/>
-              <a:t>	</a:t>
-            </a:r>
-            <a:r>
-              <a:rPr lang="ru-RU" sz="3000" dirty="0"/>
-              <a:t>Были решены следующие задачи</a:t>
-            </a:r>
-            <a:r>
-              <a:rPr lang="en-US" sz="3000" dirty="0"/>
-              <a:t>:</a:t>
-            </a:r>
-          </a:p>
-          <a:p>
-            <a:pPr lvl="1"/>
-            <a:r>
-              <a:rPr lang="ru-RU" sz="2600" dirty="0" err="1"/>
-              <a:t>проанализированна</a:t>
-            </a:r>
-            <a:r>
-              <a:rPr lang="ru-RU" sz="2600" dirty="0"/>
-              <a:t> предметная область, проведён сравнительный анализ с известными решениями, </a:t>
-            </a:r>
-            <a:r>
-              <a:rPr lang="ru-RU" sz="2600" dirty="0" err="1"/>
-              <a:t>выявленны</a:t>
-            </a:r>
-            <a:r>
-              <a:rPr lang="ru-RU" sz="2600" dirty="0"/>
-              <a:t> основные особенности;</a:t>
-            </a:r>
-          </a:p>
-          <a:p>
-            <a:pPr lvl="1"/>
-            <a:r>
-              <a:rPr lang="ru-RU" sz="2600" dirty="0"/>
-              <a:t>установлены цели создания метода, его критерий оптимизации, допущения и ограничения;</a:t>
-            </a:r>
-          </a:p>
-          <a:p>
-            <a:pPr lvl="1"/>
-            <a:r>
-              <a:rPr lang="ru-RU" sz="2600" dirty="0"/>
-              <a:t>описана математическая модель в рамках формализации задачи;</a:t>
-            </a:r>
-          </a:p>
-          <a:p>
-            <a:pPr lvl="1"/>
-            <a:r>
-              <a:rPr lang="ru-RU" sz="2600" dirty="0"/>
-              <a:t>выделен, описан и реализован метод оптимизации грузоперевозок в транспортной системе;</a:t>
-            </a:r>
-          </a:p>
-          <a:p>
-            <a:pPr lvl="1"/>
-            <a:r>
-              <a:rPr lang="ru-RU" sz="2600" dirty="0"/>
-              <a:t>проведено исследование алгоритма, работоспособности программы и её ограничений.</a:t>
-            </a:r>
-          </a:p>
-        </p:txBody>
-      </p:sp>
-      <p:sp>
-        <p:nvSpPr>
-          <p:cNvPr id="4" name="Номер слайда 3">
-            <a:extLst>
-              <a:ext uri="{FF2B5EF4-FFF2-40B4-BE49-F238E27FC236}">
-                <a16:creationId xmlns:a16="http://schemas.microsoft.com/office/drawing/2014/main" id="{31F174DD-13EF-F782-2177-092B5BB2A740}"/>
-              </a:ext>
-            </a:extLst>
-          </p:cNvPr>
-          <p:cNvSpPr>
-            <a:spLocks noGrp="1"/>
-          </p:cNvSpPr>
-          <p:nvPr>
-            <p:ph type="sldNum" sz="quarter" idx="12"/>
-          </p:nvPr>
-        </p:nvSpPr>
-        <p:spPr/>
-        <p:txBody>
-          <a:bodyPr/>
-          <a:lstStyle/>
-          <a:p>
-            <a:fld id="{E44E20FB-DC41-4FB4-820E-A7F1077F5D74}" type="slidenum">
-              <a:rPr lang="ru-RU" smtClean="0"/>
-              <a:t>16</a:t>
-            </a:fld>
-            <a:endParaRPr lang="ru-RU"/>
-          </a:p>
-        </p:txBody>
-      </p:sp>
-    </p:spTree>
-    <p:extLst>
-      <p:ext uri="{BB962C8B-B14F-4D97-AF65-F5344CB8AC3E}">
         <p14:creationId xmlns:p14="http://schemas.microsoft.com/office/powerpoint/2010/main" val="130751257"/>
-      </p:ext>
-    </p:extLst>
-  </p:cSld>
-  <p:clrMapOvr>
-    <a:masterClrMapping/>
-  </p:clrMapOvr>
-</p:sld>
-</file>
-
-<file path=ppt/slides/slide17.xml><?xml version="1.0" encoding="utf-8"?>
-<p:sld xmlns:a="http://schemas.openxmlformats.org/drawingml/2006/main" xmlns:r="http://schemas.openxmlformats.org/officeDocument/2006/relationships" xmlns:p="http://schemas.openxmlformats.org/presentationml/2006/main">
-  <p:cSld>
-    <p:spTree>
-      <p:nvGrpSpPr>
-        <p:cNvPr id="1" name=""/>
-        <p:cNvGrpSpPr/>
-        <p:nvPr/>
-      </p:nvGrpSpPr>
-      <p:grpSpPr>
-        <a:xfrm>
-          <a:off x="0" y="0"/>
-          <a:ext cx="0" cy="0"/>
-          <a:chOff x="0" y="0"/>
-          <a:chExt cx="0" cy="0"/>
-        </a:xfrm>
-      </p:grpSpPr>
-      <p:sp>
-        <p:nvSpPr>
-          <p:cNvPr id="2" name="Заголовок 1">
-            <a:extLst>
-              <a:ext uri="{FF2B5EF4-FFF2-40B4-BE49-F238E27FC236}">
-                <a16:creationId xmlns:a16="http://schemas.microsoft.com/office/drawing/2014/main" id="{BCD87C07-CD6D-40C1-1D85-CD914BC3D8C6}"/>
-              </a:ext>
-            </a:extLst>
-          </p:cNvPr>
-          <p:cNvSpPr>
-            <a:spLocks noGrp="1"/>
-          </p:cNvSpPr>
-          <p:nvPr>
-            <p:ph type="title"/>
-          </p:nvPr>
-        </p:nvSpPr>
-        <p:spPr/>
-        <p:txBody>
-          <a:bodyPr/>
-          <a:lstStyle/>
-          <a:p>
-            <a:r>
-              <a:rPr lang="ru-RU" dirty="0"/>
-              <a:t>Дальнейшее развитие</a:t>
-            </a:r>
-          </a:p>
-        </p:txBody>
-      </p:sp>
-      <p:sp>
-        <p:nvSpPr>
-          <p:cNvPr id="3" name="Объект 2">
-            <a:extLst>
-              <a:ext uri="{FF2B5EF4-FFF2-40B4-BE49-F238E27FC236}">
-                <a16:creationId xmlns:a16="http://schemas.microsoft.com/office/drawing/2014/main" id="{9499CD80-5670-7AD8-B957-F801462CB0A6}"/>
-              </a:ext>
-            </a:extLst>
-          </p:cNvPr>
-          <p:cNvSpPr>
-            <a:spLocks noGrp="1"/>
-          </p:cNvSpPr>
-          <p:nvPr>
-            <p:ph idx="1"/>
-          </p:nvPr>
-        </p:nvSpPr>
-        <p:spPr/>
-        <p:txBody>
-          <a:bodyPr/>
-          <a:lstStyle/>
-          <a:p>
-            <a:r>
-              <a:rPr lang="ru-RU" dirty="0"/>
-              <a:t>Расчёт транспортировки тар различного объёма в транспортных средствах различной вместительности.</a:t>
-            </a:r>
-          </a:p>
-          <a:p>
-            <a:r>
-              <a:rPr lang="ru-RU" dirty="0"/>
-              <a:t>Задание приоритетов очерёдности доставки.</a:t>
-            </a:r>
-          </a:p>
-          <a:p>
-            <a:r>
-              <a:rPr lang="ru-RU" dirty="0"/>
-              <a:t>Редактирование транспортной системы и перестройка плана в течении дня.</a:t>
-            </a:r>
-          </a:p>
-        </p:txBody>
-      </p:sp>
-      <p:sp>
-        <p:nvSpPr>
-          <p:cNvPr id="4" name="Номер слайда 3">
-            <a:extLst>
-              <a:ext uri="{FF2B5EF4-FFF2-40B4-BE49-F238E27FC236}">
-                <a16:creationId xmlns:a16="http://schemas.microsoft.com/office/drawing/2014/main" id="{CDA15FC9-DE2A-1A0F-A143-89019D9449E2}"/>
-              </a:ext>
-            </a:extLst>
-          </p:cNvPr>
-          <p:cNvSpPr>
-            <a:spLocks noGrp="1"/>
-          </p:cNvSpPr>
-          <p:nvPr>
-            <p:ph type="sldNum" sz="quarter" idx="12"/>
-          </p:nvPr>
-        </p:nvSpPr>
-        <p:spPr/>
-        <p:txBody>
-          <a:bodyPr/>
-          <a:lstStyle/>
-          <a:p>
-            <a:fld id="{E44E20FB-DC41-4FB4-820E-A7F1077F5D74}" type="slidenum">
-              <a:rPr lang="ru-RU" smtClean="0"/>
-              <a:t>17</a:t>
-            </a:fld>
-            <a:endParaRPr lang="ru-RU"/>
-          </a:p>
-        </p:txBody>
-      </p:sp>
-    </p:spTree>
-    <p:extLst>
-      <p:ext uri="{BB962C8B-B14F-4D97-AF65-F5344CB8AC3E}">
-        <p14:creationId xmlns:p14="http://schemas.microsoft.com/office/powerpoint/2010/main" val="2486268814"/>
       </p:ext>
     </p:extLst>
   </p:cSld>
@@ -6021,7 +5660,7 @@
           <a:p>
             <a:r>
               <a:rPr lang="ru-RU" dirty="0"/>
-              <a:t>Математическая модель</a:t>
+              <a:t>Математическая постановка задачи</a:t>
             </a:r>
           </a:p>
         </p:txBody>
@@ -6042,7 +5681,12 @@
             <p:ph idx="1"/>
           </p:nvPr>
         </p:nvSpPr>
-        <p:spPr/>
+        <p:spPr>
+          <a:xfrm>
+            <a:off x="838200" y="2141537"/>
+            <a:ext cx="11291888" cy="4351338"/>
+          </a:xfrm>
+        </p:spPr>
         <p:txBody>
           <a:bodyPr/>
           <a:lstStyle/>
@@ -6055,6 +5699,11 @@
               <a:rPr lang="en-US" dirty="0"/>
               <a:t>: </a:t>
             </a:r>
+          </a:p>
+          <a:p>
+            <a:pPr marL="0" indent="0">
+              <a:buNone/>
+            </a:pPr>
             <a:r>
               <a:rPr lang="ru-RU" dirty="0"/>
               <a:t>неориентированный связанный взвешенный граф.</a:t>
@@ -6163,6 +5812,45 @@
           </a:p>
         </p:txBody>
       </p:sp>
+      <p:pic>
+        <p:nvPicPr>
+          <p:cNvPr id="8" name="Рисунок 7">
+            <a:extLst>
+              <a:ext uri="{FF2B5EF4-FFF2-40B4-BE49-F238E27FC236}">
+                <a16:creationId xmlns:a16="http://schemas.microsoft.com/office/drawing/2014/main" id="{9370A371-C16D-6C93-7B73-AB755915DAE7}"/>
+              </a:ext>
+            </a:extLst>
+          </p:cNvPr>
+          <p:cNvPicPr>
+            <a:picLocks noChangeAspect="1"/>
+          </p:cNvPicPr>
+          <p:nvPr/>
+        </p:nvPicPr>
+        <p:blipFill>
+          <a:blip r:embed="rId2">
+            <a:extLst>
+              <a:ext uri="{28A0092B-C50C-407E-A947-70E740481C1C}">
+                <a14:useLocalDpi xmlns:a14="http://schemas.microsoft.com/office/drawing/2010/main" val="0"/>
+              </a:ext>
+              <a:ext uri="{96DAC541-7B7A-43D3-8B79-37D633B846F1}">
+                <asvg:svgBlip xmlns:asvg="http://schemas.microsoft.com/office/drawing/2016/SVG/main" r:embed="rId3"/>
+              </a:ext>
+            </a:extLst>
+          </a:blip>
+          <a:stretch>
+            <a:fillRect/>
+          </a:stretch>
+        </p:blipFill>
+        <p:spPr>
+          <a:xfrm>
+            <a:off x="8219975" y="797691"/>
+            <a:ext cx="3910113" cy="1785994"/>
+          </a:xfrm>
+          <a:prstGeom prst="rect">
+            <a:avLst/>
+          </a:prstGeom>
+        </p:spPr>
+      </p:pic>
     </p:spTree>
     <p:extLst>
       <p:ext uri="{BB962C8B-B14F-4D97-AF65-F5344CB8AC3E}">
@@ -6216,7 +5904,7 @@
           <a:p>
             <a:r>
               <a:rPr lang="ru-RU" dirty="0"/>
-              <a:t>Математическая модель</a:t>
+              <a:t>Математическая постановка задачи</a:t>
             </a:r>
           </a:p>
         </p:txBody>
@@ -6241,6 +5929,64 @@
         <p:txBody>
           <a:bodyPr/>
           <a:lstStyle/>
+          <a:p>
+            <a:r>
+              <a:rPr lang="ru-RU" dirty="0"/>
+              <a:t>Критерий оптимизации – минимальная длительность маршрутов </a:t>
+            </a:r>
+            <a:endParaRPr lang="en-US" dirty="0"/>
+          </a:p>
+          <a:p>
+            <a:pPr marL="0" indent="0">
+              <a:buNone/>
+            </a:pPr>
+            <a:endParaRPr lang="en-US" dirty="0"/>
+          </a:p>
+          <a:p>
+            <a:endParaRPr lang="en-US" dirty="0"/>
+          </a:p>
+          <a:p>
+            <a:pPr marL="0" indent="0">
+              <a:buNone/>
+            </a:pPr>
+            <a:r>
+              <a:rPr lang="ru-RU" dirty="0"/>
+              <a:t>Где </a:t>
+            </a:r>
+            <a:r>
+              <a:rPr lang="en-US" dirty="0"/>
+              <a:t>d – </a:t>
+            </a:r>
+            <a:r>
+              <a:rPr lang="ru-RU" dirty="0"/>
+              <a:t>расстояние между пунктами, </a:t>
+            </a:r>
+            <a:r>
+              <a:rPr lang="en-US" dirty="0"/>
+              <a:t>R – </a:t>
+            </a:r>
+            <a:r>
+              <a:rPr lang="ru-RU" dirty="0"/>
+              <a:t>маршрут, </a:t>
+            </a:r>
+            <a:r>
+              <a:rPr lang="en-US" dirty="0"/>
+              <a:t>RP – </a:t>
+            </a:r>
+            <a:r>
+              <a:rPr lang="ru-RU" dirty="0"/>
+              <a:t>пункты маршрута. </a:t>
+            </a:r>
+            <a:r>
+              <a:rPr lang="en-US" dirty="0"/>
+              <a:t>L – </a:t>
+            </a:r>
+            <a:r>
+              <a:rPr lang="ru-RU" dirty="0"/>
+              <a:t>функция оптимизации.</a:t>
+            </a:r>
+            <a:endParaRPr lang="en-US" dirty="0"/>
+          </a:p>
           <a:p>
             <a:r>
               <a:rPr lang="ru-RU" dirty="0"/>
@@ -6273,12 +6019,6 @@
               <a:buNone/>
             </a:pPr>
             <a:endParaRPr lang="ru-RU" dirty="0"/>
-          </a:p>
-          <a:p>
-            <a:r>
-              <a:rPr lang="ru-RU" dirty="0"/>
-              <a:t>Критерий оптимизации – минимальная длительность маршрутов </a:t>
-            </a:r>
           </a:p>
         </p:txBody>
       </p:sp>
@@ -6313,10 +6053,10 @@
       </p:sp>
       <p:pic>
         <p:nvPicPr>
-          <p:cNvPr id="7" name="Рисунок 6">
-            <a:extLst>
-              <a:ext uri="{FF2B5EF4-FFF2-40B4-BE49-F238E27FC236}">
-                <a16:creationId xmlns:a16="http://schemas.microsoft.com/office/drawing/2014/main" id="{6C2C0506-096C-F5B6-DC08-C8A37998FCEA}"/>
+          <p:cNvPr id="9" name="Рисунок 8">
+            <a:extLst>
+              <a:ext uri="{FF2B5EF4-FFF2-40B4-BE49-F238E27FC236}">
+                <a16:creationId xmlns:a16="http://schemas.microsoft.com/office/drawing/2014/main" id="{2A6D65A1-4E7A-E62D-F2DB-4024F7CBE333}"/>
               </a:ext>
             </a:extLst>
           </p:cNvPr>
@@ -6342,47 +6082,8 @@
         </p:blipFill>
         <p:spPr>
           <a:xfrm>
-            <a:off x="1280053" y="4347803"/>
-            <a:ext cx="5028142" cy="1098742"/>
-          </a:xfrm>
-          <a:prstGeom prst="rect">
-            <a:avLst/>
-          </a:prstGeom>
-        </p:spPr>
-      </p:pic>
-      <p:pic>
-        <p:nvPicPr>
-          <p:cNvPr id="9" name="Рисунок 8">
-            <a:extLst>
-              <a:ext uri="{FF2B5EF4-FFF2-40B4-BE49-F238E27FC236}">
-                <a16:creationId xmlns:a16="http://schemas.microsoft.com/office/drawing/2014/main" id="{2A6D65A1-4E7A-E62D-F2DB-4024F7CBE333}"/>
-              </a:ext>
-            </a:extLst>
-          </p:cNvPr>
-          <p:cNvPicPr>
-            <a:picLocks noChangeAspect="1"/>
-          </p:cNvPicPr>
-          <p:nvPr/>
-        </p:nvPicPr>
-        <p:blipFill>
-          <a:blip r:embed="rId4">
-            <a:extLst>
-              <a:ext uri="{28A0092B-C50C-407E-A947-70E740481C1C}">
-                <a14:useLocalDpi xmlns:a14="http://schemas.microsoft.com/office/drawing/2010/main" val="0"/>
-              </a:ext>
-              <a:ext uri="{96DAC541-7B7A-43D3-8B79-37D633B846F1}">
-                <asvg:svgBlip xmlns:asvg="http://schemas.microsoft.com/office/drawing/2016/SVG/main" r:embed="rId5"/>
-              </a:ext>
-            </a:extLst>
-          </a:blip>
-          <a:stretch>
-            <a:fillRect/>
-          </a:stretch>
-        </p:blipFill>
-        <p:spPr>
-          <a:xfrm>
-            <a:off x="5003270" y="2127183"/>
-            <a:ext cx="1538991" cy="617843"/>
+            <a:off x="5054070" y="4546158"/>
+            <a:ext cx="1763290" cy="707890"/>
           </a:xfrm>
           <a:prstGeom prst="rect">
             <a:avLst/>
@@ -6404,13 +6105,13 @@
           <p:nvPr/>
         </p:nvPicPr>
         <p:blipFill>
-          <a:blip r:embed="rId6">
+          <a:blip r:embed="rId4">
             <a:extLst>
               <a:ext uri="{28A0092B-C50C-407E-A947-70E740481C1C}">
                 <a14:useLocalDpi xmlns:a14="http://schemas.microsoft.com/office/drawing/2010/main" val="0"/>
               </a:ext>
               <a:ext uri="{96DAC541-7B7A-43D3-8B79-37D633B846F1}">
-                <asvg:svgBlip xmlns:asvg="http://schemas.microsoft.com/office/drawing/2016/SVG/main" r:embed="rId7"/>
+                <asvg:svgBlip xmlns:asvg="http://schemas.microsoft.com/office/drawing/2016/SVG/main" r:embed="rId5"/>
               </a:ext>
             </a:extLst>
           </a:blip>
@@ -6420,8 +6121,8 @@
         </p:blipFill>
         <p:spPr>
           <a:xfrm>
-            <a:off x="7839075" y="2495082"/>
-            <a:ext cx="2526537" cy="617843"/>
+            <a:off x="8016545" y="4943640"/>
+            <a:ext cx="2894765" cy="707890"/>
           </a:xfrm>
           <a:prstGeom prst="rect">
             <a:avLst/>
@@ -6443,13 +6144,13 @@
           <p:nvPr/>
         </p:nvPicPr>
         <p:blipFill>
-          <a:blip r:embed="rId8">
+          <a:blip r:embed="rId6">
             <a:extLst>
               <a:ext uri="{28A0092B-C50C-407E-A947-70E740481C1C}">
                 <a14:useLocalDpi xmlns:a14="http://schemas.microsoft.com/office/drawing/2010/main" val="0"/>
               </a:ext>
               <a:ext uri="{96DAC541-7B7A-43D3-8B79-37D633B846F1}">
-                <asvg:svgBlip xmlns:asvg="http://schemas.microsoft.com/office/drawing/2016/SVG/main" r:embed="rId9"/>
+                <asvg:svgBlip xmlns:asvg="http://schemas.microsoft.com/office/drawing/2016/SVG/main" r:embed="rId7"/>
               </a:ext>
             </a:extLst>
           </a:blip>
@@ -6459,8 +6160,47 @@
         </p:blipFill>
         <p:spPr>
           <a:xfrm>
-            <a:off x="6654799" y="2983391"/>
-            <a:ext cx="2179297" cy="617842"/>
+            <a:off x="6574154" y="5433435"/>
+            <a:ext cx="2509521" cy="711462"/>
+          </a:xfrm>
+          <a:prstGeom prst="rect">
+            <a:avLst/>
+          </a:prstGeom>
+        </p:spPr>
+      </p:pic>
+      <p:pic>
+        <p:nvPicPr>
+          <p:cNvPr id="6" name="Рисунок 5">
+            <a:extLst>
+              <a:ext uri="{FF2B5EF4-FFF2-40B4-BE49-F238E27FC236}">
+                <a16:creationId xmlns:a16="http://schemas.microsoft.com/office/drawing/2014/main" id="{71C05888-3EBA-0925-0163-4D6A9C9D3B7E}"/>
+              </a:ext>
+            </a:extLst>
+          </p:cNvPr>
+          <p:cNvPicPr>
+            <a:picLocks noChangeAspect="1"/>
+          </p:cNvPicPr>
+          <p:nvPr/>
+        </p:nvPicPr>
+        <p:blipFill>
+          <a:blip r:embed="rId8">
+            <a:extLst>
+              <a:ext uri="{28A0092B-C50C-407E-A947-70E740481C1C}">
+                <a14:useLocalDpi xmlns:a14="http://schemas.microsoft.com/office/drawing/2010/main" val="0"/>
+              </a:ext>
+              <a:ext uri="{96DAC541-7B7A-43D3-8B79-37D633B846F1}">
+                <asvg:svgBlip xmlns:asvg="http://schemas.microsoft.com/office/drawing/2016/SVG/main" r:embed="rId9"/>
+              </a:ext>
+            </a:extLst>
+          </a:blip>
+          <a:stretch>
+            <a:fillRect/>
+          </a:stretch>
+        </p:blipFill>
+        <p:spPr>
+          <a:xfrm>
+            <a:off x="1000760" y="2425786"/>
+            <a:ext cx="4505960" cy="1003214"/>
           </a:xfrm>
           <a:prstGeom prst="rect">
             <a:avLst/>
@@ -6502,7 +6242,7 @@
           <p:cNvPr id="2" name="Заголовок 1">
             <a:extLst>
               <a:ext uri="{FF2B5EF4-FFF2-40B4-BE49-F238E27FC236}">
-                <a16:creationId xmlns:a16="http://schemas.microsoft.com/office/drawing/2014/main" id="{B861179B-5AC0-4064-9585-EEDC5EB58AC3}"/>
+                <a16:creationId xmlns:a16="http://schemas.microsoft.com/office/drawing/2014/main" id="{C590A2E5-A0CE-BAED-2845-1F368ABA2C43}"/>
               </a:ext>
             </a:extLst>
           </p:cNvPr>
@@ -6520,310 +6260,54 @@
           <a:p>
             <a:r>
               <a:rPr lang="ru-RU" dirty="0"/>
-              <a:t>Формат данных</a:t>
-            </a:r>
-          </a:p>
-        </p:txBody>
-      </p:sp>
-      <p:graphicFrame>
-        <p:nvGraphicFramePr>
-          <p:cNvPr id="4" name="Таблица 4">
-            <a:extLst>
-              <a:ext uri="{FF2B5EF4-FFF2-40B4-BE49-F238E27FC236}">
-                <a16:creationId xmlns:a16="http://schemas.microsoft.com/office/drawing/2014/main" id="{13DC82FD-6A4B-445D-BBC5-D1EC3BCFF341}"/>
-              </a:ext>
-            </a:extLst>
-          </p:cNvPr>
-          <p:cNvGraphicFramePr>
-            <a:graphicFrameLocks/>
-          </p:cNvGraphicFramePr>
-          <p:nvPr>
-            <p:extLst>
-              <p:ext uri="{D42A27DB-BD31-4B8C-83A1-F6EECF244321}">
-                <p14:modId xmlns:p14="http://schemas.microsoft.com/office/powerpoint/2010/main" val="3486086976"/>
-              </p:ext>
-            </p:extLst>
-          </p:nvPr>
-        </p:nvGraphicFramePr>
-        <p:xfrm>
-          <a:off x="838200" y="1690687"/>
-          <a:ext cx="10515600" cy="4496753"/>
-        </p:xfrm>
-        <a:graphic>
-          <a:graphicData uri="http://schemas.openxmlformats.org/drawingml/2006/table">
-            <a:tbl>
-              <a:tblPr firstRow="1" bandRow="1">
-                <a:tableStyleId>{073A0DAA-6AF3-43AB-8588-CEC1D06C72B9}</a:tableStyleId>
-              </a:tblPr>
-              <a:tblGrid>
-                <a:gridCol w="5257800">
-                  <a:extLst>
-                    <a:ext uri="{9D8B030D-6E8A-4147-A177-3AD203B41FA5}">
-                      <a16:colId xmlns:a16="http://schemas.microsoft.com/office/drawing/2014/main" val="758202606"/>
-                    </a:ext>
-                  </a:extLst>
-                </a:gridCol>
-                <a:gridCol w="5257800">
-                  <a:extLst>
-                    <a:ext uri="{9D8B030D-6E8A-4147-A177-3AD203B41FA5}">
-                      <a16:colId xmlns:a16="http://schemas.microsoft.com/office/drawing/2014/main" val="3064534097"/>
-                    </a:ext>
-                  </a:extLst>
-                </a:gridCol>
-              </a:tblGrid>
-              <a:tr h="680207">
-                <a:tc>
-                  <a:txBody>
-                    <a:bodyPr/>
-                    <a:lstStyle/>
-                    <a:p>
-                      <a:pPr algn="ctr"/>
-                      <a:r>
-                        <a:rPr lang="ru-RU" sz="1900" dirty="0"/>
-                        <a:t>Вход</a:t>
-                      </a:r>
-                    </a:p>
-                  </a:txBody>
-                  <a:tcPr marL="98251" marR="98251" marT="49125" marB="49125" anchor="ctr"/>
-                </a:tc>
-                <a:tc>
-                  <a:txBody>
-                    <a:bodyPr/>
-                    <a:lstStyle/>
-                    <a:p>
-                      <a:pPr algn="ctr"/>
-                      <a:r>
-                        <a:rPr lang="ru-RU" sz="1900" dirty="0"/>
-                        <a:t>Выход</a:t>
-                      </a:r>
-                    </a:p>
-                  </a:txBody>
-                  <a:tcPr marL="98251" marR="98251" marT="49125" marB="49125" anchor="ctr"/>
-                </a:tc>
-                <a:extLst>
-                  <a:ext uri="{0D108BD9-81ED-4DB2-BD59-A6C34878D82A}">
-                    <a16:rowId xmlns:a16="http://schemas.microsoft.com/office/drawing/2014/main" val="756649751"/>
-                  </a:ext>
-                </a:extLst>
-              </a:tr>
-              <a:tr h="948274">
-                <a:tc>
-                  <a:txBody>
-                    <a:bodyPr/>
-                    <a:lstStyle/>
-                    <a:p>
-                      <a:pPr algn="ctr"/>
-                      <a:r>
-                        <a:rPr lang="ru-RU" sz="1900" dirty="0"/>
-                        <a:t>Описание пунктов маршрута </a:t>
-                      </a:r>
-                    </a:p>
-                    <a:p>
-                      <a:pPr algn="ctr"/>
-                      <a:r>
-                        <a:rPr lang="ru-RU" sz="1900" dirty="0"/>
-                        <a:t>(стоянка, склады и потребители)</a:t>
-                      </a:r>
-                    </a:p>
-                  </a:txBody>
-                  <a:tcPr marL="98251" marR="98251" marT="49125" marB="49125" anchor="ctr">
-                    <a:lnL w="76200" cap="flat" cmpd="sng" algn="ctr">
-                      <a:solidFill>
-                        <a:schemeClr val="bg1"/>
-                      </a:solidFill>
-                      <a:prstDash val="solid"/>
-                      <a:round/>
-                      <a:headEnd type="none" w="med" len="med"/>
-                      <a:tailEnd type="none" w="med" len="med"/>
-                    </a:lnL>
-                  </a:tcPr>
-                </a:tc>
-                <a:tc>
-                  <a:txBody>
-                    <a:bodyPr/>
-                    <a:lstStyle/>
-                    <a:p>
-                      <a:pPr algn="ctr"/>
-                      <a:r>
-                        <a:rPr lang="ru-RU" sz="1900" dirty="0"/>
-                        <a:t>Множество маршрутов, а именно</a:t>
-                      </a:r>
-                      <a:r>
-                        <a:rPr lang="en-US" sz="1900" dirty="0"/>
-                        <a:t>:</a:t>
-                      </a:r>
-                      <a:endParaRPr lang="ru-RU" sz="1900" dirty="0"/>
-                    </a:p>
-                  </a:txBody>
-                  <a:tcPr marL="98251" marR="98251" marT="49125" marB="49125" anchor="ctr"/>
-                </a:tc>
-                <a:extLst>
-                  <a:ext uri="{0D108BD9-81ED-4DB2-BD59-A6C34878D82A}">
-                    <a16:rowId xmlns:a16="http://schemas.microsoft.com/office/drawing/2014/main" val="3361632247"/>
-                  </a:ext>
-                </a:extLst>
-              </a:tr>
-              <a:tr h="948274">
-                <a:tc>
-                  <a:txBody>
-                    <a:bodyPr/>
-                    <a:lstStyle/>
-                    <a:p>
-                      <a:pPr algn="ctr"/>
-                      <a:r>
-                        <a:rPr lang="ru-RU" sz="1900" dirty="0"/>
-                        <a:t>Расстояние и время проезда по дорогам между пунктами</a:t>
-                      </a:r>
-                    </a:p>
-                  </a:txBody>
-                  <a:tcPr marL="98251" marR="98251" marT="49125" marB="49125" anchor="ctr">
-                    <a:lnL w="76200" cap="flat" cmpd="sng" algn="ctr">
-                      <a:solidFill>
-                        <a:schemeClr val="bg1"/>
-                      </a:solidFill>
-                      <a:prstDash val="solid"/>
-                      <a:round/>
-                      <a:headEnd type="none" w="med" len="med"/>
-                      <a:tailEnd type="none" w="med" len="med"/>
-                    </a:lnL>
-                  </a:tcPr>
-                </a:tc>
-                <a:tc>
-                  <a:txBody>
-                    <a:bodyPr/>
-                    <a:lstStyle/>
-                    <a:p>
-                      <a:pPr algn="ctr"/>
-                      <a:r>
-                        <a:rPr lang="ru-RU" sz="1900" dirty="0"/>
-                        <a:t>Последовательность посещения пунктов</a:t>
-                      </a:r>
-                    </a:p>
-                  </a:txBody>
-                  <a:tcPr marL="98251" marR="98251" marT="49125" marB="49125" anchor="ctr"/>
-                </a:tc>
-                <a:extLst>
-                  <a:ext uri="{0D108BD9-81ED-4DB2-BD59-A6C34878D82A}">
-                    <a16:rowId xmlns:a16="http://schemas.microsoft.com/office/drawing/2014/main" val="1348433884"/>
-                  </a:ext>
-                </a:extLst>
-              </a:tr>
-              <a:tr h="971724">
-                <a:tc>
-                  <a:txBody>
-                    <a:bodyPr/>
-                    <a:lstStyle/>
-                    <a:p>
-                      <a:pPr algn="ctr"/>
-                      <a:r>
-                        <a:rPr lang="ru-RU" sz="1900" dirty="0"/>
-                        <a:t>Описание автопарка</a:t>
-                      </a:r>
-                    </a:p>
-                  </a:txBody>
-                  <a:tcPr marL="98251" marR="98251" marT="49125" marB="49125" anchor="ctr">
-                    <a:lnL w="76200" cap="flat" cmpd="sng" algn="ctr">
-                      <a:solidFill>
-                        <a:schemeClr val="bg1"/>
-                      </a:solidFill>
-                      <a:prstDash val="solid"/>
-                      <a:round/>
-                      <a:headEnd type="none" w="med" len="med"/>
-                      <a:tailEnd type="none" w="med" len="med"/>
-                    </a:lnL>
-                  </a:tcPr>
-                </a:tc>
-                <a:tc>
-                  <a:txBody>
-                    <a:bodyPr/>
-                    <a:lstStyle/>
-                    <a:p>
-                      <a:pPr algn="ctr"/>
-                      <a:r>
-                        <a:rPr lang="ru-RU" sz="1900" dirty="0"/>
-                        <a:t>Набор перевозимых грузов</a:t>
-                      </a:r>
-                    </a:p>
-                  </a:txBody>
-                  <a:tcPr marL="98251" marR="98251" marT="49125" marB="49125" anchor="ctr"/>
-                </a:tc>
-                <a:extLst>
-                  <a:ext uri="{0D108BD9-81ED-4DB2-BD59-A6C34878D82A}">
-                    <a16:rowId xmlns:a16="http://schemas.microsoft.com/office/drawing/2014/main" val="2358701927"/>
-                  </a:ext>
-                </a:extLst>
-              </a:tr>
-              <a:tr h="948274">
-                <a:tc>
-                  <a:txBody>
-                    <a:bodyPr/>
-                    <a:lstStyle/>
-                    <a:p>
-                      <a:pPr algn="ctr"/>
-                      <a:r>
-                        <a:rPr lang="ru-RU" sz="1900" dirty="0"/>
-                        <a:t>Объём хранимой продукции и заказов</a:t>
-                      </a:r>
-                    </a:p>
-                  </a:txBody>
-                  <a:tcPr marL="98251" marR="98251" marT="49125" marB="49125" anchor="ctr">
-                    <a:lnL w="76200" cap="flat" cmpd="sng" algn="ctr">
-                      <a:solidFill>
-                        <a:schemeClr val="bg1"/>
-                      </a:solidFill>
-                      <a:prstDash val="solid"/>
-                      <a:round/>
-                      <a:headEnd type="none" w="med" len="med"/>
-                      <a:tailEnd type="none" w="med" len="med"/>
-                    </a:lnL>
-                  </a:tcPr>
-                </a:tc>
-                <a:tc>
-                  <a:txBody>
-                    <a:bodyPr/>
-                    <a:lstStyle/>
-                    <a:p>
-                      <a:pPr marL="0" marR="0" lvl="0" indent="0" algn="ctr" defTabSz="914400" rtl="0" eaLnBrk="1" fontAlgn="auto" latinLnBrk="0" hangingPunct="1">
-                        <a:lnSpc>
-                          <a:spcPct val="100000"/>
-                        </a:lnSpc>
-                        <a:spcBef>
-                          <a:spcPts val="0"/>
-                        </a:spcBef>
-                        <a:spcAft>
-                          <a:spcPts val="0"/>
-                        </a:spcAft>
-                        <a:buClrTx/>
-                        <a:buSzTx/>
-                        <a:buFontTx/>
-                        <a:buNone/>
-                        <a:tabLst/>
-                        <a:defRPr/>
-                      </a:pPr>
-                      <a:r>
-                        <a:rPr lang="ru-RU" sz="1900" dirty="0"/>
-                        <a:t>Временя прибытия и отбытия</a:t>
-                      </a:r>
-                    </a:p>
-                  </a:txBody>
-                  <a:tcPr marL="98251" marR="98251" marT="49125" marB="49125" anchor="ctr"/>
-                </a:tc>
-                <a:extLst>
-                  <a:ext uri="{0D108BD9-81ED-4DB2-BD59-A6C34878D82A}">
-                    <a16:rowId xmlns:a16="http://schemas.microsoft.com/office/drawing/2014/main" val="150762550"/>
-                  </a:ext>
-                </a:extLst>
-              </a:tr>
-            </a:tbl>
-          </a:graphicData>
-        </a:graphic>
-      </p:graphicFrame>
-      <p:sp>
-        <p:nvSpPr>
-          <p:cNvPr id="5" name="Номер слайда 4">
-            <a:extLst>
-              <a:ext uri="{FF2B5EF4-FFF2-40B4-BE49-F238E27FC236}">
-                <a16:creationId xmlns:a16="http://schemas.microsoft.com/office/drawing/2014/main" id="{619ABCF3-4195-EA41-324B-FADD18CB4A74}"/>
+              <a:t>Метод оптимизации плана</a:t>
+            </a:r>
+          </a:p>
+        </p:txBody>
+      </p:sp>
+      <p:pic>
+        <p:nvPicPr>
+          <p:cNvPr id="6" name="Объект 5">
+            <a:extLst>
+              <a:ext uri="{FF2B5EF4-FFF2-40B4-BE49-F238E27FC236}">
+                <a16:creationId xmlns:a16="http://schemas.microsoft.com/office/drawing/2014/main" id="{8885FDAE-B112-17DB-92A6-A186D0910242}"/>
+              </a:ext>
+            </a:extLst>
+          </p:cNvPr>
+          <p:cNvPicPr>
+            <a:picLocks noGrp="1" noChangeAspect="1"/>
+          </p:cNvPicPr>
+          <p:nvPr>
+            <p:ph idx="1"/>
+          </p:nvPr>
+        </p:nvPicPr>
+        <p:blipFill rotWithShape="1">
+          <a:blip r:embed="rId2">
+            <a:extLst>
+              <a:ext uri="{28A0092B-C50C-407E-A947-70E740481C1C}">
+                <a14:useLocalDpi xmlns:a14="http://schemas.microsoft.com/office/drawing/2010/main" val="0"/>
+              </a:ext>
+              <a:ext uri="{96DAC541-7B7A-43D3-8B79-37D633B846F1}">
+                <asvg:svgBlip xmlns:asvg="http://schemas.microsoft.com/office/drawing/2016/SVG/main" r:embed="rId3"/>
+              </a:ext>
+            </a:extLst>
+          </a:blip>
+          <a:srcRect l="523" t="10814" r="634" b="22174"/>
+          <a:stretch/>
+        </p:blipFill>
+        <p:spPr>
+          <a:xfrm>
+            <a:off x="997945" y="1351009"/>
+            <a:ext cx="10196109" cy="5345021"/>
+          </a:xfrm>
+        </p:spPr>
+      </p:pic>
+      <p:sp>
+        <p:nvSpPr>
+          <p:cNvPr id="4" name="Номер слайда 3">
+            <a:extLst>
+              <a:ext uri="{FF2B5EF4-FFF2-40B4-BE49-F238E27FC236}">
+                <a16:creationId xmlns:a16="http://schemas.microsoft.com/office/drawing/2014/main" id="{F61ADD9D-47C8-F6FB-478D-2451A2E20D82}"/>
               </a:ext>
             </a:extLst>
           </p:cNvPr>
@@ -6850,7 +6334,7 @@
     </p:spTree>
     <p:extLst>
       <p:ext uri="{BB962C8B-B14F-4D97-AF65-F5344CB8AC3E}">
-        <p14:creationId xmlns:p14="http://schemas.microsoft.com/office/powerpoint/2010/main" val="2713174822"/>
+        <p14:creationId xmlns:p14="http://schemas.microsoft.com/office/powerpoint/2010/main" val="3069465284"/>
       </p:ext>
     </p:extLst>
   </p:cSld>
@@ -6882,7 +6366,7 @@
           <p:cNvPr id="2" name="Заголовок 1">
             <a:extLst>
               <a:ext uri="{FF2B5EF4-FFF2-40B4-BE49-F238E27FC236}">
-                <a16:creationId xmlns:a16="http://schemas.microsoft.com/office/drawing/2014/main" id="{C590A2E5-A0CE-BAED-2845-1F368ABA2C43}"/>
+                <a16:creationId xmlns:a16="http://schemas.microsoft.com/office/drawing/2014/main" id="{941BAC03-8ABE-A4F2-D1DB-1D5F6A5E8916}"/>
               </a:ext>
             </a:extLst>
           </p:cNvPr>
@@ -6900,54 +6384,17 @@
           <a:p>
             <a:r>
               <a:rPr lang="ru-RU" dirty="0"/>
-              <a:t>Метод оптимизации плана</a:t>
-            </a:r>
-          </a:p>
-        </p:txBody>
-      </p:sp>
-      <p:pic>
-        <p:nvPicPr>
-          <p:cNvPr id="6" name="Объект 5">
-            <a:extLst>
-              <a:ext uri="{FF2B5EF4-FFF2-40B4-BE49-F238E27FC236}">
-                <a16:creationId xmlns:a16="http://schemas.microsoft.com/office/drawing/2014/main" id="{8885FDAE-B112-17DB-92A6-A186D0910242}"/>
-              </a:ext>
-            </a:extLst>
-          </p:cNvPr>
-          <p:cNvPicPr>
-            <a:picLocks noGrp="1" noChangeAspect="1"/>
-          </p:cNvPicPr>
-          <p:nvPr>
-            <p:ph idx="1"/>
-          </p:nvPr>
-        </p:nvPicPr>
-        <p:blipFill rotWithShape="1">
-          <a:blip r:embed="rId2">
-            <a:extLst>
-              <a:ext uri="{28A0092B-C50C-407E-A947-70E740481C1C}">
-                <a14:useLocalDpi xmlns:a14="http://schemas.microsoft.com/office/drawing/2010/main" val="0"/>
-              </a:ext>
-              <a:ext uri="{96DAC541-7B7A-43D3-8B79-37D633B846F1}">
-                <asvg:svgBlip xmlns:asvg="http://schemas.microsoft.com/office/drawing/2016/SVG/main" r:embed="rId3"/>
-              </a:ext>
-            </a:extLst>
-          </a:blip>
-          <a:srcRect l="523" t="10814" r="634" b="22174"/>
-          <a:stretch/>
-        </p:blipFill>
-        <p:spPr>
-          <a:xfrm>
-            <a:off x="997945" y="1351009"/>
-            <a:ext cx="10196109" cy="5345021"/>
-          </a:xfrm>
-        </p:spPr>
-      </p:pic>
+              <a:t>Метод минимального элемента</a:t>
+            </a:r>
+          </a:p>
+        </p:txBody>
+      </p:sp>
       <p:sp>
         <p:nvSpPr>
           <p:cNvPr id="4" name="Номер слайда 3">
             <a:extLst>
               <a:ext uri="{FF2B5EF4-FFF2-40B4-BE49-F238E27FC236}">
-                <a16:creationId xmlns:a16="http://schemas.microsoft.com/office/drawing/2014/main" id="{F61ADD9D-47C8-F6FB-478D-2451A2E20D82}"/>
+                <a16:creationId xmlns:a16="http://schemas.microsoft.com/office/drawing/2014/main" id="{5867045B-99FC-2B5D-DB8E-5D985F9CC0F8}"/>
               </a:ext>
             </a:extLst>
           </p:cNvPr>
@@ -6971,10 +6418,126 @@
           </a:p>
         </p:txBody>
       </p:sp>
+      <p:pic>
+        <p:nvPicPr>
+          <p:cNvPr id="18" name="Рисунок 17">
+            <a:extLst>
+              <a:ext uri="{FF2B5EF4-FFF2-40B4-BE49-F238E27FC236}">
+                <a16:creationId xmlns:a16="http://schemas.microsoft.com/office/drawing/2014/main" id="{39CAD5F4-0390-1E33-BB8F-ED13683EA768}"/>
+              </a:ext>
+            </a:extLst>
+          </p:cNvPr>
+          <p:cNvPicPr>
+            <a:picLocks noChangeAspect="1"/>
+          </p:cNvPicPr>
+          <p:nvPr/>
+        </p:nvPicPr>
+        <p:blipFill>
+          <a:blip r:embed="rId2">
+            <a:extLst>
+              <a:ext uri="{28A0092B-C50C-407E-A947-70E740481C1C}">
+                <a14:useLocalDpi xmlns:a14="http://schemas.microsoft.com/office/drawing/2010/main" val="0"/>
+              </a:ext>
+              <a:ext uri="{96DAC541-7B7A-43D3-8B79-37D633B846F1}">
+                <asvg:svgBlip xmlns:asvg="http://schemas.microsoft.com/office/drawing/2016/SVG/main" r:embed="rId3"/>
+              </a:ext>
+            </a:extLst>
+          </a:blip>
+          <a:stretch>
+            <a:fillRect/>
+          </a:stretch>
+        </p:blipFill>
+        <p:spPr>
+          <a:xfrm>
+            <a:off x="7116043" y="746845"/>
+            <a:ext cx="5075957" cy="2777959"/>
+          </a:xfrm>
+          <a:prstGeom prst="rect">
+            <a:avLst/>
+          </a:prstGeom>
+        </p:spPr>
+      </p:pic>
+      <p:pic>
+        <p:nvPicPr>
+          <p:cNvPr id="22" name="Рисунок 21">
+            <a:extLst>
+              <a:ext uri="{FF2B5EF4-FFF2-40B4-BE49-F238E27FC236}">
+                <a16:creationId xmlns:a16="http://schemas.microsoft.com/office/drawing/2014/main" id="{5916F03E-4C57-3A4D-D3FC-A7D52243ED58}"/>
+              </a:ext>
+            </a:extLst>
+          </p:cNvPr>
+          <p:cNvPicPr>
+            <a:picLocks noChangeAspect="1"/>
+          </p:cNvPicPr>
+          <p:nvPr/>
+        </p:nvPicPr>
+        <p:blipFill>
+          <a:blip r:embed="rId4">
+            <a:extLst>
+              <a:ext uri="{28A0092B-C50C-407E-A947-70E740481C1C}">
+                <a14:useLocalDpi xmlns:a14="http://schemas.microsoft.com/office/drawing/2010/main" val="0"/>
+              </a:ext>
+              <a:ext uri="{96DAC541-7B7A-43D3-8B79-37D633B846F1}">
+                <asvg:svgBlip xmlns:asvg="http://schemas.microsoft.com/office/drawing/2016/SVG/main" r:embed="rId5"/>
+              </a:ext>
+            </a:extLst>
+          </a:blip>
+          <a:stretch>
+            <a:fillRect/>
+          </a:stretch>
+        </p:blipFill>
+        <p:spPr>
+          <a:xfrm>
+            <a:off x="7116043" y="3778332"/>
+            <a:ext cx="5075957" cy="2777959"/>
+          </a:xfrm>
+          <a:prstGeom prst="rect">
+            <a:avLst/>
+          </a:prstGeom>
+        </p:spPr>
+      </p:pic>
+      <p:pic>
+        <p:nvPicPr>
+          <p:cNvPr id="24" name="Рисунок 23">
+            <a:extLst>
+              <a:ext uri="{FF2B5EF4-FFF2-40B4-BE49-F238E27FC236}">
+                <a16:creationId xmlns:a16="http://schemas.microsoft.com/office/drawing/2014/main" id="{9D079EBF-A9AB-C9CC-476D-F5BEE6AA3A8D}"/>
+              </a:ext>
+            </a:extLst>
+          </p:cNvPr>
+          <p:cNvPicPr>
+            <a:picLocks noChangeAspect="1"/>
+          </p:cNvPicPr>
+          <p:nvPr/>
+        </p:nvPicPr>
+        <p:blipFill rotWithShape="1">
+          <a:blip r:embed="rId6">
+            <a:extLst>
+              <a:ext uri="{28A0092B-C50C-407E-A947-70E740481C1C}">
+                <a14:useLocalDpi xmlns:a14="http://schemas.microsoft.com/office/drawing/2010/main" val="0"/>
+              </a:ext>
+              <a:ext uri="{96DAC541-7B7A-43D3-8B79-37D633B846F1}">
+                <asvg:svgBlip xmlns:asvg="http://schemas.microsoft.com/office/drawing/2016/SVG/main" r:embed="rId7"/>
+              </a:ext>
+            </a:extLst>
+          </a:blip>
+          <a:srcRect l="250" t="11271" r="526" b="21429"/>
+          <a:stretch/>
+        </p:blipFill>
+        <p:spPr>
+          <a:xfrm>
+            <a:off x="151862" y="1690688"/>
+            <a:ext cx="7477760" cy="3921760"/>
+          </a:xfrm>
+          <a:prstGeom prst="rect">
+            <a:avLst/>
+          </a:prstGeom>
+        </p:spPr>
+      </p:pic>
     </p:spTree>
     <p:extLst>
       <p:ext uri="{BB962C8B-B14F-4D97-AF65-F5344CB8AC3E}">
-        <p14:creationId xmlns:p14="http://schemas.microsoft.com/office/powerpoint/2010/main" val="3069465284"/>
+        <p14:creationId xmlns:p14="http://schemas.microsoft.com/office/powerpoint/2010/main" val="3945185305"/>
       </p:ext>
     </p:extLst>
   </p:cSld>
@@ -7006,7 +6569,7 @@
           <p:cNvPr id="2" name="Заголовок 1">
             <a:extLst>
               <a:ext uri="{FF2B5EF4-FFF2-40B4-BE49-F238E27FC236}">
-                <a16:creationId xmlns:a16="http://schemas.microsoft.com/office/drawing/2014/main" id="{941BAC03-8ABE-A4F2-D1DB-1D5F6A5E8916}"/>
+                <a16:creationId xmlns:a16="http://schemas.microsoft.com/office/drawing/2014/main" id="{4A06C190-1C83-3B02-8817-843DA466AEE6}"/>
               </a:ext>
             </a:extLst>
           </p:cNvPr>
@@ -7024,17 +6587,54 @@
           <a:p>
             <a:r>
               <a:rPr lang="ru-RU" dirty="0"/>
-              <a:t>Метод минимального элемента</a:t>
-            </a:r>
-          </a:p>
-        </p:txBody>
-      </p:sp>
+              <a:t>Метод потенциалов</a:t>
+            </a:r>
+          </a:p>
+        </p:txBody>
+      </p:sp>
+      <p:pic>
+        <p:nvPicPr>
+          <p:cNvPr id="6" name="Объект 5">
+            <a:extLst>
+              <a:ext uri="{FF2B5EF4-FFF2-40B4-BE49-F238E27FC236}">
+                <a16:creationId xmlns:a16="http://schemas.microsoft.com/office/drawing/2014/main" id="{5FD64BAF-10F5-998F-6B76-1A75619A0FF1}"/>
+              </a:ext>
+            </a:extLst>
+          </p:cNvPr>
+          <p:cNvPicPr>
+            <a:picLocks noGrp="1" noChangeAspect="1"/>
+          </p:cNvPicPr>
+          <p:nvPr>
+            <p:ph idx="1"/>
+          </p:nvPr>
+        </p:nvPicPr>
+        <p:blipFill rotWithShape="1">
+          <a:blip r:embed="rId2">
+            <a:extLst>
+              <a:ext uri="{28A0092B-C50C-407E-A947-70E740481C1C}">
+                <a14:useLocalDpi xmlns:a14="http://schemas.microsoft.com/office/drawing/2010/main" val="0"/>
+              </a:ext>
+              <a:ext uri="{96DAC541-7B7A-43D3-8B79-37D633B846F1}">
+                <asvg:svgBlip xmlns:asvg="http://schemas.microsoft.com/office/drawing/2016/SVG/main" r:embed="rId3"/>
+              </a:ext>
+            </a:extLst>
+          </a:blip>
+          <a:srcRect l="535" t="11514" r="468" b="24743"/>
+          <a:stretch/>
+        </p:blipFill>
+        <p:spPr>
+          <a:xfrm>
+            <a:off x="160020" y="2453958"/>
+            <a:ext cx="8209280" cy="4087238"/>
+          </a:xfrm>
+        </p:spPr>
+      </p:pic>
       <p:sp>
         <p:nvSpPr>
           <p:cNvPr id="4" name="Номер слайда 3">
             <a:extLst>
               <a:ext uri="{FF2B5EF4-FFF2-40B4-BE49-F238E27FC236}">
-                <a16:creationId xmlns:a16="http://schemas.microsoft.com/office/drawing/2014/main" id="{5867045B-99FC-2B5D-DB8E-5D985F9CC0F8}"/>
+                <a16:creationId xmlns:a16="http://schemas.microsoft.com/office/drawing/2014/main" id="{72ECEF5E-2B0E-6943-14E2-CC5FAD088195}"/>
               </a:ext>
             </a:extLst>
           </p:cNvPr>
@@ -7060,10 +6660,10 @@
       </p:sp>
       <p:pic>
         <p:nvPicPr>
-          <p:cNvPr id="18" name="Рисунок 17">
-            <a:extLst>
-              <a:ext uri="{FF2B5EF4-FFF2-40B4-BE49-F238E27FC236}">
-                <a16:creationId xmlns:a16="http://schemas.microsoft.com/office/drawing/2014/main" id="{39CAD5F4-0390-1E33-BB8F-ED13683EA768}"/>
+          <p:cNvPr id="8" name="Рисунок 7">
+            <a:extLst>
+              <a:ext uri="{FF2B5EF4-FFF2-40B4-BE49-F238E27FC236}">
+                <a16:creationId xmlns:a16="http://schemas.microsoft.com/office/drawing/2014/main" id="{9E83DE4F-5F1C-BD20-087F-0E77586216CA}"/>
               </a:ext>
             </a:extLst>
           </p:cNvPr>
@@ -7073,13 +6673,13 @@
           <p:nvPr/>
         </p:nvPicPr>
         <p:blipFill>
-          <a:blip r:embed="rId2">
+          <a:blip r:embed="rId4">
             <a:extLst>
               <a:ext uri="{28A0092B-C50C-407E-A947-70E740481C1C}">
                 <a14:useLocalDpi xmlns:a14="http://schemas.microsoft.com/office/drawing/2010/main" val="0"/>
               </a:ext>
               <a:ext uri="{96DAC541-7B7A-43D3-8B79-37D633B846F1}">
-                <asvg:svgBlip xmlns:asvg="http://schemas.microsoft.com/office/drawing/2016/SVG/main" r:embed="rId3"/>
+                <asvg:svgBlip xmlns:asvg="http://schemas.microsoft.com/office/drawing/2016/SVG/main" r:embed="rId5"/>
               </a:ext>
             </a:extLst>
           </a:blip>
@@ -7089,8 +6689,8 @@
         </p:blipFill>
         <p:spPr>
           <a:xfrm>
-            <a:off x="7116043" y="746845"/>
-            <a:ext cx="5075957" cy="2777959"/>
+            <a:off x="6969760" y="136525"/>
+            <a:ext cx="4978400" cy="2538008"/>
           </a:xfrm>
           <a:prstGeom prst="rect">
             <a:avLst/>
@@ -7099,10 +6699,10 @@
       </p:pic>
       <p:pic>
         <p:nvPicPr>
-          <p:cNvPr id="22" name="Рисунок 21">
-            <a:extLst>
-              <a:ext uri="{FF2B5EF4-FFF2-40B4-BE49-F238E27FC236}">
-                <a16:creationId xmlns:a16="http://schemas.microsoft.com/office/drawing/2014/main" id="{5916F03E-4C57-3A4D-D3FC-A7D52243ED58}"/>
+          <p:cNvPr id="10" name="Рисунок 9">
+            <a:extLst>
+              <a:ext uri="{FF2B5EF4-FFF2-40B4-BE49-F238E27FC236}">
+                <a16:creationId xmlns:a16="http://schemas.microsoft.com/office/drawing/2014/main" id="{49C36072-B283-3951-49F0-7A69CC124253}"/>
               </a:ext>
             </a:extLst>
           </p:cNvPr>
@@ -7112,13 +6712,13 @@
           <p:nvPr/>
         </p:nvPicPr>
         <p:blipFill>
-          <a:blip r:embed="rId4">
+          <a:blip r:embed="rId6">
             <a:extLst>
               <a:ext uri="{28A0092B-C50C-407E-A947-70E740481C1C}">
                 <a14:useLocalDpi xmlns:a14="http://schemas.microsoft.com/office/drawing/2010/main" val="0"/>
               </a:ext>
               <a:ext uri="{96DAC541-7B7A-43D3-8B79-37D633B846F1}">
-                <asvg:svgBlip xmlns:asvg="http://schemas.microsoft.com/office/drawing/2016/SVG/main" r:embed="rId5"/>
+                <asvg:svgBlip xmlns:asvg="http://schemas.microsoft.com/office/drawing/2016/SVG/main" r:embed="rId7"/>
               </a:ext>
             </a:extLst>
           </a:blip>
@@ -7128,46 +6728,8 @@
         </p:blipFill>
         <p:spPr>
           <a:xfrm>
-            <a:off x="7116043" y="3778332"/>
-            <a:ext cx="5075957" cy="2777959"/>
-          </a:xfrm>
-          <a:prstGeom prst="rect">
-            <a:avLst/>
-          </a:prstGeom>
-        </p:spPr>
-      </p:pic>
-      <p:pic>
-        <p:nvPicPr>
-          <p:cNvPr id="24" name="Рисунок 23">
-            <a:extLst>
-              <a:ext uri="{FF2B5EF4-FFF2-40B4-BE49-F238E27FC236}">
-                <a16:creationId xmlns:a16="http://schemas.microsoft.com/office/drawing/2014/main" id="{9D079EBF-A9AB-C9CC-476D-F5BEE6AA3A8D}"/>
-              </a:ext>
-            </a:extLst>
-          </p:cNvPr>
-          <p:cNvPicPr>
-            <a:picLocks noChangeAspect="1"/>
-          </p:cNvPicPr>
-          <p:nvPr/>
-        </p:nvPicPr>
-        <p:blipFill rotWithShape="1">
-          <a:blip r:embed="rId6">
-            <a:extLst>
-              <a:ext uri="{28A0092B-C50C-407E-A947-70E740481C1C}">
-                <a14:useLocalDpi xmlns:a14="http://schemas.microsoft.com/office/drawing/2010/main" val="0"/>
-              </a:ext>
-              <a:ext uri="{96DAC541-7B7A-43D3-8B79-37D633B846F1}">
-                <asvg:svgBlip xmlns:asvg="http://schemas.microsoft.com/office/drawing/2016/SVG/main" r:embed="rId7"/>
-              </a:ext>
-            </a:extLst>
-          </a:blip>
-          <a:srcRect l="250" t="11271" r="526" b="21429"/>
-          <a:stretch/>
-        </p:blipFill>
-        <p:spPr>
-          <a:xfrm>
-            <a:off x="151862" y="1690688"/>
-            <a:ext cx="7477760" cy="3921760"/>
+            <a:off x="7053580" y="2346325"/>
+            <a:ext cx="4978400" cy="2257363"/>
           </a:xfrm>
           <a:prstGeom prst="rect">
             <a:avLst/>
@@ -7177,7 +6739,7 @@
     </p:spTree>
     <p:extLst>
       <p:ext uri="{BB962C8B-B14F-4D97-AF65-F5344CB8AC3E}">
-        <p14:creationId xmlns:p14="http://schemas.microsoft.com/office/powerpoint/2010/main" val="3945185305"/>
+        <p14:creationId xmlns:p14="http://schemas.microsoft.com/office/powerpoint/2010/main" val="4030159416"/>
       </p:ext>
     </p:extLst>
   </p:cSld>

--- a/presentation.pptx
+++ b/presentation.pptx
@@ -4182,8 +4182,8 @@
         </p:blipFill>
         <p:spPr>
           <a:xfrm>
-            <a:off x="838200" y="1690688"/>
-            <a:ext cx="5694680" cy="3225724"/>
+            <a:off x="838200" y="1377298"/>
+            <a:ext cx="6006887" cy="3402572"/>
           </a:xfrm>
         </p:spPr>
       </p:pic>
@@ -4215,8 +4215,8 @@
         </p:blipFill>
         <p:spPr>
           <a:xfrm>
-            <a:off x="6959126" y="519292"/>
-            <a:ext cx="4807726" cy="4397120"/>
+            <a:off x="7677942" y="1357763"/>
+            <a:ext cx="3953476" cy="3615828"/>
           </a:xfrm>
           <a:prstGeom prst="rect">
             <a:avLst/>
@@ -4250,8 +4250,8 @@
         </p:blipFill>
         <p:spPr>
           <a:xfrm>
-            <a:off x="838200" y="5075173"/>
-            <a:ext cx="6781800" cy="1463739"/>
+            <a:off x="838200" y="5167312"/>
+            <a:ext cx="10033000" cy="1463739"/>
           </a:xfrm>
           <a:prstGeom prst="rect">
             <a:avLst/>
@@ -5005,7 +5005,29 @@
             </a:r>
             <a:r>
               <a:rPr lang="ru-RU" dirty="0"/>
-              <a:t> - комплекс подходов, помогающий эффективной интеграции поставщиков, производителей, дистрибьюторов и продавцов.</a:t>
+              <a:t> </a:t>
+            </a:r>
+            <a:r>
+              <a:rPr lang="en-US" dirty="0"/>
+              <a:t>– </a:t>
+            </a:r>
+            <a:r>
+              <a:rPr lang="ru-RU" dirty="0"/>
+              <a:t>комплекс подходов, помогающий эффективной интеграции поставщиков, производителей, дистрибьюторов и продавцов.</a:t>
+            </a:r>
+          </a:p>
+          <a:p>
+            <a:r>
+              <a:rPr lang="en-US" b="1" dirty="0"/>
+              <a:t>TMS</a:t>
+            </a:r>
+            <a:r>
+              <a:rPr lang="en-US" dirty="0"/>
+              <a:t> (transport management system) – </a:t>
+            </a:r>
+            <a:r>
+              <a:rPr lang="ru-RU" dirty="0"/>
+              <a:t> система управления транспортом</a:t>
             </a:r>
           </a:p>
         </p:txBody>
@@ -5085,14 +5107,19 @@
             <p:ph type="title"/>
           </p:nvPr>
         </p:nvSpPr>
-        <p:spPr/>
+        <p:spPr>
+          <a:xfrm>
+            <a:off x="838200" y="365125"/>
+            <a:ext cx="11140440" cy="1325563"/>
+          </a:xfrm>
+        </p:spPr>
         <p:txBody>
           <a:bodyPr/>
           <a:lstStyle/>
           <a:p>
             <a:r>
               <a:rPr lang="ru-RU" dirty="0"/>
-              <a:t>Анализ существующих решений</a:t>
+              <a:t>Анализ существующих программных решений</a:t>
             </a:r>
           </a:p>
         </p:txBody>
@@ -5927,7 +5954,9 @@
         </p:nvSpPr>
         <p:spPr/>
         <p:txBody>
-          <a:bodyPr/>
+          <a:bodyPr>
+            <a:normAutofit lnSpcReduction="10000"/>
+          </a:bodyPr>
           <a:lstStyle/>
           <a:p>
             <a:r>
@@ -6004,7 +6033,16 @@
             <a:pPr lvl="1"/>
             <a:r>
               <a:rPr lang="ru-RU" dirty="0"/>
-              <a:t>Выполнение заказов, ограниченность складов </a:t>
+              <a:t>Обязательность выполнения заказов </a:t>
+            </a:r>
+          </a:p>
+          <a:p>
+            <a:pPr marL="457200" lvl="1" indent="0">
+              <a:buNone/>
+            </a:pPr>
+            <a:r>
+              <a:rPr lang="ru-RU" dirty="0"/>
+              <a:t>	с учётом ограниченности складов </a:t>
             </a:r>
           </a:p>
           <a:p>
@@ -6082,7 +6120,7 @@
         </p:blipFill>
         <p:spPr>
           <a:xfrm>
-            <a:off x="5054070" y="4546158"/>
+            <a:off x="8016545" y="4179791"/>
             <a:ext cx="1763290" cy="707890"/>
           </a:xfrm>
           <a:prstGeom prst="rect">
@@ -6160,7 +6198,7 @@
         </p:blipFill>
         <p:spPr>
           <a:xfrm>
-            <a:off x="6574154" y="5433435"/>
+            <a:off x="8016545" y="5532969"/>
             <a:ext cx="2509521" cy="711462"/>
           </a:xfrm>
           <a:prstGeom prst="rect">

--- a/presentation.pptx
+++ b/presentation.pptx
@@ -18,9 +18,9 @@
     <p:sldId id="266" r:id="rId9"/>
     <p:sldId id="267" r:id="rId10"/>
     <p:sldId id="268" r:id="rId11"/>
-    <p:sldId id="275" r:id="rId12"/>
-    <p:sldId id="273" r:id="rId13"/>
-    <p:sldId id="274" r:id="rId14"/>
+    <p:sldId id="276" r:id="rId12"/>
+    <p:sldId id="275" r:id="rId13"/>
+    <p:sldId id="273" r:id="rId14"/>
     <p:sldId id="269" r:id="rId15"/>
   </p:sldIdLst>
   <p:sldSz cx="12192000" cy="6858000"/>
@@ -210,7 +210,7 @@
           <a:p>
             <a:fld id="{6EFE7980-753D-4561-B6FA-AF5425BD0CC4}" type="datetimeFigureOut">
               <a:rPr lang="ru-RU" smtClean="0"/>
-              <a:t>29.05.2022</a:t>
+              <a:t>30.05.2022</a:t>
             </a:fld>
             <a:endParaRPr lang="ru-RU"/>
           </a:p>
@@ -624,7 +624,7 @@
           <a:p>
             <a:fld id="{2D595633-FEC6-41B9-B0A1-528C27FD4BC7}" type="datetime1">
               <a:rPr lang="ru-RU" smtClean="0"/>
-              <a:t>29.05.2022</a:t>
+              <a:t>30.05.2022</a:t>
             </a:fld>
             <a:endParaRPr lang="ru-RU"/>
           </a:p>
@@ -822,7 +822,7 @@
           <a:p>
             <a:fld id="{E0B68846-5A7D-494E-A21B-8CE02887DCC5}" type="datetime1">
               <a:rPr lang="ru-RU" smtClean="0"/>
-              <a:t>29.05.2022</a:t>
+              <a:t>30.05.2022</a:t>
             </a:fld>
             <a:endParaRPr lang="ru-RU"/>
           </a:p>
@@ -1030,7 +1030,7 @@
           <a:p>
             <a:fld id="{4781F2F9-03C2-4B05-8C49-879FAD1DC66F}" type="datetime1">
               <a:rPr lang="ru-RU" smtClean="0"/>
-              <a:t>29.05.2022</a:t>
+              <a:t>30.05.2022</a:t>
             </a:fld>
             <a:endParaRPr lang="ru-RU"/>
           </a:p>
@@ -1228,7 +1228,7 @@
           <a:p>
             <a:fld id="{C55CF103-CC98-4CD4-ADC0-0EB50A8E720A}" type="datetime1">
               <a:rPr lang="ru-RU" smtClean="0"/>
-              <a:t>29.05.2022</a:t>
+              <a:t>30.05.2022</a:t>
             </a:fld>
             <a:endParaRPr lang="ru-RU"/>
           </a:p>
@@ -1503,7 +1503,7 @@
           <a:p>
             <a:fld id="{4828CFB2-5362-4BA6-BEE3-BB2642E5F06E}" type="datetime1">
               <a:rPr lang="ru-RU" smtClean="0"/>
-              <a:t>29.05.2022</a:t>
+              <a:t>30.05.2022</a:t>
             </a:fld>
             <a:endParaRPr lang="ru-RU"/>
           </a:p>
@@ -1768,7 +1768,7 @@
           <a:p>
             <a:fld id="{93793127-953A-4FF8-AD25-9A7EAEB5CF5E}" type="datetime1">
               <a:rPr lang="ru-RU" smtClean="0"/>
-              <a:t>29.05.2022</a:t>
+              <a:t>30.05.2022</a:t>
             </a:fld>
             <a:endParaRPr lang="ru-RU"/>
           </a:p>
@@ -2180,7 +2180,7 @@
           <a:p>
             <a:fld id="{7CA2C41C-A390-4D97-B644-81D6A86436D0}" type="datetime1">
               <a:rPr lang="ru-RU" smtClean="0"/>
-              <a:t>29.05.2022</a:t>
+              <a:t>30.05.2022</a:t>
             </a:fld>
             <a:endParaRPr lang="ru-RU"/>
           </a:p>
@@ -2321,7 +2321,7 @@
           <a:p>
             <a:fld id="{01C7CE23-07DC-4D29-AE4F-CF9126D438E0}" type="datetime1">
               <a:rPr lang="ru-RU" smtClean="0"/>
-              <a:t>29.05.2022</a:t>
+              <a:t>30.05.2022</a:t>
             </a:fld>
             <a:endParaRPr lang="ru-RU"/>
           </a:p>
@@ -2434,7 +2434,7 @@
           <a:p>
             <a:fld id="{6416D010-49B1-4964-92ED-287255F37D04}" type="datetime1">
               <a:rPr lang="ru-RU" smtClean="0"/>
-              <a:t>29.05.2022</a:t>
+              <a:t>30.05.2022</a:t>
             </a:fld>
             <a:endParaRPr lang="ru-RU"/>
           </a:p>
@@ -2745,7 +2745,7 @@
           <a:p>
             <a:fld id="{9EB75F55-3DD5-4CE3-9B54-727202BA15E9}" type="datetime1">
               <a:rPr lang="ru-RU" smtClean="0"/>
-              <a:t>29.05.2022</a:t>
+              <a:t>30.05.2022</a:t>
             </a:fld>
             <a:endParaRPr lang="ru-RU"/>
           </a:p>
@@ -3033,7 +3033,7 @@
           <a:p>
             <a:fld id="{C04789F8-F8FE-4256-8AFF-2567DB3965F4}" type="datetime1">
               <a:rPr lang="ru-RU" smtClean="0"/>
-              <a:t>29.05.2022</a:t>
+              <a:t>30.05.2022</a:t>
             </a:fld>
             <a:endParaRPr lang="ru-RU"/>
           </a:p>
@@ -3274,7 +3274,7 @@
           <a:p>
             <a:fld id="{EA3FB417-0F2C-41D5-8173-80D866AD86E5}" type="datetime1">
               <a:rPr lang="ru-RU" smtClean="0"/>
-              <a:t>29.05.2022</a:t>
+              <a:t>30.05.2022</a:t>
             </a:fld>
             <a:endParaRPr lang="ru-RU"/>
           </a:p>
@@ -3710,7 +3710,7 @@
         </p:nvSpPr>
         <p:spPr>
           <a:xfrm>
-            <a:off x="1082040" y="1645286"/>
+            <a:off x="1082040" y="791846"/>
             <a:ext cx="10027920" cy="3053397"/>
           </a:xfrm>
         </p:spPr>
@@ -3745,7 +3745,7 @@
         </p:nvSpPr>
         <p:spPr>
           <a:xfrm>
-            <a:off x="828040" y="4891901"/>
+            <a:off x="828040" y="4038461"/>
             <a:ext cx="10535920" cy="1655762"/>
           </a:xfrm>
         </p:spPr>
@@ -3796,7 +3796,7 @@
         </p:nvSpPr>
         <p:spPr>
           <a:xfrm>
-            <a:off x="1524000" y="1138218"/>
+            <a:off x="1524000" y="284778"/>
             <a:ext cx="9144000" cy="461665"/>
           </a:xfrm>
           <a:prstGeom prst="rect">
@@ -3824,42 +3824,207 @@
       </p:sp>
       <p:sp>
         <p:nvSpPr>
-          <p:cNvPr id="5" name="Прямоугольник 4">
-            <a:extLst>
-              <a:ext uri="{FF2B5EF4-FFF2-40B4-BE49-F238E27FC236}">
-                <a16:creationId xmlns:a16="http://schemas.microsoft.com/office/drawing/2014/main" id="{5C98651C-63A7-2177-4CDD-B1814E82A66D}"/>
-              </a:ext>
-            </a:extLst>
-          </p:cNvPr>
-          <p:cNvSpPr/>
+          <p:cNvPr id="6" name="Подзаголовок 2">
+            <a:extLst>
+              <a:ext uri="{FF2B5EF4-FFF2-40B4-BE49-F238E27FC236}">
+                <a16:creationId xmlns:a16="http://schemas.microsoft.com/office/drawing/2014/main" id="{59BC09B9-2B22-C054-9C41-A03605C15877}"/>
+              </a:ext>
+            </a:extLst>
+          </p:cNvPr>
+          <p:cNvSpPr txBox="1">
+            <a:spLocks/>
+          </p:cNvSpPr>
           <p:nvPr/>
         </p:nvSpPr>
         <p:spPr>
           <a:xfrm>
-            <a:off x="0" y="195016"/>
-            <a:ext cx="12192000" cy="584775"/>
+            <a:off x="828040" y="5887440"/>
+            <a:ext cx="10535920" cy="827881"/>
           </a:xfrm>
           <a:prstGeom prst="rect">
             <a:avLst/>
           </a:prstGeom>
         </p:spPr>
         <p:txBody>
-          <a:bodyPr wrap="square">
-            <a:spAutoFit/>
+          <a:bodyPr vert="horz" lIns="91440" tIns="45720" rIns="91440" bIns="45720" rtlCol="0" anchor="ctr">
+            <a:normAutofit/>
           </a:bodyPr>
-          <a:lstStyle/>
-          <a:p>
-            <a:pPr algn="ctr"/>
-            <a:r>
-              <a:rPr lang="ru-RU" sz="1600" dirty="0"/>
-              <a:t>Московский государственный технический университет имени Н.Э. Баумана </a:t>
-            </a:r>
-            <a:br>
-              <a:rPr lang="ru-RU" sz="1600" dirty="0"/>
-            </a:br>
-            <a:r>
-              <a:rPr lang="ru-RU" sz="1600" dirty="0"/>
-              <a:t>(национальный исследовательский университет)</a:t>
+          <a:lstStyle>
+            <a:lvl1pPr marL="0" indent="0" algn="ctr" defTabSz="914400" rtl="0" eaLnBrk="1" latinLnBrk="0" hangingPunct="1">
+              <a:lnSpc>
+                <a:spcPct val="90000"/>
+              </a:lnSpc>
+              <a:spcBef>
+                <a:spcPts val="1000"/>
+              </a:spcBef>
+              <a:buFont typeface="Arial" panose="020B0604020202020204" pitchFamily="34" charset="0"/>
+              <a:buNone/>
+              <a:defRPr sz="2400" kern="1200">
+                <a:solidFill>
+                  <a:schemeClr val="tx1"/>
+                </a:solidFill>
+                <a:latin typeface="+mn-lt"/>
+                <a:ea typeface="+mn-ea"/>
+                <a:cs typeface="+mn-cs"/>
+              </a:defRPr>
+            </a:lvl1pPr>
+            <a:lvl2pPr marL="457200" indent="0" algn="ctr" defTabSz="914400" rtl="0" eaLnBrk="1" latinLnBrk="0" hangingPunct="1">
+              <a:lnSpc>
+                <a:spcPct val="90000"/>
+              </a:lnSpc>
+              <a:spcBef>
+                <a:spcPts val="500"/>
+              </a:spcBef>
+              <a:buFont typeface="Arial" panose="020B0604020202020204" pitchFamily="34" charset="0"/>
+              <a:buNone/>
+              <a:defRPr sz="2000" kern="1200">
+                <a:solidFill>
+                  <a:schemeClr val="tx1"/>
+                </a:solidFill>
+                <a:latin typeface="+mn-lt"/>
+                <a:ea typeface="+mn-ea"/>
+                <a:cs typeface="+mn-cs"/>
+              </a:defRPr>
+            </a:lvl2pPr>
+            <a:lvl3pPr marL="914400" indent="0" algn="ctr" defTabSz="914400" rtl="0" eaLnBrk="1" latinLnBrk="0" hangingPunct="1">
+              <a:lnSpc>
+                <a:spcPct val="90000"/>
+              </a:lnSpc>
+              <a:spcBef>
+                <a:spcPts val="500"/>
+              </a:spcBef>
+              <a:buFont typeface="Arial" panose="020B0604020202020204" pitchFamily="34" charset="0"/>
+              <a:buNone/>
+              <a:defRPr sz="1800" kern="1200">
+                <a:solidFill>
+                  <a:schemeClr val="tx1"/>
+                </a:solidFill>
+                <a:latin typeface="+mn-lt"/>
+                <a:ea typeface="+mn-ea"/>
+                <a:cs typeface="+mn-cs"/>
+              </a:defRPr>
+            </a:lvl3pPr>
+            <a:lvl4pPr marL="1371600" indent="0" algn="ctr" defTabSz="914400" rtl="0" eaLnBrk="1" latinLnBrk="0" hangingPunct="1">
+              <a:lnSpc>
+                <a:spcPct val="90000"/>
+              </a:lnSpc>
+              <a:spcBef>
+                <a:spcPts val="500"/>
+              </a:spcBef>
+              <a:buFont typeface="Arial" panose="020B0604020202020204" pitchFamily="34" charset="0"/>
+              <a:buNone/>
+              <a:defRPr sz="1600" kern="1200">
+                <a:solidFill>
+                  <a:schemeClr val="tx1"/>
+                </a:solidFill>
+                <a:latin typeface="+mn-lt"/>
+                <a:ea typeface="+mn-ea"/>
+                <a:cs typeface="+mn-cs"/>
+              </a:defRPr>
+            </a:lvl4pPr>
+            <a:lvl5pPr marL="1828800" indent="0" algn="ctr" defTabSz="914400" rtl="0" eaLnBrk="1" latinLnBrk="0" hangingPunct="1">
+              <a:lnSpc>
+                <a:spcPct val="90000"/>
+              </a:lnSpc>
+              <a:spcBef>
+                <a:spcPts val="500"/>
+              </a:spcBef>
+              <a:buFont typeface="Arial" panose="020B0604020202020204" pitchFamily="34" charset="0"/>
+              <a:buNone/>
+              <a:defRPr sz="1600" kern="1200">
+                <a:solidFill>
+                  <a:schemeClr val="tx1"/>
+                </a:solidFill>
+                <a:latin typeface="+mn-lt"/>
+                <a:ea typeface="+mn-ea"/>
+                <a:cs typeface="+mn-cs"/>
+              </a:defRPr>
+            </a:lvl5pPr>
+            <a:lvl6pPr marL="2286000" indent="0" algn="ctr" defTabSz="914400" rtl="0" eaLnBrk="1" latinLnBrk="0" hangingPunct="1">
+              <a:lnSpc>
+                <a:spcPct val="90000"/>
+              </a:lnSpc>
+              <a:spcBef>
+                <a:spcPts val="500"/>
+              </a:spcBef>
+              <a:buFont typeface="Arial" panose="020B0604020202020204" pitchFamily="34" charset="0"/>
+              <a:buNone/>
+              <a:defRPr sz="1600" kern="1200">
+                <a:solidFill>
+                  <a:schemeClr val="tx1"/>
+                </a:solidFill>
+                <a:latin typeface="+mn-lt"/>
+                <a:ea typeface="+mn-ea"/>
+                <a:cs typeface="+mn-cs"/>
+              </a:defRPr>
+            </a:lvl6pPr>
+            <a:lvl7pPr marL="2743200" indent="0" algn="ctr" defTabSz="914400" rtl="0" eaLnBrk="1" latinLnBrk="0" hangingPunct="1">
+              <a:lnSpc>
+                <a:spcPct val="90000"/>
+              </a:lnSpc>
+              <a:spcBef>
+                <a:spcPts val="500"/>
+              </a:spcBef>
+              <a:buFont typeface="Arial" panose="020B0604020202020204" pitchFamily="34" charset="0"/>
+              <a:buNone/>
+              <a:defRPr sz="1600" kern="1200">
+                <a:solidFill>
+                  <a:schemeClr val="tx1"/>
+                </a:solidFill>
+                <a:latin typeface="+mn-lt"/>
+                <a:ea typeface="+mn-ea"/>
+                <a:cs typeface="+mn-cs"/>
+              </a:defRPr>
+            </a:lvl7pPr>
+            <a:lvl8pPr marL="3200400" indent="0" algn="ctr" defTabSz="914400" rtl="0" eaLnBrk="1" latinLnBrk="0" hangingPunct="1">
+              <a:lnSpc>
+                <a:spcPct val="90000"/>
+              </a:lnSpc>
+              <a:spcBef>
+                <a:spcPts val="500"/>
+              </a:spcBef>
+              <a:buFont typeface="Arial" panose="020B0604020202020204" pitchFamily="34" charset="0"/>
+              <a:buNone/>
+              <a:defRPr sz="1600" kern="1200">
+                <a:solidFill>
+                  <a:schemeClr val="tx1"/>
+                </a:solidFill>
+                <a:latin typeface="+mn-lt"/>
+                <a:ea typeface="+mn-ea"/>
+                <a:cs typeface="+mn-cs"/>
+              </a:defRPr>
+            </a:lvl8pPr>
+            <a:lvl9pPr marL="3657600" indent="0" algn="ctr" defTabSz="914400" rtl="0" eaLnBrk="1" latinLnBrk="0" hangingPunct="1">
+              <a:lnSpc>
+                <a:spcPct val="90000"/>
+              </a:lnSpc>
+              <a:spcBef>
+                <a:spcPts val="500"/>
+              </a:spcBef>
+              <a:buFont typeface="Arial" panose="020B0604020202020204" pitchFamily="34" charset="0"/>
+              <a:buNone/>
+              <a:defRPr sz="1600" kern="1200">
+                <a:solidFill>
+                  <a:schemeClr val="tx1"/>
+                </a:solidFill>
+                <a:latin typeface="+mn-lt"/>
+                <a:ea typeface="+mn-ea"/>
+                <a:cs typeface="+mn-cs"/>
+              </a:defRPr>
+            </a:lvl9pPr>
+          </a:lstStyle>
+          <a:p>
+            <a:r>
+              <a:rPr lang="ru-RU" dirty="0"/>
+              <a:t>Москва</a:t>
+            </a:r>
+            <a:r>
+              <a:rPr lang="en-US" dirty="0"/>
+              <a:t>, </a:t>
+            </a:r>
+            <a:r>
+              <a:rPr lang="ru-RU" dirty="0"/>
+              <a:t>2022 год</a:t>
             </a:r>
           </a:p>
         </p:txBody>
@@ -3917,7 +4082,7 @@
           <a:p>
             <a:r>
               <a:rPr lang="ru-RU" dirty="0"/>
-              <a:t>Метод интервалов</a:t>
+              <a:t>Составление расписания</a:t>
             </a:r>
           </a:p>
         </p:txBody>
@@ -3949,13 +4114,13 @@
               </a:ext>
             </a:extLst>
           </a:blip>
-          <a:srcRect l="343" t="11355" r="617" b="35175"/>
+          <a:srcRect l="728" t="10872" r="340" b="19383"/>
           <a:stretch/>
         </p:blipFill>
         <p:spPr>
           <a:xfrm>
-            <a:off x="2019300" y="3317875"/>
-            <a:ext cx="8153400" cy="3403600"/>
+            <a:off x="2209800" y="2749954"/>
+            <a:ext cx="7772400" cy="4108046"/>
           </a:xfrm>
         </p:spPr>
       </p:pic>
@@ -3981,10 +4146,10 @@
           <a:lstStyle/>
           <a:p>
             <a:fld id="{E44E20FB-DC41-4FB4-820E-A7F1077F5D74}" type="slidenum">
-              <a:rPr lang="ru-RU" smtClean="0"/>
+              <a:rPr lang="ru-RU" sz="1600" b="1"/>
               <a:t>10</a:t>
             </a:fld>
-            <a:endParaRPr lang="ru-RU"/>
+            <a:endParaRPr lang="ru-RU" sz="1600" b="1" dirty="0"/>
           </a:p>
         </p:txBody>
       </p:sp>
@@ -4002,7 +4167,7 @@
           </p:cNvPicPr>
           <p:nvPr/>
         </p:nvPicPr>
-        <p:blipFill>
+        <p:blipFill rotWithShape="1">
           <a:blip r:embed="rId4">
             <a:extLst>
               <a:ext uri="{28A0092B-C50C-407E-A947-70E740481C1C}">
@@ -4013,14 +4178,13 @@
               </a:ext>
             </a:extLst>
           </a:blip>
-          <a:stretch>
-            <a:fillRect/>
-          </a:stretch>
+          <a:srcRect r="36442"/>
+          <a:stretch/>
         </p:blipFill>
         <p:spPr>
           <a:xfrm>
-            <a:off x="5829061" y="452966"/>
-            <a:ext cx="6224826" cy="1149879"/>
+            <a:off x="7743474" y="136525"/>
+            <a:ext cx="4064986" cy="1181448"/>
           </a:xfrm>
           <a:prstGeom prst="rect">
             <a:avLst/>
@@ -4058,8 +4222,8 @@
         </p:blipFill>
         <p:spPr>
           <a:xfrm>
-            <a:off x="5829062" y="1929342"/>
-            <a:ext cx="6224825" cy="1149879"/>
+            <a:off x="5412740" y="1517968"/>
+            <a:ext cx="6395720" cy="1181448"/>
           </a:xfrm>
           <a:prstGeom prst="rect">
             <a:avLst/>
@@ -4101,7 +4265,7 @@
           <p:cNvPr id="2" name="Заголовок 1">
             <a:extLst>
               <a:ext uri="{FF2B5EF4-FFF2-40B4-BE49-F238E27FC236}">
-                <a16:creationId xmlns:a16="http://schemas.microsoft.com/office/drawing/2014/main" id="{30DDECF4-6CB3-A52B-F6B5-252B5FB0FA24}"/>
+                <a16:creationId xmlns:a16="http://schemas.microsoft.com/office/drawing/2014/main" id="{AD4E57DD-4CA5-5BC8-9D8C-FACA51DD712F}"/>
               </a:ext>
             </a:extLst>
           </p:cNvPr>
@@ -4119,46 +4283,17 @@
           <a:p>
             <a:r>
               <a:rPr lang="ru-RU" dirty="0"/>
-              <a:t>Реализация программы</a:t>
-            </a:r>
-          </a:p>
-        </p:txBody>
-      </p:sp>
-      <p:sp>
-        <p:nvSpPr>
-          <p:cNvPr id="4" name="Номер слайда 3">
-            <a:extLst>
-              <a:ext uri="{FF2B5EF4-FFF2-40B4-BE49-F238E27FC236}">
-                <a16:creationId xmlns:a16="http://schemas.microsoft.com/office/drawing/2014/main" id="{B0DC8631-66C6-3DD4-E800-03BF28DC7DA9}"/>
-              </a:ext>
-            </a:extLst>
-          </p:cNvPr>
-          <p:cNvSpPr>
-            <a:spLocks noGrp="1"/>
-          </p:cNvSpPr>
-          <p:nvPr>
-            <p:ph type="sldNum" sz="quarter" idx="12"/>
-          </p:nvPr>
-        </p:nvSpPr>
-        <p:spPr/>
-        <p:txBody>
-          <a:bodyPr/>
-          <a:lstStyle/>
-          <a:p>
-            <a:fld id="{E44E20FB-DC41-4FB4-820E-A7F1077F5D74}" type="slidenum">
-              <a:rPr lang="ru-RU" smtClean="0"/>
-              <a:t>11</a:t>
-            </a:fld>
-            <a:endParaRPr lang="ru-RU"/>
+              <a:t>Структура программы</a:t>
+            </a:r>
           </a:p>
         </p:txBody>
       </p:sp>
       <p:pic>
         <p:nvPicPr>
-          <p:cNvPr id="14" name="Объект 13">
-            <a:extLst>
-              <a:ext uri="{FF2B5EF4-FFF2-40B4-BE49-F238E27FC236}">
-                <a16:creationId xmlns:a16="http://schemas.microsoft.com/office/drawing/2014/main" id="{A4ED088E-4CAA-3079-F4DA-D1DB840AA8BE}"/>
+          <p:cNvPr id="6" name="Объект 5">
+            <a:extLst>
+              <a:ext uri="{FF2B5EF4-FFF2-40B4-BE49-F238E27FC236}">
+                <a16:creationId xmlns:a16="http://schemas.microsoft.com/office/drawing/2014/main" id="{3EB35B95-00D2-0C3D-52A1-36A2E0053E63}"/>
               </a:ext>
             </a:extLst>
           </p:cNvPr>
@@ -4169,99 +4304,60 @@
             <p:ph idx="1"/>
           </p:nvPr>
         </p:nvPicPr>
-        <p:blipFill rotWithShape="1">
+        <p:blipFill>
           <a:blip r:embed="rId2">
             <a:extLst>
               <a:ext uri="{28A0092B-C50C-407E-A947-70E740481C1C}">
                 <a14:useLocalDpi xmlns:a14="http://schemas.microsoft.com/office/drawing/2010/main" val="0"/>
               </a:ext>
+              <a:ext uri="{96DAC541-7B7A-43D3-8B79-37D633B846F1}">
+                <asvg:svgBlip xmlns:asvg="http://schemas.microsoft.com/office/drawing/2016/SVG/main" r:embed="rId3"/>
+              </a:ext>
             </a:extLst>
           </a:blip>
-          <a:srcRect l="4849" t="9414" r="20478" b="10966"/>
+          <a:srcRect/>
           <a:stretch/>
         </p:blipFill>
         <p:spPr>
           <a:xfrm>
-            <a:off x="838200" y="1377298"/>
-            <a:ext cx="6006887" cy="3402572"/>
+            <a:off x="2132635" y="1315889"/>
+            <a:ext cx="7926729" cy="5176986"/>
           </a:xfrm>
         </p:spPr>
       </p:pic>
-      <p:pic>
-        <p:nvPicPr>
-          <p:cNvPr id="16" name="Рисунок 15">
-            <a:extLst>
-              <a:ext uri="{FF2B5EF4-FFF2-40B4-BE49-F238E27FC236}">
-                <a16:creationId xmlns:a16="http://schemas.microsoft.com/office/drawing/2014/main" id="{FEC3DE25-7966-6D1E-16C5-38B118F0C6FD}"/>
-              </a:ext>
-            </a:extLst>
-          </p:cNvPr>
-          <p:cNvPicPr>
-            <a:picLocks noChangeAspect="1"/>
-          </p:cNvPicPr>
-          <p:nvPr/>
-        </p:nvPicPr>
-        <p:blipFill>
-          <a:blip r:embed="rId3">
-            <a:extLst>
-              <a:ext uri="{28A0092B-C50C-407E-A947-70E740481C1C}">
-                <a14:useLocalDpi xmlns:a14="http://schemas.microsoft.com/office/drawing/2010/main" val="0"/>
-              </a:ext>
-            </a:extLst>
-          </a:blip>
-          <a:stretch>
-            <a:fillRect/>
-          </a:stretch>
-        </p:blipFill>
-        <p:spPr>
-          <a:xfrm>
-            <a:off x="7677942" y="1357763"/>
-            <a:ext cx="3953476" cy="3615828"/>
-          </a:xfrm>
-          <a:prstGeom prst="rect">
-            <a:avLst/>
-          </a:prstGeom>
-        </p:spPr>
-      </p:pic>
-      <p:pic>
-        <p:nvPicPr>
-          <p:cNvPr id="20" name="Рисунок 19">
-            <a:extLst>
-              <a:ext uri="{FF2B5EF4-FFF2-40B4-BE49-F238E27FC236}">
-                <a16:creationId xmlns:a16="http://schemas.microsoft.com/office/drawing/2014/main" id="{0893E869-2B70-D388-5820-EEB5CEE95F14}"/>
-              </a:ext>
-            </a:extLst>
-          </p:cNvPr>
-          <p:cNvPicPr>
-            <a:picLocks noChangeAspect="1"/>
-          </p:cNvPicPr>
-          <p:nvPr/>
-        </p:nvPicPr>
-        <p:blipFill rotWithShape="1">
-          <a:blip r:embed="rId4">
-            <a:extLst>
-              <a:ext uri="{28A0092B-C50C-407E-A947-70E740481C1C}">
-                <a14:useLocalDpi xmlns:a14="http://schemas.microsoft.com/office/drawing/2010/main" val="0"/>
-              </a:ext>
-            </a:extLst>
-          </a:blip>
-          <a:srcRect t="15205" b="10008"/>
-          <a:stretch/>
-        </p:blipFill>
-        <p:spPr>
-          <a:xfrm>
-            <a:off x="838200" y="5167312"/>
-            <a:ext cx="10033000" cy="1463739"/>
-          </a:xfrm>
-          <a:prstGeom prst="rect">
-            <a:avLst/>
-          </a:prstGeom>
-        </p:spPr>
-      </p:pic>
+      <p:sp>
+        <p:nvSpPr>
+          <p:cNvPr id="4" name="Номер слайда 3">
+            <a:extLst>
+              <a:ext uri="{FF2B5EF4-FFF2-40B4-BE49-F238E27FC236}">
+                <a16:creationId xmlns:a16="http://schemas.microsoft.com/office/drawing/2014/main" id="{120EF4AE-5701-18C8-0ECE-D2E3129CE08E}"/>
+              </a:ext>
+            </a:extLst>
+          </p:cNvPr>
+          <p:cNvSpPr>
+            <a:spLocks noGrp="1"/>
+          </p:cNvSpPr>
+          <p:nvPr>
+            <p:ph type="sldNum" sz="quarter" idx="12"/>
+          </p:nvPr>
+        </p:nvSpPr>
+        <p:spPr/>
+        <p:txBody>
+          <a:bodyPr/>
+          <a:lstStyle/>
+          <a:p>
+            <a:fld id="{E44E20FB-DC41-4FB4-820E-A7F1077F5D74}" type="slidenum">
+              <a:rPr lang="ru-RU" sz="1600" b="1"/>
+              <a:t>11</a:t>
+            </a:fld>
+            <a:endParaRPr lang="ru-RU" sz="1600" b="1" dirty="0"/>
+          </a:p>
+        </p:txBody>
+      </p:sp>
     </p:spTree>
     <p:extLst>
       <p:ext uri="{BB962C8B-B14F-4D97-AF65-F5344CB8AC3E}">
-        <p14:creationId xmlns:p14="http://schemas.microsoft.com/office/powerpoint/2010/main" val="3334540345"/>
+        <p14:creationId xmlns:p14="http://schemas.microsoft.com/office/powerpoint/2010/main" val="2733881677"/>
       </p:ext>
     </p:extLst>
   </p:cSld>
@@ -4293,7 +4389,7 @@
           <p:cNvPr id="2" name="Заголовок 1">
             <a:extLst>
               <a:ext uri="{FF2B5EF4-FFF2-40B4-BE49-F238E27FC236}">
-                <a16:creationId xmlns:a16="http://schemas.microsoft.com/office/drawing/2014/main" id="{C8E1BD63-9C3A-4C6C-7C33-FE7E7A04C370}"/>
+                <a16:creationId xmlns:a16="http://schemas.microsoft.com/office/drawing/2014/main" id="{30DDECF4-6CB3-A52B-F6B5-252B5FB0FA24}"/>
               </a:ext>
             </a:extLst>
           </p:cNvPr>
@@ -4304,71 +4400,107 @@
             <p:ph type="title"/>
           </p:nvPr>
         </p:nvSpPr>
+        <p:spPr>
+          <a:xfrm>
+            <a:off x="838200" y="365125"/>
+            <a:ext cx="10515600" cy="1012173"/>
+          </a:xfrm>
+        </p:spPr>
+        <p:txBody>
+          <a:bodyPr/>
+          <a:lstStyle/>
+          <a:p>
+            <a:r>
+              <a:rPr lang="ru-RU" dirty="0"/>
+              <a:t>Примеры результатов работы программы</a:t>
+            </a:r>
+          </a:p>
+        </p:txBody>
+      </p:sp>
+      <p:sp>
+        <p:nvSpPr>
+          <p:cNvPr id="4" name="Номер слайда 3">
+            <a:extLst>
+              <a:ext uri="{FF2B5EF4-FFF2-40B4-BE49-F238E27FC236}">
+                <a16:creationId xmlns:a16="http://schemas.microsoft.com/office/drawing/2014/main" id="{B0DC8631-66C6-3DD4-E800-03BF28DC7DA9}"/>
+              </a:ext>
+            </a:extLst>
+          </p:cNvPr>
+          <p:cNvSpPr>
+            <a:spLocks noGrp="1"/>
+          </p:cNvSpPr>
+          <p:nvPr>
+            <p:ph type="sldNum" sz="quarter" idx="12"/>
+          </p:nvPr>
+        </p:nvSpPr>
         <p:spPr/>
         <p:txBody>
-          <a:bodyPr/>
-          <a:lstStyle/>
-          <a:p>
-            <a:r>
-              <a:rPr lang="ru-RU" dirty="0"/>
-              <a:t>Стоимость до и после оптимизации</a:t>
-            </a:r>
-          </a:p>
-        </p:txBody>
-      </p:sp>
-      <p:sp>
-        <p:nvSpPr>
-          <p:cNvPr id="4" name="Номер слайда 3">
-            <a:extLst>
-              <a:ext uri="{FF2B5EF4-FFF2-40B4-BE49-F238E27FC236}">
-                <a16:creationId xmlns:a16="http://schemas.microsoft.com/office/drawing/2014/main" id="{1B1B77D1-AC4A-D20B-7257-405A39502D09}"/>
-              </a:ext>
-            </a:extLst>
-          </p:cNvPr>
-          <p:cNvSpPr>
-            <a:spLocks noGrp="1"/>
-          </p:cNvSpPr>
-          <p:nvPr>
-            <p:ph type="sldNum" sz="quarter" idx="12"/>
-          </p:nvPr>
-        </p:nvSpPr>
-        <p:spPr/>
-        <p:txBody>
-          <a:bodyPr/>
+          <a:bodyPr vert="horz" lIns="91440" tIns="45720" rIns="91440" bIns="45720" rtlCol="0" anchor="ctr"/>
           <a:lstStyle/>
           <a:p>
             <a:fld id="{E44E20FB-DC41-4FB4-820E-A7F1077F5D74}" type="slidenum">
-              <a:rPr lang="ru-RU" smtClean="0"/>
+              <a:rPr lang="ru-RU" sz="1600" b="1"/>
+              <a:pPr/>
               <a:t>12</a:t>
             </a:fld>
-            <a:endParaRPr lang="ru-RU"/>
+            <a:endParaRPr lang="ru-RU" sz="1600" b="1" dirty="0"/>
           </a:p>
         </p:txBody>
       </p:sp>
       <p:pic>
         <p:nvPicPr>
-          <p:cNvPr id="18" name="Объект 17">
-            <a:extLst>
-              <a:ext uri="{FF2B5EF4-FFF2-40B4-BE49-F238E27FC236}">
-                <a16:creationId xmlns:a16="http://schemas.microsoft.com/office/drawing/2014/main" id="{AC8BA22C-DA02-E5F9-4D08-BE98F081BE3F}"/>
+          <p:cNvPr id="5" name="Рисунок 4">
+            <a:extLst>
+              <a:ext uri="{FF2B5EF4-FFF2-40B4-BE49-F238E27FC236}">
+                <a16:creationId xmlns:a16="http://schemas.microsoft.com/office/drawing/2014/main" id="{ED07E4B4-DBD0-8F2A-CA78-76A3ABE8A3AD}"/>
               </a:ext>
             </a:extLst>
           </p:cNvPr>
           <p:cNvPicPr>
-            <a:picLocks noGrp="1" noChangeAspect="1"/>
+            <a:picLocks noChangeAspect="1"/>
           </p:cNvPicPr>
-          <p:nvPr>
-            <p:ph idx="1"/>
-          </p:nvPr>
+          <p:nvPr/>
+        </p:nvPicPr>
+        <p:blipFill rotWithShape="1">
+          <a:blip r:embed="rId2">
+            <a:extLst>
+              <a:ext uri="{28A0092B-C50C-407E-A947-70E740481C1C}">
+                <a14:useLocalDpi xmlns:a14="http://schemas.microsoft.com/office/drawing/2010/main" val="0"/>
+              </a:ext>
+            </a:extLst>
+          </a:blip>
+          <a:srcRect t="15569" b="10767"/>
+          <a:stretch/>
+        </p:blipFill>
+        <p:spPr>
+          <a:xfrm>
+            <a:off x="838201" y="4779871"/>
+            <a:ext cx="6896100" cy="2039488"/>
+          </a:xfrm>
+          <a:prstGeom prst="rect">
+            <a:avLst/>
+          </a:prstGeom>
+        </p:spPr>
+      </p:pic>
+      <p:pic>
+        <p:nvPicPr>
+          <p:cNvPr id="16" name="Рисунок 15">
+            <a:extLst>
+              <a:ext uri="{FF2B5EF4-FFF2-40B4-BE49-F238E27FC236}">
+                <a16:creationId xmlns:a16="http://schemas.microsoft.com/office/drawing/2014/main" id="{FEC3DE25-7966-6D1E-16C5-38B118F0C6FD}"/>
+              </a:ext>
+            </a:extLst>
+          </p:cNvPr>
+          <p:cNvPicPr>
+            <a:picLocks noChangeAspect="1"/>
+          </p:cNvPicPr>
+          <p:nvPr/>
         </p:nvPicPr>
         <p:blipFill>
-          <a:blip r:embed="rId2">
+          <a:blip r:embed="rId3">
             <a:extLst>
               <a:ext uri="{28A0092B-C50C-407E-A947-70E740481C1C}">
                 <a14:useLocalDpi xmlns:a14="http://schemas.microsoft.com/office/drawing/2010/main" val="0"/>
-              </a:ext>
-              <a:ext uri="{96DAC541-7B7A-43D3-8B79-37D633B846F1}">
-                <asvg:svgBlip xmlns:asvg="http://schemas.microsoft.com/office/drawing/2016/SVG/main" r:embed="rId3"/>
               </a:ext>
             </a:extLst>
           </a:blip>
@@ -4378,15 +4510,48 @@
         </p:blipFill>
         <p:spPr>
           <a:xfrm>
-            <a:off x="838200" y="1847849"/>
-            <a:ext cx="10515599" cy="4568825"/>
+            <a:off x="7801204" y="1281046"/>
+            <a:ext cx="4361991" cy="4449193"/>
           </a:xfrm>
+          <a:prstGeom prst="rect">
+            <a:avLst/>
+          </a:prstGeom>
+        </p:spPr>
+      </p:pic>
+      <p:pic>
+        <p:nvPicPr>
+          <p:cNvPr id="11" name="Рисунок 10">
+            <a:extLst>
+              <a:ext uri="{FF2B5EF4-FFF2-40B4-BE49-F238E27FC236}">
+                <a16:creationId xmlns:a16="http://schemas.microsoft.com/office/drawing/2014/main" id="{74CFE917-8F37-A986-54BC-829C0A1DDDC7}"/>
+              </a:ext>
+            </a:extLst>
+          </p:cNvPr>
+          <p:cNvPicPr>
+            <a:picLocks noChangeAspect="1"/>
+          </p:cNvPicPr>
+          <p:nvPr/>
+        </p:nvPicPr>
+        <p:blipFill>
+          <a:blip r:embed="rId4"/>
+          <a:stretch>
+            <a:fillRect/>
+          </a:stretch>
+        </p:blipFill>
+        <p:spPr>
+          <a:xfrm>
+            <a:off x="838200" y="1281047"/>
+            <a:ext cx="6350000" cy="3372256"/>
+          </a:xfrm>
+          <a:prstGeom prst="rect">
+            <a:avLst/>
+          </a:prstGeom>
         </p:spPr>
       </p:pic>
     </p:spTree>
     <p:extLst>
       <p:ext uri="{BB962C8B-B14F-4D97-AF65-F5344CB8AC3E}">
-        <p14:creationId xmlns:p14="http://schemas.microsoft.com/office/powerpoint/2010/main" val="2719231125"/>
+        <p14:creationId xmlns:p14="http://schemas.microsoft.com/office/powerpoint/2010/main" val="3334540345"/>
       </p:ext>
     </p:extLst>
   </p:cSld>
@@ -4418,7 +4583,7 @@
           <p:cNvPr id="2" name="Заголовок 1">
             <a:extLst>
               <a:ext uri="{FF2B5EF4-FFF2-40B4-BE49-F238E27FC236}">
-                <a16:creationId xmlns:a16="http://schemas.microsoft.com/office/drawing/2014/main" id="{77E05D5E-F340-13C9-216E-567CBB032C7A}"/>
+                <a16:creationId xmlns:a16="http://schemas.microsoft.com/office/drawing/2014/main" id="{C8E1BD63-9C3A-4C6C-7C33-FE7E7A04C370}"/>
               </a:ext>
             </a:extLst>
           </p:cNvPr>
@@ -4436,26 +4601,53 @@
           <a:p>
             <a:r>
               <a:rPr lang="ru-RU" dirty="0"/>
-              <a:t>Временные ограничения программы</a:t>
-            </a:r>
+              <a:t>Результаты экспериментальной проверки работы метода</a:t>
+            </a:r>
+          </a:p>
+        </p:txBody>
+      </p:sp>
+      <p:sp>
+        <p:nvSpPr>
+          <p:cNvPr id="4" name="Номер слайда 3">
+            <a:extLst>
+              <a:ext uri="{FF2B5EF4-FFF2-40B4-BE49-F238E27FC236}">
+                <a16:creationId xmlns:a16="http://schemas.microsoft.com/office/drawing/2014/main" id="{1B1B77D1-AC4A-D20B-7257-405A39502D09}"/>
+              </a:ext>
+            </a:extLst>
+          </p:cNvPr>
+          <p:cNvSpPr>
+            <a:spLocks noGrp="1"/>
+          </p:cNvSpPr>
+          <p:nvPr>
+            <p:ph type="sldNum" sz="quarter" idx="12"/>
+          </p:nvPr>
+        </p:nvSpPr>
+        <p:spPr/>
+        <p:txBody>
+          <a:bodyPr/>
+          <a:lstStyle/>
+          <a:p>
+            <a:fld id="{E44E20FB-DC41-4FB4-820E-A7F1077F5D74}" type="slidenum">
+              <a:rPr lang="ru-RU" sz="1600" b="1"/>
+              <a:t>13</a:t>
+            </a:fld>
+            <a:endParaRPr lang="ru-RU" sz="1600" b="1" dirty="0"/>
           </a:p>
         </p:txBody>
       </p:sp>
       <p:pic>
         <p:nvPicPr>
-          <p:cNvPr id="6" name="Объект 5">
-            <a:extLst>
-              <a:ext uri="{FF2B5EF4-FFF2-40B4-BE49-F238E27FC236}">
-                <a16:creationId xmlns:a16="http://schemas.microsoft.com/office/drawing/2014/main" id="{0B5C43D1-A85F-4BFB-6D2F-B1B5AD269CB4}"/>
+          <p:cNvPr id="27" name="Объект 14">
+            <a:extLst>
+              <a:ext uri="{FF2B5EF4-FFF2-40B4-BE49-F238E27FC236}">
+                <a16:creationId xmlns:a16="http://schemas.microsoft.com/office/drawing/2014/main" id="{F715FBD4-F535-E4D7-4B9D-15E6BAFBF1FC}"/>
               </a:ext>
             </a:extLst>
           </p:cNvPr>
           <p:cNvPicPr>
-            <a:picLocks noGrp="1" noChangeAspect="1"/>
+            <a:picLocks noChangeAspect="1"/>
           </p:cNvPicPr>
-          <p:nvPr>
-            <p:ph idx="1"/>
-          </p:nvPr>
+          <p:nvPr/>
         </p:nvPicPr>
         <p:blipFill>
           <a:blip r:embed="rId2">
@@ -4465,6 +4657,44 @@
               </a:ext>
               <a:ext uri="{96DAC541-7B7A-43D3-8B79-37D633B846F1}">
                 <asvg:svgBlip xmlns:asvg="http://schemas.microsoft.com/office/drawing/2016/SVG/main" r:embed="rId3"/>
+              </a:ext>
+            </a:extLst>
+          </a:blip>
+          <a:srcRect/>
+          <a:stretch/>
+        </p:blipFill>
+        <p:spPr>
+          <a:xfrm>
+            <a:off x="6096000" y="1686178"/>
+            <a:ext cx="5703771" cy="4670172"/>
+          </a:xfrm>
+          <a:prstGeom prst="rect">
+            <a:avLst/>
+          </a:prstGeom>
+        </p:spPr>
+      </p:pic>
+      <p:pic>
+        <p:nvPicPr>
+          <p:cNvPr id="36" name="Рисунок 35">
+            <a:extLst>
+              <a:ext uri="{FF2B5EF4-FFF2-40B4-BE49-F238E27FC236}">
+                <a16:creationId xmlns:a16="http://schemas.microsoft.com/office/drawing/2014/main" id="{32FFCA63-9A10-BF14-E5B5-F58F9537CAD2}"/>
+              </a:ext>
+            </a:extLst>
+          </p:cNvPr>
+          <p:cNvPicPr>
+            <a:picLocks noChangeAspect="1"/>
+          </p:cNvPicPr>
+          <p:nvPr/>
+        </p:nvPicPr>
+        <p:blipFill>
+          <a:blip r:embed="rId4">
+            <a:extLst>
+              <a:ext uri="{28A0092B-C50C-407E-A947-70E740481C1C}">
+                <a14:useLocalDpi xmlns:a14="http://schemas.microsoft.com/office/drawing/2010/main" val="0"/>
+              </a:ext>
+              <a:ext uri="{96DAC541-7B7A-43D3-8B79-37D633B846F1}">
+                <asvg:svgBlip xmlns:asvg="http://schemas.microsoft.com/office/drawing/2016/SVG/main" r:embed="rId5"/>
               </a:ext>
             </a:extLst>
           </a:blip>
@@ -4474,44 +4704,18 @@
         </p:blipFill>
         <p:spPr>
           <a:xfrm>
-            <a:off x="838199" y="1847850"/>
-            <a:ext cx="10515600" cy="4579982"/>
+            <a:off x="188992" y="1691464"/>
+            <a:ext cx="5771517" cy="4670172"/>
           </a:xfrm>
+          <a:prstGeom prst="rect">
+            <a:avLst/>
+          </a:prstGeom>
         </p:spPr>
       </p:pic>
-      <p:sp>
-        <p:nvSpPr>
-          <p:cNvPr id="4" name="Номер слайда 3">
-            <a:extLst>
-              <a:ext uri="{FF2B5EF4-FFF2-40B4-BE49-F238E27FC236}">
-                <a16:creationId xmlns:a16="http://schemas.microsoft.com/office/drawing/2014/main" id="{1BF85665-8A31-48D2-8272-03528A65B7B4}"/>
-              </a:ext>
-            </a:extLst>
-          </p:cNvPr>
-          <p:cNvSpPr>
-            <a:spLocks noGrp="1"/>
-          </p:cNvSpPr>
-          <p:nvPr>
-            <p:ph type="sldNum" sz="quarter" idx="12"/>
-          </p:nvPr>
-        </p:nvSpPr>
-        <p:spPr/>
-        <p:txBody>
-          <a:bodyPr/>
-          <a:lstStyle/>
-          <a:p>
-            <a:fld id="{E44E20FB-DC41-4FB4-820E-A7F1077F5D74}" type="slidenum">
-              <a:rPr lang="ru-RU" smtClean="0"/>
-              <a:t>13</a:t>
-            </a:fld>
-            <a:endParaRPr lang="ru-RU"/>
-          </a:p>
-        </p:txBody>
-      </p:sp>
     </p:spTree>
     <p:extLst>
       <p:ext uri="{BB962C8B-B14F-4D97-AF65-F5344CB8AC3E}">
-        <p14:creationId xmlns:p14="http://schemas.microsoft.com/office/powerpoint/2010/main" val="3522274239"/>
+        <p14:creationId xmlns:p14="http://schemas.microsoft.com/office/powerpoint/2010/main" val="2719231125"/>
       </p:ext>
     </p:extLst>
   </p:cSld>
@@ -4582,10 +4786,15 @@
             <p:ph idx="1"/>
           </p:nvPr>
         </p:nvSpPr>
-        <p:spPr/>
+        <p:spPr>
+          <a:xfrm>
+            <a:off x="838200" y="1825624"/>
+            <a:ext cx="10515600" cy="4530725"/>
+          </a:xfrm>
+        </p:spPr>
         <p:txBody>
           <a:bodyPr>
-            <a:normAutofit fontScale="92500" lnSpcReduction="10000"/>
+            <a:normAutofit fontScale="92500" lnSpcReduction="20000"/>
           </a:bodyPr>
           <a:lstStyle/>
           <a:p>
@@ -4606,7 +4815,7 @@
             </a:r>
             <a:r>
               <a:rPr lang="ru-RU" sz="3000" dirty="0"/>
-              <a:t>разработан собственный метод для оптимизации доставки товаров</a:t>
+              <a:t>разработан метода оптимизации планирования грузоперевозок в транспортной системе</a:t>
             </a:r>
             <a:r>
               <a:rPr lang="en-US" sz="3000" dirty="0"/>
@@ -4618,12 +4827,8 @@
               <a:buNone/>
             </a:pPr>
             <a:r>
-              <a:rPr lang="en-US" sz="3000" dirty="0"/>
-              <a:t>	</a:t>
-            </a:r>
-            <a:r>
               <a:rPr lang="ru-RU" sz="3000" dirty="0"/>
-              <a:t>Были решены следующие задачи</a:t>
+              <a:t>	Решены следующие задачи</a:t>
             </a:r>
             <a:r>
               <a:rPr lang="en-US" sz="3000" dirty="0"/>
@@ -4633,37 +4838,44 @@
           <a:p>
             <a:pPr lvl="1"/>
             <a:r>
-              <a:rPr lang="ru-RU" sz="2600" dirty="0"/>
-              <a:t>проанализирована предметная область, проведён сравнительный анализ с известными решениями, выявлены основные особенности;</a:t>
+              <a:rPr lang="ru-RU" sz="2800" dirty="0"/>
+              <a:t>проведён анализ предметной области;</a:t>
             </a:r>
           </a:p>
           <a:p>
             <a:pPr lvl="1"/>
             <a:r>
-              <a:rPr lang="ru-RU" sz="2600" dirty="0"/>
-              <a:t>установлены цели создания метода, его критерий оптимизации, допущения и ограничения;</a:t>
-            </a:r>
+              <a:rPr lang="ru-RU" sz="2800" dirty="0"/>
+              <a:t>с использованием математической модели формализована постановку задачи, определён критерии оценки оптимальности решений</a:t>
+            </a:r>
+            <a:r>
+              <a:rPr lang="en-US" sz="2800" dirty="0"/>
+              <a:t>;</a:t>
+            </a:r>
+            <a:endParaRPr lang="ru-RU" sz="2800" dirty="0"/>
           </a:p>
           <a:p>
             <a:pPr lvl="1"/>
             <a:r>
-              <a:rPr lang="ru-RU" sz="2600" dirty="0"/>
-              <a:t>описана математическая модель в рамках формализации задачи;</a:t>
-            </a:r>
+              <a:rPr lang="ru-RU" sz="2800" dirty="0"/>
+              <a:t>при разработке метода использованы существующие методы решения транспортных задач;</a:t>
+            </a:r>
+            <a:endParaRPr lang="en-US" sz="2800" dirty="0"/>
           </a:p>
           <a:p>
             <a:pPr lvl="1"/>
             <a:r>
-              <a:rPr lang="ru-RU" sz="2600" dirty="0"/>
-              <a:t>выделен, описан и реализован метод оптимизации грузоперевозок в транспортной системе;</a:t>
+              <a:rPr lang="ru-RU" sz="2800" dirty="0"/>
+              <a:t>разработан и реализован метод;</a:t>
             </a:r>
           </a:p>
           <a:p>
             <a:pPr lvl="1"/>
             <a:r>
-              <a:rPr lang="ru-RU" sz="2600" dirty="0"/>
-              <a:t>проведено исследование алгоритма, работоспособности программы и её ограничений.</a:t>
-            </a:r>
+              <a:rPr lang="ru-RU" sz="2800" dirty="0"/>
+              <a:t>проведена экспериментальная проверка работы реализованного метода.</a:t>
+            </a:r>
+            <a:endParaRPr lang="ru-RU" sz="2600" dirty="0"/>
           </a:p>
         </p:txBody>
       </p:sp>
@@ -4689,10 +4901,10 @@
           <a:lstStyle/>
           <a:p>
             <a:fld id="{E44E20FB-DC41-4FB4-820E-A7F1077F5D74}" type="slidenum">
-              <a:rPr lang="ru-RU" smtClean="0"/>
+              <a:rPr lang="ru-RU" sz="1600" b="1"/>
               <a:t>14</a:t>
             </a:fld>
-            <a:endParaRPr lang="ru-RU"/>
+            <a:endParaRPr lang="ru-RU" sz="1600" b="1" dirty="0"/>
           </a:p>
         </p:txBody>
       </p:sp>
@@ -4786,7 +4998,7 @@
         </p:spPr>
         <p:txBody>
           <a:bodyPr>
-            <a:normAutofit lnSpcReduction="10000"/>
+            <a:normAutofit/>
           </a:bodyPr>
           <a:lstStyle/>
           <a:p>
@@ -4795,11 +5007,19 @@
             </a:pPr>
             <a:r>
               <a:rPr lang="ru-RU" b="1" dirty="0"/>
-              <a:t>Целью</a:t>
+              <a:t>Цель</a:t>
             </a:r>
             <a:r>
               <a:rPr lang="ru-RU" dirty="0"/>
-              <a:t> данной работы является разработка метода оптимизации планирования грузоперевозок в транспортной системе.</a:t>
+              <a:t> данной работы</a:t>
+            </a:r>
+            <a:r>
+              <a:rPr lang="en-US" dirty="0"/>
+              <a:t>:</a:t>
+            </a:r>
+            <a:r>
+              <a:rPr lang="ru-RU" dirty="0"/>
+              <a:t> разработка метода оптимизации планирования грузоперевозок в транспортной системе.</a:t>
             </a:r>
             <a:endParaRPr lang="en-US" dirty="0"/>
           </a:p>
@@ -4832,7 +5052,19 @@
             <a:pPr lvl="1"/>
             <a:r>
               <a:rPr lang="ru-RU" dirty="0"/>
-              <a:t>выбрать базовый метод оптимизации и определить направления его модификации;</a:t>
+              <a:t>формализовать постановку задачи с использованием математической модели</a:t>
+            </a:r>
+            <a:r>
+              <a:rPr lang="en-US" dirty="0"/>
+              <a:t>;</a:t>
+            </a:r>
+            <a:endParaRPr lang="ru-RU" dirty="0"/>
+          </a:p>
+          <a:p>
+            <a:pPr lvl="1"/>
+            <a:r>
+              <a:rPr lang="ru-RU" dirty="0"/>
+              <a:t>изучить существующие методы решения транспортных задач для использования при разработке метода;</a:t>
             </a:r>
             <a:endParaRPr lang="en-US" dirty="0"/>
           </a:p>
@@ -4840,29 +5072,14 @@
             <a:pPr lvl="1"/>
             <a:r>
               <a:rPr lang="ru-RU" dirty="0"/>
-              <a:t>формализовать задание, определить необходимый функционал программы; </a:t>
+              <a:t>разработать и реализовать метод;</a:t>
             </a:r>
           </a:p>
           <a:p>
             <a:pPr lvl="1"/>
             <a:r>
               <a:rPr lang="ru-RU" dirty="0"/>
-              <a:t>определить набор необходимых данных и способ их хранения;</a:t>
-            </a:r>
-            <a:endParaRPr lang="en-US" dirty="0"/>
-          </a:p>
-          <a:p>
-            <a:pPr lvl="1"/>
-            <a:r>
-              <a:rPr lang="ru-RU" dirty="0"/>
-              <a:t>разработать программу и протестировать её;</a:t>
-            </a:r>
-          </a:p>
-          <a:p>
-            <a:pPr lvl="1"/>
-            <a:r>
-              <a:rPr lang="ru-RU" dirty="0"/>
-              <a:t>провести экспериментальную проверку качества работы реализованного метода.</a:t>
+              <a:t>провести экспериментальную проверку работы реализованного метода.</a:t>
             </a:r>
           </a:p>
         </p:txBody>
@@ -4889,10 +5106,10 @@
           <a:lstStyle/>
           <a:p>
             <a:fld id="{E44E20FB-DC41-4FB4-820E-A7F1077F5D74}" type="slidenum">
-              <a:rPr lang="ru-RU" smtClean="0"/>
+              <a:rPr lang="ru-RU" sz="1600" b="1" smtClean="0"/>
               <a:t>2</a:t>
             </a:fld>
-            <a:endParaRPr lang="ru-RU"/>
+            <a:endParaRPr lang="ru-RU" sz="1600" b="1" dirty="0"/>
           </a:p>
         </p:txBody>
       </p:sp>
@@ -5009,11 +5226,11 @@
             </a:r>
             <a:r>
               <a:rPr lang="en-US" dirty="0"/>
-              <a:t>– </a:t>
+              <a:t>(supply chain management) – </a:t>
             </a:r>
             <a:r>
               <a:rPr lang="ru-RU" dirty="0"/>
-              <a:t>комплекс подходов, помогающий эффективной интеграции поставщиков, производителей, дистрибьюторов и продавцов.</a:t>
+              <a:t>комплекс подходов, помогающий эффективной интеграции частей цепочке поставок.</a:t>
             </a:r>
           </a:p>
           <a:p>
@@ -5027,7 +5244,7 @@
             </a:r>
             <a:r>
               <a:rPr lang="ru-RU" dirty="0"/>
-              <a:t> система управления транспортом</a:t>
+              <a:t> система управления транспортом.</a:t>
             </a:r>
           </a:p>
         </p:txBody>
@@ -5054,10 +5271,10 @@
           <a:lstStyle/>
           <a:p>
             <a:fld id="{E44E20FB-DC41-4FB4-820E-A7F1077F5D74}" type="slidenum">
-              <a:rPr lang="ru-RU" smtClean="0"/>
+              <a:rPr lang="ru-RU" sz="1600" b="1" smtClean="0"/>
               <a:t>3</a:t>
             </a:fld>
-            <a:endParaRPr lang="ru-RU"/>
+            <a:endParaRPr lang="ru-RU" sz="1600" b="1" dirty="0"/>
           </a:p>
         </p:txBody>
       </p:sp>
@@ -5119,7 +5336,7 @@
           <a:p>
             <a:r>
               <a:rPr lang="ru-RU" dirty="0"/>
-              <a:t>Анализ существующих программных решений</a:t>
+              <a:t>Сравнение существующих программных решений</a:t>
             </a:r>
           </a:p>
         </p:txBody>
@@ -5140,14 +5357,14 @@
             <p:ph idx="1"/>
             <p:extLst>
               <p:ext uri="{D42A27DB-BD31-4B8C-83A1-F6EECF244321}">
-                <p14:modId xmlns:p14="http://schemas.microsoft.com/office/powerpoint/2010/main" val="1947083651"/>
+                <p14:modId xmlns:p14="http://schemas.microsoft.com/office/powerpoint/2010/main" val="3701629514"/>
               </p:ext>
             </p:extLst>
           </p:nvPr>
         </p:nvGraphicFramePr>
         <p:xfrm>
-          <a:off x="838200" y="1690687"/>
-          <a:ext cx="9819639" cy="4546667"/>
+          <a:off x="838200" y="1859280"/>
+          <a:ext cx="11140440" cy="4414041"/>
         </p:xfrm>
         <a:graphic>
           <a:graphicData uri="http://schemas.openxmlformats.org/drawingml/2006/table">
@@ -5156,28 +5373,28 @@
                 <a:tableStyleId>{073A0DAA-6AF3-43AB-8588-CEC1D06C72B9}</a:tableStyleId>
               </a:tblPr>
               <a:tblGrid>
-                <a:gridCol w="3225907">
+                <a:gridCol w="3530600">
                   <a:extLst>
                     <a:ext uri="{9D8B030D-6E8A-4147-A177-3AD203B41FA5}">
                       <a16:colId xmlns:a16="http://schemas.microsoft.com/office/drawing/2014/main" val="181861236"/>
                     </a:ext>
                   </a:extLst>
                 </a:gridCol>
-                <a:gridCol w="2423524">
+                <a:gridCol w="2878714">
                   <a:extLst>
                     <a:ext uri="{9D8B030D-6E8A-4147-A177-3AD203B41FA5}">
                       <a16:colId xmlns:a16="http://schemas.microsoft.com/office/drawing/2014/main" val="758202606"/>
                     </a:ext>
                   </a:extLst>
                 </a:gridCol>
-                <a:gridCol w="1997770">
+                <a:gridCol w="2266482">
                   <a:extLst>
                     <a:ext uri="{9D8B030D-6E8A-4147-A177-3AD203B41FA5}">
                       <a16:colId xmlns:a16="http://schemas.microsoft.com/office/drawing/2014/main" val="3064534097"/>
                     </a:ext>
                   </a:extLst>
                 </a:gridCol>
-                <a:gridCol w="2172438">
+                <a:gridCol w="2464644">
                   <a:extLst>
                     <a:ext uri="{9D8B030D-6E8A-4147-A177-3AD203B41FA5}">
                       <a16:colId xmlns:a16="http://schemas.microsoft.com/office/drawing/2014/main" val="3337284535"/>
@@ -5185,7 +5402,7 @@
                   </a:extLst>
                 </a:gridCol>
               </a:tblGrid>
-              <a:tr h="687757">
+              <a:tr h="662255">
                 <a:tc>
                   <a:txBody>
                     <a:bodyPr/>
@@ -5269,7 +5486,7 @@
                   </a:ext>
                 </a:extLst>
               </a:tr>
-              <a:tr h="958800">
+              <a:tr h="923247">
                 <a:tc>
                   <a:txBody>
                     <a:bodyPr/>
@@ -5352,7 +5569,7 @@
                   </a:ext>
                 </a:extLst>
               </a:tr>
-              <a:tr h="958800">
+              <a:tr h="923247">
                 <a:tc>
                   <a:txBody>
                     <a:bodyPr/>
@@ -5435,7 +5652,7 @@
                   </a:ext>
                 </a:extLst>
               </a:tr>
-              <a:tr h="982510">
+              <a:tr h="946078">
                 <a:tc>
                   <a:txBody>
                     <a:bodyPr/>
@@ -5518,7 +5735,7 @@
                   </a:ext>
                 </a:extLst>
               </a:tr>
-              <a:tr h="958800">
+              <a:tr h="923247">
                 <a:tc>
                   <a:txBody>
                     <a:bodyPr/>
@@ -5623,14 +5840,15 @@
         </p:nvSpPr>
         <p:spPr/>
         <p:txBody>
-          <a:bodyPr/>
+          <a:bodyPr vert="horz" lIns="91440" tIns="45720" rIns="91440" bIns="45720" rtlCol="0" anchor="ctr"/>
           <a:lstStyle/>
           <a:p>
             <a:fld id="{E44E20FB-DC41-4FB4-820E-A7F1077F5D74}" type="slidenum">
-              <a:rPr lang="ru-RU" smtClean="0"/>
+              <a:rPr lang="ru-RU" sz="1600" b="1"/>
+              <a:pPr/>
               <a:t>4</a:t>
             </a:fld>
-            <a:endParaRPr lang="ru-RU"/>
+            <a:endParaRPr lang="ru-RU" sz="1600" b="1" dirty="0"/>
           </a:p>
         </p:txBody>
       </p:sp>
@@ -5687,129 +5905,313 @@
           <a:p>
             <a:r>
               <a:rPr lang="ru-RU" dirty="0"/>
-              <a:t>Математическая постановка задачи</a:t>
-            </a:r>
-          </a:p>
-        </p:txBody>
-      </p:sp>
-      <p:sp>
-        <p:nvSpPr>
-          <p:cNvPr id="3" name="Объект 2">
-            <a:extLst>
-              <a:ext uri="{FF2B5EF4-FFF2-40B4-BE49-F238E27FC236}">
-                <a16:creationId xmlns:a16="http://schemas.microsoft.com/office/drawing/2014/main" id="{13E6B1EB-D9AE-EC94-48D3-1459C1D2E683}"/>
-              </a:ext>
-            </a:extLst>
-          </p:cNvPr>
-          <p:cNvSpPr>
-            <a:spLocks noGrp="1"/>
-          </p:cNvSpPr>
-          <p:nvPr>
-            <p:ph idx="1"/>
-          </p:nvPr>
-        </p:nvSpPr>
-        <p:spPr>
-          <a:xfrm>
-            <a:off x="838200" y="2141537"/>
-            <a:ext cx="11291888" cy="4351338"/>
-          </a:xfrm>
-        </p:spPr>
-        <p:txBody>
-          <a:bodyPr/>
-          <a:lstStyle/>
-          <a:p>
+              <a:t>Математическая </a:t>
+            </a:r>
+            <a:br>
+              <a:rPr lang="en-US" dirty="0"/>
+            </a:br>
             <a:r>
               <a:rPr lang="ru-RU" dirty="0"/>
-              <a:t>Представление транспортной системы</a:t>
-            </a:r>
-            <a:r>
-              <a:rPr lang="en-US" dirty="0"/>
-              <a:t>: </a:t>
-            </a:r>
-          </a:p>
-          <a:p>
-            <a:pPr marL="0" indent="0">
-              <a:buNone/>
-            </a:pPr>
-            <a:r>
-              <a:rPr lang="ru-RU" dirty="0"/>
-              <a:t>неориентированный связанный взвешенный граф.</a:t>
-            </a:r>
-          </a:p>
-          <a:p>
-            <a:pPr lvl="1"/>
-            <a:r>
-              <a:rPr lang="ru-RU" dirty="0"/>
-              <a:t>Вершины – пункты маршрута (стоянка, склады, потребители)</a:t>
-            </a:r>
-          </a:p>
-          <a:p>
-            <a:pPr lvl="1"/>
-            <a:r>
-              <a:rPr lang="ru-RU" dirty="0"/>
-              <a:t>Рёбра – дороги, вес – расстояние (в км.)</a:t>
-            </a:r>
-          </a:p>
-          <a:p>
-            <a:r>
-              <a:rPr lang="ru-RU" dirty="0"/>
-              <a:t>Задача</a:t>
-            </a:r>
-            <a:r>
-              <a:rPr lang="en-US" dirty="0"/>
-              <a:t>: </a:t>
-            </a:r>
-            <a:r>
-              <a:rPr lang="ru-RU" dirty="0"/>
-              <a:t>поиск множества циклов, в котором выполняется следующее</a:t>
-            </a:r>
-            <a:r>
-              <a:rPr lang="en-US" dirty="0"/>
-              <a:t>:</a:t>
-            </a:r>
-          </a:p>
-          <a:p>
-            <a:pPr lvl="1"/>
-            <a:r>
-              <a:rPr lang="ru-RU" dirty="0"/>
-              <a:t>‌циклы начинающихся на стоянке</a:t>
-            </a:r>
-            <a:r>
-              <a:rPr lang="en-US" dirty="0"/>
-              <a:t>;</a:t>
-            </a:r>
-          </a:p>
-          <a:p>
-            <a:pPr lvl="1"/>
-            <a:r>
-              <a:rPr lang="ru-RU" dirty="0"/>
-              <a:t>каждый цикл выполняет перевозку груза из склада потребителям</a:t>
-            </a:r>
-            <a:r>
-              <a:rPr lang="en-US" dirty="0"/>
-              <a:t>;</a:t>
-            </a:r>
-          </a:p>
-          <a:p>
-            <a:pPr lvl="1"/>
-            <a:r>
-              <a:rPr lang="ru-RU" dirty="0"/>
-              <a:t>соблюдаются ограничения модели</a:t>
-            </a:r>
-            <a:r>
-              <a:rPr lang="en-US" dirty="0"/>
-              <a:t>;</a:t>
-            </a:r>
-          </a:p>
-          <a:p>
-            <a:pPr lvl="1"/>
-            <a:r>
-              <a:rPr lang="ru-RU" dirty="0"/>
-              <a:t>функция оптимума минимальна.</a:t>
-            </a:r>
-          </a:p>
-        </p:txBody>
-      </p:sp>
+              <a:t>постановка задачи</a:t>
+            </a:r>
+          </a:p>
+        </p:txBody>
+      </p:sp>
+      <mc:AlternateContent xmlns:mc="http://schemas.openxmlformats.org/markup-compatibility/2006">
+        <mc:Choice xmlns:a14="http://schemas.microsoft.com/office/drawing/2010/main" Requires="a14">
+          <p:sp>
+            <p:nvSpPr>
+              <p:cNvPr id="3" name="Объект 2">
+                <a:extLst>
+                  <a:ext uri="{FF2B5EF4-FFF2-40B4-BE49-F238E27FC236}">
+                    <a16:creationId xmlns:a16="http://schemas.microsoft.com/office/drawing/2014/main" id="{13E6B1EB-D9AE-EC94-48D3-1459C1D2E683}"/>
+                  </a:ext>
+                </a:extLst>
+              </p:cNvPr>
+              <p:cNvSpPr>
+                <a:spLocks noGrp="1"/>
+              </p:cNvSpPr>
+              <p:nvPr>
+                <p:ph idx="1"/>
+              </p:nvPr>
+            </p:nvSpPr>
+            <p:spPr>
+              <a:xfrm>
+                <a:off x="838200" y="2141537"/>
+                <a:ext cx="11291888" cy="4351338"/>
+              </a:xfrm>
+            </p:spPr>
+            <p:txBody>
+              <a:bodyPr>
+                <a:normAutofit fontScale="85000" lnSpcReduction="20000"/>
+              </a:bodyPr>
+              <a:lstStyle/>
+              <a:p>
+                <a:pPr marL="0" indent="0">
+                  <a:buNone/>
+                </a:pPr>
+                <a:r>
+                  <a:rPr lang="ru-RU" dirty="0"/>
+                  <a:t>Представление транспортной системы</a:t>
+                </a:r>
+                <a:r>
+                  <a:rPr lang="en-US" dirty="0"/>
+                  <a:t>: </a:t>
+                </a:r>
+              </a:p>
+              <a:p>
+                <a:pPr marL="0" indent="0">
+                  <a:buNone/>
+                </a:pPr>
+                <a:r>
+                  <a:rPr lang="ru-RU" dirty="0"/>
+                  <a:t>неориентированный связанный взвешенный граф</a:t>
+                </a:r>
+                <a:r>
+                  <a:rPr lang="en-US" dirty="0"/>
+                  <a:t> </a:t>
+                </a:r>
+                <a14:m>
+                  <m:oMath xmlns:m="http://schemas.openxmlformats.org/officeDocument/2006/math">
+                    <m:r>
+                      <a:rPr lang="en-US" b="0" i="1" smtClean="0">
+                        <a:latin typeface="Cambria Math" panose="02040503050406030204" pitchFamily="18" charset="0"/>
+                      </a:rPr>
+                      <m:t>𝐺</m:t>
+                    </m:r>
+                    <m:r>
+                      <a:rPr lang="en-US" b="0" i="1" smtClean="0">
+                        <a:latin typeface="Cambria Math" panose="02040503050406030204" pitchFamily="18" charset="0"/>
+                      </a:rPr>
+                      <m:t>=(</m:t>
+                    </m:r>
+                    <m:r>
+                      <a:rPr lang="en-US" b="0" i="1" smtClean="0">
+                        <a:latin typeface="Cambria Math" panose="02040503050406030204" pitchFamily="18" charset="0"/>
+                      </a:rPr>
+                      <m:t>𝑃</m:t>
+                    </m:r>
+                    <m:r>
+                      <a:rPr lang="en-US" b="0" i="1" smtClean="0">
+                        <a:latin typeface="Cambria Math" panose="02040503050406030204" pitchFamily="18" charset="0"/>
+                      </a:rPr>
+                      <m:t>, </m:t>
+                    </m:r>
+                    <m:r>
+                      <a:rPr lang="en-US" b="0" i="1" smtClean="0">
+                        <a:latin typeface="Cambria Math" panose="02040503050406030204" pitchFamily="18" charset="0"/>
+                      </a:rPr>
+                      <m:t>𝑑</m:t>
+                    </m:r>
+                    <m:r>
+                      <a:rPr lang="en-US" b="0" i="1" smtClean="0">
+                        <a:latin typeface="Cambria Math" panose="02040503050406030204" pitchFamily="18" charset="0"/>
+                      </a:rPr>
+                      <m:t>)</m:t>
+                    </m:r>
+                  </m:oMath>
+                </a14:m>
+                <a:r>
+                  <a:rPr lang="ru-RU" dirty="0"/>
+                  <a:t>.</a:t>
+                </a:r>
+              </a:p>
+              <a:p>
+                <a:pPr lvl="1"/>
+                <a:r>
+                  <a:rPr lang="ru-RU" sz="2600" dirty="0"/>
+                  <a:t>Вершины – пункты маршрута</a:t>
+                </a:r>
+                <a:r>
+                  <a:rPr lang="en-US" sz="2600" dirty="0"/>
+                  <a:t> </a:t>
+                </a:r>
+                <a14:m>
+                  <m:oMath xmlns:m="http://schemas.openxmlformats.org/officeDocument/2006/math">
+                    <m:r>
+                      <a:rPr lang="en-US" sz="3200" b="0" i="1" smtClean="0">
+                        <a:latin typeface="Cambria Math" panose="02040503050406030204" pitchFamily="18" charset="0"/>
+                      </a:rPr>
+                      <m:t>𝑃</m:t>
+                    </m:r>
+                  </m:oMath>
+                </a14:m>
+                <a:r>
+                  <a:rPr lang="ru-RU" sz="2600" dirty="0"/>
+                  <a:t> (стоянка, склады, потребители)</a:t>
+                </a:r>
+              </a:p>
+              <a:p>
+                <a:pPr lvl="1"/>
+                <a:r>
+                  <a:rPr lang="ru-RU" sz="2600" dirty="0"/>
+                  <a:t>Рёбра – дороги, вес – расстояние</a:t>
+                </a:r>
+                <a:r>
+                  <a:rPr lang="en-US" sz="2600" dirty="0"/>
+                  <a:t> </a:t>
+                </a:r>
+                <a14:m>
+                  <m:oMath xmlns:m="http://schemas.openxmlformats.org/officeDocument/2006/math">
+                    <m:r>
+                      <a:rPr lang="en-US" sz="3200" b="0" i="1" smtClean="0">
+                        <a:latin typeface="Cambria Math" panose="02040503050406030204" pitchFamily="18" charset="0"/>
+                      </a:rPr>
+                      <m:t>𝑑</m:t>
+                    </m:r>
+                  </m:oMath>
+                </a14:m>
+                <a:r>
+                  <a:rPr lang="ru-RU" sz="2600" dirty="0"/>
+                  <a:t> (в км)</a:t>
+                </a:r>
+              </a:p>
+              <a:p>
+                <a:pPr marL="457200" lvl="1" indent="0">
+                  <a:buNone/>
+                </a:pPr>
+                <a:endParaRPr lang="ru-RU" sz="2600" dirty="0"/>
+              </a:p>
+              <a:p>
+                <a:pPr marL="0" indent="0">
+                  <a:buNone/>
+                </a:pPr>
+                <a:r>
+                  <a:rPr lang="ru-RU" dirty="0"/>
+                  <a:t>Задача</a:t>
+                </a:r>
+                <a:r>
+                  <a:rPr lang="en-US" dirty="0"/>
+                  <a:t>: </a:t>
+                </a:r>
+                <a:r>
+                  <a:rPr lang="ru-RU" dirty="0"/>
+                  <a:t>поиск множества маршрутов, для которого выполняется следующее</a:t>
+                </a:r>
+                <a:r>
+                  <a:rPr lang="en-US" dirty="0"/>
+                  <a:t>:</a:t>
+                </a:r>
+              </a:p>
+              <a:p>
+                <a:pPr lvl="1"/>
+                <a:r>
+                  <a:rPr lang="ru-RU" sz="2600" dirty="0"/>
+                  <a:t>соблюдаются ограничения модели</a:t>
+                </a:r>
+                <a:r>
+                  <a:rPr lang="en-US" sz="2600" dirty="0"/>
+                  <a:t>;</a:t>
+                </a:r>
+                <a:endParaRPr lang="ru-RU" sz="2600" dirty="0"/>
+              </a:p>
+              <a:p>
+                <a:pPr lvl="1"/>
+                <a:r>
+                  <a:rPr lang="ru-RU" sz="2600" dirty="0"/>
+                  <a:t>минимальная длительность маршрутов (критерий оптимизации</a:t>
+                </a:r>
+                <a:r>
+                  <a:rPr lang="en-US" sz="2600" dirty="0"/>
+                  <a:t> L(R)</a:t>
+                </a:r>
+                <a:r>
+                  <a:rPr lang="ru-RU" sz="2600" dirty="0"/>
+                  <a:t>)</a:t>
+                </a:r>
+                <a:endParaRPr lang="en-US" sz="2600" dirty="0"/>
+              </a:p>
+              <a:p>
+                <a:pPr marL="0" indent="0">
+                  <a:buNone/>
+                </a:pPr>
+                <a:endParaRPr lang="en-US" dirty="0"/>
+              </a:p>
+              <a:p>
+                <a:pPr marL="0" indent="0">
+                  <a:buNone/>
+                </a:pPr>
+                <a:endParaRPr lang="en-US" dirty="0"/>
+              </a:p>
+              <a:p>
+                <a:pPr marL="0" indent="0">
+                  <a:buNone/>
+                </a:pPr>
+                <a:endParaRPr lang="ru-RU" sz="2400" dirty="0"/>
+              </a:p>
+              <a:p>
+                <a:pPr marL="0" indent="0">
+                  <a:buNone/>
+                </a:pPr>
+                <a:r>
+                  <a:rPr lang="ru-RU" sz="2400" dirty="0"/>
+                  <a:t>где </a:t>
+                </a:r>
+                <a:r>
+                  <a:rPr lang="en-US" sz="2400" dirty="0"/>
+                  <a:t>R – </a:t>
+                </a:r>
+                <a:r>
+                  <a:rPr lang="ru-RU" sz="2400" dirty="0"/>
+                  <a:t>маршруты, </a:t>
+                </a:r>
+                <a:r>
+                  <a:rPr lang="en-US" sz="2400" dirty="0"/>
+                  <a:t>RP – </a:t>
+                </a:r>
+                <a:r>
+                  <a:rPr lang="ru-RU" sz="2400" dirty="0"/>
+                  <a:t>пункты маршрута.</a:t>
+                </a:r>
+                <a:endParaRPr lang="en-US" sz="2400" dirty="0"/>
+              </a:p>
+            </p:txBody>
+          </p:sp>
+        </mc:Choice>
+        <mc:Fallback>
+          <p:sp>
+            <p:nvSpPr>
+              <p:cNvPr id="3" name="Объект 2">
+                <a:extLst>
+                  <a:ext uri="{FF2B5EF4-FFF2-40B4-BE49-F238E27FC236}">
+                    <a16:creationId xmlns:a16="http://schemas.microsoft.com/office/drawing/2014/main" id="{13E6B1EB-D9AE-EC94-48D3-1459C1D2E683}"/>
+                  </a:ext>
+                </a:extLst>
+              </p:cNvPr>
+              <p:cNvSpPr>
+                <a:spLocks noGrp="1" noRot="1" noChangeAspect="1" noMove="1" noResize="1" noEditPoints="1" noAdjustHandles="1" noChangeArrowheads="1" noChangeShapeType="1" noTextEdit="1"/>
+              </p:cNvSpPr>
+              <p:nvPr>
+                <p:ph idx="1"/>
+              </p:nvPr>
+            </p:nvSpPr>
+            <p:spPr>
+              <a:xfrm>
+                <a:off x="838200" y="2141537"/>
+                <a:ext cx="11291888" cy="4351338"/>
+              </a:xfrm>
+              <a:blipFill>
+                <a:blip r:embed="rId2"/>
+                <a:stretch>
+                  <a:fillRect l="-864" t="-3221"/>
+                </a:stretch>
+              </a:blipFill>
+            </p:spPr>
+            <p:txBody>
+              <a:bodyPr/>
+              <a:lstStyle/>
+              <a:p>
+                <a:r>
+                  <a:rPr lang="ru-RU">
+                    <a:noFill/>
+                  </a:rPr>
+                  <a:t> </a:t>
+                </a:r>
+              </a:p>
+            </p:txBody>
+          </p:sp>
+        </mc:Fallback>
+      </mc:AlternateContent>
       <p:sp>
         <p:nvSpPr>
           <p:cNvPr id="4" name="Номер слайда 3">
@@ -5828,14 +6230,15 @@
         </p:nvSpPr>
         <p:spPr/>
         <p:txBody>
-          <a:bodyPr/>
+          <a:bodyPr vert="horz" lIns="91440" tIns="45720" rIns="91440" bIns="45720" rtlCol="0" anchor="ctr"/>
           <a:lstStyle/>
           <a:p>
             <a:fld id="{E44E20FB-DC41-4FB4-820E-A7F1077F5D74}" type="slidenum">
-              <a:rPr lang="ru-RU" smtClean="0"/>
+              <a:rPr lang="ru-RU" sz="1600" b="1"/>
+              <a:pPr/>
               <a:t>5</a:t>
             </a:fld>
-            <a:endParaRPr lang="ru-RU"/>
+            <a:endParaRPr lang="ru-RU" sz="1600" b="1" dirty="0"/>
           </a:p>
         </p:txBody>
       </p:sp>
@@ -5854,13 +6257,13 @@
           <p:nvPr/>
         </p:nvPicPr>
         <p:blipFill>
-          <a:blip r:embed="rId2">
+          <a:blip r:embed="rId3">
             <a:extLst>
               <a:ext uri="{28A0092B-C50C-407E-A947-70E740481C1C}">
                 <a14:useLocalDpi xmlns:a14="http://schemas.microsoft.com/office/drawing/2010/main" val="0"/>
               </a:ext>
               <a:ext uri="{96DAC541-7B7A-43D3-8B79-37D633B846F1}">
-                <asvg:svgBlip xmlns:asvg="http://schemas.microsoft.com/office/drawing/2016/SVG/main" r:embed="rId3"/>
+                <asvg:svgBlip xmlns:asvg="http://schemas.microsoft.com/office/drawing/2016/SVG/main" r:embed="rId4"/>
               </a:ext>
             </a:extLst>
           </a:blip>
@@ -5870,8 +6273,46 @@
         </p:blipFill>
         <p:spPr>
           <a:xfrm>
-            <a:off x="8219975" y="797691"/>
-            <a:ext cx="3910113" cy="1785994"/>
+            <a:off x="7000241" y="136525"/>
+            <a:ext cx="5129848" cy="2343124"/>
+          </a:xfrm>
+          <a:prstGeom prst="rect">
+            <a:avLst/>
+          </a:prstGeom>
+        </p:spPr>
+      </p:pic>
+      <p:pic>
+        <p:nvPicPr>
+          <p:cNvPr id="6" name="Рисунок 5">
+            <a:extLst>
+              <a:ext uri="{FF2B5EF4-FFF2-40B4-BE49-F238E27FC236}">
+                <a16:creationId xmlns:a16="http://schemas.microsoft.com/office/drawing/2014/main" id="{9D583F61-1C91-7C8A-75AA-63C0D2144552}"/>
+              </a:ext>
+            </a:extLst>
+          </p:cNvPr>
+          <p:cNvPicPr>
+            <a:picLocks noChangeAspect="1"/>
+          </p:cNvPicPr>
+          <p:nvPr/>
+        </p:nvPicPr>
+        <p:blipFill>
+          <a:blip r:embed="rId5">
+            <a:extLst>
+              <a:ext uri="{28A0092B-C50C-407E-A947-70E740481C1C}">
+                <a14:useLocalDpi xmlns:a14="http://schemas.microsoft.com/office/drawing/2010/main" val="0"/>
+              </a:ext>
+              <a:ext uri="{96DAC541-7B7A-43D3-8B79-37D633B846F1}">
+                <asvg:svgBlip xmlns:asvg="http://schemas.microsoft.com/office/drawing/2016/SVG/main" r:embed="rId6"/>
+              </a:ext>
+            </a:extLst>
+          </a:blip>
+          <a:srcRect/>
+          <a:stretch/>
+        </p:blipFill>
+        <p:spPr>
+          <a:xfrm>
+            <a:off x="1307622" y="4950088"/>
+            <a:ext cx="5176522" cy="907343"/>
           </a:xfrm>
           <a:prstGeom prst="rect">
             <a:avLst/>
@@ -5952,71 +6393,21 @@
             <p:ph idx="1"/>
           </p:nvPr>
         </p:nvSpPr>
-        <p:spPr/>
+        <p:spPr>
+          <a:xfrm>
+            <a:off x="838200" y="1825625"/>
+            <a:ext cx="5435600" cy="4667250"/>
+          </a:xfrm>
+        </p:spPr>
         <p:txBody>
           <a:bodyPr>
-            <a:normAutofit lnSpcReduction="10000"/>
+            <a:normAutofit/>
           </a:bodyPr>
           <a:lstStyle/>
-          <a:p>
-            <a:r>
-              <a:rPr lang="ru-RU" dirty="0"/>
-              <a:t>Критерий оптимизации – минимальная длительность маршрутов </a:t>
-            </a:r>
-            <a:endParaRPr lang="en-US" dirty="0"/>
-          </a:p>
           <a:p>
             <a:pPr marL="0" indent="0">
               <a:buNone/>
             </a:pPr>
-            <a:endParaRPr lang="en-US" dirty="0"/>
-          </a:p>
-          <a:p>
-            <a:endParaRPr lang="en-US" dirty="0"/>
-          </a:p>
-          <a:p>
-            <a:pPr marL="0" indent="0">
-              <a:buNone/>
-            </a:pPr>
-            <a:r>
-              <a:rPr lang="ru-RU" dirty="0"/>
-              <a:t>Где </a:t>
-            </a:r>
-            <a:r>
-              <a:rPr lang="en-US" dirty="0"/>
-              <a:t>d – </a:t>
-            </a:r>
-            <a:r>
-              <a:rPr lang="ru-RU" dirty="0"/>
-              <a:t>расстояние между пунктами, </a:t>
-            </a:r>
-            <a:r>
-              <a:rPr lang="en-US" dirty="0"/>
-              <a:t>R – </a:t>
-            </a:r>
-            <a:r>
-              <a:rPr lang="ru-RU" dirty="0"/>
-              <a:t>маршрут, </a:t>
-            </a:r>
-            <a:r>
-              <a:rPr lang="en-US" dirty="0"/>
-              <a:t>RP – </a:t>
-            </a:r>
-            <a:r>
-              <a:rPr lang="ru-RU" dirty="0"/>
-              <a:t>пункты маршрута. </a:t>
-            </a:r>
-            <a:r>
-              <a:rPr lang="en-US" dirty="0"/>
-              <a:t>L – </a:t>
-            </a:r>
-            <a:r>
-              <a:rPr lang="ru-RU" dirty="0"/>
-              <a:t>функция оптимизации.</a:t>
-            </a:r>
-            <a:endParaRPr lang="en-US" dirty="0"/>
-          </a:p>
-          <a:p>
             <a:r>
               <a:rPr lang="ru-RU" dirty="0"/>
               <a:t>Ограничения системы</a:t>
@@ -6026,31 +6417,24 @@
             <a:pPr lvl="1"/>
             <a:r>
               <a:rPr lang="ru-RU" dirty="0"/>
-              <a:t>Вместимость транспорта  </a:t>
+              <a:t>маршруты начинаются и заканчиваются на стоянке</a:t>
+            </a:r>
+            <a:r>
+              <a:rPr lang="en-US" dirty="0"/>
+              <a:t>;</a:t>
             </a:r>
           </a:p>
           <a:p>
             <a:pPr lvl="1"/>
             <a:r>
               <a:rPr lang="ru-RU" dirty="0"/>
-              <a:t>Обязательность выполнения заказов </a:t>
-            </a:r>
-          </a:p>
-          <a:p>
-            <a:pPr marL="457200" lvl="1" indent="0">
-              <a:buNone/>
-            </a:pPr>
-            <a:r>
-              <a:rPr lang="ru-RU" dirty="0"/>
-              <a:t>	с учётом ограниченности складов </a:t>
-            </a:r>
-          </a:p>
-          <a:p>
-            <a:pPr lvl="1"/>
-            <a:r>
-              <a:rPr lang="ru-RU" dirty="0"/>
-              <a:t>Невозможность обратных перевозок</a:t>
-            </a:r>
+              <a:t>каждый маршрут выполняет только одну погрузку на складе</a:t>
+            </a:r>
+            <a:r>
+              <a:rPr lang="en-US" dirty="0"/>
+              <a:t>;</a:t>
+            </a:r>
+            <a:endParaRPr lang="ru-RU" dirty="0"/>
           </a:p>
           <a:p>
             <a:pPr marL="457200" lvl="1" indent="0">
@@ -6058,6 +6442,36 @@
             </a:pPr>
             <a:endParaRPr lang="ru-RU" dirty="0"/>
           </a:p>
+          <a:p>
+            <a:pPr lvl="1"/>
+            <a:r>
+              <a:rPr lang="ru-RU" dirty="0"/>
+              <a:t>ограниченность вместимости транспорта</a:t>
+            </a:r>
+            <a:r>
+              <a:rPr lang="en-US" dirty="0"/>
+              <a:t>;</a:t>
+            </a:r>
+            <a:endParaRPr lang="ru-RU" dirty="0"/>
+          </a:p>
+          <a:p>
+            <a:pPr marL="457200" lvl="1" indent="0">
+              <a:buNone/>
+            </a:pPr>
+            <a:endParaRPr lang="ru-RU" dirty="0"/>
+          </a:p>
+          <a:p>
+            <a:pPr lvl="1"/>
+            <a:r>
+              <a:rPr lang="ru-RU" dirty="0"/>
+              <a:t>обязательность выполнения заказов с учётом ограниченности складов</a:t>
+            </a:r>
+            <a:r>
+              <a:rPr lang="en-US" dirty="0"/>
+              <a:t>;</a:t>
+            </a:r>
+            <a:endParaRPr lang="ru-RU" dirty="0"/>
+          </a:p>
         </p:txBody>
       </p:sp>
       <p:sp>
@@ -6082,19 +6496,20 @@
           <a:lstStyle/>
           <a:p>
             <a:fld id="{E44E20FB-DC41-4FB4-820E-A7F1077F5D74}" type="slidenum">
-              <a:rPr lang="ru-RU" smtClean="0"/>
+              <a:rPr lang="ru-RU" sz="1600" b="1"/>
+              <a:pPr/>
               <a:t>6</a:t>
             </a:fld>
-            <a:endParaRPr lang="ru-RU"/>
+            <a:endParaRPr lang="ru-RU" sz="1600" b="1" dirty="0"/>
           </a:p>
         </p:txBody>
       </p:sp>
       <p:pic>
         <p:nvPicPr>
-          <p:cNvPr id="9" name="Рисунок 8">
-            <a:extLst>
-              <a:ext uri="{FF2B5EF4-FFF2-40B4-BE49-F238E27FC236}">
-                <a16:creationId xmlns:a16="http://schemas.microsoft.com/office/drawing/2014/main" id="{2A6D65A1-4E7A-E62D-F2DB-4024F7CBE333}"/>
+          <p:cNvPr id="14" name="Рисунок 13">
+            <a:extLst>
+              <a:ext uri="{FF2B5EF4-FFF2-40B4-BE49-F238E27FC236}">
+                <a16:creationId xmlns:a16="http://schemas.microsoft.com/office/drawing/2014/main" id="{88A80A66-C2DA-1351-B19C-9B4770EA37CC}"/>
               </a:ext>
             </a:extLst>
           </p:cNvPr>
@@ -6120,8 +6535,8 @@
         </p:blipFill>
         <p:spPr>
           <a:xfrm>
-            <a:off x="8016545" y="4179791"/>
-            <a:ext cx="1763290" cy="707890"/>
+            <a:off x="6471920" y="5320904"/>
+            <a:ext cx="3469291" cy="848385"/>
           </a:xfrm>
           <a:prstGeom prst="rect">
             <a:avLst/>
@@ -6130,10 +6545,10 @@
       </p:pic>
       <p:pic>
         <p:nvPicPr>
-          <p:cNvPr id="11" name="Рисунок 10">
-            <a:extLst>
-              <a:ext uri="{FF2B5EF4-FFF2-40B4-BE49-F238E27FC236}">
-                <a16:creationId xmlns:a16="http://schemas.microsoft.com/office/drawing/2014/main" id="{A47BB008-270C-98EB-B73F-A6F37DE478FD}"/>
+          <p:cNvPr id="16" name="Рисунок 15">
+            <a:extLst>
+              <a:ext uri="{FF2B5EF4-FFF2-40B4-BE49-F238E27FC236}">
+                <a16:creationId xmlns:a16="http://schemas.microsoft.com/office/drawing/2014/main" id="{2C289C13-54E4-A39C-63C9-C731F4DC34C4}"/>
               </a:ext>
             </a:extLst>
           </p:cNvPr>
@@ -6159,8 +6574,8 @@
         </p:blipFill>
         <p:spPr>
           <a:xfrm>
-            <a:off x="8016545" y="4943640"/>
-            <a:ext cx="2894765" cy="707890"/>
+            <a:off x="6471920" y="3216656"/>
+            <a:ext cx="5435600" cy="424688"/>
           </a:xfrm>
           <a:prstGeom prst="rect">
             <a:avLst/>
@@ -6169,10 +6584,10 @@
       </p:pic>
       <p:pic>
         <p:nvPicPr>
-          <p:cNvPr id="13" name="Рисунок 12">
-            <a:extLst>
-              <a:ext uri="{FF2B5EF4-FFF2-40B4-BE49-F238E27FC236}">
-                <a16:creationId xmlns:a16="http://schemas.microsoft.com/office/drawing/2014/main" id="{88FC6D14-7CA6-07B7-2B6A-D7F7E633340E}"/>
+          <p:cNvPr id="18" name="Рисунок 17">
+            <a:extLst>
+              <a:ext uri="{FF2B5EF4-FFF2-40B4-BE49-F238E27FC236}">
+                <a16:creationId xmlns:a16="http://schemas.microsoft.com/office/drawing/2014/main" id="{1405427A-631C-0A5D-05E3-B8DA73FD7E1E}"/>
               </a:ext>
             </a:extLst>
           </p:cNvPr>
@@ -6198,8 +6613,8 @@
         </p:blipFill>
         <p:spPr>
           <a:xfrm>
-            <a:off x="8016545" y="5532969"/>
-            <a:ext cx="2509521" cy="711462"/>
+            <a:off x="6471920" y="4121107"/>
+            <a:ext cx="2113250" cy="848385"/>
           </a:xfrm>
           <a:prstGeom prst="rect">
             <a:avLst/>
@@ -6208,10 +6623,10 @@
       </p:pic>
       <p:pic>
         <p:nvPicPr>
-          <p:cNvPr id="6" name="Рисунок 5">
-            <a:extLst>
-              <a:ext uri="{FF2B5EF4-FFF2-40B4-BE49-F238E27FC236}">
-                <a16:creationId xmlns:a16="http://schemas.microsoft.com/office/drawing/2014/main" id="{71C05888-3EBA-0925-0163-4D6A9C9D3B7E}"/>
+          <p:cNvPr id="20" name="Рисунок 19">
+            <a:extLst>
+              <a:ext uri="{FF2B5EF4-FFF2-40B4-BE49-F238E27FC236}">
+                <a16:creationId xmlns:a16="http://schemas.microsoft.com/office/drawing/2014/main" id="{9ACB4109-D9CC-3C00-6239-3988710EC7AE}"/>
               </a:ext>
             </a:extLst>
           </p:cNvPr>
@@ -6237,8 +6652,8 @@
         </p:blipFill>
         <p:spPr>
           <a:xfrm>
-            <a:off x="1000760" y="2425786"/>
-            <a:ext cx="4505960" cy="1003214"/>
+            <a:off x="6471920" y="2367947"/>
+            <a:ext cx="2903715" cy="330803"/>
           </a:xfrm>
           <a:prstGeom prst="rect">
             <a:avLst/>
@@ -6303,12 +6718,42 @@
           </a:p>
         </p:txBody>
       </p:sp>
+      <p:sp>
+        <p:nvSpPr>
+          <p:cNvPr id="4" name="Номер слайда 3">
+            <a:extLst>
+              <a:ext uri="{FF2B5EF4-FFF2-40B4-BE49-F238E27FC236}">
+                <a16:creationId xmlns:a16="http://schemas.microsoft.com/office/drawing/2014/main" id="{F61ADD9D-47C8-F6FB-478D-2451A2E20D82}"/>
+              </a:ext>
+            </a:extLst>
+          </p:cNvPr>
+          <p:cNvSpPr>
+            <a:spLocks noGrp="1"/>
+          </p:cNvSpPr>
+          <p:nvPr>
+            <p:ph type="sldNum" sz="quarter" idx="12"/>
+          </p:nvPr>
+        </p:nvSpPr>
+        <p:spPr/>
+        <p:txBody>
+          <a:bodyPr/>
+          <a:lstStyle/>
+          <a:p>
+            <a:fld id="{E44E20FB-DC41-4FB4-820E-A7F1077F5D74}" type="slidenum">
+              <a:rPr lang="ru-RU" sz="1600" b="1"/>
+              <a:pPr/>
+              <a:t>7</a:t>
+            </a:fld>
+            <a:endParaRPr lang="ru-RU" sz="1600" b="1" dirty="0"/>
+          </a:p>
+        </p:txBody>
+      </p:sp>
       <p:pic>
         <p:nvPicPr>
-          <p:cNvPr id="6" name="Объект 5">
-            <a:extLst>
-              <a:ext uri="{FF2B5EF4-FFF2-40B4-BE49-F238E27FC236}">
-                <a16:creationId xmlns:a16="http://schemas.microsoft.com/office/drawing/2014/main" id="{8885FDAE-B112-17DB-92A6-A186D0910242}"/>
+          <p:cNvPr id="10" name="Объект 9">
+            <a:extLst>
+              <a:ext uri="{FF2B5EF4-FFF2-40B4-BE49-F238E27FC236}">
+                <a16:creationId xmlns:a16="http://schemas.microsoft.com/office/drawing/2014/main" id="{C5FDE30F-38A7-E902-82E4-09148842770F}"/>
               </a:ext>
             </a:extLst>
           </p:cNvPr>
@@ -6330,45 +6775,16 @@
               </a:ext>
             </a:extLst>
           </a:blip>
-          <a:srcRect l="523" t="10814" r="634" b="22174"/>
+          <a:srcRect l="782" t="11514" r="418" b="18672"/>
           <a:stretch/>
         </p:blipFill>
         <p:spPr>
           <a:xfrm>
-            <a:off x="997945" y="1351009"/>
-            <a:ext cx="10196109" cy="5345021"/>
+            <a:off x="1285240" y="1690688"/>
+            <a:ext cx="9621520" cy="5097387"/>
           </a:xfrm>
         </p:spPr>
       </p:pic>
-      <p:sp>
-        <p:nvSpPr>
-          <p:cNvPr id="4" name="Номер слайда 3">
-            <a:extLst>
-              <a:ext uri="{FF2B5EF4-FFF2-40B4-BE49-F238E27FC236}">
-                <a16:creationId xmlns:a16="http://schemas.microsoft.com/office/drawing/2014/main" id="{F61ADD9D-47C8-F6FB-478D-2451A2E20D82}"/>
-              </a:ext>
-            </a:extLst>
-          </p:cNvPr>
-          <p:cNvSpPr>
-            <a:spLocks noGrp="1"/>
-          </p:cNvSpPr>
-          <p:nvPr>
-            <p:ph type="sldNum" sz="quarter" idx="12"/>
-          </p:nvPr>
-        </p:nvSpPr>
-        <p:spPr/>
-        <p:txBody>
-          <a:bodyPr/>
-          <a:lstStyle/>
-          <a:p>
-            <a:fld id="{E44E20FB-DC41-4FB4-820E-A7F1077F5D74}" type="slidenum">
-              <a:rPr lang="ru-RU" smtClean="0"/>
-              <a:t>7</a:t>
-            </a:fld>
-            <a:endParaRPr lang="ru-RU"/>
-          </a:p>
-        </p:txBody>
-      </p:sp>
     </p:spTree>
     <p:extLst>
       <p:ext uri="{BB962C8B-B14F-4D97-AF65-F5344CB8AC3E}">
@@ -6385,6 +6801,11 @@
 <file path=ppt/slides/slide8.xml><?xml version="1.0" encoding="utf-8"?>
 <p:sld xmlns:a="http://schemas.openxmlformats.org/drawingml/2006/main" xmlns:r="http://schemas.openxmlformats.org/officeDocument/2006/relationships" xmlns:p="http://schemas.openxmlformats.org/presentationml/2006/main">
   <p:cSld>
+    <p:bg>
+      <p:bgRef idx="1001">
+        <a:schemeClr val="bg1"/>
+      </p:bgRef>
+    </p:bg>
     <p:spTree>
       <p:nvGrpSpPr>
         <p:cNvPr id="1" name=""/>
@@ -6422,7 +6843,7 @@
           <a:p>
             <a:r>
               <a:rPr lang="ru-RU" dirty="0"/>
-              <a:t>Метод минимального элемента</a:t>
+              <a:t>Составление опорного плана</a:t>
             </a:r>
           </a:p>
         </p:txBody>
@@ -6449,10 +6870,11 @@
           <a:lstStyle/>
           <a:p>
             <a:fld id="{E44E20FB-DC41-4FB4-820E-A7F1077F5D74}" type="slidenum">
-              <a:rPr lang="ru-RU" smtClean="0"/>
+              <a:rPr lang="ru-RU" sz="1600" b="1"/>
+              <a:pPr/>
               <a:t>8</a:t>
             </a:fld>
-            <a:endParaRPr lang="ru-RU"/>
+            <a:endParaRPr lang="ru-RU" sz="1600" b="1" dirty="0"/>
           </a:p>
         </p:txBody>
       </p:sp>
@@ -6471,13 +6893,13 @@
           <p:nvPr/>
         </p:nvPicPr>
         <p:blipFill>
-          <a:blip r:embed="rId2">
+          <a:blip r:embed="rId3">
             <a:extLst>
               <a:ext uri="{28A0092B-C50C-407E-A947-70E740481C1C}">
                 <a14:useLocalDpi xmlns:a14="http://schemas.microsoft.com/office/drawing/2010/main" val="0"/>
               </a:ext>
               <a:ext uri="{96DAC541-7B7A-43D3-8B79-37D633B846F1}">
-                <asvg:svgBlip xmlns:asvg="http://schemas.microsoft.com/office/drawing/2016/SVG/main" r:embed="rId3"/>
+                <asvg:svgBlip xmlns:asvg="http://schemas.microsoft.com/office/drawing/2016/SVG/main" r:embed="rId4"/>
               </a:ext>
             </a:extLst>
           </a:blip>
@@ -6510,24 +6932,23 @@
           <p:nvPr/>
         </p:nvPicPr>
         <p:blipFill>
-          <a:blip r:embed="rId4">
+          <a:blip r:embed="rId5">
             <a:extLst>
               <a:ext uri="{28A0092B-C50C-407E-A947-70E740481C1C}">
                 <a14:useLocalDpi xmlns:a14="http://schemas.microsoft.com/office/drawing/2010/main" val="0"/>
               </a:ext>
               <a:ext uri="{96DAC541-7B7A-43D3-8B79-37D633B846F1}">
-                <asvg:svgBlip xmlns:asvg="http://schemas.microsoft.com/office/drawing/2016/SVG/main" r:embed="rId5"/>
+                <asvg:svgBlip xmlns:asvg="http://schemas.microsoft.com/office/drawing/2016/SVG/main" r:embed="rId6"/>
               </a:ext>
             </a:extLst>
           </a:blip>
-          <a:stretch>
-            <a:fillRect/>
-          </a:stretch>
+          <a:srcRect/>
+          <a:stretch/>
         </p:blipFill>
         <p:spPr>
           <a:xfrm>
             <a:off x="7116043" y="3778332"/>
-            <a:ext cx="5075957" cy="2777959"/>
+            <a:ext cx="5075956" cy="2777959"/>
           </a:xfrm>
           <a:prstGeom prst="rect">
             <a:avLst/>
@@ -6549,23 +6970,23 @@
           <p:nvPr/>
         </p:nvPicPr>
         <p:blipFill rotWithShape="1">
-          <a:blip r:embed="rId6">
+          <a:blip r:embed="rId7">
             <a:extLst>
               <a:ext uri="{28A0092B-C50C-407E-A947-70E740481C1C}">
                 <a14:useLocalDpi xmlns:a14="http://schemas.microsoft.com/office/drawing/2010/main" val="0"/>
               </a:ext>
               <a:ext uri="{96DAC541-7B7A-43D3-8B79-37D633B846F1}">
-                <asvg:svgBlip xmlns:asvg="http://schemas.microsoft.com/office/drawing/2016/SVG/main" r:embed="rId7"/>
+                <asvg:svgBlip xmlns:asvg="http://schemas.microsoft.com/office/drawing/2016/SVG/main" r:embed="rId8"/>
               </a:ext>
             </a:extLst>
           </a:blip>
-          <a:srcRect l="250" t="11271" r="526" b="21429"/>
+          <a:srcRect l="415" t="11661" r="401" b="18903"/>
           <a:stretch/>
         </p:blipFill>
         <p:spPr>
           <a:xfrm>
-            <a:off x="151862" y="1690688"/>
-            <a:ext cx="7477760" cy="3921760"/>
+            <a:off x="182880" y="1503680"/>
+            <a:ext cx="7416800" cy="4257040"/>
           </a:xfrm>
           <a:prstGeom prst="rect">
             <a:avLst/>
@@ -6580,7 +7001,7 @@
     </p:extLst>
   </p:cSld>
   <p:clrMapOvr>
-    <a:masterClrMapping/>
+    <a:overrideClrMapping bg1="lt1" tx1="dk1" bg2="lt2" tx2="dk2" accent1="accent1" accent2="accent2" accent3="accent3" accent4="accent4" accent5="accent5" accent6="accent6" hlink="hlink" folHlink="folHlink"/>
   </p:clrMapOvr>
 </p:sld>
 </file>
@@ -6588,6 +7009,11 @@
 <file path=ppt/slides/slide9.xml><?xml version="1.0" encoding="utf-8"?>
 <p:sld xmlns:a="http://schemas.openxmlformats.org/drawingml/2006/main" xmlns:r="http://schemas.openxmlformats.org/officeDocument/2006/relationships" xmlns:p="http://schemas.openxmlformats.org/presentationml/2006/main">
   <p:cSld>
+    <p:bg>
+      <p:bgRef idx="1001">
+        <a:schemeClr val="bg1"/>
+      </p:bgRef>
+    </p:bg>
     <p:spTree>
       <p:nvGrpSpPr>
         <p:cNvPr id="1" name=""/>
@@ -6625,7 +7051,7 @@
           <a:p>
             <a:r>
               <a:rPr lang="ru-RU" dirty="0"/>
-              <a:t>Метод потенциалов</a:t>
+              <a:t>Оптимизация плана</a:t>
             </a:r>
           </a:p>
         </p:txBody>
@@ -6647,23 +7073,23 @@
           </p:nvPr>
         </p:nvPicPr>
         <p:blipFill rotWithShape="1">
-          <a:blip r:embed="rId2">
+          <a:blip r:embed="rId3">
             <a:extLst>
               <a:ext uri="{28A0092B-C50C-407E-A947-70E740481C1C}">
                 <a14:useLocalDpi xmlns:a14="http://schemas.microsoft.com/office/drawing/2010/main" val="0"/>
               </a:ext>
               <a:ext uri="{96DAC541-7B7A-43D3-8B79-37D633B846F1}">
-                <asvg:svgBlip xmlns:asvg="http://schemas.microsoft.com/office/drawing/2016/SVG/main" r:embed="rId3"/>
+                <asvg:svgBlip xmlns:asvg="http://schemas.microsoft.com/office/drawing/2016/SVG/main" r:embed="rId4"/>
               </a:ext>
             </a:extLst>
           </a:blip>
-          <a:srcRect l="535" t="11514" r="468" b="24743"/>
+          <a:srcRect l="619" t="11284" r="496" b="19288"/>
           <a:stretch/>
         </p:blipFill>
         <p:spPr>
           <a:xfrm>
-            <a:off x="160020" y="2453958"/>
-            <a:ext cx="8209280" cy="4087238"/>
+            <a:off x="243840" y="1955932"/>
+            <a:ext cx="8463280" cy="4455072"/>
           </a:xfrm>
         </p:spPr>
       </p:pic>
@@ -6689,10 +7115,10 @@
           <a:lstStyle/>
           <a:p>
             <a:fld id="{E44E20FB-DC41-4FB4-820E-A7F1077F5D74}" type="slidenum">
-              <a:rPr lang="ru-RU" smtClean="0"/>
+              <a:rPr lang="ru-RU" sz="1600" b="1"/>
               <a:t>9</a:t>
             </a:fld>
-            <a:endParaRPr lang="ru-RU"/>
+            <a:endParaRPr lang="ru-RU" sz="1600" b="1" dirty="0"/>
           </a:p>
         </p:txBody>
       </p:sp>
@@ -6711,13 +7137,13 @@
           <p:nvPr/>
         </p:nvPicPr>
         <p:blipFill>
-          <a:blip r:embed="rId4">
+          <a:blip r:embed="rId5">
             <a:extLst>
               <a:ext uri="{28A0092B-C50C-407E-A947-70E740481C1C}">
                 <a14:useLocalDpi xmlns:a14="http://schemas.microsoft.com/office/drawing/2010/main" val="0"/>
               </a:ext>
               <a:ext uri="{96DAC541-7B7A-43D3-8B79-37D633B846F1}">
-                <asvg:svgBlip xmlns:asvg="http://schemas.microsoft.com/office/drawing/2016/SVG/main" r:embed="rId5"/>
+                <asvg:svgBlip xmlns:asvg="http://schemas.microsoft.com/office/drawing/2016/SVG/main" r:embed="rId6"/>
               </a:ext>
             </a:extLst>
           </a:blip>
@@ -6727,8 +7153,8 @@
         </p:blipFill>
         <p:spPr>
           <a:xfrm>
-            <a:off x="6969760" y="136525"/>
-            <a:ext cx="4978400" cy="2538008"/>
+            <a:off x="7440328" y="1"/>
+            <a:ext cx="4751672" cy="2422422"/>
           </a:xfrm>
           <a:prstGeom prst="rect">
             <a:avLst/>
@@ -6750,13 +7176,13 @@
           <p:nvPr/>
         </p:nvPicPr>
         <p:blipFill>
-          <a:blip r:embed="rId6">
+          <a:blip r:embed="rId7">
             <a:extLst>
               <a:ext uri="{28A0092B-C50C-407E-A947-70E740481C1C}">
                 <a14:useLocalDpi xmlns:a14="http://schemas.microsoft.com/office/drawing/2010/main" val="0"/>
               </a:ext>
               <a:ext uri="{96DAC541-7B7A-43D3-8B79-37D633B846F1}">
-                <asvg:svgBlip xmlns:asvg="http://schemas.microsoft.com/office/drawing/2016/SVG/main" r:embed="rId7"/>
+                <asvg:svgBlip xmlns:asvg="http://schemas.microsoft.com/office/drawing/2016/SVG/main" r:embed="rId8"/>
               </a:ext>
             </a:extLst>
           </a:blip>
@@ -6766,8 +7192,8 @@
         </p:blipFill>
         <p:spPr>
           <a:xfrm>
-            <a:off x="7053580" y="2346325"/>
-            <a:ext cx="4978400" cy="2257363"/>
+            <a:off x="7440326" y="2422424"/>
+            <a:ext cx="4751673" cy="2154558"/>
           </a:xfrm>
           <a:prstGeom prst="rect">
             <a:avLst/>
@@ -6782,7 +7208,7 @@
     </p:extLst>
   </p:cSld>
   <p:clrMapOvr>
-    <a:masterClrMapping/>
+    <a:overrideClrMapping bg1="lt1" tx1="dk1" bg2="lt2" tx2="dk2" accent1="accent1" accent2="accent2" accent3="accent3" accent4="accent4" accent5="accent5" accent6="accent6" hlink="hlink" folHlink="folHlink"/>
   </p:clrMapOvr>
 </p:sld>
 </file>
@@ -7375,4 +7801,90 @@
     </a:ext>
   </a:extLst>
 </a:theme>
+</file>
+
+<file path=ppt/theme/themeOverride1.xml><?xml version="1.0" encoding="utf-8"?>
+<a:themeOverride xmlns:a="http://schemas.openxmlformats.org/drawingml/2006/main">
+  <a:clrScheme name="Другая 4">
+    <a:dk1>
+      <a:srgbClr val="44454A"/>
+    </a:dk1>
+    <a:lt1>
+      <a:srgbClr val="DDE2E3"/>
+    </a:lt1>
+    <a:dk2>
+      <a:srgbClr val="44546A"/>
+    </a:dk2>
+    <a:lt2>
+      <a:srgbClr val="E7E6E6"/>
+    </a:lt2>
+    <a:accent1>
+      <a:srgbClr val="4472C4"/>
+    </a:accent1>
+    <a:accent2>
+      <a:srgbClr val="ED7D31"/>
+    </a:accent2>
+    <a:accent3>
+      <a:srgbClr val="A5A5A5"/>
+    </a:accent3>
+    <a:accent4>
+      <a:srgbClr val="FFC000"/>
+    </a:accent4>
+    <a:accent5>
+      <a:srgbClr val="5B9BD5"/>
+    </a:accent5>
+    <a:accent6>
+      <a:srgbClr val="70AD47"/>
+    </a:accent6>
+    <a:hlink>
+      <a:srgbClr val="0563C1"/>
+    </a:hlink>
+    <a:folHlink>
+      <a:srgbClr val="954F72"/>
+    </a:folHlink>
+  </a:clrScheme>
+</a:themeOverride>
+</file>
+
+<file path=ppt/theme/themeOverride2.xml><?xml version="1.0" encoding="utf-8"?>
+<a:themeOverride xmlns:a="http://schemas.openxmlformats.org/drawingml/2006/main">
+  <a:clrScheme name="Другая 4">
+    <a:dk1>
+      <a:srgbClr val="44454A"/>
+    </a:dk1>
+    <a:lt1>
+      <a:srgbClr val="DDE2E3"/>
+    </a:lt1>
+    <a:dk2>
+      <a:srgbClr val="44546A"/>
+    </a:dk2>
+    <a:lt2>
+      <a:srgbClr val="E7E6E6"/>
+    </a:lt2>
+    <a:accent1>
+      <a:srgbClr val="4472C4"/>
+    </a:accent1>
+    <a:accent2>
+      <a:srgbClr val="ED7D31"/>
+    </a:accent2>
+    <a:accent3>
+      <a:srgbClr val="A5A5A5"/>
+    </a:accent3>
+    <a:accent4>
+      <a:srgbClr val="FFC000"/>
+    </a:accent4>
+    <a:accent5>
+      <a:srgbClr val="5B9BD5"/>
+    </a:accent5>
+    <a:accent6>
+      <a:srgbClr val="70AD47"/>
+    </a:accent6>
+    <a:hlink>
+      <a:srgbClr val="0563C1"/>
+    </a:hlink>
+    <a:folHlink>
+      <a:srgbClr val="954F72"/>
+    </a:folHlink>
+  </a:clrScheme>
+</a:themeOverride>
 </file>
--- a/presentation.pptx
+++ b/presentation.pptx
@@ -210,7 +210,7 @@
           <a:p>
             <a:fld id="{6EFE7980-753D-4561-B6FA-AF5425BD0CC4}" type="datetimeFigureOut">
               <a:rPr lang="ru-RU" smtClean="0"/>
-              <a:t>30.05.2022</a:t>
+              <a:t>31.05.2022</a:t>
             </a:fld>
             <a:endParaRPr lang="ru-RU"/>
           </a:p>
@@ -624,7 +624,7 @@
           <a:p>
             <a:fld id="{2D595633-FEC6-41B9-B0A1-528C27FD4BC7}" type="datetime1">
               <a:rPr lang="ru-RU" smtClean="0"/>
-              <a:t>30.05.2022</a:t>
+              <a:t>31.05.2022</a:t>
             </a:fld>
             <a:endParaRPr lang="ru-RU"/>
           </a:p>
@@ -822,7 +822,7 @@
           <a:p>
             <a:fld id="{E0B68846-5A7D-494E-A21B-8CE02887DCC5}" type="datetime1">
               <a:rPr lang="ru-RU" smtClean="0"/>
-              <a:t>30.05.2022</a:t>
+              <a:t>31.05.2022</a:t>
             </a:fld>
             <a:endParaRPr lang="ru-RU"/>
           </a:p>
@@ -1030,7 +1030,7 @@
           <a:p>
             <a:fld id="{4781F2F9-03C2-4B05-8C49-879FAD1DC66F}" type="datetime1">
               <a:rPr lang="ru-RU" smtClean="0"/>
-              <a:t>30.05.2022</a:t>
+              <a:t>31.05.2022</a:t>
             </a:fld>
             <a:endParaRPr lang="ru-RU"/>
           </a:p>
@@ -1228,7 +1228,7 @@
           <a:p>
             <a:fld id="{C55CF103-CC98-4CD4-ADC0-0EB50A8E720A}" type="datetime1">
               <a:rPr lang="ru-RU" smtClean="0"/>
-              <a:t>30.05.2022</a:t>
+              <a:t>31.05.2022</a:t>
             </a:fld>
             <a:endParaRPr lang="ru-RU"/>
           </a:p>
@@ -1503,7 +1503,7 @@
           <a:p>
             <a:fld id="{4828CFB2-5362-4BA6-BEE3-BB2642E5F06E}" type="datetime1">
               <a:rPr lang="ru-RU" smtClean="0"/>
-              <a:t>30.05.2022</a:t>
+              <a:t>31.05.2022</a:t>
             </a:fld>
             <a:endParaRPr lang="ru-RU"/>
           </a:p>
@@ -1768,7 +1768,7 @@
           <a:p>
             <a:fld id="{93793127-953A-4FF8-AD25-9A7EAEB5CF5E}" type="datetime1">
               <a:rPr lang="ru-RU" smtClean="0"/>
-              <a:t>30.05.2022</a:t>
+              <a:t>31.05.2022</a:t>
             </a:fld>
             <a:endParaRPr lang="ru-RU"/>
           </a:p>
@@ -2180,7 +2180,7 @@
           <a:p>
             <a:fld id="{7CA2C41C-A390-4D97-B644-81D6A86436D0}" type="datetime1">
               <a:rPr lang="ru-RU" smtClean="0"/>
-              <a:t>30.05.2022</a:t>
+              <a:t>31.05.2022</a:t>
             </a:fld>
             <a:endParaRPr lang="ru-RU"/>
           </a:p>
@@ -2321,7 +2321,7 @@
           <a:p>
             <a:fld id="{01C7CE23-07DC-4D29-AE4F-CF9126D438E0}" type="datetime1">
               <a:rPr lang="ru-RU" smtClean="0"/>
-              <a:t>30.05.2022</a:t>
+              <a:t>31.05.2022</a:t>
             </a:fld>
             <a:endParaRPr lang="ru-RU"/>
           </a:p>
@@ -2434,7 +2434,7 @@
           <a:p>
             <a:fld id="{6416D010-49B1-4964-92ED-287255F37D04}" type="datetime1">
               <a:rPr lang="ru-RU" smtClean="0"/>
-              <a:t>30.05.2022</a:t>
+              <a:t>31.05.2022</a:t>
             </a:fld>
             <a:endParaRPr lang="ru-RU"/>
           </a:p>
@@ -2745,7 +2745,7 @@
           <a:p>
             <a:fld id="{9EB75F55-3DD5-4CE3-9B54-727202BA15E9}" type="datetime1">
               <a:rPr lang="ru-RU" smtClean="0"/>
-              <a:t>30.05.2022</a:t>
+              <a:t>31.05.2022</a:t>
             </a:fld>
             <a:endParaRPr lang="ru-RU"/>
           </a:p>
@@ -3033,7 +3033,7 @@
           <a:p>
             <a:fld id="{C04789F8-F8FE-4256-8AFF-2567DB3965F4}" type="datetime1">
               <a:rPr lang="ru-RU" smtClean="0"/>
-              <a:t>30.05.2022</a:t>
+              <a:t>31.05.2022</a:t>
             </a:fld>
             <a:endParaRPr lang="ru-RU"/>
           </a:p>
@@ -3274,7 +3274,7 @@
           <a:p>
             <a:fld id="{EA3FB417-0F2C-41D5-8173-80D866AD86E5}" type="datetime1">
               <a:rPr lang="ru-RU" smtClean="0"/>
-              <a:t>30.05.2022</a:t>
+              <a:t>31.05.2022</a:t>
             </a:fld>
             <a:endParaRPr lang="ru-RU"/>
           </a:p>
@@ -4815,7 +4815,7 @@
             </a:r>
             <a:r>
               <a:rPr lang="ru-RU" sz="3000" dirty="0"/>
-              <a:t>разработан метода оптимизации планирования грузоперевозок в транспортной системе</a:t>
+              <a:t>разработан метод оптимизации планирования грузоперевозок в транспортной системе</a:t>
             </a:r>
             <a:r>
               <a:rPr lang="en-US" sz="3000" dirty="0"/>
@@ -4846,7 +4846,7 @@
             <a:pPr lvl="1"/>
             <a:r>
               <a:rPr lang="ru-RU" sz="2800" dirty="0"/>
-              <a:t>с использованием математической модели формализована постановку задачи, определён критерии оценки оптимальности решений</a:t>
+              <a:t>с использованием математической модели формализована постановка задачи, определён критерий оценки оптимальности решений</a:t>
             </a:r>
             <a:r>
               <a:rPr lang="en-US" sz="2800" dirty="0"/>
@@ -5230,7 +5230,7 @@
             </a:r>
             <a:r>
               <a:rPr lang="ru-RU" dirty="0"/>
-              <a:t>комплекс подходов, помогающий эффективной интеграции частей цепочке поставок.</a:t>
+              <a:t>комплекс подходов, помогающий эффективной интеграции частей цепочки поставок.</a:t>
             </a:r>
           </a:p>
           <a:p>
@@ -5917,8 +5917,8 @@
           </a:p>
         </p:txBody>
       </p:sp>
-      <mc:AlternateContent xmlns:mc="http://schemas.openxmlformats.org/markup-compatibility/2006">
-        <mc:Choice xmlns:a14="http://schemas.microsoft.com/office/drawing/2010/main" Requires="a14">
+      <mc:AlternateContent xmlns:mc="http://schemas.openxmlformats.org/markup-compatibility/2006" xmlns:a14="http://schemas.microsoft.com/office/drawing/2010/main">
+        <mc:Choice Requires="a14">
           <p:sp>
             <p:nvSpPr>
               <p:cNvPr id="3" name="Объект 2">
@@ -6168,7 +6168,7 @@
             </p:txBody>
           </p:sp>
         </mc:Choice>
-        <mc:Fallback>
+        <mc:Fallback xmlns="">
           <p:sp>
             <p:nvSpPr>
               <p:cNvPr id="3" name="Объект 2">
